--- a/Poster.pptx
+++ b/Poster.pptx
@@ -252,7 +252,7 @@
             <a:fld id="{0158C5BC-9A70-462C-B28D-9600239EAC64}" type="datetimeFigureOut">
               <a:rPr lang="en-US" smtClean="0"/>
               <a:pPr/>
-              <a:t>12/12/2020</a:t>
+              <a:t>12/13/2020</a:t>
             </a:fld>
             <a:endParaRPr lang="en-US"/>
           </a:p>
@@ -419,7 +419,7 @@
             <a:fld id="{E6CC2317-6751-4CD4-9995-8782DD78E936}" type="datetimeFigureOut">
               <a:rPr lang="en-US" smtClean="0"/>
               <a:pPr/>
-              <a:t>12/12/2020</a:t>
+              <a:t>12/13/2020</a:t>
             </a:fld>
             <a:endParaRPr lang="en-US" dirty="0"/>
           </a:p>
@@ -12440,8 +12440,8 @@
         </p:nvSpPr>
         <p:spPr>
           <a:xfrm>
-            <a:off x="440616" y="5365571"/>
-            <a:ext cx="10093750" cy="3233846"/>
+            <a:off x="440616" y="4369714"/>
+            <a:ext cx="10093750" cy="3520501"/>
           </a:xfrm>
         </p:spPr>
         <p:txBody>
@@ -12593,6 +12593,9 @@
               <a:rPr lang="et-EE" dirty="0" smtClean="0"/>
               <a:t>.</a:t>
             </a:r>
+          </a:p>
+          <a:p>
+            <a:pPr algn="just"/>
             <a:endParaRPr lang="en-US" dirty="0"/>
           </a:p>
         </p:txBody>
@@ -12609,8 +12612,8 @@
         </p:nvSpPr>
         <p:spPr>
           <a:xfrm>
-            <a:off x="449463" y="4799541"/>
-            <a:ext cx="10093882" cy="566030"/>
+            <a:off x="435417" y="3626378"/>
+            <a:ext cx="10082304" cy="558738"/>
           </a:xfrm>
         </p:spPr>
         <p:txBody>
@@ -12621,7 +12624,7 @@
               <a:rPr lang="et-EE" dirty="0" smtClean="0"/>
               <a:t>INTRODUCTION</a:t>
             </a:r>
-            <a:endParaRPr lang="et-EE" dirty="0"/>
+            <a:endParaRPr lang="et-EE" dirty="0" smtClean="0"/>
           </a:p>
         </p:txBody>
       </p:sp>
@@ -12637,8 +12640,8 @@
         </p:nvSpPr>
         <p:spPr>
           <a:xfrm>
-            <a:off x="438015" y="10303202"/>
-            <a:ext cx="10096349" cy="566030"/>
+            <a:off x="464120" y="13827897"/>
+            <a:ext cx="10093752" cy="558738"/>
           </a:xfrm>
         </p:spPr>
         <p:txBody>
@@ -12649,7 +12652,7 @@
               <a:rPr lang="et-EE" dirty="0" smtClean="0"/>
               <a:t>DATA</a:t>
             </a:r>
-            <a:endParaRPr lang="et-EE" dirty="0"/>
+            <a:endParaRPr lang="et-EE" dirty="0" smtClean="0"/>
           </a:p>
         </p:txBody>
       </p:sp>
@@ -12665,8 +12668,8 @@
         </p:nvSpPr>
         <p:spPr>
           <a:xfrm>
-            <a:off x="10859383" y="13436203"/>
-            <a:ext cx="10093752" cy="566030"/>
+            <a:off x="11519970" y="25336298"/>
+            <a:ext cx="9326249" cy="566030"/>
           </a:xfrm>
         </p:spPr>
         <p:txBody>
@@ -12693,7 +12696,7 @@
         </p:nvSpPr>
         <p:spPr>
           <a:xfrm>
-            <a:off x="440615" y="8981668"/>
+            <a:off x="438015" y="11903229"/>
             <a:ext cx="10093752" cy="1242955"/>
           </a:xfrm>
         </p:spPr>
@@ -12767,13 +12770,29 @@
             </a:r>
             <a:r>
               <a:rPr lang="en-US" dirty="0"/>
-              <a:t>CRISP-DM process as much as we can to make our workflow as efficient as possible</a:t>
+              <a:t>CRISP-DM process as much as we </a:t>
+            </a:r>
+            <a:r>
+              <a:rPr lang="en-US" dirty="0" smtClean="0"/>
+              <a:t>can</a:t>
+            </a:r>
+            <a:r>
+              <a:rPr lang="et-EE" dirty="0" smtClean="0"/>
+              <a:t> </a:t>
+            </a:r>
+            <a:r>
+              <a:rPr lang="en-US" dirty="0" smtClean="0"/>
+              <a:t>to </a:t>
+            </a:r>
+            <a:r>
+              <a:rPr lang="en-US" dirty="0"/>
+              <a:t>make our workflow as efficient as possible</a:t>
             </a:r>
             <a:r>
               <a:rPr lang="en-US" dirty="0" smtClean="0"/>
               <a:t>.</a:t>
             </a:r>
-            <a:endParaRPr lang="en-US" dirty="0"/>
+            <a:endParaRPr lang="et-EE" dirty="0" smtClean="0"/>
           </a:p>
         </p:txBody>
       </p:sp>
@@ -12789,7 +12808,7 @@
         </p:nvSpPr>
         <p:spPr>
           <a:xfrm>
-            <a:off x="10858288" y="27786931"/>
+            <a:off x="452060" y="28211797"/>
             <a:ext cx="10090978" cy="566030"/>
           </a:xfrm>
         </p:spPr>
@@ -12818,7 +12837,7 @@
         </p:nvSpPr>
         <p:spPr>
           <a:xfrm>
-            <a:off x="10858288" y="28364564"/>
+            <a:off x="460427" y="28777827"/>
             <a:ext cx="10094847" cy="996734"/>
           </a:xfrm>
         </p:spPr>
@@ -12862,6 +12881,22 @@
             <a:r>
               <a:rPr lang="et-EE" dirty="0" smtClean="0"/>
               <a:t>: </a:t>
+            </a:r>
+            <a:r>
+              <a:rPr lang="et-EE" dirty="0">
+                <a:hlinkClick r:id="rId4"/>
+              </a:rPr>
+              <a:t>https://</a:t>
+            </a:r>
+            <a:r>
+              <a:rPr lang="et-EE" dirty="0" smtClean="0">
+                <a:hlinkClick r:id="rId4"/>
+              </a:rPr>
+              <a:t>github.com/ekoemets/ids-project</a:t>
+            </a:r>
+            <a:r>
+              <a:rPr lang="et-EE" dirty="0" smtClean="0"/>
+              <a:t> </a:t>
             </a:r>
             <a:endParaRPr lang="et-EE" dirty="0"/>
           </a:p>
@@ -12879,8 +12914,8 @@
         </p:nvSpPr>
         <p:spPr>
           <a:xfrm>
-            <a:off x="10854419" y="27798534"/>
-            <a:ext cx="10085926" cy="566030"/>
+            <a:off x="17417143" y="28047871"/>
+            <a:ext cx="3515378" cy="566030"/>
           </a:xfrm>
         </p:spPr>
         <p:txBody>
@@ -12908,8 +12943,8 @@
         </p:nvSpPr>
         <p:spPr>
           <a:xfrm>
-            <a:off x="10846595" y="28445293"/>
-            <a:ext cx="10090978" cy="1366065"/>
+            <a:off x="17417143" y="28593162"/>
+            <a:ext cx="3520430" cy="1366065"/>
           </a:xfrm>
         </p:spPr>
         <p:txBody>
@@ -12919,7 +12954,7 @@
             <a:pPr algn="r"/>
             <a:r>
               <a:rPr lang="et-EE" dirty="0" smtClean="0">
-                <a:hlinkClick r:id="rId4"/>
+                <a:hlinkClick r:id="rId5"/>
               </a:rPr>
               <a:t>jakob.univer@ut.ee</a:t>
             </a:r>
@@ -12929,7 +12964,7 @@
             <a:pPr algn="r"/>
             <a:r>
               <a:rPr lang="et-EE" dirty="0">
-                <a:hlinkClick r:id="rId5"/>
+                <a:hlinkClick r:id="rId6"/>
               </a:rPr>
               <a:t>emil.koemets@ut.ee</a:t>
             </a:r>
@@ -12939,7 +12974,7 @@
             <a:pPr algn="r"/>
             <a:r>
               <a:rPr lang="et-EE" dirty="0" smtClean="0">
-                <a:hlinkClick r:id="rId6"/>
+                <a:hlinkClick r:id="rId7"/>
               </a:rPr>
               <a:t>karl.hendrik.bachmann@ut.ee</a:t>
             </a:r>
@@ -12959,8 +12994,8 @@
         </p:nvSpPr>
         <p:spPr>
           <a:xfrm>
-            <a:off x="431636" y="10906964"/>
-            <a:ext cx="10102728" cy="2166285"/>
+            <a:off x="435417" y="14577719"/>
+            <a:ext cx="10082304" cy="2166285"/>
           </a:xfrm>
         </p:spPr>
         <p:txBody>
@@ -13144,7 +13179,7 @@
               <a:rPr lang="en-US" dirty="0" smtClean="0"/>
               <a:t>.</a:t>
             </a:r>
-            <a:endParaRPr lang="et-EE" dirty="0"/>
+            <a:endParaRPr lang="et-EE" dirty="0" smtClean="0"/>
           </a:p>
         </p:txBody>
       </p:sp>
@@ -13163,7 +13198,11 @@
           <a:bodyPr/>
           <a:lstStyle/>
           <a:p>
-            <a:endParaRPr lang="et-EE"/>
+            <a:r>
+              <a:rPr lang="et-EE" dirty="0" smtClean="0"/>
+              <a:t> </a:t>
+            </a:r>
+            <a:endParaRPr lang="et-EE" dirty="0"/>
           </a:p>
         </p:txBody>
       </p:sp>
@@ -13283,8 +13322,8 @@
         </p:nvSpPr>
         <p:spPr>
           <a:xfrm>
-            <a:off x="438016" y="8414321"/>
-            <a:ext cx="10096349" cy="566030"/>
+            <a:off x="440616" y="11066546"/>
+            <a:ext cx="10093751" cy="558738"/>
           </a:xfrm>
           <a:prstGeom prst="rect">
             <a:avLst/>
@@ -13437,9 +13476,13 @@
           <a:p>
             <a:r>
               <a:rPr lang="et-EE" dirty="0" smtClean="0"/>
-              <a:t>MATERIALS &amp; METHODS</a:t>
-            </a:r>
-            <a:endParaRPr lang="et-EE" dirty="0"/>
+              <a:t>MATERIALS &amp; </a:t>
+            </a:r>
+            <a:r>
+              <a:rPr lang="et-EE" dirty="0" smtClean="0"/>
+              <a:t>METHODS</a:t>
+            </a:r>
+            <a:endParaRPr lang="et-EE" dirty="0" smtClean="0"/>
           </a:p>
         </p:txBody>
       </p:sp>
@@ -13453,8 +13496,8 @@
         </p:nvSpPr>
         <p:spPr>
           <a:xfrm>
-            <a:off x="449463" y="13164697"/>
-            <a:ext cx="10096349" cy="566030"/>
+            <a:off x="461523" y="17333696"/>
+            <a:ext cx="10096349" cy="558738"/>
           </a:xfrm>
           <a:prstGeom prst="rect">
             <a:avLst/>
@@ -13609,7 +13652,7 @@
               <a:rPr lang="et-EE" dirty="0" smtClean="0"/>
               <a:t>PREPROCESSING</a:t>
             </a:r>
-            <a:endParaRPr lang="et-EE" dirty="0"/>
+            <a:endParaRPr lang="et-EE" dirty="0" smtClean="0"/>
           </a:p>
         </p:txBody>
       </p:sp>
@@ -13623,8 +13666,8 @@
         </p:nvSpPr>
         <p:spPr>
           <a:xfrm>
-            <a:off x="10527983" y="4800467"/>
-            <a:ext cx="10096349" cy="566030"/>
+            <a:off x="11517373" y="3626378"/>
+            <a:ext cx="9158283" cy="566030"/>
           </a:xfrm>
           <a:prstGeom prst="rect">
             <a:avLst/>
@@ -13791,8 +13834,8 @@
         </p:nvSpPr>
         <p:spPr>
           <a:xfrm>
-            <a:off x="431636" y="13735402"/>
-            <a:ext cx="10096349" cy="1323439"/>
+            <a:off x="435417" y="18175384"/>
+            <a:ext cx="10082304" cy="1692771"/>
           </a:xfrm>
           <a:prstGeom prst="rect">
             <a:avLst/>
@@ -14423,6 +14466,22 @@
               <a:t>.</a:t>
             </a:r>
           </a:p>
+          <a:p>
+            <a:pPr algn="just">
+              <a:spcBef>
+                <a:spcPct val="20000"/>
+              </a:spcBef>
+            </a:pPr>
+            <a:endParaRPr lang="et-EE" sz="2000" dirty="0" smtClean="0">
+              <a:solidFill>
+                <a:schemeClr val="accent5">
+                  <a:lumMod val="50000"/>
+                </a:schemeClr>
+              </a:solidFill>
+              <a:latin typeface="Times New Roman" panose="02020603050405020304" pitchFamily="18" charset="0"/>
+              <a:cs typeface="Times New Roman" panose="02020603050405020304" pitchFamily="18" charset="0"/>
+            </a:endParaRPr>
+          </a:p>
         </p:txBody>
       </p:sp>
       <p:sp>
@@ -14433,8 +14492,8 @@
         </p:nvSpPr>
         <p:spPr>
           <a:xfrm>
-            <a:off x="11292039" y="5369326"/>
-            <a:ext cx="10096349" cy="400110"/>
+            <a:off x="11538133" y="10193038"/>
+            <a:ext cx="9137524" cy="1323439"/>
           </a:xfrm>
           <a:prstGeom prst="rect">
             <a:avLst/>
@@ -14453,16 +14512,28 @@
               </a:spcBef>
             </a:pPr>
             <a:r>
-              <a:rPr lang="et-EE" sz="2000" dirty="0" err="1" smtClean="0">
-                <a:solidFill>
-                  <a:schemeClr val="accent5">
-                    <a:lumMod val="50000"/>
-                  </a:schemeClr>
-                </a:solidFill>
-                <a:latin typeface="Times New Roman" panose="02020603050405020304" pitchFamily="18" charset="0"/>
-                <a:cs typeface="Times New Roman" panose="02020603050405020304" pitchFamily="18" charset="0"/>
-              </a:rPr>
-              <a:t>Results</a:t>
+              <a:rPr lang="en-US" sz="2000" dirty="0">
+                <a:solidFill>
+                  <a:schemeClr val="accent5">
+                    <a:lumMod val="50000"/>
+                  </a:schemeClr>
+                </a:solidFill>
+                <a:latin typeface="Times New Roman" panose="02020603050405020304" pitchFamily="18" charset="0"/>
+                <a:cs typeface="Times New Roman" panose="02020603050405020304" pitchFamily="18" charset="0"/>
+              </a:rPr>
+              <a:t>One of the most important feature in all our classifiers was the goal amount. We found out that the mean goal amount for a successful project was on average about 3.5 times smaller than the amount for a failed one. 95% of the successful projects had a goal that was under 35 000 </a:t>
+            </a:r>
+            <a:r>
+              <a:rPr lang="en-US" sz="2000" dirty="0" smtClean="0">
+                <a:solidFill>
+                  <a:schemeClr val="accent5">
+                    <a:lumMod val="50000"/>
+                  </a:schemeClr>
+                </a:solidFill>
+                <a:latin typeface="Times New Roman" panose="02020603050405020304" pitchFamily="18" charset="0"/>
+                <a:cs typeface="Times New Roman" panose="02020603050405020304" pitchFamily="18" charset="0"/>
+              </a:rPr>
+              <a:t>USD</a:t>
             </a:r>
             <a:r>
               <a:rPr lang="et-EE" sz="2000" dirty="0" smtClean="0">
@@ -14474,89 +14545,8 @@
                 <a:latin typeface="Times New Roman" panose="02020603050405020304" pitchFamily="18" charset="0"/>
                 <a:cs typeface="Times New Roman" panose="02020603050405020304" pitchFamily="18" charset="0"/>
               </a:rPr>
-              <a:t> </a:t>
-            </a:r>
-            <a:r>
-              <a:rPr lang="et-EE" sz="2000" dirty="0" err="1" smtClean="0">
-                <a:solidFill>
-                  <a:schemeClr val="accent5">
-                    <a:lumMod val="50000"/>
-                  </a:schemeClr>
-                </a:solidFill>
-                <a:latin typeface="Times New Roman" panose="02020603050405020304" pitchFamily="18" charset="0"/>
-                <a:cs typeface="Times New Roman" panose="02020603050405020304" pitchFamily="18" charset="0"/>
-              </a:rPr>
-              <a:t>that</a:t>
-            </a:r>
-            <a:r>
-              <a:rPr lang="et-EE" sz="2000" dirty="0" smtClean="0">
-                <a:solidFill>
-                  <a:schemeClr val="accent5">
-                    <a:lumMod val="50000"/>
-                  </a:schemeClr>
-                </a:solidFill>
-                <a:latin typeface="Times New Roman" panose="02020603050405020304" pitchFamily="18" charset="0"/>
-                <a:cs typeface="Times New Roman" panose="02020603050405020304" pitchFamily="18" charset="0"/>
-              </a:rPr>
-              <a:t> </a:t>
-            </a:r>
-            <a:r>
-              <a:rPr lang="et-EE" sz="2000" dirty="0" err="1" smtClean="0">
-                <a:solidFill>
-                  <a:schemeClr val="accent5">
-                    <a:lumMod val="50000"/>
-                  </a:schemeClr>
-                </a:solidFill>
-                <a:latin typeface="Times New Roman" panose="02020603050405020304" pitchFamily="18" charset="0"/>
-                <a:cs typeface="Times New Roman" panose="02020603050405020304" pitchFamily="18" charset="0"/>
-              </a:rPr>
-              <a:t>we</a:t>
-            </a:r>
-            <a:r>
-              <a:rPr lang="et-EE" sz="2000" dirty="0" smtClean="0">
-                <a:solidFill>
-                  <a:schemeClr val="accent5">
-                    <a:lumMod val="50000"/>
-                  </a:schemeClr>
-                </a:solidFill>
-                <a:latin typeface="Times New Roman" panose="02020603050405020304" pitchFamily="18" charset="0"/>
-                <a:cs typeface="Times New Roman" panose="02020603050405020304" pitchFamily="18" charset="0"/>
-              </a:rPr>
-              <a:t> </a:t>
-            </a:r>
-            <a:r>
-              <a:rPr lang="et-EE" sz="2000" dirty="0" err="1" smtClean="0">
-                <a:solidFill>
-                  <a:schemeClr val="accent5">
-                    <a:lumMod val="50000"/>
-                  </a:schemeClr>
-                </a:solidFill>
-                <a:latin typeface="Times New Roman" panose="02020603050405020304" pitchFamily="18" charset="0"/>
-                <a:cs typeface="Times New Roman" panose="02020603050405020304" pitchFamily="18" charset="0"/>
-              </a:rPr>
-              <a:t>found</a:t>
-            </a:r>
-            <a:r>
-              <a:rPr lang="et-EE" sz="2000" dirty="0" smtClean="0">
-                <a:solidFill>
-                  <a:schemeClr val="accent5">
-                    <a:lumMod val="50000"/>
-                  </a:schemeClr>
-                </a:solidFill>
-                <a:latin typeface="Times New Roman" panose="02020603050405020304" pitchFamily="18" charset="0"/>
-                <a:cs typeface="Times New Roman" panose="02020603050405020304" pitchFamily="18" charset="0"/>
-              </a:rPr>
               <a:t>.</a:t>
             </a:r>
-            <a:endParaRPr lang="et-EE" sz="2000" dirty="0">
-              <a:solidFill>
-                <a:schemeClr val="accent5">
-                  <a:lumMod val="50000"/>
-                </a:schemeClr>
-              </a:solidFill>
-              <a:latin typeface="Times New Roman" panose="02020603050405020304" pitchFamily="18" charset="0"/>
-              <a:cs typeface="Times New Roman" panose="02020603050405020304" pitchFamily="18" charset="0"/>
-            </a:endParaRPr>
           </a:p>
         </p:txBody>
       </p:sp>
@@ -14568,8 +14558,8 @@
         </p:nvSpPr>
         <p:spPr>
           <a:xfrm>
-            <a:off x="11292039" y="14048399"/>
-            <a:ext cx="10096349" cy="400110"/>
+            <a:off x="11538133" y="26054752"/>
+            <a:ext cx="9308086" cy="1631216"/>
           </a:xfrm>
           <a:prstGeom prst="rect">
             <a:avLst/>
@@ -14597,7 +14587,7 @@
                 <a:latin typeface="Times New Roman" panose="02020603050405020304" pitchFamily="18" charset="0"/>
                 <a:cs typeface="Times New Roman" panose="02020603050405020304" pitchFamily="18" charset="0"/>
               </a:rPr>
-              <a:t>Conclusions</a:t>
+              <a:t>We</a:t>
             </a:r>
             <a:r>
               <a:rPr lang="et-EE" sz="2000" dirty="0" smtClean="0">
@@ -14621,6 +14611,1062 @@
                 <a:latin typeface="Times New Roman" panose="02020603050405020304" pitchFamily="18" charset="0"/>
                 <a:cs typeface="Times New Roman" panose="02020603050405020304" pitchFamily="18" charset="0"/>
               </a:rPr>
+              <a:t>did</a:t>
+            </a:r>
+            <a:r>
+              <a:rPr lang="et-EE" sz="2000" dirty="0" smtClean="0">
+                <a:solidFill>
+                  <a:schemeClr val="accent5">
+                    <a:lumMod val="50000"/>
+                  </a:schemeClr>
+                </a:solidFill>
+                <a:latin typeface="Times New Roman" panose="02020603050405020304" pitchFamily="18" charset="0"/>
+                <a:cs typeface="Times New Roman" panose="02020603050405020304" pitchFamily="18" charset="0"/>
+              </a:rPr>
+              <a:t> </a:t>
+            </a:r>
+            <a:r>
+              <a:rPr lang="et-EE" sz="2000" dirty="0" err="1" smtClean="0">
+                <a:solidFill>
+                  <a:schemeClr val="accent5">
+                    <a:lumMod val="50000"/>
+                  </a:schemeClr>
+                </a:solidFill>
+                <a:latin typeface="Times New Roman" panose="02020603050405020304" pitchFamily="18" charset="0"/>
+                <a:cs typeface="Times New Roman" panose="02020603050405020304" pitchFamily="18" charset="0"/>
+              </a:rPr>
+              <a:t>not</a:t>
+            </a:r>
+            <a:r>
+              <a:rPr lang="et-EE" sz="2000" dirty="0" smtClean="0">
+                <a:solidFill>
+                  <a:schemeClr val="accent5">
+                    <a:lumMod val="50000"/>
+                  </a:schemeClr>
+                </a:solidFill>
+                <a:latin typeface="Times New Roman" panose="02020603050405020304" pitchFamily="18" charset="0"/>
+                <a:cs typeface="Times New Roman" panose="02020603050405020304" pitchFamily="18" charset="0"/>
+              </a:rPr>
+              <a:t> </a:t>
+            </a:r>
+            <a:r>
+              <a:rPr lang="et-EE" sz="2000" dirty="0" err="1" smtClean="0">
+                <a:solidFill>
+                  <a:schemeClr val="accent5">
+                    <a:lumMod val="50000"/>
+                  </a:schemeClr>
+                </a:solidFill>
+                <a:latin typeface="Times New Roman" panose="02020603050405020304" pitchFamily="18" charset="0"/>
+                <a:cs typeface="Times New Roman" panose="02020603050405020304" pitchFamily="18" charset="0"/>
+              </a:rPr>
+              <a:t>reach</a:t>
+            </a:r>
+            <a:r>
+              <a:rPr lang="et-EE" sz="2000" dirty="0" smtClean="0">
+                <a:solidFill>
+                  <a:schemeClr val="accent5">
+                    <a:lumMod val="50000"/>
+                  </a:schemeClr>
+                </a:solidFill>
+                <a:latin typeface="Times New Roman" panose="02020603050405020304" pitchFamily="18" charset="0"/>
+                <a:cs typeface="Times New Roman" panose="02020603050405020304" pitchFamily="18" charset="0"/>
+              </a:rPr>
+              <a:t> </a:t>
+            </a:r>
+            <a:r>
+              <a:rPr lang="et-EE" sz="2000" dirty="0" err="1" smtClean="0">
+                <a:solidFill>
+                  <a:schemeClr val="accent5">
+                    <a:lumMod val="50000"/>
+                  </a:schemeClr>
+                </a:solidFill>
+                <a:latin typeface="Times New Roman" panose="02020603050405020304" pitchFamily="18" charset="0"/>
+                <a:cs typeface="Times New Roman" panose="02020603050405020304" pitchFamily="18" charset="0"/>
+              </a:rPr>
+              <a:t>our</a:t>
+            </a:r>
+            <a:r>
+              <a:rPr lang="et-EE" sz="2000" dirty="0" smtClean="0">
+                <a:solidFill>
+                  <a:schemeClr val="accent5">
+                    <a:lumMod val="50000"/>
+                  </a:schemeClr>
+                </a:solidFill>
+                <a:latin typeface="Times New Roman" panose="02020603050405020304" pitchFamily="18" charset="0"/>
+                <a:cs typeface="Times New Roman" panose="02020603050405020304" pitchFamily="18" charset="0"/>
+              </a:rPr>
+              <a:t> </a:t>
+            </a:r>
+            <a:r>
+              <a:rPr lang="et-EE" sz="2000" dirty="0" err="1" smtClean="0">
+                <a:solidFill>
+                  <a:schemeClr val="accent5">
+                    <a:lumMod val="50000"/>
+                  </a:schemeClr>
+                </a:solidFill>
+                <a:latin typeface="Times New Roman" panose="02020603050405020304" pitchFamily="18" charset="0"/>
+                <a:cs typeface="Times New Roman" panose="02020603050405020304" pitchFamily="18" charset="0"/>
+              </a:rPr>
+              <a:t>goal</a:t>
+            </a:r>
+            <a:r>
+              <a:rPr lang="et-EE" sz="2000" dirty="0" smtClean="0">
+                <a:solidFill>
+                  <a:schemeClr val="accent5">
+                    <a:lumMod val="50000"/>
+                  </a:schemeClr>
+                </a:solidFill>
+                <a:latin typeface="Times New Roman" panose="02020603050405020304" pitchFamily="18" charset="0"/>
+                <a:cs typeface="Times New Roman" panose="02020603050405020304" pitchFamily="18" charset="0"/>
+              </a:rPr>
+              <a:t> of </a:t>
+            </a:r>
+            <a:r>
+              <a:rPr lang="et-EE" sz="2000" dirty="0" err="1" smtClean="0">
+                <a:solidFill>
+                  <a:schemeClr val="accent5">
+                    <a:lumMod val="50000"/>
+                  </a:schemeClr>
+                </a:solidFill>
+                <a:latin typeface="Times New Roman" panose="02020603050405020304" pitchFamily="18" charset="0"/>
+                <a:cs typeface="Times New Roman" panose="02020603050405020304" pitchFamily="18" charset="0"/>
+              </a:rPr>
+              <a:t>being</a:t>
+            </a:r>
+            <a:r>
+              <a:rPr lang="et-EE" sz="2000" dirty="0" smtClean="0">
+                <a:solidFill>
+                  <a:schemeClr val="accent5">
+                    <a:lumMod val="50000"/>
+                  </a:schemeClr>
+                </a:solidFill>
+                <a:latin typeface="Times New Roman" panose="02020603050405020304" pitchFamily="18" charset="0"/>
+                <a:cs typeface="Times New Roman" panose="02020603050405020304" pitchFamily="18" charset="0"/>
+              </a:rPr>
+              <a:t> </a:t>
+            </a:r>
+            <a:r>
+              <a:rPr lang="et-EE" sz="2000" dirty="0" err="1" smtClean="0">
+                <a:solidFill>
+                  <a:schemeClr val="accent5">
+                    <a:lumMod val="50000"/>
+                  </a:schemeClr>
+                </a:solidFill>
+                <a:latin typeface="Times New Roman" panose="02020603050405020304" pitchFamily="18" charset="0"/>
+                <a:cs typeface="Times New Roman" panose="02020603050405020304" pitchFamily="18" charset="0"/>
+              </a:rPr>
+              <a:t>able</a:t>
+            </a:r>
+            <a:r>
+              <a:rPr lang="et-EE" sz="2000" dirty="0" smtClean="0">
+                <a:solidFill>
+                  <a:schemeClr val="accent5">
+                    <a:lumMod val="50000"/>
+                  </a:schemeClr>
+                </a:solidFill>
+                <a:latin typeface="Times New Roman" panose="02020603050405020304" pitchFamily="18" charset="0"/>
+                <a:cs typeface="Times New Roman" panose="02020603050405020304" pitchFamily="18" charset="0"/>
+              </a:rPr>
+              <a:t> </a:t>
+            </a:r>
+            <a:r>
+              <a:rPr lang="et-EE" sz="2000" dirty="0" err="1" smtClean="0">
+                <a:solidFill>
+                  <a:schemeClr val="accent5">
+                    <a:lumMod val="50000"/>
+                  </a:schemeClr>
+                </a:solidFill>
+                <a:latin typeface="Times New Roman" panose="02020603050405020304" pitchFamily="18" charset="0"/>
+                <a:cs typeface="Times New Roman" panose="02020603050405020304" pitchFamily="18" charset="0"/>
+              </a:rPr>
+              <a:t>to</a:t>
+            </a:r>
+            <a:r>
+              <a:rPr lang="et-EE" sz="2000" dirty="0" smtClean="0">
+                <a:solidFill>
+                  <a:schemeClr val="accent5">
+                    <a:lumMod val="50000"/>
+                  </a:schemeClr>
+                </a:solidFill>
+                <a:latin typeface="Times New Roman" panose="02020603050405020304" pitchFamily="18" charset="0"/>
+                <a:cs typeface="Times New Roman" panose="02020603050405020304" pitchFamily="18" charset="0"/>
+              </a:rPr>
+              <a:t> </a:t>
+            </a:r>
+            <a:r>
+              <a:rPr lang="et-EE" sz="2000" dirty="0" err="1" smtClean="0">
+                <a:solidFill>
+                  <a:schemeClr val="accent5">
+                    <a:lumMod val="50000"/>
+                  </a:schemeClr>
+                </a:solidFill>
+                <a:latin typeface="Times New Roman" panose="02020603050405020304" pitchFamily="18" charset="0"/>
+                <a:cs typeface="Times New Roman" panose="02020603050405020304" pitchFamily="18" charset="0"/>
+              </a:rPr>
+              <a:t>predict</a:t>
+            </a:r>
+            <a:r>
+              <a:rPr lang="et-EE" sz="2000" dirty="0" smtClean="0">
+                <a:solidFill>
+                  <a:schemeClr val="accent5">
+                    <a:lumMod val="50000"/>
+                  </a:schemeClr>
+                </a:solidFill>
+                <a:latin typeface="Times New Roman" panose="02020603050405020304" pitchFamily="18" charset="0"/>
+                <a:cs typeface="Times New Roman" panose="02020603050405020304" pitchFamily="18" charset="0"/>
+              </a:rPr>
+              <a:t> </a:t>
+            </a:r>
+            <a:r>
+              <a:rPr lang="et-EE" sz="2000" dirty="0" err="1" smtClean="0">
+                <a:solidFill>
+                  <a:schemeClr val="accent5">
+                    <a:lumMod val="50000"/>
+                  </a:schemeClr>
+                </a:solidFill>
+                <a:latin typeface="Times New Roman" panose="02020603050405020304" pitchFamily="18" charset="0"/>
+                <a:cs typeface="Times New Roman" panose="02020603050405020304" pitchFamily="18" charset="0"/>
+              </a:rPr>
+              <a:t>accurately</a:t>
+            </a:r>
+            <a:r>
+              <a:rPr lang="et-EE" sz="2000" dirty="0" smtClean="0">
+                <a:solidFill>
+                  <a:schemeClr val="accent5">
+                    <a:lumMod val="50000"/>
+                  </a:schemeClr>
+                </a:solidFill>
+                <a:latin typeface="Times New Roman" panose="02020603050405020304" pitchFamily="18" charset="0"/>
+                <a:cs typeface="Times New Roman" panose="02020603050405020304" pitchFamily="18" charset="0"/>
+              </a:rPr>
+              <a:t> </a:t>
+            </a:r>
+            <a:r>
+              <a:rPr lang="en-GB" sz="2000" dirty="0" smtClean="0">
+                <a:solidFill>
+                  <a:schemeClr val="accent5">
+                    <a:lumMod val="50000"/>
+                  </a:schemeClr>
+                </a:solidFill>
+                <a:latin typeface="Times New Roman" panose="02020603050405020304" pitchFamily="18" charset="0"/>
+                <a:cs typeface="Times New Roman" panose="02020603050405020304" pitchFamily="18" charset="0"/>
+              </a:rPr>
+              <a:t>whether</a:t>
+            </a:r>
+            <a:r>
+              <a:rPr lang="et-EE" sz="2000" dirty="0" smtClean="0">
+                <a:solidFill>
+                  <a:schemeClr val="accent5">
+                    <a:lumMod val="50000"/>
+                  </a:schemeClr>
+                </a:solidFill>
+                <a:latin typeface="Times New Roman" panose="02020603050405020304" pitchFamily="18" charset="0"/>
+                <a:cs typeface="Times New Roman" panose="02020603050405020304" pitchFamily="18" charset="0"/>
+              </a:rPr>
+              <a:t> a </a:t>
+            </a:r>
+            <a:r>
+              <a:rPr lang="et-EE" sz="2000" dirty="0" err="1" smtClean="0">
+                <a:solidFill>
+                  <a:schemeClr val="accent5">
+                    <a:lumMod val="50000"/>
+                  </a:schemeClr>
+                </a:solidFill>
+                <a:latin typeface="Times New Roman" panose="02020603050405020304" pitchFamily="18" charset="0"/>
+                <a:cs typeface="Times New Roman" panose="02020603050405020304" pitchFamily="18" charset="0"/>
+              </a:rPr>
+              <a:t>Kickstarter</a:t>
+            </a:r>
+            <a:r>
+              <a:rPr lang="et-EE" sz="2000" dirty="0" smtClean="0">
+                <a:solidFill>
+                  <a:schemeClr val="accent5">
+                    <a:lumMod val="50000"/>
+                  </a:schemeClr>
+                </a:solidFill>
+                <a:latin typeface="Times New Roman" panose="02020603050405020304" pitchFamily="18" charset="0"/>
+                <a:cs typeface="Times New Roman" panose="02020603050405020304" pitchFamily="18" charset="0"/>
+              </a:rPr>
+              <a:t> </a:t>
+            </a:r>
+            <a:r>
+              <a:rPr lang="et-EE" sz="2000" dirty="0" err="1" smtClean="0">
+                <a:solidFill>
+                  <a:schemeClr val="accent5">
+                    <a:lumMod val="50000"/>
+                  </a:schemeClr>
+                </a:solidFill>
+                <a:latin typeface="Times New Roman" panose="02020603050405020304" pitchFamily="18" charset="0"/>
+                <a:cs typeface="Times New Roman" panose="02020603050405020304" pitchFamily="18" charset="0"/>
+              </a:rPr>
+              <a:t>project</a:t>
+            </a:r>
+            <a:r>
+              <a:rPr lang="et-EE" sz="2000" dirty="0" smtClean="0">
+                <a:solidFill>
+                  <a:schemeClr val="accent5">
+                    <a:lumMod val="50000"/>
+                  </a:schemeClr>
+                </a:solidFill>
+                <a:latin typeface="Times New Roman" panose="02020603050405020304" pitchFamily="18" charset="0"/>
+                <a:cs typeface="Times New Roman" panose="02020603050405020304" pitchFamily="18" charset="0"/>
+              </a:rPr>
+              <a:t> </a:t>
+            </a:r>
+            <a:r>
+              <a:rPr lang="et-EE" sz="2000" dirty="0" err="1" smtClean="0">
+                <a:solidFill>
+                  <a:schemeClr val="accent5">
+                    <a:lumMod val="50000"/>
+                  </a:schemeClr>
+                </a:solidFill>
+                <a:latin typeface="Times New Roman" panose="02020603050405020304" pitchFamily="18" charset="0"/>
+                <a:cs typeface="Times New Roman" panose="02020603050405020304" pitchFamily="18" charset="0"/>
+              </a:rPr>
+              <a:t>will</a:t>
+            </a:r>
+            <a:r>
+              <a:rPr lang="et-EE" sz="2000" dirty="0" smtClean="0">
+                <a:solidFill>
+                  <a:schemeClr val="accent5">
+                    <a:lumMod val="50000"/>
+                  </a:schemeClr>
+                </a:solidFill>
+                <a:latin typeface="Times New Roman" panose="02020603050405020304" pitchFamily="18" charset="0"/>
+                <a:cs typeface="Times New Roman" panose="02020603050405020304" pitchFamily="18" charset="0"/>
+              </a:rPr>
+              <a:t> </a:t>
+            </a:r>
+            <a:r>
+              <a:rPr lang="et-EE" sz="2000" dirty="0" err="1" smtClean="0">
+                <a:solidFill>
+                  <a:schemeClr val="accent5">
+                    <a:lumMod val="50000"/>
+                  </a:schemeClr>
+                </a:solidFill>
+                <a:latin typeface="Times New Roman" panose="02020603050405020304" pitchFamily="18" charset="0"/>
+                <a:cs typeface="Times New Roman" panose="02020603050405020304" pitchFamily="18" charset="0"/>
+              </a:rPr>
+              <a:t>succeed</a:t>
+            </a:r>
+            <a:r>
+              <a:rPr lang="et-EE" sz="2000" dirty="0" smtClean="0">
+                <a:solidFill>
+                  <a:schemeClr val="accent5">
+                    <a:lumMod val="50000"/>
+                  </a:schemeClr>
+                </a:solidFill>
+                <a:latin typeface="Times New Roman" panose="02020603050405020304" pitchFamily="18" charset="0"/>
+                <a:cs typeface="Times New Roman" panose="02020603050405020304" pitchFamily="18" charset="0"/>
+              </a:rPr>
+              <a:t> </a:t>
+            </a:r>
+            <a:r>
+              <a:rPr lang="et-EE" sz="2000" dirty="0" err="1" smtClean="0">
+                <a:solidFill>
+                  <a:schemeClr val="accent5">
+                    <a:lumMod val="50000"/>
+                  </a:schemeClr>
+                </a:solidFill>
+                <a:latin typeface="Times New Roman" panose="02020603050405020304" pitchFamily="18" charset="0"/>
+                <a:cs typeface="Times New Roman" panose="02020603050405020304" pitchFamily="18" charset="0"/>
+              </a:rPr>
+              <a:t>or</a:t>
+            </a:r>
+            <a:r>
+              <a:rPr lang="et-EE" sz="2000" dirty="0" smtClean="0">
+                <a:solidFill>
+                  <a:schemeClr val="accent5">
+                    <a:lumMod val="50000"/>
+                  </a:schemeClr>
+                </a:solidFill>
+                <a:latin typeface="Times New Roman" panose="02020603050405020304" pitchFamily="18" charset="0"/>
+                <a:cs typeface="Times New Roman" panose="02020603050405020304" pitchFamily="18" charset="0"/>
+              </a:rPr>
+              <a:t> fail, </a:t>
+            </a:r>
+            <a:r>
+              <a:rPr lang="et-EE" sz="2000" dirty="0" err="1" smtClean="0">
+                <a:solidFill>
+                  <a:schemeClr val="accent5">
+                    <a:lumMod val="50000"/>
+                  </a:schemeClr>
+                </a:solidFill>
+                <a:latin typeface="Times New Roman" panose="02020603050405020304" pitchFamily="18" charset="0"/>
+                <a:cs typeface="Times New Roman" panose="02020603050405020304" pitchFamily="18" charset="0"/>
+              </a:rPr>
+              <a:t>but</a:t>
+            </a:r>
+            <a:r>
+              <a:rPr lang="et-EE" sz="2000" dirty="0" smtClean="0">
+                <a:solidFill>
+                  <a:schemeClr val="accent5">
+                    <a:lumMod val="50000"/>
+                  </a:schemeClr>
+                </a:solidFill>
+                <a:latin typeface="Times New Roman" panose="02020603050405020304" pitchFamily="18" charset="0"/>
+                <a:cs typeface="Times New Roman" panose="02020603050405020304" pitchFamily="18" charset="0"/>
+              </a:rPr>
+              <a:t> </a:t>
+            </a:r>
+            <a:r>
+              <a:rPr lang="et-EE" sz="2000" dirty="0" err="1" smtClean="0">
+                <a:solidFill>
+                  <a:schemeClr val="accent5">
+                    <a:lumMod val="50000"/>
+                  </a:schemeClr>
+                </a:solidFill>
+                <a:latin typeface="Times New Roman" panose="02020603050405020304" pitchFamily="18" charset="0"/>
+                <a:cs typeface="Times New Roman" panose="02020603050405020304" pitchFamily="18" charset="0"/>
+              </a:rPr>
+              <a:t>we</a:t>
+            </a:r>
+            <a:r>
+              <a:rPr lang="et-EE" sz="2000" dirty="0" smtClean="0">
+                <a:solidFill>
+                  <a:schemeClr val="accent5">
+                    <a:lumMod val="50000"/>
+                  </a:schemeClr>
+                </a:solidFill>
+                <a:latin typeface="Times New Roman" panose="02020603050405020304" pitchFamily="18" charset="0"/>
+                <a:cs typeface="Times New Roman" panose="02020603050405020304" pitchFamily="18" charset="0"/>
+              </a:rPr>
+              <a:t> </a:t>
+            </a:r>
+            <a:r>
+              <a:rPr lang="et-EE" sz="2000" dirty="0" err="1" smtClean="0">
+                <a:solidFill>
+                  <a:schemeClr val="accent5">
+                    <a:lumMod val="50000"/>
+                  </a:schemeClr>
+                </a:solidFill>
+                <a:latin typeface="Times New Roman" panose="02020603050405020304" pitchFamily="18" charset="0"/>
+                <a:cs typeface="Times New Roman" panose="02020603050405020304" pitchFamily="18" charset="0"/>
+              </a:rPr>
+              <a:t>managed</a:t>
+            </a:r>
+            <a:r>
+              <a:rPr lang="et-EE" sz="2000" dirty="0" smtClean="0">
+                <a:solidFill>
+                  <a:schemeClr val="accent5">
+                    <a:lumMod val="50000"/>
+                  </a:schemeClr>
+                </a:solidFill>
+                <a:latin typeface="Times New Roman" panose="02020603050405020304" pitchFamily="18" charset="0"/>
+                <a:cs typeface="Times New Roman" panose="02020603050405020304" pitchFamily="18" charset="0"/>
+              </a:rPr>
+              <a:t> </a:t>
+            </a:r>
+            <a:r>
+              <a:rPr lang="et-EE" sz="2000" dirty="0" err="1" smtClean="0">
+                <a:solidFill>
+                  <a:schemeClr val="accent5">
+                    <a:lumMod val="50000"/>
+                  </a:schemeClr>
+                </a:solidFill>
+                <a:latin typeface="Times New Roman" panose="02020603050405020304" pitchFamily="18" charset="0"/>
+                <a:cs typeface="Times New Roman" panose="02020603050405020304" pitchFamily="18" charset="0"/>
+              </a:rPr>
+              <a:t>to</a:t>
+            </a:r>
+            <a:r>
+              <a:rPr lang="et-EE" sz="2000" dirty="0" smtClean="0">
+                <a:solidFill>
+                  <a:schemeClr val="accent5">
+                    <a:lumMod val="50000"/>
+                  </a:schemeClr>
+                </a:solidFill>
+                <a:latin typeface="Times New Roman" panose="02020603050405020304" pitchFamily="18" charset="0"/>
+                <a:cs typeface="Times New Roman" panose="02020603050405020304" pitchFamily="18" charset="0"/>
+              </a:rPr>
+              <a:t> </a:t>
+            </a:r>
+            <a:r>
+              <a:rPr lang="et-EE" sz="2000" dirty="0" err="1" smtClean="0">
+                <a:solidFill>
+                  <a:schemeClr val="accent5">
+                    <a:lumMod val="50000"/>
+                  </a:schemeClr>
+                </a:solidFill>
+                <a:latin typeface="Times New Roman" panose="02020603050405020304" pitchFamily="18" charset="0"/>
+                <a:cs typeface="Times New Roman" panose="02020603050405020304" pitchFamily="18" charset="0"/>
+              </a:rPr>
+              <a:t>find</a:t>
+            </a:r>
+            <a:r>
+              <a:rPr lang="et-EE" sz="2000" dirty="0" smtClean="0">
+                <a:solidFill>
+                  <a:schemeClr val="accent5">
+                    <a:lumMod val="50000"/>
+                  </a:schemeClr>
+                </a:solidFill>
+                <a:latin typeface="Times New Roman" panose="02020603050405020304" pitchFamily="18" charset="0"/>
+                <a:cs typeface="Times New Roman" panose="02020603050405020304" pitchFamily="18" charset="0"/>
+              </a:rPr>
+              <a:t> </a:t>
+            </a:r>
+            <a:r>
+              <a:rPr lang="et-EE" sz="2000" dirty="0" err="1" smtClean="0">
+                <a:solidFill>
+                  <a:schemeClr val="accent5">
+                    <a:lumMod val="50000"/>
+                  </a:schemeClr>
+                </a:solidFill>
+                <a:latin typeface="Times New Roman" panose="02020603050405020304" pitchFamily="18" charset="0"/>
+                <a:cs typeface="Times New Roman" panose="02020603050405020304" pitchFamily="18" charset="0"/>
+              </a:rPr>
+              <a:t>out</a:t>
+            </a:r>
+            <a:r>
+              <a:rPr lang="et-EE" sz="2000" dirty="0" smtClean="0">
+                <a:solidFill>
+                  <a:schemeClr val="accent5">
+                    <a:lumMod val="50000"/>
+                  </a:schemeClr>
+                </a:solidFill>
+                <a:latin typeface="Times New Roman" panose="02020603050405020304" pitchFamily="18" charset="0"/>
+                <a:cs typeface="Times New Roman" panose="02020603050405020304" pitchFamily="18" charset="0"/>
+              </a:rPr>
+              <a:t> </a:t>
+            </a:r>
+            <a:r>
+              <a:rPr lang="et-EE" sz="2000" dirty="0" err="1" smtClean="0">
+                <a:solidFill>
+                  <a:schemeClr val="accent5">
+                    <a:lumMod val="50000"/>
+                  </a:schemeClr>
+                </a:solidFill>
+                <a:latin typeface="Times New Roman" panose="02020603050405020304" pitchFamily="18" charset="0"/>
+                <a:cs typeface="Times New Roman" panose="02020603050405020304" pitchFamily="18" charset="0"/>
+              </a:rPr>
+              <a:t>some</a:t>
+            </a:r>
+            <a:r>
+              <a:rPr lang="et-EE" sz="2000" dirty="0" smtClean="0">
+                <a:solidFill>
+                  <a:schemeClr val="accent5">
+                    <a:lumMod val="50000"/>
+                  </a:schemeClr>
+                </a:solidFill>
+                <a:latin typeface="Times New Roman" panose="02020603050405020304" pitchFamily="18" charset="0"/>
+                <a:cs typeface="Times New Roman" panose="02020603050405020304" pitchFamily="18" charset="0"/>
+              </a:rPr>
+              <a:t> </a:t>
+            </a:r>
+            <a:r>
+              <a:rPr lang="et-EE" sz="2000" dirty="0" err="1" smtClean="0">
+                <a:solidFill>
+                  <a:schemeClr val="accent5">
+                    <a:lumMod val="50000"/>
+                  </a:schemeClr>
+                </a:solidFill>
+                <a:latin typeface="Times New Roman" panose="02020603050405020304" pitchFamily="18" charset="0"/>
+                <a:cs typeface="Times New Roman" panose="02020603050405020304" pitchFamily="18" charset="0"/>
+              </a:rPr>
+              <a:t>key</a:t>
+            </a:r>
+            <a:r>
+              <a:rPr lang="et-EE" sz="2000" dirty="0" smtClean="0">
+                <a:solidFill>
+                  <a:schemeClr val="accent5">
+                    <a:lumMod val="50000"/>
+                  </a:schemeClr>
+                </a:solidFill>
+                <a:latin typeface="Times New Roman" panose="02020603050405020304" pitchFamily="18" charset="0"/>
+                <a:cs typeface="Times New Roman" panose="02020603050405020304" pitchFamily="18" charset="0"/>
+              </a:rPr>
+              <a:t> </a:t>
+            </a:r>
+            <a:r>
+              <a:rPr lang="et-EE" sz="2000" dirty="0" err="1" smtClean="0">
+                <a:solidFill>
+                  <a:schemeClr val="accent5">
+                    <a:lumMod val="50000"/>
+                  </a:schemeClr>
+                </a:solidFill>
+                <a:latin typeface="Times New Roman" panose="02020603050405020304" pitchFamily="18" charset="0"/>
+                <a:cs typeface="Times New Roman" panose="02020603050405020304" pitchFamily="18" charset="0"/>
+              </a:rPr>
+              <a:t>elements</a:t>
+            </a:r>
+            <a:r>
+              <a:rPr lang="et-EE" sz="2000" dirty="0" smtClean="0">
+                <a:solidFill>
+                  <a:schemeClr val="accent5">
+                    <a:lumMod val="50000"/>
+                  </a:schemeClr>
+                </a:solidFill>
+                <a:latin typeface="Times New Roman" panose="02020603050405020304" pitchFamily="18" charset="0"/>
+                <a:cs typeface="Times New Roman" panose="02020603050405020304" pitchFamily="18" charset="0"/>
+              </a:rPr>
+              <a:t> of a </a:t>
+            </a:r>
+            <a:r>
+              <a:rPr lang="et-EE" sz="2000" dirty="0" err="1" smtClean="0">
+                <a:solidFill>
+                  <a:schemeClr val="accent5">
+                    <a:lumMod val="50000"/>
+                  </a:schemeClr>
+                </a:solidFill>
+                <a:latin typeface="Times New Roman" panose="02020603050405020304" pitchFamily="18" charset="0"/>
+                <a:cs typeface="Times New Roman" panose="02020603050405020304" pitchFamily="18" charset="0"/>
+              </a:rPr>
+              <a:t>good</a:t>
+            </a:r>
+            <a:r>
+              <a:rPr lang="et-EE" sz="2000" dirty="0" smtClean="0">
+                <a:solidFill>
+                  <a:schemeClr val="accent5">
+                    <a:lumMod val="50000"/>
+                  </a:schemeClr>
+                </a:solidFill>
+                <a:latin typeface="Times New Roman" panose="02020603050405020304" pitchFamily="18" charset="0"/>
+                <a:cs typeface="Times New Roman" panose="02020603050405020304" pitchFamily="18" charset="0"/>
+              </a:rPr>
+              <a:t> </a:t>
+            </a:r>
+            <a:r>
+              <a:rPr lang="et-EE" sz="2000" dirty="0" err="1" smtClean="0">
+                <a:solidFill>
+                  <a:schemeClr val="accent5">
+                    <a:lumMod val="50000"/>
+                  </a:schemeClr>
+                </a:solidFill>
+                <a:latin typeface="Times New Roman" panose="02020603050405020304" pitchFamily="18" charset="0"/>
+                <a:cs typeface="Times New Roman" panose="02020603050405020304" pitchFamily="18" charset="0"/>
+              </a:rPr>
+              <a:t>project</a:t>
+            </a:r>
+            <a:r>
+              <a:rPr lang="et-EE" sz="2000" dirty="0" smtClean="0">
+                <a:solidFill>
+                  <a:schemeClr val="accent5">
+                    <a:lumMod val="50000"/>
+                  </a:schemeClr>
+                </a:solidFill>
+                <a:latin typeface="Times New Roman" panose="02020603050405020304" pitchFamily="18" charset="0"/>
+                <a:cs typeface="Times New Roman" panose="02020603050405020304" pitchFamily="18" charset="0"/>
+              </a:rPr>
+              <a:t>. </a:t>
+            </a:r>
+            <a:r>
+              <a:rPr lang="et-EE" sz="2000" dirty="0" err="1" smtClean="0">
+                <a:solidFill>
+                  <a:schemeClr val="accent5">
+                    <a:lumMod val="50000"/>
+                  </a:schemeClr>
+                </a:solidFill>
+                <a:latin typeface="Times New Roman" panose="02020603050405020304" pitchFamily="18" charset="0"/>
+                <a:cs typeface="Times New Roman" panose="02020603050405020304" pitchFamily="18" charset="0"/>
+              </a:rPr>
+              <a:t>We</a:t>
+            </a:r>
+            <a:r>
+              <a:rPr lang="et-EE" sz="2000" dirty="0" smtClean="0">
+                <a:solidFill>
+                  <a:schemeClr val="accent5">
+                    <a:lumMod val="50000"/>
+                  </a:schemeClr>
+                </a:solidFill>
+                <a:latin typeface="Times New Roman" panose="02020603050405020304" pitchFamily="18" charset="0"/>
+                <a:cs typeface="Times New Roman" panose="02020603050405020304" pitchFamily="18" charset="0"/>
+              </a:rPr>
+              <a:t> </a:t>
+            </a:r>
+            <a:r>
+              <a:rPr lang="et-EE" sz="2000" dirty="0" err="1" smtClean="0">
+                <a:solidFill>
+                  <a:schemeClr val="accent5">
+                    <a:lumMod val="50000"/>
+                  </a:schemeClr>
+                </a:solidFill>
+                <a:latin typeface="Times New Roman" panose="02020603050405020304" pitchFamily="18" charset="0"/>
+                <a:cs typeface="Times New Roman" panose="02020603050405020304" pitchFamily="18" charset="0"/>
+              </a:rPr>
+              <a:t>got</a:t>
+            </a:r>
+            <a:r>
+              <a:rPr lang="et-EE" sz="2000" dirty="0" smtClean="0">
+                <a:solidFill>
+                  <a:schemeClr val="accent5">
+                    <a:lumMod val="50000"/>
+                  </a:schemeClr>
+                </a:solidFill>
+                <a:latin typeface="Times New Roman" panose="02020603050405020304" pitchFamily="18" charset="0"/>
+                <a:cs typeface="Times New Roman" panose="02020603050405020304" pitchFamily="18" charset="0"/>
+              </a:rPr>
+              <a:t> </a:t>
+            </a:r>
+            <a:r>
+              <a:rPr lang="et-EE" sz="2000" dirty="0" err="1" smtClean="0">
+                <a:solidFill>
+                  <a:schemeClr val="accent5">
+                    <a:lumMod val="50000"/>
+                  </a:schemeClr>
+                </a:solidFill>
+                <a:latin typeface="Times New Roman" panose="02020603050405020304" pitchFamily="18" charset="0"/>
+                <a:cs typeface="Times New Roman" panose="02020603050405020304" pitchFamily="18" charset="0"/>
+              </a:rPr>
+              <a:t>our</a:t>
+            </a:r>
+            <a:r>
+              <a:rPr lang="et-EE" sz="2000" dirty="0" smtClean="0">
+                <a:solidFill>
+                  <a:schemeClr val="accent5">
+                    <a:lumMod val="50000"/>
+                  </a:schemeClr>
+                </a:solidFill>
+                <a:latin typeface="Times New Roman" panose="02020603050405020304" pitchFamily="18" charset="0"/>
+                <a:cs typeface="Times New Roman" panose="02020603050405020304" pitchFamily="18" charset="0"/>
+              </a:rPr>
+              <a:t> </a:t>
+            </a:r>
+            <a:r>
+              <a:rPr lang="et-EE" sz="2000" dirty="0" err="1" smtClean="0">
+                <a:solidFill>
+                  <a:schemeClr val="accent5">
+                    <a:lumMod val="50000"/>
+                  </a:schemeClr>
+                </a:solidFill>
+                <a:latin typeface="Times New Roman" panose="02020603050405020304" pitchFamily="18" charset="0"/>
+                <a:cs typeface="Times New Roman" panose="02020603050405020304" pitchFamily="18" charset="0"/>
+              </a:rPr>
+              <a:t>predictions</a:t>
+            </a:r>
+            <a:r>
+              <a:rPr lang="et-EE" sz="2000" dirty="0" smtClean="0">
+                <a:solidFill>
+                  <a:schemeClr val="accent5">
+                    <a:lumMod val="50000"/>
+                  </a:schemeClr>
+                </a:solidFill>
+                <a:latin typeface="Times New Roman" panose="02020603050405020304" pitchFamily="18" charset="0"/>
+                <a:cs typeface="Times New Roman" panose="02020603050405020304" pitchFamily="18" charset="0"/>
+              </a:rPr>
+              <a:t> </a:t>
+            </a:r>
+            <a:r>
+              <a:rPr lang="et-EE" sz="2000" dirty="0" err="1" smtClean="0">
+                <a:solidFill>
+                  <a:schemeClr val="accent5">
+                    <a:lumMod val="50000"/>
+                  </a:schemeClr>
+                </a:solidFill>
+                <a:latin typeface="Times New Roman" panose="02020603050405020304" pitchFamily="18" charset="0"/>
+                <a:cs typeface="Times New Roman" panose="02020603050405020304" pitchFamily="18" charset="0"/>
+              </a:rPr>
+              <a:t>up</a:t>
+            </a:r>
+            <a:r>
+              <a:rPr lang="et-EE" sz="2000" dirty="0" smtClean="0">
+                <a:solidFill>
+                  <a:schemeClr val="accent5">
+                    <a:lumMod val="50000"/>
+                  </a:schemeClr>
+                </a:solidFill>
+                <a:latin typeface="Times New Roman" panose="02020603050405020304" pitchFamily="18" charset="0"/>
+                <a:cs typeface="Times New Roman" panose="02020603050405020304" pitchFamily="18" charset="0"/>
+              </a:rPr>
+              <a:t> </a:t>
+            </a:r>
+            <a:r>
+              <a:rPr lang="et-EE" sz="2000" dirty="0" err="1" smtClean="0">
+                <a:solidFill>
+                  <a:schemeClr val="accent5">
+                    <a:lumMod val="50000"/>
+                  </a:schemeClr>
+                </a:solidFill>
+                <a:latin typeface="Times New Roman" panose="02020603050405020304" pitchFamily="18" charset="0"/>
+                <a:cs typeface="Times New Roman" panose="02020603050405020304" pitchFamily="18" charset="0"/>
+              </a:rPr>
+              <a:t>to</a:t>
+            </a:r>
+            <a:r>
+              <a:rPr lang="et-EE" sz="2000" dirty="0" smtClean="0">
+                <a:solidFill>
+                  <a:schemeClr val="accent5">
+                    <a:lumMod val="50000"/>
+                  </a:schemeClr>
+                </a:solidFill>
+                <a:latin typeface="Times New Roman" panose="02020603050405020304" pitchFamily="18" charset="0"/>
+                <a:cs typeface="Times New Roman" panose="02020603050405020304" pitchFamily="18" charset="0"/>
+              </a:rPr>
+              <a:t> 70 % </a:t>
+            </a:r>
+            <a:r>
+              <a:rPr lang="et-EE" sz="2000" dirty="0" err="1" smtClean="0">
+                <a:solidFill>
+                  <a:schemeClr val="accent5">
+                    <a:lumMod val="50000"/>
+                  </a:schemeClr>
+                </a:solidFill>
+                <a:latin typeface="Times New Roman" panose="02020603050405020304" pitchFamily="18" charset="0"/>
+                <a:cs typeface="Times New Roman" panose="02020603050405020304" pitchFamily="18" charset="0"/>
+              </a:rPr>
+              <a:t>accuracy</a:t>
+            </a:r>
+            <a:r>
+              <a:rPr lang="et-EE" sz="2000" dirty="0" smtClean="0">
+                <a:solidFill>
+                  <a:schemeClr val="accent5">
+                    <a:lumMod val="50000"/>
+                  </a:schemeClr>
+                </a:solidFill>
+                <a:latin typeface="Times New Roman" panose="02020603050405020304" pitchFamily="18" charset="0"/>
+                <a:cs typeface="Times New Roman" panose="02020603050405020304" pitchFamily="18" charset="0"/>
+              </a:rPr>
+              <a:t> </a:t>
+            </a:r>
+            <a:r>
+              <a:rPr lang="et-EE" sz="2000" dirty="0" err="1" smtClean="0">
+                <a:solidFill>
+                  <a:schemeClr val="accent5">
+                    <a:lumMod val="50000"/>
+                  </a:schemeClr>
+                </a:solidFill>
+                <a:latin typeface="Times New Roman" panose="02020603050405020304" pitchFamily="18" charset="0"/>
+                <a:cs typeface="Times New Roman" panose="02020603050405020304" pitchFamily="18" charset="0"/>
+              </a:rPr>
+              <a:t>with</a:t>
+            </a:r>
+            <a:r>
+              <a:rPr lang="et-EE" sz="2000" dirty="0" smtClean="0">
+                <a:solidFill>
+                  <a:schemeClr val="accent5">
+                    <a:lumMod val="50000"/>
+                  </a:schemeClr>
+                </a:solidFill>
+                <a:latin typeface="Times New Roman" panose="02020603050405020304" pitchFamily="18" charset="0"/>
+                <a:cs typeface="Times New Roman" panose="02020603050405020304" pitchFamily="18" charset="0"/>
+              </a:rPr>
+              <a:t> </a:t>
+            </a:r>
+            <a:r>
+              <a:rPr lang="et-EE" sz="2000" dirty="0" err="1" smtClean="0">
+                <a:solidFill>
+                  <a:schemeClr val="accent5">
+                    <a:lumMod val="50000"/>
+                  </a:schemeClr>
+                </a:solidFill>
+                <a:latin typeface="Times New Roman" panose="02020603050405020304" pitchFamily="18" charset="0"/>
+                <a:cs typeface="Times New Roman" panose="02020603050405020304" pitchFamily="18" charset="0"/>
+              </a:rPr>
+              <a:t>project</a:t>
+            </a:r>
+            <a:r>
+              <a:rPr lang="et-EE" sz="2000" dirty="0" smtClean="0">
+                <a:solidFill>
+                  <a:schemeClr val="accent5">
+                    <a:lumMod val="50000"/>
+                  </a:schemeClr>
+                </a:solidFill>
+                <a:latin typeface="Times New Roman" panose="02020603050405020304" pitchFamily="18" charset="0"/>
+                <a:cs typeface="Times New Roman" panose="02020603050405020304" pitchFamily="18" charset="0"/>
+              </a:rPr>
+              <a:t> </a:t>
+            </a:r>
+            <a:r>
+              <a:rPr lang="et-EE" sz="2000" dirty="0" err="1" smtClean="0">
+                <a:solidFill>
+                  <a:schemeClr val="accent5">
+                    <a:lumMod val="50000"/>
+                  </a:schemeClr>
+                </a:solidFill>
+                <a:latin typeface="Times New Roman" panose="02020603050405020304" pitchFamily="18" charset="0"/>
+                <a:cs typeface="Times New Roman" panose="02020603050405020304" pitchFamily="18" charset="0"/>
+              </a:rPr>
+              <a:t>category</a:t>
+            </a:r>
+            <a:r>
+              <a:rPr lang="et-EE" sz="2000" dirty="0" smtClean="0">
+                <a:solidFill>
+                  <a:schemeClr val="accent5">
+                    <a:lumMod val="50000"/>
+                  </a:schemeClr>
+                </a:solidFill>
+                <a:latin typeface="Times New Roman" panose="02020603050405020304" pitchFamily="18" charset="0"/>
+                <a:cs typeface="Times New Roman" panose="02020603050405020304" pitchFamily="18" charset="0"/>
+              </a:rPr>
+              <a:t> </a:t>
+            </a:r>
+            <a:r>
+              <a:rPr lang="et-EE" sz="2000" dirty="0" err="1" smtClean="0">
+                <a:solidFill>
+                  <a:schemeClr val="accent5">
+                    <a:lumMod val="50000"/>
+                  </a:schemeClr>
+                </a:solidFill>
+                <a:latin typeface="Times New Roman" panose="02020603050405020304" pitchFamily="18" charset="0"/>
+                <a:cs typeface="Times New Roman" panose="02020603050405020304" pitchFamily="18" charset="0"/>
+              </a:rPr>
+              <a:t>as</a:t>
+            </a:r>
+            <a:r>
+              <a:rPr lang="et-EE" sz="2000" dirty="0" smtClean="0">
+                <a:solidFill>
+                  <a:schemeClr val="accent5">
+                    <a:lumMod val="50000"/>
+                  </a:schemeClr>
+                </a:solidFill>
+                <a:latin typeface="Times New Roman" panose="02020603050405020304" pitchFamily="18" charset="0"/>
+                <a:cs typeface="Times New Roman" panose="02020603050405020304" pitchFamily="18" charset="0"/>
+              </a:rPr>
+              <a:t> </a:t>
+            </a:r>
+            <a:r>
+              <a:rPr lang="et-EE" sz="2000" dirty="0" err="1" smtClean="0">
+                <a:solidFill>
+                  <a:schemeClr val="accent5">
+                    <a:lumMod val="50000"/>
+                  </a:schemeClr>
+                </a:solidFill>
+                <a:latin typeface="Times New Roman" panose="02020603050405020304" pitchFamily="18" charset="0"/>
+                <a:cs typeface="Times New Roman" panose="02020603050405020304" pitchFamily="18" charset="0"/>
+              </a:rPr>
+              <a:t>the</a:t>
+            </a:r>
+            <a:r>
+              <a:rPr lang="et-EE" sz="2000" dirty="0" smtClean="0">
+                <a:solidFill>
+                  <a:schemeClr val="accent5">
+                    <a:lumMod val="50000"/>
+                  </a:schemeClr>
+                </a:solidFill>
+                <a:latin typeface="Times New Roman" panose="02020603050405020304" pitchFamily="18" charset="0"/>
+                <a:cs typeface="Times New Roman" panose="02020603050405020304" pitchFamily="18" charset="0"/>
+              </a:rPr>
+              <a:t> </a:t>
+            </a:r>
+            <a:r>
+              <a:rPr lang="et-EE" sz="2000" dirty="0" err="1" smtClean="0">
+                <a:solidFill>
+                  <a:schemeClr val="accent5">
+                    <a:lumMod val="50000"/>
+                  </a:schemeClr>
+                </a:solidFill>
+                <a:latin typeface="Times New Roman" panose="02020603050405020304" pitchFamily="18" charset="0"/>
+                <a:cs typeface="Times New Roman" panose="02020603050405020304" pitchFamily="18" charset="0"/>
+              </a:rPr>
+              <a:t>only</a:t>
+            </a:r>
+            <a:r>
+              <a:rPr lang="et-EE" sz="2000" dirty="0" smtClean="0">
+                <a:solidFill>
+                  <a:schemeClr val="accent5">
+                    <a:lumMod val="50000"/>
+                  </a:schemeClr>
+                </a:solidFill>
+                <a:latin typeface="Times New Roman" panose="02020603050405020304" pitchFamily="18" charset="0"/>
+                <a:cs typeface="Times New Roman" panose="02020603050405020304" pitchFamily="18" charset="0"/>
+              </a:rPr>
+              <a:t> </a:t>
+            </a:r>
+            <a:r>
+              <a:rPr lang="et-EE" sz="2000" dirty="0" err="1" smtClean="0">
+                <a:solidFill>
+                  <a:schemeClr val="accent5">
+                    <a:lumMod val="50000"/>
+                  </a:schemeClr>
+                </a:solidFill>
+                <a:latin typeface="Times New Roman" panose="02020603050405020304" pitchFamily="18" charset="0"/>
+                <a:cs typeface="Times New Roman" panose="02020603050405020304" pitchFamily="18" charset="0"/>
+              </a:rPr>
+              <a:t>feature</a:t>
+            </a:r>
+            <a:r>
+              <a:rPr lang="et-EE" sz="2000" dirty="0" smtClean="0">
+                <a:solidFill>
+                  <a:schemeClr val="accent5">
+                    <a:lumMod val="50000"/>
+                  </a:schemeClr>
+                </a:solidFill>
+                <a:latin typeface="Times New Roman" panose="02020603050405020304" pitchFamily="18" charset="0"/>
+                <a:cs typeface="Times New Roman" panose="02020603050405020304" pitchFamily="18" charset="0"/>
+              </a:rPr>
+              <a:t>. </a:t>
+            </a:r>
+            <a:r>
+              <a:rPr lang="et-EE" sz="2000" dirty="0" err="1" smtClean="0">
+                <a:solidFill>
+                  <a:schemeClr val="accent5">
+                    <a:lumMod val="50000"/>
+                  </a:schemeClr>
+                </a:solidFill>
+                <a:latin typeface="Times New Roman" panose="02020603050405020304" pitchFamily="18" charset="0"/>
+                <a:cs typeface="Times New Roman" panose="02020603050405020304" pitchFamily="18" charset="0"/>
+              </a:rPr>
+              <a:t>We</a:t>
+            </a:r>
+            <a:r>
+              <a:rPr lang="et-EE" sz="2000" dirty="0" smtClean="0">
+                <a:solidFill>
+                  <a:schemeClr val="accent5">
+                    <a:lumMod val="50000"/>
+                  </a:schemeClr>
+                </a:solidFill>
+                <a:latin typeface="Times New Roman" panose="02020603050405020304" pitchFamily="18" charset="0"/>
+                <a:cs typeface="Times New Roman" panose="02020603050405020304" pitchFamily="18" charset="0"/>
+              </a:rPr>
+              <a:t> </a:t>
+            </a:r>
+            <a:r>
+              <a:rPr lang="et-EE" sz="2000" dirty="0" err="1" smtClean="0">
+                <a:solidFill>
+                  <a:schemeClr val="accent5">
+                    <a:lumMod val="50000"/>
+                  </a:schemeClr>
+                </a:solidFill>
+                <a:latin typeface="Times New Roman" panose="02020603050405020304" pitchFamily="18" charset="0"/>
+                <a:cs typeface="Times New Roman" panose="02020603050405020304" pitchFamily="18" charset="0"/>
+              </a:rPr>
+              <a:t>also</a:t>
+            </a:r>
+            <a:r>
+              <a:rPr lang="et-EE" sz="2000" dirty="0" smtClean="0">
+                <a:solidFill>
+                  <a:schemeClr val="accent5">
+                    <a:lumMod val="50000"/>
+                  </a:schemeClr>
+                </a:solidFill>
+                <a:latin typeface="Times New Roman" panose="02020603050405020304" pitchFamily="18" charset="0"/>
+                <a:cs typeface="Times New Roman" panose="02020603050405020304" pitchFamily="18" charset="0"/>
+              </a:rPr>
+              <a:t> </a:t>
+            </a:r>
+            <a:r>
+              <a:rPr lang="et-EE" sz="2000" dirty="0" err="1" smtClean="0">
+                <a:solidFill>
+                  <a:schemeClr val="accent5">
+                    <a:lumMod val="50000"/>
+                  </a:schemeClr>
+                </a:solidFill>
+                <a:latin typeface="Times New Roman" panose="02020603050405020304" pitchFamily="18" charset="0"/>
+                <a:cs typeface="Times New Roman" panose="02020603050405020304" pitchFamily="18" charset="0"/>
+              </a:rPr>
+              <a:t>found</a:t>
+            </a:r>
+            <a:r>
+              <a:rPr lang="et-EE" sz="2000" dirty="0" smtClean="0">
+                <a:solidFill>
+                  <a:schemeClr val="accent5">
+                    <a:lumMod val="50000"/>
+                  </a:schemeClr>
+                </a:solidFill>
+                <a:latin typeface="Times New Roman" panose="02020603050405020304" pitchFamily="18" charset="0"/>
+                <a:cs typeface="Times New Roman" panose="02020603050405020304" pitchFamily="18" charset="0"/>
+              </a:rPr>
+              <a:t> </a:t>
+            </a:r>
+            <a:r>
+              <a:rPr lang="et-EE" sz="2000" dirty="0" err="1" smtClean="0">
+                <a:solidFill>
+                  <a:schemeClr val="accent5">
+                    <a:lumMod val="50000"/>
+                  </a:schemeClr>
+                </a:solidFill>
+                <a:latin typeface="Times New Roman" panose="02020603050405020304" pitchFamily="18" charset="0"/>
+                <a:cs typeface="Times New Roman" panose="02020603050405020304" pitchFamily="18" charset="0"/>
+              </a:rPr>
               <a:t>that</a:t>
             </a:r>
             <a:r>
@@ -14633,6 +15679,30 @@
                 <a:latin typeface="Times New Roman" panose="02020603050405020304" pitchFamily="18" charset="0"/>
                 <a:cs typeface="Times New Roman" panose="02020603050405020304" pitchFamily="18" charset="0"/>
               </a:rPr>
+              <a:t> on a </a:t>
+            </a:r>
+            <a:r>
+              <a:rPr lang="et-EE" sz="2000" dirty="0" err="1" smtClean="0">
+                <a:solidFill>
+                  <a:schemeClr val="accent5">
+                    <a:lumMod val="50000"/>
+                  </a:schemeClr>
+                </a:solidFill>
+                <a:latin typeface="Times New Roman" panose="02020603050405020304" pitchFamily="18" charset="0"/>
+                <a:cs typeface="Times New Roman" panose="02020603050405020304" pitchFamily="18" charset="0"/>
+              </a:rPr>
+              <a:t>dataset</a:t>
+            </a:r>
+            <a:r>
+              <a:rPr lang="et-EE" sz="2000" dirty="0" smtClean="0">
+                <a:solidFill>
+                  <a:schemeClr val="accent5">
+                    <a:lumMod val="50000"/>
+                  </a:schemeClr>
+                </a:solidFill>
+                <a:latin typeface="Times New Roman" panose="02020603050405020304" pitchFamily="18" charset="0"/>
+                <a:cs typeface="Times New Roman" panose="02020603050405020304" pitchFamily="18" charset="0"/>
+              </a:rPr>
               <a:t> </a:t>
             </a:r>
             <a:r>
@@ -14645,7 +15715,7 @@
                 <a:latin typeface="Times New Roman" panose="02020603050405020304" pitchFamily="18" charset="0"/>
                 <a:cs typeface="Times New Roman" panose="02020603050405020304" pitchFamily="18" charset="0"/>
               </a:rPr>
-              <a:t>we</a:t>
+              <a:t>this</a:t>
             </a:r>
             <a:r>
               <a:rPr lang="et-EE" sz="2000" dirty="0" smtClean="0">
@@ -14669,7 +15739,7 @@
                 <a:latin typeface="Times New Roman" panose="02020603050405020304" pitchFamily="18" charset="0"/>
                 <a:cs typeface="Times New Roman" panose="02020603050405020304" pitchFamily="18" charset="0"/>
               </a:rPr>
-              <a:t>can</a:t>
+              <a:t>big</a:t>
             </a:r>
             <a:r>
               <a:rPr lang="et-EE" sz="2000" dirty="0" smtClean="0">
@@ -14693,7 +15763,7 @@
                 <a:latin typeface="Times New Roman" panose="02020603050405020304" pitchFamily="18" charset="0"/>
                 <a:cs typeface="Times New Roman" panose="02020603050405020304" pitchFamily="18" charset="0"/>
               </a:rPr>
-              <a:t>make</a:t>
+              <a:t>most</a:t>
             </a:r>
             <a:r>
               <a:rPr lang="et-EE" sz="2000" dirty="0" smtClean="0">
@@ -14717,7 +15787,7 @@
                 <a:latin typeface="Times New Roman" panose="02020603050405020304" pitchFamily="18" charset="0"/>
                 <a:cs typeface="Times New Roman" panose="02020603050405020304" pitchFamily="18" charset="0"/>
               </a:rPr>
-              <a:t>from</a:t>
+              <a:t>classic</a:t>
             </a:r>
             <a:r>
               <a:rPr lang="et-EE" sz="2000" dirty="0" smtClean="0">
@@ -14741,7 +15811,7 @@
                 <a:latin typeface="Times New Roman" panose="02020603050405020304" pitchFamily="18" charset="0"/>
                 <a:cs typeface="Times New Roman" panose="02020603050405020304" pitchFamily="18" charset="0"/>
               </a:rPr>
-              <a:t>the</a:t>
+              <a:t>classifiers</a:t>
             </a:r>
             <a:r>
               <a:rPr lang="et-EE" sz="2000" dirty="0" smtClean="0">
@@ -14753,6 +15823,30 @@
                 <a:latin typeface="Times New Roman" panose="02020603050405020304" pitchFamily="18" charset="0"/>
                 <a:cs typeface="Times New Roman" panose="02020603050405020304" pitchFamily="18" charset="0"/>
               </a:rPr>
+              <a:t> are </a:t>
+            </a:r>
+            <a:r>
+              <a:rPr lang="et-EE" sz="2000" dirty="0" err="1" smtClean="0">
+                <a:solidFill>
+                  <a:schemeClr val="accent5">
+                    <a:lumMod val="50000"/>
+                  </a:schemeClr>
+                </a:solidFill>
+                <a:latin typeface="Times New Roman" panose="02020603050405020304" pitchFamily="18" charset="0"/>
+                <a:cs typeface="Times New Roman" panose="02020603050405020304" pitchFamily="18" charset="0"/>
+              </a:rPr>
+              <a:t>extremely</a:t>
+            </a:r>
+            <a:r>
+              <a:rPr lang="et-EE" sz="2000" dirty="0" smtClean="0">
+                <a:solidFill>
+                  <a:schemeClr val="accent5">
+                    <a:lumMod val="50000"/>
+                  </a:schemeClr>
+                </a:solidFill>
+                <a:latin typeface="Times New Roman" panose="02020603050405020304" pitchFamily="18" charset="0"/>
+                <a:cs typeface="Times New Roman" panose="02020603050405020304" pitchFamily="18" charset="0"/>
+              </a:rPr>
               <a:t> </a:t>
             </a:r>
             <a:r>
@@ -14765,7 +15859,7 @@
                 <a:latin typeface="Times New Roman" panose="02020603050405020304" pitchFamily="18" charset="0"/>
                 <a:cs typeface="Times New Roman" panose="02020603050405020304" pitchFamily="18" charset="0"/>
               </a:rPr>
-              <a:t>results</a:t>
+              <a:t>time</a:t>
             </a:r>
             <a:r>
               <a:rPr lang="et-EE" sz="2000" dirty="0" smtClean="0">
@@ -14777,7 +15871,79 @@
                 <a:latin typeface="Times New Roman" panose="02020603050405020304" pitchFamily="18" charset="0"/>
                 <a:cs typeface="Times New Roman" panose="02020603050405020304" pitchFamily="18" charset="0"/>
               </a:rPr>
-              <a:t>.</a:t>
+              <a:t> </a:t>
+            </a:r>
+            <a:r>
+              <a:rPr lang="et-EE" sz="2000" dirty="0" err="1" smtClean="0">
+                <a:solidFill>
+                  <a:schemeClr val="accent5">
+                    <a:lumMod val="50000"/>
+                  </a:schemeClr>
+                </a:solidFill>
+                <a:latin typeface="Times New Roman" panose="02020603050405020304" pitchFamily="18" charset="0"/>
+                <a:cs typeface="Times New Roman" panose="02020603050405020304" pitchFamily="18" charset="0"/>
+              </a:rPr>
+              <a:t>consuming</a:t>
+            </a:r>
+            <a:r>
+              <a:rPr lang="et-EE" sz="2000" dirty="0" smtClean="0">
+                <a:solidFill>
+                  <a:schemeClr val="accent5">
+                    <a:lumMod val="50000"/>
+                  </a:schemeClr>
+                </a:solidFill>
+                <a:latin typeface="Times New Roman" panose="02020603050405020304" pitchFamily="18" charset="0"/>
+                <a:cs typeface="Times New Roman" panose="02020603050405020304" pitchFamily="18" charset="0"/>
+              </a:rPr>
+              <a:t> </a:t>
+            </a:r>
+            <a:r>
+              <a:rPr lang="et-EE" sz="2000" dirty="0" err="1" smtClean="0">
+                <a:solidFill>
+                  <a:schemeClr val="accent5">
+                    <a:lumMod val="50000"/>
+                  </a:schemeClr>
+                </a:solidFill>
+                <a:latin typeface="Times New Roman" panose="02020603050405020304" pitchFamily="18" charset="0"/>
+                <a:cs typeface="Times New Roman" panose="02020603050405020304" pitchFamily="18" charset="0"/>
+              </a:rPr>
+              <a:t>to</a:t>
+            </a:r>
+            <a:r>
+              <a:rPr lang="et-EE" sz="2000" dirty="0" smtClean="0">
+                <a:solidFill>
+                  <a:schemeClr val="accent5">
+                    <a:lumMod val="50000"/>
+                  </a:schemeClr>
+                </a:solidFill>
+                <a:latin typeface="Times New Roman" panose="02020603050405020304" pitchFamily="18" charset="0"/>
+                <a:cs typeface="Times New Roman" panose="02020603050405020304" pitchFamily="18" charset="0"/>
+              </a:rPr>
+              <a:t> </a:t>
+            </a:r>
+            <a:r>
+              <a:rPr lang="et-EE" sz="2000" dirty="0" err="1" smtClean="0">
+                <a:solidFill>
+                  <a:schemeClr val="accent5">
+                    <a:lumMod val="50000"/>
+                  </a:schemeClr>
+                </a:solidFill>
+                <a:latin typeface="Times New Roman" panose="02020603050405020304" pitchFamily="18" charset="0"/>
+                <a:cs typeface="Times New Roman" panose="02020603050405020304" pitchFamily="18" charset="0"/>
+              </a:rPr>
+              <a:t>run</a:t>
+            </a:r>
+            <a:r>
+              <a:rPr lang="et-EE" sz="2000" dirty="0" smtClean="0">
+                <a:solidFill>
+                  <a:schemeClr val="accent5">
+                    <a:lumMod val="50000"/>
+                  </a:schemeClr>
+                </a:solidFill>
+                <a:latin typeface="Times New Roman" panose="02020603050405020304" pitchFamily="18" charset="0"/>
+                <a:cs typeface="Times New Roman" panose="02020603050405020304" pitchFamily="18" charset="0"/>
+              </a:rPr>
+              <a:t>. </a:t>
             </a:r>
             <a:endParaRPr lang="et-EE" sz="2000" dirty="0">
               <a:solidFill>
@@ -14800,7 +15966,7 @@
           <p:nvPr/>
         </p:nvPicPr>
         <p:blipFill>
-          <a:blip r:embed="rId7">
+          <a:blip r:embed="rId8">
             <a:extLst>
               <a:ext uri="{28A0092B-C50C-407E-A947-70E740481C1C}">
                 <a14:useLocalDpi xmlns:a14="http://schemas.microsoft.com/office/drawing/2010/main" val="0"/>
@@ -14813,8 +15979,8 @@
         </p:blipFill>
         <p:spPr>
           <a:xfrm>
-            <a:off x="431635" y="15247297"/>
-            <a:ext cx="8262421" cy="5328020"/>
+            <a:off x="11538133" y="4334098"/>
+            <a:ext cx="9137523" cy="5892329"/>
           </a:xfrm>
           <a:prstGeom prst="rect">
             <a:avLst/>
@@ -14830,7 +15996,7 @@
           <p:nvPr/>
         </p:nvPicPr>
         <p:blipFill rotWithShape="1">
-          <a:blip r:embed="rId8">
+          <a:blip r:embed="rId9">
             <a:extLst>
               <a:ext uri="{28A0092B-C50C-407E-A947-70E740481C1C}">
                 <a14:useLocalDpi xmlns:a14="http://schemas.microsoft.com/office/drawing/2010/main" val="0"/>
@@ -14842,8 +16008,8 @@
         </p:blipFill>
         <p:spPr>
           <a:xfrm>
-            <a:off x="13716001" y="7261560"/>
-            <a:ext cx="4905828" cy="5123544"/>
+            <a:off x="11538133" y="20152006"/>
+            <a:ext cx="3496155" cy="3651311"/>
           </a:xfrm>
           <a:prstGeom prst="rect">
             <a:avLst/>
@@ -14859,7 +16025,7 @@
           <p:nvPr/>
         </p:nvPicPr>
         <p:blipFill rotWithShape="1">
-          <a:blip r:embed="rId9">
+          <a:blip r:embed="rId10">
             <a:extLst>
               <a:ext uri="{28A0092B-C50C-407E-A947-70E740481C1C}">
                 <a14:useLocalDpi xmlns:a14="http://schemas.microsoft.com/office/drawing/2010/main" val="0"/>
@@ -14871,8 +16037,8 @@
         </p:blipFill>
         <p:spPr>
           <a:xfrm>
-            <a:off x="449463" y="23982304"/>
-            <a:ext cx="5980530" cy="5829054"/>
+            <a:off x="5337221" y="21385460"/>
+            <a:ext cx="5184418" cy="5053106"/>
           </a:xfrm>
           <a:prstGeom prst="rect">
             <a:avLst/>
@@ -14889,8 +16055,8 @@
         </p:nvSpPr>
         <p:spPr>
           <a:xfrm>
-            <a:off x="431634" y="20575317"/>
-            <a:ext cx="10096349" cy="566030"/>
+            <a:off x="446689" y="20487835"/>
+            <a:ext cx="10096349" cy="558738"/>
           </a:xfrm>
           <a:prstGeom prst="rect">
             <a:avLst/>
@@ -15043,22 +16209,116 @@
           <a:p>
             <a:r>
               <a:rPr lang="et-EE" dirty="0" smtClean="0"/>
-              <a:t>MACHINE LEARNING</a:t>
-            </a:r>
-            <a:endParaRPr lang="et-EE" dirty="0"/>
+              <a:t>MACHINE </a:t>
+            </a:r>
+            <a:r>
+              <a:rPr lang="et-EE" dirty="0" smtClean="0"/>
+              <a:t>LEARNING</a:t>
+            </a:r>
+            <a:endParaRPr lang="et-EE" dirty="0" smtClean="0"/>
           </a:p>
         </p:txBody>
       </p:sp>
+      <p:pic>
+        <p:nvPicPr>
+          <p:cNvPr id="20" name="Pilt 19"/>
+          <p:cNvPicPr>
+            <a:picLocks noChangeAspect="1"/>
+          </p:cNvPicPr>
+          <p:nvPr/>
+        </p:nvPicPr>
+        <p:blipFill>
+          <a:blip r:embed="rId11" cstate="print">
+            <a:extLst>
+              <a:ext uri="{28A0092B-C50C-407E-A947-70E740481C1C}">
+                <a14:useLocalDpi xmlns:a14="http://schemas.microsoft.com/office/drawing/2010/main" val="0"/>
+              </a:ext>
+            </a:extLst>
+          </a:blip>
+          <a:stretch>
+            <a:fillRect/>
+          </a:stretch>
+        </p:blipFill>
+        <p:spPr>
+          <a:xfrm>
+            <a:off x="6250518" y="28859440"/>
+            <a:ext cx="973101" cy="973101"/>
+          </a:xfrm>
+          <a:prstGeom prst="rect">
+            <a:avLst/>
+          </a:prstGeom>
+        </p:spPr>
+      </p:pic>
+      <p:pic>
+        <p:nvPicPr>
+          <p:cNvPr id="21" name="Pilt 20"/>
+          <p:cNvPicPr>
+            <a:picLocks noChangeAspect="1"/>
+          </p:cNvPicPr>
+          <p:nvPr/>
+        </p:nvPicPr>
+        <p:blipFill>
+          <a:blip r:embed="rId12">
+            <a:extLst>
+              <a:ext uri="{28A0092B-C50C-407E-A947-70E740481C1C}">
+                <a14:useLocalDpi xmlns:a14="http://schemas.microsoft.com/office/drawing/2010/main" val="0"/>
+              </a:ext>
+            </a:extLst>
+          </a:blip>
+          <a:stretch>
+            <a:fillRect/>
+          </a:stretch>
+        </p:blipFill>
+        <p:spPr>
+          <a:xfrm>
+            <a:off x="15034287" y="20152006"/>
+            <a:ext cx="5811932" cy="3667597"/>
+          </a:xfrm>
+          <a:prstGeom prst="rect">
+            <a:avLst/>
+          </a:prstGeom>
+        </p:spPr>
+      </p:pic>
+      <p:pic>
+        <p:nvPicPr>
+          <p:cNvPr id="22" name="Pilt 21"/>
+          <p:cNvPicPr>
+            <a:picLocks noChangeAspect="1"/>
+          </p:cNvPicPr>
+          <p:nvPr/>
+        </p:nvPicPr>
+        <p:blipFill>
+          <a:blip r:embed="rId13">
+            <a:extLst>
+              <a:ext uri="{28A0092B-C50C-407E-A947-70E740481C1C}">
+                <a14:useLocalDpi xmlns:a14="http://schemas.microsoft.com/office/drawing/2010/main" val="0"/>
+              </a:ext>
+            </a:extLst>
+          </a:blip>
+          <a:stretch>
+            <a:fillRect/>
+          </a:stretch>
+        </p:blipFill>
+        <p:spPr>
+          <a:xfrm>
+            <a:off x="11519969" y="11519535"/>
+            <a:ext cx="9155687" cy="7565026"/>
+          </a:xfrm>
+          <a:prstGeom prst="rect">
+            <a:avLst/>
+          </a:prstGeom>
+        </p:spPr>
+      </p:pic>
       <p:sp>
         <p:nvSpPr>
-          <p:cNvPr id="38" name="TextBox 37"/>
+          <p:cNvPr id="31" name="TextBox 30"/>
           <p:cNvSpPr txBox="1"/>
           <p:nvPr/>
         </p:nvSpPr>
         <p:spPr>
           <a:xfrm>
-            <a:off x="431635" y="21126749"/>
-            <a:ext cx="10096349" cy="1631216"/>
+            <a:off x="11519970" y="23825718"/>
+            <a:ext cx="9308087" cy="1015663"/>
           </a:xfrm>
           <a:prstGeom prst="rect">
             <a:avLst/>
@@ -15077,1228 +16337,16 @@
               </a:spcBef>
             </a:pPr>
             <a:r>
-              <a:rPr lang="et-EE" sz="2000" dirty="0" err="1" smtClean="0">
-                <a:solidFill>
-                  <a:schemeClr val="accent5">
-                    <a:lumMod val="50000"/>
-                  </a:schemeClr>
-                </a:solidFill>
-                <a:latin typeface="Times New Roman" panose="02020603050405020304" pitchFamily="18" charset="0"/>
-                <a:cs typeface="Times New Roman" panose="02020603050405020304" pitchFamily="18" charset="0"/>
-              </a:rPr>
-              <a:t>We</a:t>
-            </a:r>
-            <a:r>
-              <a:rPr lang="et-EE" sz="2000" dirty="0" smtClean="0">
-                <a:solidFill>
-                  <a:schemeClr val="accent5">
-                    <a:lumMod val="50000"/>
-                  </a:schemeClr>
-                </a:solidFill>
-                <a:latin typeface="Times New Roman" panose="02020603050405020304" pitchFamily="18" charset="0"/>
-                <a:cs typeface="Times New Roman" panose="02020603050405020304" pitchFamily="18" charset="0"/>
-              </a:rPr>
-              <a:t> </a:t>
-            </a:r>
-            <a:r>
-              <a:rPr lang="et-EE" sz="2000" dirty="0" err="1" smtClean="0">
-                <a:solidFill>
-                  <a:schemeClr val="accent5">
-                    <a:lumMod val="50000"/>
-                  </a:schemeClr>
-                </a:solidFill>
-                <a:latin typeface="Times New Roman" panose="02020603050405020304" pitchFamily="18" charset="0"/>
-                <a:cs typeface="Times New Roman" panose="02020603050405020304" pitchFamily="18" charset="0"/>
-              </a:rPr>
-              <a:t>tried</a:t>
-            </a:r>
-            <a:r>
-              <a:rPr lang="et-EE" sz="2000" dirty="0" smtClean="0">
-                <a:solidFill>
-                  <a:schemeClr val="accent5">
-                    <a:lumMod val="50000"/>
-                  </a:schemeClr>
-                </a:solidFill>
-                <a:latin typeface="Times New Roman" panose="02020603050405020304" pitchFamily="18" charset="0"/>
-                <a:cs typeface="Times New Roman" panose="02020603050405020304" pitchFamily="18" charset="0"/>
-              </a:rPr>
-              <a:t> </a:t>
-            </a:r>
-            <a:r>
-              <a:rPr lang="et-EE" sz="2000" dirty="0" err="1" smtClean="0">
-                <a:solidFill>
-                  <a:schemeClr val="accent5">
-                    <a:lumMod val="50000"/>
-                  </a:schemeClr>
-                </a:solidFill>
-                <a:latin typeface="Times New Roman" panose="02020603050405020304" pitchFamily="18" charset="0"/>
-                <a:cs typeface="Times New Roman" panose="02020603050405020304" pitchFamily="18" charset="0"/>
-              </a:rPr>
-              <a:t>two</a:t>
-            </a:r>
-            <a:r>
-              <a:rPr lang="et-EE" sz="2000" dirty="0" smtClean="0">
-                <a:solidFill>
-                  <a:schemeClr val="accent5">
-                    <a:lumMod val="50000"/>
-                  </a:schemeClr>
-                </a:solidFill>
-                <a:latin typeface="Times New Roman" panose="02020603050405020304" pitchFamily="18" charset="0"/>
-                <a:cs typeface="Times New Roman" panose="02020603050405020304" pitchFamily="18" charset="0"/>
-              </a:rPr>
-              <a:t> </a:t>
-            </a:r>
-            <a:r>
-              <a:rPr lang="et-EE" sz="2000" dirty="0" err="1" smtClean="0">
-                <a:solidFill>
-                  <a:schemeClr val="accent5">
-                    <a:lumMod val="50000"/>
-                  </a:schemeClr>
-                </a:solidFill>
-                <a:latin typeface="Times New Roman" panose="02020603050405020304" pitchFamily="18" charset="0"/>
-                <a:cs typeface="Times New Roman" panose="02020603050405020304" pitchFamily="18" charset="0"/>
-              </a:rPr>
-              <a:t>different</a:t>
-            </a:r>
-            <a:r>
-              <a:rPr lang="et-EE" sz="2000" dirty="0" smtClean="0">
-                <a:solidFill>
-                  <a:schemeClr val="accent5">
-                    <a:lumMod val="50000"/>
-                  </a:schemeClr>
-                </a:solidFill>
-                <a:latin typeface="Times New Roman" panose="02020603050405020304" pitchFamily="18" charset="0"/>
-                <a:cs typeface="Times New Roman" panose="02020603050405020304" pitchFamily="18" charset="0"/>
-              </a:rPr>
-              <a:t> </a:t>
-            </a:r>
-            <a:r>
-              <a:rPr lang="et-EE" sz="2000" dirty="0" err="1" smtClean="0">
-                <a:solidFill>
-                  <a:schemeClr val="accent5">
-                    <a:lumMod val="50000"/>
-                  </a:schemeClr>
-                </a:solidFill>
-                <a:latin typeface="Times New Roman" panose="02020603050405020304" pitchFamily="18" charset="0"/>
-                <a:cs typeface="Times New Roman" panose="02020603050405020304" pitchFamily="18" charset="0"/>
-              </a:rPr>
-              <a:t>approaches</a:t>
-            </a:r>
-            <a:r>
-              <a:rPr lang="et-EE" sz="2000" dirty="0" smtClean="0">
-                <a:solidFill>
-                  <a:schemeClr val="accent5">
-                    <a:lumMod val="50000"/>
-                  </a:schemeClr>
-                </a:solidFill>
-                <a:latin typeface="Times New Roman" panose="02020603050405020304" pitchFamily="18" charset="0"/>
-                <a:cs typeface="Times New Roman" panose="02020603050405020304" pitchFamily="18" charset="0"/>
-              </a:rPr>
-              <a:t>. </a:t>
-            </a:r>
-            <a:r>
-              <a:rPr lang="et-EE" sz="2000" dirty="0" err="1" smtClean="0">
-                <a:solidFill>
-                  <a:schemeClr val="accent5">
-                    <a:lumMod val="50000"/>
-                  </a:schemeClr>
-                </a:solidFill>
-                <a:latin typeface="Times New Roman" panose="02020603050405020304" pitchFamily="18" charset="0"/>
-                <a:cs typeface="Times New Roman" panose="02020603050405020304" pitchFamily="18" charset="0"/>
-              </a:rPr>
-              <a:t>Firstly</a:t>
-            </a:r>
-            <a:r>
-              <a:rPr lang="et-EE" sz="2000" dirty="0" smtClean="0">
-                <a:solidFill>
-                  <a:schemeClr val="accent5">
-                    <a:lumMod val="50000"/>
-                  </a:schemeClr>
-                </a:solidFill>
-                <a:latin typeface="Times New Roman" panose="02020603050405020304" pitchFamily="18" charset="0"/>
-                <a:cs typeface="Times New Roman" panose="02020603050405020304" pitchFamily="18" charset="0"/>
-              </a:rPr>
-              <a:t> </a:t>
-            </a:r>
-            <a:r>
-              <a:rPr lang="et-EE" sz="2000" dirty="0" err="1" smtClean="0">
-                <a:solidFill>
-                  <a:schemeClr val="accent5">
-                    <a:lumMod val="50000"/>
-                  </a:schemeClr>
-                </a:solidFill>
-                <a:latin typeface="Times New Roman" panose="02020603050405020304" pitchFamily="18" charset="0"/>
-                <a:cs typeface="Times New Roman" panose="02020603050405020304" pitchFamily="18" charset="0"/>
-              </a:rPr>
-              <a:t>we</a:t>
-            </a:r>
-            <a:r>
-              <a:rPr lang="et-EE" sz="2000" dirty="0" smtClean="0">
-                <a:solidFill>
-                  <a:schemeClr val="accent5">
-                    <a:lumMod val="50000"/>
-                  </a:schemeClr>
-                </a:solidFill>
-                <a:latin typeface="Times New Roman" panose="02020603050405020304" pitchFamily="18" charset="0"/>
-                <a:cs typeface="Times New Roman" panose="02020603050405020304" pitchFamily="18" charset="0"/>
-              </a:rPr>
-              <a:t> </a:t>
-            </a:r>
-            <a:r>
-              <a:rPr lang="et-EE" sz="2000" dirty="0" err="1" smtClean="0">
-                <a:solidFill>
-                  <a:schemeClr val="accent5">
-                    <a:lumMod val="50000"/>
-                  </a:schemeClr>
-                </a:solidFill>
-                <a:latin typeface="Times New Roman" panose="02020603050405020304" pitchFamily="18" charset="0"/>
-                <a:cs typeface="Times New Roman" panose="02020603050405020304" pitchFamily="18" charset="0"/>
-              </a:rPr>
-              <a:t>tried</a:t>
-            </a:r>
-            <a:r>
-              <a:rPr lang="et-EE" sz="2000" dirty="0" smtClean="0">
-                <a:solidFill>
-                  <a:schemeClr val="accent5">
-                    <a:lumMod val="50000"/>
-                  </a:schemeClr>
-                </a:solidFill>
-                <a:latin typeface="Times New Roman" panose="02020603050405020304" pitchFamily="18" charset="0"/>
-                <a:cs typeface="Times New Roman" panose="02020603050405020304" pitchFamily="18" charset="0"/>
-              </a:rPr>
-              <a:t> a </a:t>
-            </a:r>
-            <a:r>
-              <a:rPr lang="et-EE" sz="2000" dirty="0" err="1" smtClean="0">
-                <a:solidFill>
-                  <a:schemeClr val="accent5">
-                    <a:lumMod val="50000"/>
-                  </a:schemeClr>
-                </a:solidFill>
-                <a:latin typeface="Times New Roman" panose="02020603050405020304" pitchFamily="18" charset="0"/>
-                <a:cs typeface="Times New Roman" panose="02020603050405020304" pitchFamily="18" charset="0"/>
-              </a:rPr>
-              <a:t>usual</a:t>
-            </a:r>
-            <a:r>
-              <a:rPr lang="et-EE" sz="2000" dirty="0" smtClean="0">
-                <a:solidFill>
-                  <a:schemeClr val="accent5">
-                    <a:lumMod val="50000"/>
-                  </a:schemeClr>
-                </a:solidFill>
-                <a:latin typeface="Times New Roman" panose="02020603050405020304" pitchFamily="18" charset="0"/>
-                <a:cs typeface="Times New Roman" panose="02020603050405020304" pitchFamily="18" charset="0"/>
-              </a:rPr>
-              <a:t> </a:t>
-            </a:r>
-            <a:r>
-              <a:rPr lang="et-EE" sz="2000" dirty="0" err="1" smtClean="0">
-                <a:solidFill>
-                  <a:schemeClr val="accent5">
-                    <a:lumMod val="50000"/>
-                  </a:schemeClr>
-                </a:solidFill>
-                <a:latin typeface="Times New Roman" panose="02020603050405020304" pitchFamily="18" charset="0"/>
-                <a:cs typeface="Times New Roman" panose="02020603050405020304" pitchFamily="18" charset="0"/>
-              </a:rPr>
-              <a:t>RandomForestClassifier</a:t>
-            </a:r>
-            <a:r>
-              <a:rPr lang="et-EE" sz="2000" dirty="0" smtClean="0">
-                <a:solidFill>
-                  <a:schemeClr val="accent5">
-                    <a:lumMod val="50000"/>
-                  </a:schemeClr>
-                </a:solidFill>
-                <a:latin typeface="Times New Roman" panose="02020603050405020304" pitchFamily="18" charset="0"/>
-                <a:cs typeface="Times New Roman" panose="02020603050405020304" pitchFamily="18" charset="0"/>
-              </a:rPr>
-              <a:t> on </a:t>
-            </a:r>
-            <a:r>
-              <a:rPr lang="et-EE" sz="2000" dirty="0" err="1" smtClean="0">
-                <a:solidFill>
-                  <a:schemeClr val="accent5">
-                    <a:lumMod val="50000"/>
-                  </a:schemeClr>
-                </a:solidFill>
-                <a:latin typeface="Times New Roman" panose="02020603050405020304" pitchFamily="18" charset="0"/>
-                <a:cs typeface="Times New Roman" panose="02020603050405020304" pitchFamily="18" charset="0"/>
-              </a:rPr>
-              <a:t>features</a:t>
-            </a:r>
-            <a:r>
-              <a:rPr lang="et-EE" sz="2000" dirty="0" smtClean="0">
-                <a:solidFill>
-                  <a:schemeClr val="accent5">
-                    <a:lumMod val="50000"/>
-                  </a:schemeClr>
-                </a:solidFill>
-                <a:latin typeface="Times New Roman" panose="02020603050405020304" pitchFamily="18" charset="0"/>
-                <a:cs typeface="Times New Roman" panose="02020603050405020304" pitchFamily="18" charset="0"/>
-              </a:rPr>
-              <a:t> </a:t>
-            </a:r>
-            <a:r>
-              <a:rPr lang="et-EE" sz="2000" dirty="0" err="1" smtClean="0">
-                <a:solidFill>
-                  <a:schemeClr val="accent5">
-                    <a:lumMod val="50000"/>
-                  </a:schemeClr>
-                </a:solidFill>
-                <a:latin typeface="Times New Roman" panose="02020603050405020304" pitchFamily="18" charset="0"/>
-                <a:cs typeface="Times New Roman" panose="02020603050405020304" pitchFamily="18" charset="0"/>
-              </a:rPr>
-              <a:t>category</a:t>
-            </a:r>
-            <a:r>
-              <a:rPr lang="et-EE" sz="2000" dirty="0" smtClean="0">
-                <a:solidFill>
-                  <a:schemeClr val="accent5">
-                    <a:lumMod val="50000"/>
-                  </a:schemeClr>
-                </a:solidFill>
-                <a:latin typeface="Times New Roman" panose="02020603050405020304" pitchFamily="18" charset="0"/>
-                <a:cs typeface="Times New Roman" panose="02020603050405020304" pitchFamily="18" charset="0"/>
-              </a:rPr>
-              <a:t>, </a:t>
-            </a:r>
-            <a:r>
-              <a:rPr lang="et-EE" sz="2000" dirty="0" err="1" smtClean="0">
-                <a:solidFill>
-                  <a:schemeClr val="accent5">
-                    <a:lumMod val="50000"/>
-                  </a:schemeClr>
-                </a:solidFill>
-                <a:latin typeface="Times New Roman" panose="02020603050405020304" pitchFamily="18" charset="0"/>
-                <a:cs typeface="Times New Roman" panose="02020603050405020304" pitchFamily="18" charset="0"/>
-              </a:rPr>
-              <a:t>main_category</a:t>
-            </a:r>
-            <a:r>
-              <a:rPr lang="et-EE" sz="2000" dirty="0" smtClean="0">
-                <a:solidFill>
-                  <a:schemeClr val="accent5">
-                    <a:lumMod val="50000"/>
-                  </a:schemeClr>
-                </a:solidFill>
-                <a:latin typeface="Times New Roman" panose="02020603050405020304" pitchFamily="18" charset="0"/>
-                <a:cs typeface="Times New Roman" panose="02020603050405020304" pitchFamily="18" charset="0"/>
-              </a:rPr>
-              <a:t>, </a:t>
-            </a:r>
-            <a:r>
-              <a:rPr lang="et-EE" sz="2000" dirty="0" err="1" smtClean="0">
-                <a:solidFill>
-                  <a:schemeClr val="accent5">
-                    <a:lumMod val="50000"/>
-                  </a:schemeClr>
-                </a:solidFill>
-                <a:latin typeface="Times New Roman" panose="02020603050405020304" pitchFamily="18" charset="0"/>
-                <a:cs typeface="Times New Roman" panose="02020603050405020304" pitchFamily="18" charset="0"/>
-              </a:rPr>
-              <a:t>currency</a:t>
-            </a:r>
-            <a:r>
-              <a:rPr lang="et-EE" sz="2000" dirty="0" smtClean="0">
-                <a:solidFill>
-                  <a:schemeClr val="accent5">
-                    <a:lumMod val="50000"/>
-                  </a:schemeClr>
-                </a:solidFill>
-                <a:latin typeface="Times New Roman" panose="02020603050405020304" pitchFamily="18" charset="0"/>
-                <a:cs typeface="Times New Roman" panose="02020603050405020304" pitchFamily="18" charset="0"/>
-              </a:rPr>
-              <a:t>, </a:t>
-            </a:r>
-            <a:r>
-              <a:rPr lang="et-EE" sz="2000" dirty="0" err="1" smtClean="0">
-                <a:solidFill>
-                  <a:schemeClr val="accent5">
-                    <a:lumMod val="50000"/>
-                  </a:schemeClr>
-                </a:solidFill>
-                <a:latin typeface="Times New Roman" panose="02020603050405020304" pitchFamily="18" charset="0"/>
-                <a:cs typeface="Times New Roman" panose="02020603050405020304" pitchFamily="18" charset="0"/>
-              </a:rPr>
-              <a:t>country</a:t>
-            </a:r>
-            <a:r>
-              <a:rPr lang="et-EE" sz="2000" dirty="0" smtClean="0">
-                <a:solidFill>
-                  <a:schemeClr val="accent5">
-                    <a:lumMod val="50000"/>
-                  </a:schemeClr>
-                </a:solidFill>
-                <a:latin typeface="Times New Roman" panose="02020603050405020304" pitchFamily="18" charset="0"/>
-                <a:cs typeface="Times New Roman" panose="02020603050405020304" pitchFamily="18" charset="0"/>
-              </a:rPr>
-              <a:t> and </a:t>
-            </a:r>
-            <a:r>
-              <a:rPr lang="et-EE" sz="2000" dirty="0" err="1" smtClean="0">
-                <a:solidFill>
-                  <a:schemeClr val="accent5">
-                    <a:lumMod val="50000"/>
-                  </a:schemeClr>
-                </a:solidFill>
-                <a:latin typeface="Times New Roman" panose="02020603050405020304" pitchFamily="18" charset="0"/>
-                <a:cs typeface="Times New Roman" panose="02020603050405020304" pitchFamily="18" charset="0"/>
-              </a:rPr>
-              <a:t>usd_goal_real</a:t>
-            </a:r>
-            <a:r>
-              <a:rPr lang="et-EE" sz="2000" dirty="0" smtClean="0">
-                <a:solidFill>
-                  <a:schemeClr val="accent5">
-                    <a:lumMod val="50000"/>
-                  </a:schemeClr>
-                </a:solidFill>
-                <a:latin typeface="Times New Roman" panose="02020603050405020304" pitchFamily="18" charset="0"/>
-                <a:cs typeface="Times New Roman" panose="02020603050405020304" pitchFamily="18" charset="0"/>
-              </a:rPr>
-              <a:t>. </a:t>
-            </a:r>
-            <a:r>
-              <a:rPr lang="et-EE" sz="2000" dirty="0" err="1" smtClean="0">
-                <a:solidFill>
-                  <a:schemeClr val="accent5">
-                    <a:lumMod val="50000"/>
-                  </a:schemeClr>
-                </a:solidFill>
-                <a:latin typeface="Times New Roman" panose="02020603050405020304" pitchFamily="18" charset="0"/>
-                <a:cs typeface="Times New Roman" panose="02020603050405020304" pitchFamily="18" charset="0"/>
-              </a:rPr>
-              <a:t>That</a:t>
-            </a:r>
-            <a:r>
-              <a:rPr lang="et-EE" sz="2000" dirty="0" smtClean="0">
-                <a:solidFill>
-                  <a:schemeClr val="accent5">
-                    <a:lumMod val="50000"/>
-                  </a:schemeClr>
-                </a:solidFill>
-                <a:latin typeface="Times New Roman" panose="02020603050405020304" pitchFamily="18" charset="0"/>
-                <a:cs typeface="Times New Roman" panose="02020603050405020304" pitchFamily="18" charset="0"/>
-              </a:rPr>
-              <a:t> </a:t>
-            </a:r>
-            <a:r>
-              <a:rPr lang="et-EE" sz="2000" dirty="0" err="1" smtClean="0">
-                <a:solidFill>
-                  <a:schemeClr val="accent5">
-                    <a:lumMod val="50000"/>
-                  </a:schemeClr>
-                </a:solidFill>
-                <a:latin typeface="Times New Roman" panose="02020603050405020304" pitchFamily="18" charset="0"/>
-                <a:cs typeface="Times New Roman" panose="02020603050405020304" pitchFamily="18" charset="0"/>
-              </a:rPr>
-              <a:t>approach</a:t>
-            </a:r>
-            <a:r>
-              <a:rPr lang="et-EE" sz="2000" dirty="0" smtClean="0">
-                <a:solidFill>
-                  <a:schemeClr val="accent5">
-                    <a:lumMod val="50000"/>
-                  </a:schemeClr>
-                </a:solidFill>
-                <a:latin typeface="Times New Roman" panose="02020603050405020304" pitchFamily="18" charset="0"/>
-                <a:cs typeface="Times New Roman" panose="02020603050405020304" pitchFamily="18" charset="0"/>
-              </a:rPr>
-              <a:t> </a:t>
-            </a:r>
-            <a:r>
-              <a:rPr lang="et-EE" sz="2000" dirty="0" err="1" smtClean="0">
-                <a:solidFill>
-                  <a:schemeClr val="accent5">
-                    <a:lumMod val="50000"/>
-                  </a:schemeClr>
-                </a:solidFill>
-                <a:latin typeface="Times New Roman" panose="02020603050405020304" pitchFamily="18" charset="0"/>
-                <a:cs typeface="Times New Roman" panose="02020603050405020304" pitchFamily="18" charset="0"/>
-              </a:rPr>
-              <a:t>gave</a:t>
-            </a:r>
-            <a:r>
-              <a:rPr lang="et-EE" sz="2000" dirty="0" smtClean="0">
-                <a:solidFill>
-                  <a:schemeClr val="accent5">
-                    <a:lumMod val="50000"/>
-                  </a:schemeClr>
-                </a:solidFill>
-                <a:latin typeface="Times New Roman" panose="02020603050405020304" pitchFamily="18" charset="0"/>
-                <a:cs typeface="Times New Roman" panose="02020603050405020304" pitchFamily="18" charset="0"/>
-              </a:rPr>
-              <a:t> </a:t>
-            </a:r>
-            <a:r>
-              <a:rPr lang="et-EE" sz="2000" dirty="0" err="1" smtClean="0">
-                <a:solidFill>
-                  <a:schemeClr val="accent5">
-                    <a:lumMod val="50000"/>
-                  </a:schemeClr>
-                </a:solidFill>
-                <a:latin typeface="Times New Roman" panose="02020603050405020304" pitchFamily="18" charset="0"/>
-                <a:cs typeface="Times New Roman" panose="02020603050405020304" pitchFamily="18" charset="0"/>
-              </a:rPr>
-              <a:t>an</a:t>
-            </a:r>
-            <a:r>
-              <a:rPr lang="et-EE" sz="2000" dirty="0" smtClean="0">
-                <a:solidFill>
-                  <a:schemeClr val="accent5">
-                    <a:lumMod val="50000"/>
-                  </a:schemeClr>
-                </a:solidFill>
-                <a:latin typeface="Times New Roman" panose="02020603050405020304" pitchFamily="18" charset="0"/>
-                <a:cs typeface="Times New Roman" panose="02020603050405020304" pitchFamily="18" charset="0"/>
-              </a:rPr>
-              <a:t> </a:t>
-            </a:r>
-            <a:r>
-              <a:rPr lang="et-EE" sz="2000" dirty="0" err="1" smtClean="0">
-                <a:solidFill>
-                  <a:schemeClr val="accent5">
-                    <a:lumMod val="50000"/>
-                  </a:schemeClr>
-                </a:solidFill>
-                <a:latin typeface="Times New Roman" panose="02020603050405020304" pitchFamily="18" charset="0"/>
-                <a:cs typeface="Times New Roman" panose="02020603050405020304" pitchFamily="18" charset="0"/>
-              </a:rPr>
-              <a:t>accuracy</a:t>
-            </a:r>
-            <a:r>
-              <a:rPr lang="et-EE" sz="2000" dirty="0" smtClean="0">
-                <a:solidFill>
-                  <a:schemeClr val="accent5">
-                    <a:lumMod val="50000"/>
-                  </a:schemeClr>
-                </a:solidFill>
-                <a:latin typeface="Times New Roman" panose="02020603050405020304" pitchFamily="18" charset="0"/>
-                <a:cs typeface="Times New Roman" panose="02020603050405020304" pitchFamily="18" charset="0"/>
-              </a:rPr>
-              <a:t> of 66.5 %. </a:t>
-            </a:r>
-            <a:r>
-              <a:rPr lang="et-EE" sz="2000" dirty="0" err="1" smtClean="0">
-                <a:solidFill>
-                  <a:schemeClr val="accent5">
-                    <a:lumMod val="50000"/>
-                  </a:schemeClr>
-                </a:solidFill>
-                <a:latin typeface="Times New Roman" panose="02020603050405020304" pitchFamily="18" charset="0"/>
-                <a:cs typeface="Times New Roman" panose="02020603050405020304" pitchFamily="18" charset="0"/>
-              </a:rPr>
-              <a:t>Next</a:t>
-            </a:r>
-            <a:r>
-              <a:rPr lang="et-EE" sz="2000" dirty="0" smtClean="0">
-                <a:solidFill>
-                  <a:schemeClr val="accent5">
-                    <a:lumMod val="50000"/>
-                  </a:schemeClr>
-                </a:solidFill>
-                <a:latin typeface="Times New Roman" panose="02020603050405020304" pitchFamily="18" charset="0"/>
-                <a:cs typeface="Times New Roman" panose="02020603050405020304" pitchFamily="18" charset="0"/>
-              </a:rPr>
-              <a:t> </a:t>
-            </a:r>
-            <a:r>
-              <a:rPr lang="et-EE" sz="2000" dirty="0" err="1" smtClean="0">
-                <a:solidFill>
-                  <a:schemeClr val="accent5">
-                    <a:lumMod val="50000"/>
-                  </a:schemeClr>
-                </a:solidFill>
-                <a:latin typeface="Times New Roman" panose="02020603050405020304" pitchFamily="18" charset="0"/>
-                <a:cs typeface="Times New Roman" panose="02020603050405020304" pitchFamily="18" charset="0"/>
-              </a:rPr>
-              <a:t>we</a:t>
-            </a:r>
-            <a:r>
-              <a:rPr lang="et-EE" sz="2000" dirty="0" smtClean="0">
-                <a:solidFill>
-                  <a:schemeClr val="accent5">
-                    <a:lumMod val="50000"/>
-                  </a:schemeClr>
-                </a:solidFill>
-                <a:latin typeface="Times New Roman" panose="02020603050405020304" pitchFamily="18" charset="0"/>
-                <a:cs typeface="Times New Roman" panose="02020603050405020304" pitchFamily="18" charset="0"/>
-              </a:rPr>
-              <a:t> </a:t>
-            </a:r>
-            <a:r>
-              <a:rPr lang="et-EE" sz="2000" dirty="0" err="1" smtClean="0">
-                <a:solidFill>
-                  <a:schemeClr val="accent5">
-                    <a:lumMod val="50000"/>
-                  </a:schemeClr>
-                </a:solidFill>
-                <a:latin typeface="Times New Roman" panose="02020603050405020304" pitchFamily="18" charset="0"/>
-                <a:cs typeface="Times New Roman" panose="02020603050405020304" pitchFamily="18" charset="0"/>
-              </a:rPr>
-              <a:t>tried</a:t>
-            </a:r>
-            <a:r>
-              <a:rPr lang="et-EE" sz="2000" dirty="0" smtClean="0">
-                <a:solidFill>
-                  <a:schemeClr val="accent5">
-                    <a:lumMod val="50000"/>
-                  </a:schemeClr>
-                </a:solidFill>
-                <a:latin typeface="Times New Roman" panose="02020603050405020304" pitchFamily="18" charset="0"/>
-                <a:cs typeface="Times New Roman" panose="02020603050405020304" pitchFamily="18" charset="0"/>
-              </a:rPr>
-              <a:t> </a:t>
-            </a:r>
-            <a:r>
-              <a:rPr lang="et-EE" sz="2000" dirty="0" err="1" smtClean="0">
-                <a:solidFill>
-                  <a:schemeClr val="accent5">
-                    <a:lumMod val="50000"/>
-                  </a:schemeClr>
-                </a:solidFill>
-                <a:latin typeface="Times New Roman" panose="02020603050405020304" pitchFamily="18" charset="0"/>
-                <a:cs typeface="Times New Roman" panose="02020603050405020304" pitchFamily="18" charset="0"/>
-              </a:rPr>
-              <a:t>making</a:t>
-            </a:r>
-            <a:r>
-              <a:rPr lang="et-EE" sz="2000" dirty="0" smtClean="0">
-                <a:solidFill>
-                  <a:schemeClr val="accent5">
-                    <a:lumMod val="50000"/>
-                  </a:schemeClr>
-                </a:solidFill>
-                <a:latin typeface="Times New Roman" panose="02020603050405020304" pitchFamily="18" charset="0"/>
-                <a:cs typeface="Times New Roman" panose="02020603050405020304" pitchFamily="18" charset="0"/>
-              </a:rPr>
-              <a:t> </a:t>
-            </a:r>
-            <a:r>
-              <a:rPr lang="et-EE" sz="2000" dirty="0" err="1" smtClean="0">
-                <a:solidFill>
-                  <a:schemeClr val="accent5">
-                    <a:lumMod val="50000"/>
-                  </a:schemeClr>
-                </a:solidFill>
-                <a:latin typeface="Times New Roman" panose="02020603050405020304" pitchFamily="18" charset="0"/>
-                <a:cs typeface="Times New Roman" panose="02020603050405020304" pitchFamily="18" charset="0"/>
-              </a:rPr>
-              <a:t>features</a:t>
-            </a:r>
-            <a:r>
-              <a:rPr lang="et-EE" sz="2000" dirty="0" smtClean="0">
-                <a:solidFill>
-                  <a:schemeClr val="accent5">
-                    <a:lumMod val="50000"/>
-                  </a:schemeClr>
-                </a:solidFill>
-                <a:latin typeface="Times New Roman" panose="02020603050405020304" pitchFamily="18" charset="0"/>
-                <a:cs typeface="Times New Roman" panose="02020603050405020304" pitchFamily="18" charset="0"/>
-              </a:rPr>
-              <a:t> of </a:t>
-            </a:r>
-            <a:r>
-              <a:rPr lang="et-EE" sz="2000" dirty="0" err="1" smtClean="0">
-                <a:solidFill>
-                  <a:schemeClr val="accent5">
-                    <a:lumMod val="50000"/>
-                  </a:schemeClr>
-                </a:solidFill>
-                <a:latin typeface="Times New Roman" panose="02020603050405020304" pitchFamily="18" charset="0"/>
-                <a:cs typeface="Times New Roman" panose="02020603050405020304" pitchFamily="18" charset="0"/>
-              </a:rPr>
-              <a:t>the</a:t>
-            </a:r>
-            <a:r>
-              <a:rPr lang="et-EE" sz="2000" dirty="0" smtClean="0">
-                <a:solidFill>
-                  <a:schemeClr val="accent5">
-                    <a:lumMod val="50000"/>
-                  </a:schemeClr>
-                </a:solidFill>
-                <a:latin typeface="Times New Roman" panose="02020603050405020304" pitchFamily="18" charset="0"/>
-                <a:cs typeface="Times New Roman" panose="02020603050405020304" pitchFamily="18" charset="0"/>
-              </a:rPr>
-              <a:t> </a:t>
-            </a:r>
-            <a:r>
-              <a:rPr lang="et-EE" sz="2000" dirty="0" err="1" smtClean="0">
-                <a:solidFill>
-                  <a:schemeClr val="accent5">
-                    <a:lumMod val="50000"/>
-                  </a:schemeClr>
-                </a:solidFill>
-                <a:latin typeface="Times New Roman" panose="02020603050405020304" pitchFamily="18" charset="0"/>
-                <a:cs typeface="Times New Roman" panose="02020603050405020304" pitchFamily="18" charset="0"/>
-              </a:rPr>
-              <a:t>most</a:t>
-            </a:r>
-            <a:r>
-              <a:rPr lang="et-EE" sz="2000" dirty="0" smtClean="0">
-                <a:solidFill>
-                  <a:schemeClr val="accent5">
-                    <a:lumMod val="50000"/>
-                  </a:schemeClr>
-                </a:solidFill>
-                <a:latin typeface="Times New Roman" panose="02020603050405020304" pitchFamily="18" charset="0"/>
-                <a:cs typeface="Times New Roman" panose="02020603050405020304" pitchFamily="18" charset="0"/>
-              </a:rPr>
-              <a:t> </a:t>
-            </a:r>
-            <a:r>
-              <a:rPr lang="et-EE" sz="2000" dirty="0" err="1" smtClean="0">
-                <a:solidFill>
-                  <a:schemeClr val="accent5">
-                    <a:lumMod val="50000"/>
-                  </a:schemeClr>
-                </a:solidFill>
-                <a:latin typeface="Times New Roman" panose="02020603050405020304" pitchFamily="18" charset="0"/>
-                <a:cs typeface="Times New Roman" panose="02020603050405020304" pitchFamily="18" charset="0"/>
-              </a:rPr>
-              <a:t>frequent</a:t>
-            </a:r>
-            <a:r>
-              <a:rPr lang="et-EE" sz="2000" dirty="0" smtClean="0">
-                <a:solidFill>
-                  <a:schemeClr val="accent5">
-                    <a:lumMod val="50000"/>
-                  </a:schemeClr>
-                </a:solidFill>
-                <a:latin typeface="Times New Roman" panose="02020603050405020304" pitchFamily="18" charset="0"/>
-                <a:cs typeface="Times New Roman" panose="02020603050405020304" pitchFamily="18" charset="0"/>
-              </a:rPr>
-              <a:t> </a:t>
-            </a:r>
-            <a:r>
-              <a:rPr lang="et-EE" sz="2000" dirty="0" err="1" smtClean="0">
-                <a:solidFill>
-                  <a:schemeClr val="accent5">
-                    <a:lumMod val="50000"/>
-                  </a:schemeClr>
-                </a:solidFill>
-                <a:latin typeface="Times New Roman" panose="02020603050405020304" pitchFamily="18" charset="0"/>
-                <a:cs typeface="Times New Roman" panose="02020603050405020304" pitchFamily="18" charset="0"/>
-              </a:rPr>
-              <a:t>words</a:t>
-            </a:r>
-            <a:r>
-              <a:rPr lang="et-EE" sz="2000" dirty="0" smtClean="0">
-                <a:solidFill>
-                  <a:schemeClr val="accent5">
-                    <a:lumMod val="50000"/>
-                  </a:schemeClr>
-                </a:solidFill>
-                <a:latin typeface="Times New Roman" panose="02020603050405020304" pitchFamily="18" charset="0"/>
-                <a:cs typeface="Times New Roman" panose="02020603050405020304" pitchFamily="18" charset="0"/>
-              </a:rPr>
-              <a:t> in </a:t>
-            </a:r>
-            <a:r>
-              <a:rPr lang="et-EE" sz="2000" dirty="0" err="1" smtClean="0">
-                <a:solidFill>
-                  <a:schemeClr val="accent5">
-                    <a:lumMod val="50000"/>
-                  </a:schemeClr>
-                </a:solidFill>
-                <a:latin typeface="Times New Roman" panose="02020603050405020304" pitchFamily="18" charset="0"/>
-                <a:cs typeface="Times New Roman" panose="02020603050405020304" pitchFamily="18" charset="0"/>
-              </a:rPr>
-              <a:t>project</a:t>
-            </a:r>
-            <a:r>
-              <a:rPr lang="et-EE" sz="2000" dirty="0" smtClean="0">
-                <a:solidFill>
-                  <a:schemeClr val="accent5">
-                    <a:lumMod val="50000"/>
-                  </a:schemeClr>
-                </a:solidFill>
-                <a:latin typeface="Times New Roman" panose="02020603050405020304" pitchFamily="18" charset="0"/>
-                <a:cs typeface="Times New Roman" panose="02020603050405020304" pitchFamily="18" charset="0"/>
-              </a:rPr>
-              <a:t> </a:t>
-            </a:r>
-            <a:r>
-              <a:rPr lang="et-EE" sz="2000" dirty="0" err="1" smtClean="0">
-                <a:solidFill>
-                  <a:schemeClr val="accent5">
-                    <a:lumMod val="50000"/>
-                  </a:schemeClr>
-                </a:solidFill>
-                <a:latin typeface="Times New Roman" panose="02020603050405020304" pitchFamily="18" charset="0"/>
-                <a:cs typeface="Times New Roman" panose="02020603050405020304" pitchFamily="18" charset="0"/>
-              </a:rPr>
-              <a:t>titles</a:t>
-            </a:r>
-            <a:r>
-              <a:rPr lang="et-EE" sz="2000" dirty="0" smtClean="0">
-                <a:solidFill>
-                  <a:schemeClr val="accent5">
-                    <a:lumMod val="50000"/>
-                  </a:schemeClr>
-                </a:solidFill>
-                <a:latin typeface="Times New Roman" panose="02020603050405020304" pitchFamily="18" charset="0"/>
-                <a:cs typeface="Times New Roman" panose="02020603050405020304" pitchFamily="18" charset="0"/>
-              </a:rPr>
-              <a:t> and </a:t>
-            </a:r>
-            <a:r>
-              <a:rPr lang="et-EE" sz="2000" dirty="0" err="1" smtClean="0">
-                <a:solidFill>
-                  <a:schemeClr val="accent5">
-                    <a:lumMod val="50000"/>
-                  </a:schemeClr>
-                </a:solidFill>
-                <a:latin typeface="Times New Roman" panose="02020603050405020304" pitchFamily="18" charset="0"/>
-                <a:cs typeface="Times New Roman" panose="02020603050405020304" pitchFamily="18" charset="0"/>
-              </a:rPr>
-              <a:t>train</a:t>
-            </a:r>
-            <a:r>
-              <a:rPr lang="et-EE" sz="2000" dirty="0" smtClean="0">
-                <a:solidFill>
-                  <a:schemeClr val="accent5">
-                    <a:lumMod val="50000"/>
-                  </a:schemeClr>
-                </a:solidFill>
-                <a:latin typeface="Times New Roman" panose="02020603050405020304" pitchFamily="18" charset="0"/>
-                <a:cs typeface="Times New Roman" panose="02020603050405020304" pitchFamily="18" charset="0"/>
-              </a:rPr>
-              <a:t> a </a:t>
-            </a:r>
-            <a:r>
-              <a:rPr lang="et-EE" sz="2000" dirty="0" err="1" smtClean="0">
-                <a:solidFill>
-                  <a:schemeClr val="accent5">
-                    <a:lumMod val="50000"/>
-                  </a:schemeClr>
-                </a:solidFill>
-                <a:latin typeface="Times New Roman" panose="02020603050405020304" pitchFamily="18" charset="0"/>
-                <a:cs typeface="Times New Roman" panose="02020603050405020304" pitchFamily="18" charset="0"/>
-              </a:rPr>
-              <a:t>RandomForestClassifier</a:t>
-            </a:r>
-            <a:r>
-              <a:rPr lang="et-EE" sz="2000" dirty="0" smtClean="0">
-                <a:solidFill>
-                  <a:schemeClr val="accent5">
-                    <a:lumMod val="50000"/>
-                  </a:schemeClr>
-                </a:solidFill>
-                <a:latin typeface="Times New Roman" panose="02020603050405020304" pitchFamily="18" charset="0"/>
-                <a:cs typeface="Times New Roman" panose="02020603050405020304" pitchFamily="18" charset="0"/>
-              </a:rPr>
-              <a:t> </a:t>
-            </a:r>
-            <a:r>
-              <a:rPr lang="et-EE" sz="2000" dirty="0" err="1" smtClean="0">
-                <a:solidFill>
-                  <a:schemeClr val="accent5">
-                    <a:lumMod val="50000"/>
-                  </a:schemeClr>
-                </a:solidFill>
-                <a:latin typeface="Times New Roman" panose="02020603050405020304" pitchFamily="18" charset="0"/>
-                <a:cs typeface="Times New Roman" panose="02020603050405020304" pitchFamily="18" charset="0"/>
-              </a:rPr>
-              <a:t>with</a:t>
-            </a:r>
-            <a:r>
-              <a:rPr lang="et-EE" sz="2000" dirty="0" smtClean="0">
-                <a:solidFill>
-                  <a:schemeClr val="accent5">
-                    <a:lumMod val="50000"/>
-                  </a:schemeClr>
-                </a:solidFill>
-                <a:latin typeface="Times New Roman" panose="02020603050405020304" pitchFamily="18" charset="0"/>
-                <a:cs typeface="Times New Roman" panose="02020603050405020304" pitchFamily="18" charset="0"/>
-              </a:rPr>
-              <a:t> </a:t>
-            </a:r>
-            <a:r>
-              <a:rPr lang="et-EE" sz="2000" dirty="0" err="1" smtClean="0">
-                <a:solidFill>
-                  <a:schemeClr val="accent5">
-                    <a:lumMod val="50000"/>
-                  </a:schemeClr>
-                </a:solidFill>
-                <a:latin typeface="Times New Roman" panose="02020603050405020304" pitchFamily="18" charset="0"/>
-                <a:cs typeface="Times New Roman" panose="02020603050405020304" pitchFamily="18" charset="0"/>
-              </a:rPr>
-              <a:t>these</a:t>
-            </a:r>
-            <a:r>
-              <a:rPr lang="et-EE" sz="2000" dirty="0" smtClean="0">
-                <a:solidFill>
-                  <a:schemeClr val="accent5">
-                    <a:lumMod val="50000"/>
-                  </a:schemeClr>
-                </a:solidFill>
-                <a:latin typeface="Times New Roman" panose="02020603050405020304" pitchFamily="18" charset="0"/>
-                <a:cs typeface="Times New Roman" panose="02020603050405020304" pitchFamily="18" charset="0"/>
-              </a:rPr>
-              <a:t> </a:t>
-            </a:r>
-            <a:r>
-              <a:rPr lang="et-EE" sz="2000" dirty="0" err="1" smtClean="0">
-                <a:solidFill>
-                  <a:schemeClr val="accent5">
-                    <a:lumMod val="50000"/>
-                  </a:schemeClr>
-                </a:solidFill>
-                <a:latin typeface="Times New Roman" panose="02020603050405020304" pitchFamily="18" charset="0"/>
-                <a:cs typeface="Times New Roman" panose="02020603050405020304" pitchFamily="18" charset="0"/>
-              </a:rPr>
-              <a:t>features</a:t>
-            </a:r>
-            <a:r>
-              <a:rPr lang="et-EE" sz="2000" dirty="0" smtClean="0">
-                <a:solidFill>
-                  <a:schemeClr val="accent5">
-                    <a:lumMod val="50000"/>
-                  </a:schemeClr>
-                </a:solidFill>
-                <a:latin typeface="Times New Roman" panose="02020603050405020304" pitchFamily="18" charset="0"/>
-                <a:cs typeface="Times New Roman" panose="02020603050405020304" pitchFamily="18" charset="0"/>
-              </a:rPr>
-              <a:t>. </a:t>
-            </a:r>
-            <a:r>
-              <a:rPr lang="et-EE" sz="2000" dirty="0" err="1" smtClean="0">
-                <a:solidFill>
-                  <a:schemeClr val="accent5">
-                    <a:lumMod val="50000"/>
-                  </a:schemeClr>
-                </a:solidFill>
-                <a:latin typeface="Times New Roman" panose="02020603050405020304" pitchFamily="18" charset="0"/>
-                <a:cs typeface="Times New Roman" panose="02020603050405020304" pitchFamily="18" charset="0"/>
-              </a:rPr>
-              <a:t>This</a:t>
-            </a:r>
-            <a:r>
-              <a:rPr lang="et-EE" sz="2000" dirty="0" smtClean="0">
-                <a:solidFill>
-                  <a:schemeClr val="accent5">
-                    <a:lumMod val="50000"/>
-                  </a:schemeClr>
-                </a:solidFill>
-                <a:latin typeface="Times New Roman" panose="02020603050405020304" pitchFamily="18" charset="0"/>
-                <a:cs typeface="Times New Roman" panose="02020603050405020304" pitchFamily="18" charset="0"/>
-              </a:rPr>
-              <a:t> </a:t>
-            </a:r>
-            <a:r>
-              <a:rPr lang="et-EE" sz="2000" dirty="0" err="1" smtClean="0">
-                <a:solidFill>
-                  <a:schemeClr val="accent5">
-                    <a:lumMod val="50000"/>
-                  </a:schemeClr>
-                </a:solidFill>
-                <a:latin typeface="Times New Roman" panose="02020603050405020304" pitchFamily="18" charset="0"/>
-                <a:cs typeface="Times New Roman" panose="02020603050405020304" pitchFamily="18" charset="0"/>
-              </a:rPr>
-              <a:t>approach</a:t>
-            </a:r>
-            <a:r>
-              <a:rPr lang="et-EE" sz="2000" dirty="0" smtClean="0">
-                <a:solidFill>
-                  <a:schemeClr val="accent5">
-                    <a:lumMod val="50000"/>
-                  </a:schemeClr>
-                </a:solidFill>
-                <a:latin typeface="Times New Roman" panose="02020603050405020304" pitchFamily="18" charset="0"/>
-                <a:cs typeface="Times New Roman" panose="02020603050405020304" pitchFamily="18" charset="0"/>
-              </a:rPr>
-              <a:t> </a:t>
-            </a:r>
-            <a:r>
-              <a:rPr lang="et-EE" sz="2000" dirty="0" err="1" smtClean="0">
-                <a:solidFill>
-                  <a:schemeClr val="accent5">
-                    <a:lumMod val="50000"/>
-                  </a:schemeClr>
-                </a:solidFill>
-                <a:latin typeface="Times New Roman" panose="02020603050405020304" pitchFamily="18" charset="0"/>
-                <a:cs typeface="Times New Roman" panose="02020603050405020304" pitchFamily="18" charset="0"/>
-              </a:rPr>
-              <a:t>gave</a:t>
-            </a:r>
-            <a:r>
-              <a:rPr lang="et-EE" sz="2000" dirty="0" smtClean="0">
-                <a:solidFill>
-                  <a:schemeClr val="accent5">
-                    <a:lumMod val="50000"/>
-                  </a:schemeClr>
-                </a:solidFill>
-                <a:latin typeface="Times New Roman" panose="02020603050405020304" pitchFamily="18" charset="0"/>
-                <a:cs typeface="Times New Roman" panose="02020603050405020304" pitchFamily="18" charset="0"/>
-              </a:rPr>
-              <a:t> </a:t>
-            </a:r>
-            <a:r>
-              <a:rPr lang="et-EE" sz="2000" dirty="0" err="1" smtClean="0">
-                <a:solidFill>
-                  <a:schemeClr val="accent5">
-                    <a:lumMod val="50000"/>
-                  </a:schemeClr>
-                </a:solidFill>
-                <a:latin typeface="Times New Roman" panose="02020603050405020304" pitchFamily="18" charset="0"/>
-                <a:cs typeface="Times New Roman" panose="02020603050405020304" pitchFamily="18" charset="0"/>
-              </a:rPr>
-              <a:t>an</a:t>
-            </a:r>
-            <a:r>
-              <a:rPr lang="et-EE" sz="2000" dirty="0" smtClean="0">
-                <a:solidFill>
-                  <a:schemeClr val="accent5">
-                    <a:lumMod val="50000"/>
-                  </a:schemeClr>
-                </a:solidFill>
-                <a:latin typeface="Times New Roman" panose="02020603050405020304" pitchFamily="18" charset="0"/>
-                <a:cs typeface="Times New Roman" panose="02020603050405020304" pitchFamily="18" charset="0"/>
-              </a:rPr>
-              <a:t> </a:t>
-            </a:r>
-            <a:r>
-              <a:rPr lang="et-EE" sz="2000" dirty="0" err="1" smtClean="0">
-                <a:solidFill>
-                  <a:schemeClr val="accent5">
-                    <a:lumMod val="50000"/>
-                  </a:schemeClr>
-                </a:solidFill>
-                <a:latin typeface="Times New Roman" panose="02020603050405020304" pitchFamily="18" charset="0"/>
-                <a:cs typeface="Times New Roman" panose="02020603050405020304" pitchFamily="18" charset="0"/>
-              </a:rPr>
-              <a:t>accuracy</a:t>
-            </a:r>
-            <a:r>
-              <a:rPr lang="et-EE" sz="2000" dirty="0" smtClean="0">
-                <a:solidFill>
-                  <a:schemeClr val="accent5">
-                    <a:lumMod val="50000"/>
-                  </a:schemeClr>
-                </a:solidFill>
-                <a:latin typeface="Times New Roman" panose="02020603050405020304" pitchFamily="18" charset="0"/>
-                <a:cs typeface="Times New Roman" panose="02020603050405020304" pitchFamily="18" charset="0"/>
-              </a:rPr>
-              <a:t> of 68.7 %. </a:t>
-            </a:r>
-            <a:r>
-              <a:rPr lang="et-EE" sz="2000" dirty="0" err="1" smtClean="0">
-                <a:solidFill>
-                  <a:schemeClr val="accent5">
-                    <a:lumMod val="50000"/>
-                  </a:schemeClr>
-                </a:solidFill>
-                <a:latin typeface="Times New Roman" panose="02020603050405020304" pitchFamily="18" charset="0"/>
-                <a:cs typeface="Times New Roman" panose="02020603050405020304" pitchFamily="18" charset="0"/>
-              </a:rPr>
-              <a:t>Lastly</a:t>
-            </a:r>
-            <a:r>
-              <a:rPr lang="et-EE" sz="2000" dirty="0" smtClean="0">
-                <a:solidFill>
-                  <a:schemeClr val="accent5">
-                    <a:lumMod val="50000"/>
-                  </a:schemeClr>
-                </a:solidFill>
-                <a:latin typeface="Times New Roman" panose="02020603050405020304" pitchFamily="18" charset="0"/>
-                <a:cs typeface="Times New Roman" panose="02020603050405020304" pitchFamily="18" charset="0"/>
-              </a:rPr>
-              <a:t> </a:t>
-            </a:r>
-            <a:r>
-              <a:rPr lang="et-EE" sz="2000" dirty="0" err="1" smtClean="0">
-                <a:solidFill>
-                  <a:schemeClr val="accent5">
-                    <a:lumMod val="50000"/>
-                  </a:schemeClr>
-                </a:solidFill>
-                <a:latin typeface="Times New Roman" panose="02020603050405020304" pitchFamily="18" charset="0"/>
-                <a:cs typeface="Times New Roman" panose="02020603050405020304" pitchFamily="18" charset="0"/>
-              </a:rPr>
-              <a:t>we</a:t>
-            </a:r>
-            <a:r>
-              <a:rPr lang="et-EE" sz="2000" dirty="0" smtClean="0">
-                <a:solidFill>
-                  <a:schemeClr val="accent5">
-                    <a:lumMod val="50000"/>
-                  </a:schemeClr>
-                </a:solidFill>
-                <a:latin typeface="Times New Roman" panose="02020603050405020304" pitchFamily="18" charset="0"/>
-                <a:cs typeface="Times New Roman" panose="02020603050405020304" pitchFamily="18" charset="0"/>
-              </a:rPr>
-              <a:t> </a:t>
-            </a:r>
-            <a:r>
-              <a:rPr lang="et-EE" sz="2000" dirty="0" err="1" smtClean="0">
-                <a:solidFill>
-                  <a:schemeClr val="accent5">
-                    <a:lumMod val="50000"/>
-                  </a:schemeClr>
-                </a:solidFill>
-                <a:latin typeface="Times New Roman" panose="02020603050405020304" pitchFamily="18" charset="0"/>
-                <a:cs typeface="Times New Roman" panose="02020603050405020304" pitchFamily="18" charset="0"/>
-              </a:rPr>
-              <a:t>tried</a:t>
-            </a:r>
-            <a:r>
-              <a:rPr lang="et-EE" sz="2000" dirty="0" smtClean="0">
-                <a:solidFill>
-                  <a:schemeClr val="accent5">
-                    <a:lumMod val="50000"/>
-                  </a:schemeClr>
-                </a:solidFill>
-                <a:latin typeface="Times New Roman" panose="02020603050405020304" pitchFamily="18" charset="0"/>
-                <a:cs typeface="Times New Roman" panose="02020603050405020304" pitchFamily="18" charset="0"/>
-              </a:rPr>
-              <a:t> a </a:t>
-            </a:r>
-            <a:r>
-              <a:rPr lang="et-EE" sz="2000" dirty="0" err="1" smtClean="0">
-                <a:solidFill>
-                  <a:schemeClr val="accent5">
-                    <a:lumMod val="50000"/>
-                  </a:schemeClr>
-                </a:solidFill>
-                <a:latin typeface="Times New Roman" panose="02020603050405020304" pitchFamily="18" charset="0"/>
-                <a:cs typeface="Times New Roman" panose="02020603050405020304" pitchFamily="18" charset="0"/>
-              </a:rPr>
-              <a:t>LightLGB</a:t>
-            </a:r>
-            <a:r>
-              <a:rPr lang="et-EE" sz="2000" dirty="0" smtClean="0">
-                <a:solidFill>
-                  <a:schemeClr val="accent5">
-                    <a:lumMod val="50000"/>
-                  </a:schemeClr>
-                </a:solidFill>
-                <a:latin typeface="Times New Roman" panose="02020603050405020304" pitchFamily="18" charset="0"/>
-                <a:cs typeface="Times New Roman" panose="02020603050405020304" pitchFamily="18" charset="0"/>
-              </a:rPr>
-              <a:t> </a:t>
-            </a:r>
-            <a:r>
-              <a:rPr lang="et-EE" sz="2000" dirty="0" err="1" smtClean="0">
-                <a:solidFill>
-                  <a:schemeClr val="accent5">
-                    <a:lumMod val="50000"/>
-                  </a:schemeClr>
-                </a:solidFill>
-                <a:latin typeface="Times New Roman" panose="02020603050405020304" pitchFamily="18" charset="0"/>
-                <a:cs typeface="Times New Roman" panose="02020603050405020304" pitchFamily="18" charset="0"/>
-              </a:rPr>
-              <a:t>classifier</a:t>
-            </a:r>
-            <a:r>
-              <a:rPr lang="et-EE" sz="2000" dirty="0" smtClean="0">
-                <a:solidFill>
-                  <a:schemeClr val="accent5">
-                    <a:lumMod val="50000"/>
-                  </a:schemeClr>
-                </a:solidFill>
-                <a:latin typeface="Times New Roman" panose="02020603050405020304" pitchFamily="18" charset="0"/>
-                <a:cs typeface="Times New Roman" panose="02020603050405020304" pitchFamily="18" charset="0"/>
-              </a:rPr>
-              <a:t> </a:t>
-            </a:r>
-            <a:r>
-              <a:rPr lang="et-EE" sz="2000" dirty="0" err="1" smtClean="0">
-                <a:solidFill>
-                  <a:schemeClr val="accent5">
-                    <a:lumMod val="50000"/>
-                  </a:schemeClr>
-                </a:solidFill>
-                <a:latin typeface="Times New Roman" panose="02020603050405020304" pitchFamily="18" charset="0"/>
-                <a:cs typeface="Times New Roman" panose="02020603050405020304" pitchFamily="18" charset="0"/>
-              </a:rPr>
-              <a:t>which</a:t>
-            </a:r>
-            <a:r>
-              <a:rPr lang="et-EE" sz="2000" dirty="0" smtClean="0">
-                <a:solidFill>
-                  <a:schemeClr val="accent5">
-                    <a:lumMod val="50000"/>
-                  </a:schemeClr>
-                </a:solidFill>
-                <a:latin typeface="Times New Roman" panose="02020603050405020304" pitchFamily="18" charset="0"/>
-                <a:cs typeface="Times New Roman" panose="02020603050405020304" pitchFamily="18" charset="0"/>
-              </a:rPr>
-              <a:t> </a:t>
-            </a:r>
-            <a:r>
-              <a:rPr lang="et-EE" sz="2000" dirty="0" err="1" smtClean="0">
-                <a:solidFill>
-                  <a:schemeClr val="accent5">
-                    <a:lumMod val="50000"/>
-                  </a:schemeClr>
-                </a:solidFill>
-                <a:latin typeface="Times New Roman" panose="02020603050405020304" pitchFamily="18" charset="0"/>
-                <a:cs typeface="Times New Roman" panose="02020603050405020304" pitchFamily="18" charset="0"/>
-              </a:rPr>
-              <a:t>gave</a:t>
-            </a:r>
-            <a:r>
-              <a:rPr lang="et-EE" sz="2000" dirty="0" smtClean="0">
-                <a:solidFill>
-                  <a:schemeClr val="accent5">
-                    <a:lumMod val="50000"/>
-                  </a:schemeClr>
-                </a:solidFill>
-                <a:latin typeface="Times New Roman" panose="02020603050405020304" pitchFamily="18" charset="0"/>
-                <a:cs typeface="Times New Roman" panose="02020603050405020304" pitchFamily="18" charset="0"/>
-              </a:rPr>
-              <a:t> </a:t>
-            </a:r>
-            <a:r>
-              <a:rPr lang="et-EE" sz="2000" dirty="0" err="1" smtClean="0">
-                <a:solidFill>
-                  <a:schemeClr val="accent5">
-                    <a:lumMod val="50000"/>
-                  </a:schemeClr>
-                </a:solidFill>
-                <a:latin typeface="Times New Roman" panose="02020603050405020304" pitchFamily="18" charset="0"/>
-                <a:cs typeface="Times New Roman" panose="02020603050405020304" pitchFamily="18" charset="0"/>
-              </a:rPr>
-              <a:t>an</a:t>
-            </a:r>
-            <a:r>
-              <a:rPr lang="et-EE" sz="2000" dirty="0" smtClean="0">
-                <a:solidFill>
-                  <a:schemeClr val="accent5">
-                    <a:lumMod val="50000"/>
-                  </a:schemeClr>
-                </a:solidFill>
-                <a:latin typeface="Times New Roman" panose="02020603050405020304" pitchFamily="18" charset="0"/>
-                <a:cs typeface="Times New Roman" panose="02020603050405020304" pitchFamily="18" charset="0"/>
-              </a:rPr>
-              <a:t> </a:t>
-            </a:r>
-            <a:r>
-              <a:rPr lang="et-EE" sz="2000" dirty="0" err="1" smtClean="0">
-                <a:solidFill>
-                  <a:schemeClr val="accent5">
-                    <a:lumMod val="50000"/>
-                  </a:schemeClr>
-                </a:solidFill>
-                <a:latin typeface="Times New Roman" panose="02020603050405020304" pitchFamily="18" charset="0"/>
-                <a:cs typeface="Times New Roman" panose="02020603050405020304" pitchFamily="18" charset="0"/>
-              </a:rPr>
-              <a:t>accuracy</a:t>
-            </a:r>
-            <a:r>
-              <a:rPr lang="et-EE" sz="2000" smtClean="0">
-                <a:solidFill>
-                  <a:schemeClr val="accent5">
-                    <a:lumMod val="50000"/>
-                  </a:schemeClr>
-                </a:solidFill>
-                <a:latin typeface="Times New Roman" panose="02020603050405020304" pitchFamily="18" charset="0"/>
-                <a:cs typeface="Times New Roman" panose="02020603050405020304" pitchFamily="18" charset="0"/>
-              </a:rPr>
-              <a:t> of 70 %.</a:t>
+              <a:rPr lang="en-US" sz="2000" dirty="0">
+                <a:solidFill>
+                  <a:schemeClr val="accent5">
+                    <a:lumMod val="50000"/>
+                  </a:schemeClr>
+                </a:solidFill>
+                <a:latin typeface="Times New Roman" panose="02020603050405020304" pitchFamily="18" charset="0"/>
+                <a:cs typeface="Times New Roman" panose="02020603050405020304" pitchFamily="18" charset="0"/>
+              </a:rPr>
+              <a:t>Month the project is launched also played an important role in the outcome. Project that is launched in March has higher chance at succeeding. July was almost the only month that reduced the projects likelihood of being successful.</a:t>
             </a:r>
             <a:endParaRPr lang="et-EE" sz="2000" dirty="0">
               <a:solidFill>
@@ -16312,36 +16360,2311 @@
           </a:p>
         </p:txBody>
       </p:sp>
-      <p:pic>
-        <p:nvPicPr>
-          <p:cNvPr id="20" name="Pilt 19"/>
-          <p:cNvPicPr>
-            <a:picLocks noChangeAspect="1"/>
-          </p:cNvPicPr>
+      <p:sp>
+        <p:nvSpPr>
+          <p:cNvPr id="32" name="TextBox 31"/>
+          <p:cNvSpPr txBox="1"/>
           <p:nvPr/>
-        </p:nvPicPr>
-        <p:blipFill>
-          <a:blip r:embed="rId10">
-            <a:extLst>
-              <a:ext uri="{28A0092B-C50C-407E-A947-70E740481C1C}">
-                <a14:useLocalDpi xmlns:a14="http://schemas.microsoft.com/office/drawing/2010/main" val="0"/>
-              </a:ext>
-            </a:extLst>
-          </a:blip>
-          <a:stretch>
-            <a:fillRect/>
-          </a:stretch>
-        </p:blipFill>
+        </p:nvSpPr>
         <p:spPr>
           <a:xfrm>
-            <a:off x="12438099" y="28947377"/>
-            <a:ext cx="1277902" cy="1277902"/>
+            <a:off x="11517373" y="19095761"/>
+            <a:ext cx="9158283" cy="1015663"/>
           </a:xfrm>
           <a:prstGeom prst="rect">
             <a:avLst/>
           </a:prstGeom>
+          <a:noFill/>
         </p:spPr>
-      </p:pic>
+        <p:txBody>
+          <a:bodyPr wrap="square" rtlCol="0">
+            <a:spAutoFit/>
+          </a:bodyPr>
+          <a:lstStyle/>
+          <a:p>
+            <a:pPr algn="just">
+              <a:spcBef>
+                <a:spcPct val="20000"/>
+              </a:spcBef>
+            </a:pPr>
+            <a:r>
+              <a:rPr lang="en-US" sz="2000" dirty="0">
+                <a:solidFill>
+                  <a:schemeClr val="accent5">
+                    <a:lumMod val="50000"/>
+                  </a:schemeClr>
+                </a:solidFill>
+                <a:latin typeface="Times New Roman" panose="02020603050405020304" pitchFamily="18" charset="0"/>
+                <a:cs typeface="Times New Roman" panose="02020603050405020304" pitchFamily="18" charset="0"/>
+              </a:rPr>
+              <a:t>Another feature that had a high importance was the characters used in the title. We found that projects that use 40-60 characters that make up about 6-10 words in their titles have a better chance of being successful</a:t>
+            </a:r>
+            <a:r>
+              <a:rPr lang="en-US" sz="2000" dirty="0" smtClean="0">
+                <a:solidFill>
+                  <a:schemeClr val="accent5">
+                    <a:lumMod val="50000"/>
+                  </a:schemeClr>
+                </a:solidFill>
+                <a:latin typeface="Times New Roman" panose="02020603050405020304" pitchFamily="18" charset="0"/>
+                <a:cs typeface="Times New Roman" panose="02020603050405020304" pitchFamily="18" charset="0"/>
+              </a:rPr>
+              <a:t>.</a:t>
+            </a:r>
+            <a:endParaRPr lang="et-EE" sz="2000" dirty="0">
+              <a:solidFill>
+                <a:schemeClr val="accent5">
+                  <a:lumMod val="50000"/>
+                </a:schemeClr>
+              </a:solidFill>
+              <a:latin typeface="Times New Roman" panose="02020603050405020304" pitchFamily="18" charset="0"/>
+              <a:cs typeface="Times New Roman" panose="02020603050405020304" pitchFamily="18" charset="0"/>
+            </a:endParaRPr>
+          </a:p>
+        </p:txBody>
+      </p:sp>
+      <p:sp>
+        <p:nvSpPr>
+          <p:cNvPr id="23" name="TextBox 22"/>
+          <p:cNvSpPr txBox="1"/>
+          <p:nvPr/>
+        </p:nvSpPr>
+        <p:spPr>
+          <a:xfrm>
+            <a:off x="435417" y="21385460"/>
+            <a:ext cx="4897885" cy="5047536"/>
+          </a:xfrm>
+          <a:prstGeom prst="rect">
+            <a:avLst/>
+          </a:prstGeom>
+          <a:noFill/>
+        </p:spPr>
+        <p:txBody>
+          <a:bodyPr wrap="square" rtlCol="0">
+            <a:spAutoFit/>
+          </a:bodyPr>
+          <a:lstStyle/>
+          <a:p>
+            <a:pPr algn="just">
+              <a:spcBef>
+                <a:spcPct val="20000"/>
+              </a:spcBef>
+            </a:pPr>
+            <a:r>
+              <a:rPr lang="et-EE" sz="2300" dirty="0" err="1">
+                <a:solidFill>
+                  <a:schemeClr val="accent5">
+                    <a:lumMod val="50000"/>
+                  </a:schemeClr>
+                </a:solidFill>
+                <a:latin typeface="Times New Roman" panose="02020603050405020304" pitchFamily="18" charset="0"/>
+                <a:cs typeface="Times New Roman" panose="02020603050405020304" pitchFamily="18" charset="0"/>
+              </a:rPr>
+              <a:t>We</a:t>
+            </a:r>
+            <a:r>
+              <a:rPr lang="et-EE" sz="2300" dirty="0">
+                <a:solidFill>
+                  <a:schemeClr val="accent5">
+                    <a:lumMod val="50000"/>
+                  </a:schemeClr>
+                </a:solidFill>
+                <a:latin typeface="Times New Roman" panose="02020603050405020304" pitchFamily="18" charset="0"/>
+                <a:cs typeface="Times New Roman" panose="02020603050405020304" pitchFamily="18" charset="0"/>
+              </a:rPr>
+              <a:t> </a:t>
+            </a:r>
+            <a:r>
+              <a:rPr lang="et-EE" sz="2300" dirty="0" err="1">
+                <a:solidFill>
+                  <a:schemeClr val="accent5">
+                    <a:lumMod val="50000"/>
+                  </a:schemeClr>
+                </a:solidFill>
+                <a:latin typeface="Times New Roman" panose="02020603050405020304" pitchFamily="18" charset="0"/>
+                <a:cs typeface="Times New Roman" panose="02020603050405020304" pitchFamily="18" charset="0"/>
+              </a:rPr>
+              <a:t>tried</a:t>
+            </a:r>
+            <a:r>
+              <a:rPr lang="et-EE" sz="2300" dirty="0">
+                <a:solidFill>
+                  <a:schemeClr val="accent5">
+                    <a:lumMod val="50000"/>
+                  </a:schemeClr>
+                </a:solidFill>
+                <a:latin typeface="Times New Roman" panose="02020603050405020304" pitchFamily="18" charset="0"/>
+                <a:cs typeface="Times New Roman" panose="02020603050405020304" pitchFamily="18" charset="0"/>
+              </a:rPr>
+              <a:t> </a:t>
+            </a:r>
+            <a:r>
+              <a:rPr lang="et-EE" sz="2300" dirty="0" err="1">
+                <a:solidFill>
+                  <a:schemeClr val="accent5">
+                    <a:lumMod val="50000"/>
+                  </a:schemeClr>
+                </a:solidFill>
+                <a:latin typeface="Times New Roman" panose="02020603050405020304" pitchFamily="18" charset="0"/>
+                <a:cs typeface="Times New Roman" panose="02020603050405020304" pitchFamily="18" charset="0"/>
+              </a:rPr>
+              <a:t>three</a:t>
+            </a:r>
+            <a:r>
+              <a:rPr lang="et-EE" sz="2300" dirty="0">
+                <a:solidFill>
+                  <a:schemeClr val="accent5">
+                    <a:lumMod val="50000"/>
+                  </a:schemeClr>
+                </a:solidFill>
+                <a:latin typeface="Times New Roman" panose="02020603050405020304" pitchFamily="18" charset="0"/>
+                <a:cs typeface="Times New Roman" panose="02020603050405020304" pitchFamily="18" charset="0"/>
+              </a:rPr>
+              <a:t> </a:t>
+            </a:r>
+            <a:r>
+              <a:rPr lang="et-EE" sz="2300" dirty="0" err="1">
+                <a:solidFill>
+                  <a:schemeClr val="accent5">
+                    <a:lumMod val="50000"/>
+                  </a:schemeClr>
+                </a:solidFill>
+                <a:latin typeface="Times New Roman" panose="02020603050405020304" pitchFamily="18" charset="0"/>
+                <a:cs typeface="Times New Roman" panose="02020603050405020304" pitchFamily="18" charset="0"/>
+              </a:rPr>
+              <a:t>different</a:t>
+            </a:r>
+            <a:r>
+              <a:rPr lang="et-EE" sz="2300" dirty="0">
+                <a:solidFill>
+                  <a:schemeClr val="accent5">
+                    <a:lumMod val="50000"/>
+                  </a:schemeClr>
+                </a:solidFill>
+                <a:latin typeface="Times New Roman" panose="02020603050405020304" pitchFamily="18" charset="0"/>
+                <a:cs typeface="Times New Roman" panose="02020603050405020304" pitchFamily="18" charset="0"/>
+              </a:rPr>
+              <a:t> </a:t>
+            </a:r>
+            <a:r>
+              <a:rPr lang="et-EE" sz="2300" dirty="0" err="1">
+                <a:solidFill>
+                  <a:schemeClr val="accent5">
+                    <a:lumMod val="50000"/>
+                  </a:schemeClr>
+                </a:solidFill>
+                <a:latin typeface="Times New Roman" panose="02020603050405020304" pitchFamily="18" charset="0"/>
+                <a:cs typeface="Times New Roman" panose="02020603050405020304" pitchFamily="18" charset="0"/>
+              </a:rPr>
+              <a:t>approaches</a:t>
+            </a:r>
+            <a:r>
+              <a:rPr lang="et-EE" sz="2300" dirty="0">
+                <a:solidFill>
+                  <a:schemeClr val="accent5">
+                    <a:lumMod val="50000"/>
+                  </a:schemeClr>
+                </a:solidFill>
+                <a:latin typeface="Times New Roman" panose="02020603050405020304" pitchFamily="18" charset="0"/>
+                <a:cs typeface="Times New Roman" panose="02020603050405020304" pitchFamily="18" charset="0"/>
+              </a:rPr>
+              <a:t>. </a:t>
+            </a:r>
+            <a:r>
+              <a:rPr lang="et-EE" sz="2300" dirty="0" err="1">
+                <a:solidFill>
+                  <a:schemeClr val="accent5">
+                    <a:lumMod val="50000"/>
+                  </a:schemeClr>
+                </a:solidFill>
+                <a:latin typeface="Times New Roman" panose="02020603050405020304" pitchFamily="18" charset="0"/>
+                <a:cs typeface="Times New Roman" panose="02020603050405020304" pitchFamily="18" charset="0"/>
+              </a:rPr>
+              <a:t>Firstly</a:t>
+            </a:r>
+            <a:r>
+              <a:rPr lang="et-EE" sz="2300" dirty="0">
+                <a:solidFill>
+                  <a:schemeClr val="accent5">
+                    <a:lumMod val="50000"/>
+                  </a:schemeClr>
+                </a:solidFill>
+                <a:latin typeface="Times New Roman" panose="02020603050405020304" pitchFamily="18" charset="0"/>
+                <a:cs typeface="Times New Roman" panose="02020603050405020304" pitchFamily="18" charset="0"/>
+              </a:rPr>
+              <a:t> </a:t>
+            </a:r>
+            <a:r>
+              <a:rPr lang="et-EE" sz="2300" dirty="0" err="1">
+                <a:solidFill>
+                  <a:schemeClr val="accent5">
+                    <a:lumMod val="50000"/>
+                  </a:schemeClr>
+                </a:solidFill>
+                <a:latin typeface="Times New Roman" panose="02020603050405020304" pitchFamily="18" charset="0"/>
+                <a:cs typeface="Times New Roman" panose="02020603050405020304" pitchFamily="18" charset="0"/>
+              </a:rPr>
+              <a:t>we</a:t>
+            </a:r>
+            <a:r>
+              <a:rPr lang="et-EE" sz="2300" dirty="0">
+                <a:solidFill>
+                  <a:schemeClr val="accent5">
+                    <a:lumMod val="50000"/>
+                  </a:schemeClr>
+                </a:solidFill>
+                <a:latin typeface="Times New Roman" panose="02020603050405020304" pitchFamily="18" charset="0"/>
+                <a:cs typeface="Times New Roman" panose="02020603050405020304" pitchFamily="18" charset="0"/>
+              </a:rPr>
+              <a:t> </a:t>
+            </a:r>
+            <a:r>
+              <a:rPr lang="et-EE" sz="2300" dirty="0" err="1">
+                <a:solidFill>
+                  <a:schemeClr val="accent5">
+                    <a:lumMod val="50000"/>
+                  </a:schemeClr>
+                </a:solidFill>
+                <a:latin typeface="Times New Roman" panose="02020603050405020304" pitchFamily="18" charset="0"/>
+                <a:cs typeface="Times New Roman" panose="02020603050405020304" pitchFamily="18" charset="0"/>
+              </a:rPr>
+              <a:t>tried</a:t>
+            </a:r>
+            <a:r>
+              <a:rPr lang="et-EE" sz="2300" dirty="0">
+                <a:solidFill>
+                  <a:schemeClr val="accent5">
+                    <a:lumMod val="50000"/>
+                  </a:schemeClr>
+                </a:solidFill>
+                <a:latin typeface="Times New Roman" panose="02020603050405020304" pitchFamily="18" charset="0"/>
+                <a:cs typeface="Times New Roman" panose="02020603050405020304" pitchFamily="18" charset="0"/>
+              </a:rPr>
+              <a:t> a </a:t>
+            </a:r>
+            <a:r>
+              <a:rPr lang="et-EE" sz="2300" dirty="0" err="1">
+                <a:solidFill>
+                  <a:schemeClr val="accent5">
+                    <a:lumMod val="50000"/>
+                  </a:schemeClr>
+                </a:solidFill>
+                <a:latin typeface="Times New Roman" panose="02020603050405020304" pitchFamily="18" charset="0"/>
+                <a:cs typeface="Times New Roman" panose="02020603050405020304" pitchFamily="18" charset="0"/>
+              </a:rPr>
+              <a:t>usual</a:t>
+            </a:r>
+            <a:r>
+              <a:rPr lang="et-EE" sz="2300" dirty="0">
+                <a:solidFill>
+                  <a:schemeClr val="accent5">
+                    <a:lumMod val="50000"/>
+                  </a:schemeClr>
+                </a:solidFill>
+                <a:latin typeface="Times New Roman" panose="02020603050405020304" pitchFamily="18" charset="0"/>
+                <a:cs typeface="Times New Roman" panose="02020603050405020304" pitchFamily="18" charset="0"/>
+              </a:rPr>
+              <a:t> </a:t>
+            </a:r>
+            <a:r>
+              <a:rPr lang="et-EE" sz="2300" dirty="0" err="1">
+                <a:solidFill>
+                  <a:schemeClr val="accent5">
+                    <a:lumMod val="50000"/>
+                  </a:schemeClr>
+                </a:solidFill>
+                <a:latin typeface="Times New Roman" panose="02020603050405020304" pitchFamily="18" charset="0"/>
+                <a:cs typeface="Times New Roman" panose="02020603050405020304" pitchFamily="18" charset="0"/>
+              </a:rPr>
+              <a:t>r</a:t>
+            </a:r>
+            <a:r>
+              <a:rPr lang="et-EE" sz="2300" dirty="0" err="1" smtClean="0">
+                <a:solidFill>
+                  <a:schemeClr val="accent5">
+                    <a:lumMod val="50000"/>
+                  </a:schemeClr>
+                </a:solidFill>
+                <a:latin typeface="Times New Roman" panose="02020603050405020304" pitchFamily="18" charset="0"/>
+                <a:cs typeface="Times New Roman" panose="02020603050405020304" pitchFamily="18" charset="0"/>
+              </a:rPr>
+              <a:t>andom</a:t>
+            </a:r>
+            <a:r>
+              <a:rPr lang="et-EE" sz="2300" dirty="0" smtClean="0">
+                <a:solidFill>
+                  <a:schemeClr val="accent5">
+                    <a:lumMod val="50000"/>
+                  </a:schemeClr>
+                </a:solidFill>
+                <a:latin typeface="Times New Roman" panose="02020603050405020304" pitchFamily="18" charset="0"/>
+                <a:cs typeface="Times New Roman" panose="02020603050405020304" pitchFamily="18" charset="0"/>
+              </a:rPr>
+              <a:t> </a:t>
+            </a:r>
+            <a:r>
+              <a:rPr lang="et-EE" sz="2300" dirty="0" err="1">
+                <a:solidFill>
+                  <a:schemeClr val="accent5">
+                    <a:lumMod val="50000"/>
+                  </a:schemeClr>
+                </a:solidFill>
+                <a:latin typeface="Times New Roman" panose="02020603050405020304" pitchFamily="18" charset="0"/>
+                <a:cs typeface="Times New Roman" panose="02020603050405020304" pitchFamily="18" charset="0"/>
+              </a:rPr>
+              <a:t>f</a:t>
+            </a:r>
+            <a:r>
+              <a:rPr lang="et-EE" sz="2300" dirty="0" err="1" smtClean="0">
+                <a:solidFill>
+                  <a:schemeClr val="accent5">
+                    <a:lumMod val="50000"/>
+                  </a:schemeClr>
+                </a:solidFill>
+                <a:latin typeface="Times New Roman" panose="02020603050405020304" pitchFamily="18" charset="0"/>
+                <a:cs typeface="Times New Roman" panose="02020603050405020304" pitchFamily="18" charset="0"/>
+              </a:rPr>
+              <a:t>orest</a:t>
+            </a:r>
+            <a:r>
+              <a:rPr lang="et-EE" sz="2300" dirty="0" smtClean="0">
+                <a:solidFill>
+                  <a:schemeClr val="accent5">
+                    <a:lumMod val="50000"/>
+                  </a:schemeClr>
+                </a:solidFill>
+                <a:latin typeface="Times New Roman" panose="02020603050405020304" pitchFamily="18" charset="0"/>
+                <a:cs typeface="Times New Roman" panose="02020603050405020304" pitchFamily="18" charset="0"/>
+              </a:rPr>
+              <a:t> </a:t>
+            </a:r>
+            <a:r>
+              <a:rPr lang="et-EE" sz="2300" dirty="0" err="1">
+                <a:solidFill>
+                  <a:schemeClr val="accent5">
+                    <a:lumMod val="50000"/>
+                  </a:schemeClr>
+                </a:solidFill>
+                <a:latin typeface="Times New Roman" panose="02020603050405020304" pitchFamily="18" charset="0"/>
+                <a:cs typeface="Times New Roman" panose="02020603050405020304" pitchFamily="18" charset="0"/>
+              </a:rPr>
+              <a:t>c</a:t>
+            </a:r>
+            <a:r>
+              <a:rPr lang="et-EE" sz="2300" dirty="0" err="1" smtClean="0">
+                <a:solidFill>
+                  <a:schemeClr val="accent5">
+                    <a:lumMod val="50000"/>
+                  </a:schemeClr>
+                </a:solidFill>
+                <a:latin typeface="Times New Roman" panose="02020603050405020304" pitchFamily="18" charset="0"/>
+                <a:cs typeface="Times New Roman" panose="02020603050405020304" pitchFamily="18" charset="0"/>
+              </a:rPr>
+              <a:t>lassifier</a:t>
+            </a:r>
+            <a:r>
+              <a:rPr lang="et-EE" sz="2300" dirty="0" smtClean="0">
+                <a:solidFill>
+                  <a:schemeClr val="accent5">
+                    <a:lumMod val="50000"/>
+                  </a:schemeClr>
+                </a:solidFill>
+                <a:latin typeface="Times New Roman" panose="02020603050405020304" pitchFamily="18" charset="0"/>
+                <a:cs typeface="Times New Roman" panose="02020603050405020304" pitchFamily="18" charset="0"/>
+              </a:rPr>
+              <a:t> </a:t>
+            </a:r>
+            <a:r>
+              <a:rPr lang="et-EE" sz="2300" dirty="0">
+                <a:solidFill>
+                  <a:schemeClr val="accent5">
+                    <a:lumMod val="50000"/>
+                  </a:schemeClr>
+                </a:solidFill>
+                <a:latin typeface="Times New Roman" panose="02020603050405020304" pitchFamily="18" charset="0"/>
+                <a:cs typeface="Times New Roman" panose="02020603050405020304" pitchFamily="18" charset="0"/>
+              </a:rPr>
+              <a:t>on </a:t>
+            </a:r>
+            <a:r>
+              <a:rPr lang="et-EE" sz="2300" dirty="0" err="1">
+                <a:solidFill>
+                  <a:schemeClr val="accent5">
+                    <a:lumMod val="50000"/>
+                  </a:schemeClr>
+                </a:solidFill>
+                <a:latin typeface="Times New Roman" panose="02020603050405020304" pitchFamily="18" charset="0"/>
+                <a:cs typeface="Times New Roman" panose="02020603050405020304" pitchFamily="18" charset="0"/>
+              </a:rPr>
+              <a:t>features</a:t>
+            </a:r>
+            <a:r>
+              <a:rPr lang="et-EE" sz="2300" dirty="0">
+                <a:solidFill>
+                  <a:schemeClr val="accent5">
+                    <a:lumMod val="50000"/>
+                  </a:schemeClr>
+                </a:solidFill>
+                <a:latin typeface="Times New Roman" panose="02020603050405020304" pitchFamily="18" charset="0"/>
+                <a:cs typeface="Times New Roman" panose="02020603050405020304" pitchFamily="18" charset="0"/>
+              </a:rPr>
+              <a:t> </a:t>
+            </a:r>
+            <a:r>
+              <a:rPr lang="et-EE" sz="2300" dirty="0" err="1">
+                <a:solidFill>
+                  <a:schemeClr val="accent5">
+                    <a:lumMod val="50000"/>
+                  </a:schemeClr>
+                </a:solidFill>
+                <a:latin typeface="Times New Roman" panose="02020603050405020304" pitchFamily="18" charset="0"/>
+                <a:cs typeface="Times New Roman" panose="02020603050405020304" pitchFamily="18" charset="0"/>
+              </a:rPr>
+              <a:t>category</a:t>
+            </a:r>
+            <a:r>
+              <a:rPr lang="et-EE" sz="2300" dirty="0">
+                <a:solidFill>
+                  <a:schemeClr val="accent5">
+                    <a:lumMod val="50000"/>
+                  </a:schemeClr>
+                </a:solidFill>
+                <a:latin typeface="Times New Roman" panose="02020603050405020304" pitchFamily="18" charset="0"/>
+                <a:cs typeface="Times New Roman" panose="02020603050405020304" pitchFamily="18" charset="0"/>
+              </a:rPr>
+              <a:t>, </a:t>
+            </a:r>
+            <a:r>
+              <a:rPr lang="et-EE" sz="2300" dirty="0" err="1">
+                <a:solidFill>
+                  <a:schemeClr val="accent5">
+                    <a:lumMod val="50000"/>
+                  </a:schemeClr>
+                </a:solidFill>
+                <a:latin typeface="Times New Roman" panose="02020603050405020304" pitchFamily="18" charset="0"/>
+                <a:cs typeface="Times New Roman" panose="02020603050405020304" pitchFamily="18" charset="0"/>
+              </a:rPr>
+              <a:t>main_category</a:t>
+            </a:r>
+            <a:r>
+              <a:rPr lang="et-EE" sz="2300" dirty="0">
+                <a:solidFill>
+                  <a:schemeClr val="accent5">
+                    <a:lumMod val="50000"/>
+                  </a:schemeClr>
+                </a:solidFill>
+                <a:latin typeface="Times New Roman" panose="02020603050405020304" pitchFamily="18" charset="0"/>
+                <a:cs typeface="Times New Roman" panose="02020603050405020304" pitchFamily="18" charset="0"/>
+              </a:rPr>
+              <a:t>, </a:t>
+            </a:r>
+            <a:r>
+              <a:rPr lang="et-EE" sz="2300" dirty="0" err="1">
+                <a:solidFill>
+                  <a:schemeClr val="accent5">
+                    <a:lumMod val="50000"/>
+                  </a:schemeClr>
+                </a:solidFill>
+                <a:latin typeface="Times New Roman" panose="02020603050405020304" pitchFamily="18" charset="0"/>
+                <a:cs typeface="Times New Roman" panose="02020603050405020304" pitchFamily="18" charset="0"/>
+              </a:rPr>
+              <a:t>currency</a:t>
+            </a:r>
+            <a:r>
+              <a:rPr lang="et-EE" sz="2300" dirty="0">
+                <a:solidFill>
+                  <a:schemeClr val="accent5">
+                    <a:lumMod val="50000"/>
+                  </a:schemeClr>
+                </a:solidFill>
+                <a:latin typeface="Times New Roman" panose="02020603050405020304" pitchFamily="18" charset="0"/>
+                <a:cs typeface="Times New Roman" panose="02020603050405020304" pitchFamily="18" charset="0"/>
+              </a:rPr>
+              <a:t>, </a:t>
+            </a:r>
+            <a:r>
+              <a:rPr lang="et-EE" sz="2300" dirty="0" err="1">
+                <a:solidFill>
+                  <a:schemeClr val="accent5">
+                    <a:lumMod val="50000"/>
+                  </a:schemeClr>
+                </a:solidFill>
+                <a:latin typeface="Times New Roman" panose="02020603050405020304" pitchFamily="18" charset="0"/>
+                <a:cs typeface="Times New Roman" panose="02020603050405020304" pitchFamily="18" charset="0"/>
+              </a:rPr>
+              <a:t>country</a:t>
+            </a:r>
+            <a:r>
+              <a:rPr lang="et-EE" sz="2300" dirty="0">
+                <a:solidFill>
+                  <a:schemeClr val="accent5">
+                    <a:lumMod val="50000"/>
+                  </a:schemeClr>
+                </a:solidFill>
+                <a:latin typeface="Times New Roman" panose="02020603050405020304" pitchFamily="18" charset="0"/>
+                <a:cs typeface="Times New Roman" panose="02020603050405020304" pitchFamily="18" charset="0"/>
+              </a:rPr>
+              <a:t> and </a:t>
+            </a:r>
+            <a:r>
+              <a:rPr lang="et-EE" sz="2300" dirty="0" err="1">
+                <a:solidFill>
+                  <a:schemeClr val="accent5">
+                    <a:lumMod val="50000"/>
+                  </a:schemeClr>
+                </a:solidFill>
+                <a:latin typeface="Times New Roman" panose="02020603050405020304" pitchFamily="18" charset="0"/>
+                <a:cs typeface="Times New Roman" panose="02020603050405020304" pitchFamily="18" charset="0"/>
+              </a:rPr>
+              <a:t>usd_goal_real</a:t>
+            </a:r>
+            <a:r>
+              <a:rPr lang="et-EE" sz="2300" dirty="0">
+                <a:solidFill>
+                  <a:schemeClr val="accent5">
+                    <a:lumMod val="50000"/>
+                  </a:schemeClr>
+                </a:solidFill>
+                <a:latin typeface="Times New Roman" panose="02020603050405020304" pitchFamily="18" charset="0"/>
+                <a:cs typeface="Times New Roman" panose="02020603050405020304" pitchFamily="18" charset="0"/>
+              </a:rPr>
+              <a:t>. </a:t>
+            </a:r>
+            <a:r>
+              <a:rPr lang="et-EE" sz="2300" dirty="0" err="1">
+                <a:solidFill>
+                  <a:schemeClr val="accent5">
+                    <a:lumMod val="50000"/>
+                  </a:schemeClr>
+                </a:solidFill>
+                <a:latin typeface="Times New Roman" panose="02020603050405020304" pitchFamily="18" charset="0"/>
+                <a:cs typeface="Times New Roman" panose="02020603050405020304" pitchFamily="18" charset="0"/>
+              </a:rPr>
+              <a:t>That</a:t>
+            </a:r>
+            <a:r>
+              <a:rPr lang="et-EE" sz="2300" dirty="0">
+                <a:solidFill>
+                  <a:schemeClr val="accent5">
+                    <a:lumMod val="50000"/>
+                  </a:schemeClr>
+                </a:solidFill>
+                <a:latin typeface="Times New Roman" panose="02020603050405020304" pitchFamily="18" charset="0"/>
+                <a:cs typeface="Times New Roman" panose="02020603050405020304" pitchFamily="18" charset="0"/>
+              </a:rPr>
+              <a:t> </a:t>
+            </a:r>
+            <a:r>
+              <a:rPr lang="et-EE" sz="2300" dirty="0" err="1">
+                <a:solidFill>
+                  <a:schemeClr val="accent5">
+                    <a:lumMod val="50000"/>
+                  </a:schemeClr>
+                </a:solidFill>
+                <a:latin typeface="Times New Roman" panose="02020603050405020304" pitchFamily="18" charset="0"/>
+                <a:cs typeface="Times New Roman" panose="02020603050405020304" pitchFamily="18" charset="0"/>
+              </a:rPr>
+              <a:t>approach</a:t>
+            </a:r>
+            <a:r>
+              <a:rPr lang="et-EE" sz="2300" dirty="0">
+                <a:solidFill>
+                  <a:schemeClr val="accent5">
+                    <a:lumMod val="50000"/>
+                  </a:schemeClr>
+                </a:solidFill>
+                <a:latin typeface="Times New Roman" panose="02020603050405020304" pitchFamily="18" charset="0"/>
+                <a:cs typeface="Times New Roman" panose="02020603050405020304" pitchFamily="18" charset="0"/>
+              </a:rPr>
+              <a:t> </a:t>
+            </a:r>
+            <a:r>
+              <a:rPr lang="et-EE" sz="2300" dirty="0" err="1">
+                <a:solidFill>
+                  <a:schemeClr val="accent5">
+                    <a:lumMod val="50000"/>
+                  </a:schemeClr>
+                </a:solidFill>
+                <a:latin typeface="Times New Roman" panose="02020603050405020304" pitchFamily="18" charset="0"/>
+                <a:cs typeface="Times New Roman" panose="02020603050405020304" pitchFamily="18" charset="0"/>
+              </a:rPr>
+              <a:t>gave</a:t>
+            </a:r>
+            <a:r>
+              <a:rPr lang="et-EE" sz="2300" dirty="0">
+                <a:solidFill>
+                  <a:schemeClr val="accent5">
+                    <a:lumMod val="50000"/>
+                  </a:schemeClr>
+                </a:solidFill>
+                <a:latin typeface="Times New Roman" panose="02020603050405020304" pitchFamily="18" charset="0"/>
+                <a:cs typeface="Times New Roman" panose="02020603050405020304" pitchFamily="18" charset="0"/>
+              </a:rPr>
+              <a:t> </a:t>
+            </a:r>
+            <a:r>
+              <a:rPr lang="et-EE" sz="2300" dirty="0" err="1">
+                <a:solidFill>
+                  <a:schemeClr val="accent5">
+                    <a:lumMod val="50000"/>
+                  </a:schemeClr>
+                </a:solidFill>
+                <a:latin typeface="Times New Roman" panose="02020603050405020304" pitchFamily="18" charset="0"/>
+                <a:cs typeface="Times New Roman" panose="02020603050405020304" pitchFamily="18" charset="0"/>
+              </a:rPr>
+              <a:t>an</a:t>
+            </a:r>
+            <a:r>
+              <a:rPr lang="et-EE" sz="2300" dirty="0">
+                <a:solidFill>
+                  <a:schemeClr val="accent5">
+                    <a:lumMod val="50000"/>
+                  </a:schemeClr>
+                </a:solidFill>
+                <a:latin typeface="Times New Roman" panose="02020603050405020304" pitchFamily="18" charset="0"/>
+                <a:cs typeface="Times New Roman" panose="02020603050405020304" pitchFamily="18" charset="0"/>
+              </a:rPr>
+              <a:t> </a:t>
+            </a:r>
+            <a:r>
+              <a:rPr lang="et-EE" sz="2300" dirty="0" err="1">
+                <a:solidFill>
+                  <a:schemeClr val="accent5">
+                    <a:lumMod val="50000"/>
+                  </a:schemeClr>
+                </a:solidFill>
+                <a:latin typeface="Times New Roman" panose="02020603050405020304" pitchFamily="18" charset="0"/>
+                <a:cs typeface="Times New Roman" panose="02020603050405020304" pitchFamily="18" charset="0"/>
+              </a:rPr>
+              <a:t>accuracy</a:t>
+            </a:r>
+            <a:r>
+              <a:rPr lang="et-EE" sz="2300" dirty="0">
+                <a:solidFill>
+                  <a:schemeClr val="accent5">
+                    <a:lumMod val="50000"/>
+                  </a:schemeClr>
+                </a:solidFill>
+                <a:latin typeface="Times New Roman" panose="02020603050405020304" pitchFamily="18" charset="0"/>
+                <a:cs typeface="Times New Roman" panose="02020603050405020304" pitchFamily="18" charset="0"/>
+              </a:rPr>
+              <a:t> of 66.5 %. </a:t>
+            </a:r>
+            <a:r>
+              <a:rPr lang="et-EE" sz="2300" dirty="0" err="1">
+                <a:solidFill>
+                  <a:schemeClr val="accent5">
+                    <a:lumMod val="50000"/>
+                  </a:schemeClr>
+                </a:solidFill>
+                <a:latin typeface="Times New Roman" panose="02020603050405020304" pitchFamily="18" charset="0"/>
+                <a:cs typeface="Times New Roman" panose="02020603050405020304" pitchFamily="18" charset="0"/>
+              </a:rPr>
+              <a:t>Next</a:t>
+            </a:r>
+            <a:r>
+              <a:rPr lang="et-EE" sz="2300" dirty="0">
+                <a:solidFill>
+                  <a:schemeClr val="accent5">
+                    <a:lumMod val="50000"/>
+                  </a:schemeClr>
+                </a:solidFill>
+                <a:latin typeface="Times New Roman" panose="02020603050405020304" pitchFamily="18" charset="0"/>
+                <a:cs typeface="Times New Roman" panose="02020603050405020304" pitchFamily="18" charset="0"/>
+              </a:rPr>
+              <a:t> </a:t>
+            </a:r>
+            <a:r>
+              <a:rPr lang="et-EE" sz="2300" dirty="0" err="1">
+                <a:solidFill>
+                  <a:schemeClr val="accent5">
+                    <a:lumMod val="50000"/>
+                  </a:schemeClr>
+                </a:solidFill>
+                <a:latin typeface="Times New Roman" panose="02020603050405020304" pitchFamily="18" charset="0"/>
+                <a:cs typeface="Times New Roman" panose="02020603050405020304" pitchFamily="18" charset="0"/>
+              </a:rPr>
+              <a:t>we</a:t>
+            </a:r>
+            <a:r>
+              <a:rPr lang="et-EE" sz="2300" dirty="0">
+                <a:solidFill>
+                  <a:schemeClr val="accent5">
+                    <a:lumMod val="50000"/>
+                  </a:schemeClr>
+                </a:solidFill>
+                <a:latin typeface="Times New Roman" panose="02020603050405020304" pitchFamily="18" charset="0"/>
+                <a:cs typeface="Times New Roman" panose="02020603050405020304" pitchFamily="18" charset="0"/>
+              </a:rPr>
+              <a:t> </a:t>
+            </a:r>
+            <a:r>
+              <a:rPr lang="et-EE" sz="2300" dirty="0" err="1">
+                <a:solidFill>
+                  <a:schemeClr val="accent5">
+                    <a:lumMod val="50000"/>
+                  </a:schemeClr>
+                </a:solidFill>
+                <a:latin typeface="Times New Roman" panose="02020603050405020304" pitchFamily="18" charset="0"/>
+                <a:cs typeface="Times New Roman" panose="02020603050405020304" pitchFamily="18" charset="0"/>
+              </a:rPr>
+              <a:t>tried</a:t>
+            </a:r>
+            <a:r>
+              <a:rPr lang="et-EE" sz="2300" dirty="0">
+                <a:solidFill>
+                  <a:schemeClr val="accent5">
+                    <a:lumMod val="50000"/>
+                  </a:schemeClr>
+                </a:solidFill>
+                <a:latin typeface="Times New Roman" panose="02020603050405020304" pitchFamily="18" charset="0"/>
+                <a:cs typeface="Times New Roman" panose="02020603050405020304" pitchFamily="18" charset="0"/>
+              </a:rPr>
+              <a:t> </a:t>
+            </a:r>
+            <a:r>
+              <a:rPr lang="et-EE" sz="2300" dirty="0" err="1">
+                <a:solidFill>
+                  <a:schemeClr val="accent5">
+                    <a:lumMod val="50000"/>
+                  </a:schemeClr>
+                </a:solidFill>
+                <a:latin typeface="Times New Roman" panose="02020603050405020304" pitchFamily="18" charset="0"/>
+                <a:cs typeface="Times New Roman" panose="02020603050405020304" pitchFamily="18" charset="0"/>
+              </a:rPr>
+              <a:t>making</a:t>
+            </a:r>
+            <a:r>
+              <a:rPr lang="et-EE" sz="2300" dirty="0">
+                <a:solidFill>
+                  <a:schemeClr val="accent5">
+                    <a:lumMod val="50000"/>
+                  </a:schemeClr>
+                </a:solidFill>
+                <a:latin typeface="Times New Roman" panose="02020603050405020304" pitchFamily="18" charset="0"/>
+                <a:cs typeface="Times New Roman" panose="02020603050405020304" pitchFamily="18" charset="0"/>
+              </a:rPr>
+              <a:t> </a:t>
+            </a:r>
+            <a:r>
+              <a:rPr lang="et-EE" sz="2300" dirty="0" err="1">
+                <a:solidFill>
+                  <a:schemeClr val="accent5">
+                    <a:lumMod val="50000"/>
+                  </a:schemeClr>
+                </a:solidFill>
+                <a:latin typeface="Times New Roman" panose="02020603050405020304" pitchFamily="18" charset="0"/>
+                <a:cs typeface="Times New Roman" panose="02020603050405020304" pitchFamily="18" charset="0"/>
+              </a:rPr>
+              <a:t>features</a:t>
+            </a:r>
+            <a:r>
+              <a:rPr lang="et-EE" sz="2300" dirty="0">
+                <a:solidFill>
+                  <a:schemeClr val="accent5">
+                    <a:lumMod val="50000"/>
+                  </a:schemeClr>
+                </a:solidFill>
+                <a:latin typeface="Times New Roman" panose="02020603050405020304" pitchFamily="18" charset="0"/>
+                <a:cs typeface="Times New Roman" panose="02020603050405020304" pitchFamily="18" charset="0"/>
+              </a:rPr>
+              <a:t> of </a:t>
+            </a:r>
+            <a:r>
+              <a:rPr lang="et-EE" sz="2300" dirty="0" err="1">
+                <a:solidFill>
+                  <a:schemeClr val="accent5">
+                    <a:lumMod val="50000"/>
+                  </a:schemeClr>
+                </a:solidFill>
+                <a:latin typeface="Times New Roman" panose="02020603050405020304" pitchFamily="18" charset="0"/>
+                <a:cs typeface="Times New Roman" panose="02020603050405020304" pitchFamily="18" charset="0"/>
+              </a:rPr>
+              <a:t>the</a:t>
+            </a:r>
+            <a:r>
+              <a:rPr lang="et-EE" sz="2300" dirty="0">
+                <a:solidFill>
+                  <a:schemeClr val="accent5">
+                    <a:lumMod val="50000"/>
+                  </a:schemeClr>
+                </a:solidFill>
+                <a:latin typeface="Times New Roman" panose="02020603050405020304" pitchFamily="18" charset="0"/>
+                <a:cs typeface="Times New Roman" panose="02020603050405020304" pitchFamily="18" charset="0"/>
+              </a:rPr>
+              <a:t> </a:t>
+            </a:r>
+            <a:r>
+              <a:rPr lang="et-EE" sz="2300" dirty="0" err="1">
+                <a:solidFill>
+                  <a:schemeClr val="accent5">
+                    <a:lumMod val="50000"/>
+                  </a:schemeClr>
+                </a:solidFill>
+                <a:latin typeface="Times New Roman" panose="02020603050405020304" pitchFamily="18" charset="0"/>
+                <a:cs typeface="Times New Roman" panose="02020603050405020304" pitchFamily="18" charset="0"/>
+              </a:rPr>
+              <a:t>most</a:t>
+            </a:r>
+            <a:r>
+              <a:rPr lang="et-EE" sz="2300" dirty="0">
+                <a:solidFill>
+                  <a:schemeClr val="accent5">
+                    <a:lumMod val="50000"/>
+                  </a:schemeClr>
+                </a:solidFill>
+                <a:latin typeface="Times New Roman" panose="02020603050405020304" pitchFamily="18" charset="0"/>
+                <a:cs typeface="Times New Roman" panose="02020603050405020304" pitchFamily="18" charset="0"/>
+              </a:rPr>
+              <a:t> </a:t>
+            </a:r>
+            <a:r>
+              <a:rPr lang="et-EE" sz="2300" dirty="0" err="1">
+                <a:solidFill>
+                  <a:schemeClr val="accent5">
+                    <a:lumMod val="50000"/>
+                  </a:schemeClr>
+                </a:solidFill>
+                <a:latin typeface="Times New Roman" panose="02020603050405020304" pitchFamily="18" charset="0"/>
+                <a:cs typeface="Times New Roman" panose="02020603050405020304" pitchFamily="18" charset="0"/>
+              </a:rPr>
+              <a:t>frequent</a:t>
+            </a:r>
+            <a:r>
+              <a:rPr lang="et-EE" sz="2300" dirty="0">
+                <a:solidFill>
+                  <a:schemeClr val="accent5">
+                    <a:lumMod val="50000"/>
+                  </a:schemeClr>
+                </a:solidFill>
+                <a:latin typeface="Times New Roman" panose="02020603050405020304" pitchFamily="18" charset="0"/>
+                <a:cs typeface="Times New Roman" panose="02020603050405020304" pitchFamily="18" charset="0"/>
+              </a:rPr>
+              <a:t> </a:t>
+            </a:r>
+            <a:r>
+              <a:rPr lang="et-EE" sz="2300" dirty="0" err="1">
+                <a:solidFill>
+                  <a:schemeClr val="accent5">
+                    <a:lumMod val="50000"/>
+                  </a:schemeClr>
+                </a:solidFill>
+                <a:latin typeface="Times New Roman" panose="02020603050405020304" pitchFamily="18" charset="0"/>
+                <a:cs typeface="Times New Roman" panose="02020603050405020304" pitchFamily="18" charset="0"/>
+              </a:rPr>
+              <a:t>words</a:t>
+            </a:r>
+            <a:r>
+              <a:rPr lang="et-EE" sz="2300" dirty="0">
+                <a:solidFill>
+                  <a:schemeClr val="accent5">
+                    <a:lumMod val="50000"/>
+                  </a:schemeClr>
+                </a:solidFill>
+                <a:latin typeface="Times New Roman" panose="02020603050405020304" pitchFamily="18" charset="0"/>
+                <a:cs typeface="Times New Roman" panose="02020603050405020304" pitchFamily="18" charset="0"/>
+              </a:rPr>
+              <a:t> in </a:t>
+            </a:r>
+            <a:r>
+              <a:rPr lang="et-EE" sz="2300" dirty="0" err="1">
+                <a:solidFill>
+                  <a:schemeClr val="accent5">
+                    <a:lumMod val="50000"/>
+                  </a:schemeClr>
+                </a:solidFill>
+                <a:latin typeface="Times New Roman" panose="02020603050405020304" pitchFamily="18" charset="0"/>
+                <a:cs typeface="Times New Roman" panose="02020603050405020304" pitchFamily="18" charset="0"/>
+              </a:rPr>
+              <a:t>project</a:t>
+            </a:r>
+            <a:r>
+              <a:rPr lang="et-EE" sz="2300" dirty="0">
+                <a:solidFill>
+                  <a:schemeClr val="accent5">
+                    <a:lumMod val="50000"/>
+                  </a:schemeClr>
+                </a:solidFill>
+                <a:latin typeface="Times New Roman" panose="02020603050405020304" pitchFamily="18" charset="0"/>
+                <a:cs typeface="Times New Roman" panose="02020603050405020304" pitchFamily="18" charset="0"/>
+              </a:rPr>
+              <a:t> </a:t>
+            </a:r>
+            <a:r>
+              <a:rPr lang="et-EE" sz="2300" dirty="0" err="1">
+                <a:solidFill>
+                  <a:schemeClr val="accent5">
+                    <a:lumMod val="50000"/>
+                  </a:schemeClr>
+                </a:solidFill>
+                <a:latin typeface="Times New Roman" panose="02020603050405020304" pitchFamily="18" charset="0"/>
+                <a:cs typeface="Times New Roman" panose="02020603050405020304" pitchFamily="18" charset="0"/>
+              </a:rPr>
+              <a:t>titles</a:t>
+            </a:r>
+            <a:r>
+              <a:rPr lang="et-EE" sz="2300" dirty="0">
+                <a:solidFill>
+                  <a:schemeClr val="accent5">
+                    <a:lumMod val="50000"/>
+                  </a:schemeClr>
+                </a:solidFill>
+                <a:latin typeface="Times New Roman" panose="02020603050405020304" pitchFamily="18" charset="0"/>
+                <a:cs typeface="Times New Roman" panose="02020603050405020304" pitchFamily="18" charset="0"/>
+              </a:rPr>
+              <a:t> and </a:t>
+            </a:r>
+            <a:r>
+              <a:rPr lang="et-EE" sz="2300" dirty="0" err="1">
+                <a:solidFill>
+                  <a:schemeClr val="accent5">
+                    <a:lumMod val="50000"/>
+                  </a:schemeClr>
+                </a:solidFill>
+                <a:latin typeface="Times New Roman" panose="02020603050405020304" pitchFamily="18" charset="0"/>
+                <a:cs typeface="Times New Roman" panose="02020603050405020304" pitchFamily="18" charset="0"/>
+              </a:rPr>
+              <a:t>train</a:t>
+            </a:r>
+            <a:r>
+              <a:rPr lang="et-EE" sz="2300" dirty="0">
+                <a:solidFill>
+                  <a:schemeClr val="accent5">
+                    <a:lumMod val="50000"/>
+                  </a:schemeClr>
+                </a:solidFill>
+                <a:latin typeface="Times New Roman" panose="02020603050405020304" pitchFamily="18" charset="0"/>
+                <a:cs typeface="Times New Roman" panose="02020603050405020304" pitchFamily="18" charset="0"/>
+              </a:rPr>
+              <a:t> a </a:t>
+            </a:r>
+            <a:r>
+              <a:rPr lang="et-EE" sz="2300" dirty="0" err="1">
+                <a:solidFill>
+                  <a:schemeClr val="accent5">
+                    <a:lumMod val="50000"/>
+                  </a:schemeClr>
+                </a:solidFill>
+                <a:latin typeface="Times New Roman" panose="02020603050405020304" pitchFamily="18" charset="0"/>
+                <a:cs typeface="Times New Roman" panose="02020603050405020304" pitchFamily="18" charset="0"/>
+              </a:rPr>
+              <a:t>r</a:t>
+            </a:r>
+            <a:r>
+              <a:rPr lang="et-EE" sz="2300" dirty="0" err="1" smtClean="0">
+                <a:solidFill>
+                  <a:schemeClr val="accent5">
+                    <a:lumMod val="50000"/>
+                  </a:schemeClr>
+                </a:solidFill>
+                <a:latin typeface="Times New Roman" panose="02020603050405020304" pitchFamily="18" charset="0"/>
+                <a:cs typeface="Times New Roman" panose="02020603050405020304" pitchFamily="18" charset="0"/>
+              </a:rPr>
+              <a:t>andom</a:t>
+            </a:r>
+            <a:r>
+              <a:rPr lang="et-EE" sz="2300" dirty="0" smtClean="0">
+                <a:solidFill>
+                  <a:schemeClr val="accent5">
+                    <a:lumMod val="50000"/>
+                  </a:schemeClr>
+                </a:solidFill>
+                <a:latin typeface="Times New Roman" panose="02020603050405020304" pitchFamily="18" charset="0"/>
+                <a:cs typeface="Times New Roman" panose="02020603050405020304" pitchFamily="18" charset="0"/>
+              </a:rPr>
+              <a:t> </a:t>
+            </a:r>
+            <a:r>
+              <a:rPr lang="et-EE" sz="2300" dirty="0" err="1">
+                <a:solidFill>
+                  <a:schemeClr val="accent5">
+                    <a:lumMod val="50000"/>
+                  </a:schemeClr>
+                </a:solidFill>
+                <a:latin typeface="Times New Roman" panose="02020603050405020304" pitchFamily="18" charset="0"/>
+                <a:cs typeface="Times New Roman" panose="02020603050405020304" pitchFamily="18" charset="0"/>
+              </a:rPr>
+              <a:t>f</a:t>
+            </a:r>
+            <a:r>
+              <a:rPr lang="et-EE" sz="2300" dirty="0" err="1" smtClean="0">
+                <a:solidFill>
+                  <a:schemeClr val="accent5">
+                    <a:lumMod val="50000"/>
+                  </a:schemeClr>
+                </a:solidFill>
+                <a:latin typeface="Times New Roman" panose="02020603050405020304" pitchFamily="18" charset="0"/>
+                <a:cs typeface="Times New Roman" panose="02020603050405020304" pitchFamily="18" charset="0"/>
+              </a:rPr>
+              <a:t>orest</a:t>
+            </a:r>
+            <a:r>
+              <a:rPr lang="et-EE" sz="2300" dirty="0" smtClean="0">
+                <a:solidFill>
+                  <a:schemeClr val="accent5">
+                    <a:lumMod val="50000"/>
+                  </a:schemeClr>
+                </a:solidFill>
+                <a:latin typeface="Times New Roman" panose="02020603050405020304" pitchFamily="18" charset="0"/>
+                <a:cs typeface="Times New Roman" panose="02020603050405020304" pitchFamily="18" charset="0"/>
+              </a:rPr>
+              <a:t> </a:t>
+            </a:r>
+            <a:r>
+              <a:rPr lang="et-EE" sz="2300" dirty="0" err="1">
+                <a:solidFill>
+                  <a:schemeClr val="accent5">
+                    <a:lumMod val="50000"/>
+                  </a:schemeClr>
+                </a:solidFill>
+                <a:latin typeface="Times New Roman" panose="02020603050405020304" pitchFamily="18" charset="0"/>
+                <a:cs typeface="Times New Roman" panose="02020603050405020304" pitchFamily="18" charset="0"/>
+              </a:rPr>
+              <a:t>c</a:t>
+            </a:r>
+            <a:r>
+              <a:rPr lang="et-EE" sz="2300" dirty="0" err="1" smtClean="0">
+                <a:solidFill>
+                  <a:schemeClr val="accent5">
+                    <a:lumMod val="50000"/>
+                  </a:schemeClr>
+                </a:solidFill>
+                <a:latin typeface="Times New Roman" panose="02020603050405020304" pitchFamily="18" charset="0"/>
+                <a:cs typeface="Times New Roman" panose="02020603050405020304" pitchFamily="18" charset="0"/>
+              </a:rPr>
+              <a:t>lassifier</a:t>
+            </a:r>
+            <a:r>
+              <a:rPr lang="et-EE" sz="2300" dirty="0" smtClean="0">
+                <a:solidFill>
+                  <a:schemeClr val="accent5">
+                    <a:lumMod val="50000"/>
+                  </a:schemeClr>
+                </a:solidFill>
+                <a:latin typeface="Times New Roman" panose="02020603050405020304" pitchFamily="18" charset="0"/>
+                <a:cs typeface="Times New Roman" panose="02020603050405020304" pitchFamily="18" charset="0"/>
+              </a:rPr>
+              <a:t> </a:t>
+            </a:r>
+            <a:r>
+              <a:rPr lang="et-EE" sz="2300" dirty="0" err="1">
+                <a:solidFill>
+                  <a:schemeClr val="accent5">
+                    <a:lumMod val="50000"/>
+                  </a:schemeClr>
+                </a:solidFill>
+                <a:latin typeface="Times New Roman" panose="02020603050405020304" pitchFamily="18" charset="0"/>
+                <a:cs typeface="Times New Roman" panose="02020603050405020304" pitchFamily="18" charset="0"/>
+              </a:rPr>
+              <a:t>with</a:t>
+            </a:r>
+            <a:r>
+              <a:rPr lang="et-EE" sz="2300" dirty="0">
+                <a:solidFill>
+                  <a:schemeClr val="accent5">
+                    <a:lumMod val="50000"/>
+                  </a:schemeClr>
+                </a:solidFill>
+                <a:latin typeface="Times New Roman" panose="02020603050405020304" pitchFamily="18" charset="0"/>
+                <a:cs typeface="Times New Roman" panose="02020603050405020304" pitchFamily="18" charset="0"/>
+              </a:rPr>
+              <a:t> </a:t>
+            </a:r>
+            <a:r>
+              <a:rPr lang="et-EE" sz="2300" dirty="0" err="1">
+                <a:solidFill>
+                  <a:schemeClr val="accent5">
+                    <a:lumMod val="50000"/>
+                  </a:schemeClr>
+                </a:solidFill>
+                <a:latin typeface="Times New Roman" panose="02020603050405020304" pitchFamily="18" charset="0"/>
+                <a:cs typeface="Times New Roman" panose="02020603050405020304" pitchFamily="18" charset="0"/>
+              </a:rPr>
+              <a:t>these</a:t>
+            </a:r>
+            <a:r>
+              <a:rPr lang="et-EE" sz="2300" dirty="0">
+                <a:solidFill>
+                  <a:schemeClr val="accent5">
+                    <a:lumMod val="50000"/>
+                  </a:schemeClr>
+                </a:solidFill>
+                <a:latin typeface="Times New Roman" panose="02020603050405020304" pitchFamily="18" charset="0"/>
+                <a:cs typeface="Times New Roman" panose="02020603050405020304" pitchFamily="18" charset="0"/>
+              </a:rPr>
+              <a:t> </a:t>
+            </a:r>
+            <a:r>
+              <a:rPr lang="et-EE" sz="2300" dirty="0" err="1">
+                <a:solidFill>
+                  <a:schemeClr val="accent5">
+                    <a:lumMod val="50000"/>
+                  </a:schemeClr>
+                </a:solidFill>
+                <a:latin typeface="Times New Roman" panose="02020603050405020304" pitchFamily="18" charset="0"/>
+                <a:cs typeface="Times New Roman" panose="02020603050405020304" pitchFamily="18" charset="0"/>
+              </a:rPr>
+              <a:t>features</a:t>
+            </a:r>
+            <a:r>
+              <a:rPr lang="et-EE" sz="2300" dirty="0">
+                <a:solidFill>
+                  <a:schemeClr val="accent5">
+                    <a:lumMod val="50000"/>
+                  </a:schemeClr>
+                </a:solidFill>
+                <a:latin typeface="Times New Roman" panose="02020603050405020304" pitchFamily="18" charset="0"/>
+                <a:cs typeface="Times New Roman" panose="02020603050405020304" pitchFamily="18" charset="0"/>
+              </a:rPr>
+              <a:t>. </a:t>
+            </a:r>
+            <a:r>
+              <a:rPr lang="et-EE" sz="2300" dirty="0" err="1">
+                <a:solidFill>
+                  <a:schemeClr val="accent5">
+                    <a:lumMod val="50000"/>
+                  </a:schemeClr>
+                </a:solidFill>
+                <a:latin typeface="Times New Roman" panose="02020603050405020304" pitchFamily="18" charset="0"/>
+                <a:cs typeface="Times New Roman" panose="02020603050405020304" pitchFamily="18" charset="0"/>
+              </a:rPr>
+              <a:t>This</a:t>
+            </a:r>
+            <a:r>
+              <a:rPr lang="et-EE" sz="2300" dirty="0">
+                <a:solidFill>
+                  <a:schemeClr val="accent5">
+                    <a:lumMod val="50000"/>
+                  </a:schemeClr>
+                </a:solidFill>
+                <a:latin typeface="Times New Roman" panose="02020603050405020304" pitchFamily="18" charset="0"/>
+                <a:cs typeface="Times New Roman" panose="02020603050405020304" pitchFamily="18" charset="0"/>
+              </a:rPr>
+              <a:t> </a:t>
+            </a:r>
+            <a:r>
+              <a:rPr lang="et-EE" sz="2300" dirty="0" err="1">
+                <a:solidFill>
+                  <a:schemeClr val="accent5">
+                    <a:lumMod val="50000"/>
+                  </a:schemeClr>
+                </a:solidFill>
+                <a:latin typeface="Times New Roman" panose="02020603050405020304" pitchFamily="18" charset="0"/>
+                <a:cs typeface="Times New Roman" panose="02020603050405020304" pitchFamily="18" charset="0"/>
+              </a:rPr>
+              <a:t>approach</a:t>
+            </a:r>
+            <a:r>
+              <a:rPr lang="et-EE" sz="2300" dirty="0">
+                <a:solidFill>
+                  <a:schemeClr val="accent5">
+                    <a:lumMod val="50000"/>
+                  </a:schemeClr>
+                </a:solidFill>
+                <a:latin typeface="Times New Roman" panose="02020603050405020304" pitchFamily="18" charset="0"/>
+                <a:cs typeface="Times New Roman" panose="02020603050405020304" pitchFamily="18" charset="0"/>
+              </a:rPr>
+              <a:t> </a:t>
+            </a:r>
+            <a:r>
+              <a:rPr lang="et-EE" sz="2300" dirty="0" err="1">
+                <a:solidFill>
+                  <a:schemeClr val="accent5">
+                    <a:lumMod val="50000"/>
+                  </a:schemeClr>
+                </a:solidFill>
+                <a:latin typeface="Times New Roman" panose="02020603050405020304" pitchFamily="18" charset="0"/>
+                <a:cs typeface="Times New Roman" panose="02020603050405020304" pitchFamily="18" charset="0"/>
+              </a:rPr>
+              <a:t>gave</a:t>
+            </a:r>
+            <a:r>
+              <a:rPr lang="et-EE" sz="2300" dirty="0">
+                <a:solidFill>
+                  <a:schemeClr val="accent5">
+                    <a:lumMod val="50000"/>
+                  </a:schemeClr>
+                </a:solidFill>
+                <a:latin typeface="Times New Roman" panose="02020603050405020304" pitchFamily="18" charset="0"/>
+                <a:cs typeface="Times New Roman" panose="02020603050405020304" pitchFamily="18" charset="0"/>
+              </a:rPr>
+              <a:t> </a:t>
+            </a:r>
+            <a:r>
+              <a:rPr lang="et-EE" sz="2300" dirty="0" err="1">
+                <a:solidFill>
+                  <a:schemeClr val="accent5">
+                    <a:lumMod val="50000"/>
+                  </a:schemeClr>
+                </a:solidFill>
+                <a:latin typeface="Times New Roman" panose="02020603050405020304" pitchFamily="18" charset="0"/>
+                <a:cs typeface="Times New Roman" panose="02020603050405020304" pitchFamily="18" charset="0"/>
+              </a:rPr>
+              <a:t>an</a:t>
+            </a:r>
+            <a:r>
+              <a:rPr lang="et-EE" sz="2300" dirty="0">
+                <a:solidFill>
+                  <a:schemeClr val="accent5">
+                    <a:lumMod val="50000"/>
+                  </a:schemeClr>
+                </a:solidFill>
+                <a:latin typeface="Times New Roman" panose="02020603050405020304" pitchFamily="18" charset="0"/>
+                <a:cs typeface="Times New Roman" panose="02020603050405020304" pitchFamily="18" charset="0"/>
+              </a:rPr>
+              <a:t> </a:t>
+            </a:r>
+            <a:r>
+              <a:rPr lang="et-EE" sz="2300" dirty="0" err="1">
+                <a:solidFill>
+                  <a:schemeClr val="accent5">
+                    <a:lumMod val="50000"/>
+                  </a:schemeClr>
+                </a:solidFill>
+                <a:latin typeface="Times New Roman" panose="02020603050405020304" pitchFamily="18" charset="0"/>
+                <a:cs typeface="Times New Roman" panose="02020603050405020304" pitchFamily="18" charset="0"/>
+              </a:rPr>
+              <a:t>accuracy</a:t>
+            </a:r>
+            <a:r>
+              <a:rPr lang="et-EE" sz="2300" dirty="0">
+                <a:solidFill>
+                  <a:schemeClr val="accent5">
+                    <a:lumMod val="50000"/>
+                  </a:schemeClr>
+                </a:solidFill>
+                <a:latin typeface="Times New Roman" panose="02020603050405020304" pitchFamily="18" charset="0"/>
+                <a:cs typeface="Times New Roman" panose="02020603050405020304" pitchFamily="18" charset="0"/>
+              </a:rPr>
+              <a:t> of 68.7 %. </a:t>
+            </a:r>
+            <a:r>
+              <a:rPr lang="et-EE" sz="2300" dirty="0" err="1">
+                <a:solidFill>
+                  <a:schemeClr val="accent5">
+                    <a:lumMod val="50000"/>
+                  </a:schemeClr>
+                </a:solidFill>
+                <a:latin typeface="Times New Roman" panose="02020603050405020304" pitchFamily="18" charset="0"/>
+                <a:cs typeface="Times New Roman" panose="02020603050405020304" pitchFamily="18" charset="0"/>
+              </a:rPr>
+              <a:t>Lastly</a:t>
+            </a:r>
+            <a:r>
+              <a:rPr lang="et-EE" sz="2300" dirty="0">
+                <a:solidFill>
+                  <a:schemeClr val="accent5">
+                    <a:lumMod val="50000"/>
+                  </a:schemeClr>
+                </a:solidFill>
+                <a:latin typeface="Times New Roman" panose="02020603050405020304" pitchFamily="18" charset="0"/>
+                <a:cs typeface="Times New Roman" panose="02020603050405020304" pitchFamily="18" charset="0"/>
+              </a:rPr>
+              <a:t> </a:t>
+            </a:r>
+            <a:r>
+              <a:rPr lang="et-EE" sz="2300" dirty="0" err="1">
+                <a:solidFill>
+                  <a:schemeClr val="accent5">
+                    <a:lumMod val="50000"/>
+                  </a:schemeClr>
+                </a:solidFill>
+                <a:latin typeface="Times New Roman" panose="02020603050405020304" pitchFamily="18" charset="0"/>
+                <a:cs typeface="Times New Roman" panose="02020603050405020304" pitchFamily="18" charset="0"/>
+              </a:rPr>
+              <a:t>we</a:t>
+            </a:r>
+            <a:r>
+              <a:rPr lang="et-EE" sz="2300" dirty="0">
+                <a:solidFill>
+                  <a:schemeClr val="accent5">
+                    <a:lumMod val="50000"/>
+                  </a:schemeClr>
+                </a:solidFill>
+                <a:latin typeface="Times New Roman" panose="02020603050405020304" pitchFamily="18" charset="0"/>
+                <a:cs typeface="Times New Roman" panose="02020603050405020304" pitchFamily="18" charset="0"/>
+              </a:rPr>
+              <a:t> </a:t>
+            </a:r>
+            <a:r>
+              <a:rPr lang="et-EE" sz="2300" dirty="0" err="1">
+                <a:solidFill>
+                  <a:schemeClr val="accent5">
+                    <a:lumMod val="50000"/>
+                  </a:schemeClr>
+                </a:solidFill>
+                <a:latin typeface="Times New Roman" panose="02020603050405020304" pitchFamily="18" charset="0"/>
+                <a:cs typeface="Times New Roman" panose="02020603050405020304" pitchFamily="18" charset="0"/>
+              </a:rPr>
+              <a:t>tried</a:t>
+            </a:r>
+            <a:r>
+              <a:rPr lang="et-EE" sz="2300" dirty="0">
+                <a:solidFill>
+                  <a:schemeClr val="accent5">
+                    <a:lumMod val="50000"/>
+                  </a:schemeClr>
+                </a:solidFill>
+                <a:latin typeface="Times New Roman" panose="02020603050405020304" pitchFamily="18" charset="0"/>
+                <a:cs typeface="Times New Roman" panose="02020603050405020304" pitchFamily="18" charset="0"/>
+              </a:rPr>
+              <a:t> a </a:t>
+            </a:r>
+            <a:r>
+              <a:rPr lang="et-EE" sz="2300" dirty="0" err="1">
+                <a:solidFill>
+                  <a:schemeClr val="accent5">
+                    <a:lumMod val="50000"/>
+                  </a:schemeClr>
+                </a:solidFill>
+                <a:latin typeface="Times New Roman" panose="02020603050405020304" pitchFamily="18" charset="0"/>
+                <a:cs typeface="Times New Roman" panose="02020603050405020304" pitchFamily="18" charset="0"/>
+              </a:rPr>
+              <a:t>LightLGB</a:t>
+            </a:r>
+            <a:r>
+              <a:rPr lang="et-EE" sz="2300" dirty="0">
+                <a:solidFill>
+                  <a:schemeClr val="accent5">
+                    <a:lumMod val="50000"/>
+                  </a:schemeClr>
+                </a:solidFill>
+                <a:latin typeface="Times New Roman" panose="02020603050405020304" pitchFamily="18" charset="0"/>
+                <a:cs typeface="Times New Roman" panose="02020603050405020304" pitchFamily="18" charset="0"/>
+              </a:rPr>
+              <a:t> </a:t>
+            </a:r>
+            <a:r>
+              <a:rPr lang="et-EE" sz="2300" dirty="0" err="1">
+                <a:solidFill>
+                  <a:schemeClr val="accent5">
+                    <a:lumMod val="50000"/>
+                  </a:schemeClr>
+                </a:solidFill>
+                <a:latin typeface="Times New Roman" panose="02020603050405020304" pitchFamily="18" charset="0"/>
+                <a:cs typeface="Times New Roman" panose="02020603050405020304" pitchFamily="18" charset="0"/>
+              </a:rPr>
+              <a:t>classifier</a:t>
+            </a:r>
+            <a:r>
+              <a:rPr lang="et-EE" sz="2300" dirty="0">
+                <a:solidFill>
+                  <a:schemeClr val="accent5">
+                    <a:lumMod val="50000"/>
+                  </a:schemeClr>
+                </a:solidFill>
+                <a:latin typeface="Times New Roman" panose="02020603050405020304" pitchFamily="18" charset="0"/>
+                <a:cs typeface="Times New Roman" panose="02020603050405020304" pitchFamily="18" charset="0"/>
+              </a:rPr>
+              <a:t> on Project </a:t>
+            </a:r>
+            <a:r>
+              <a:rPr lang="et-EE" sz="2300" dirty="0" err="1">
+                <a:solidFill>
+                  <a:schemeClr val="accent5">
+                    <a:lumMod val="50000"/>
+                  </a:schemeClr>
+                </a:solidFill>
+                <a:latin typeface="Times New Roman" panose="02020603050405020304" pitchFamily="18" charset="0"/>
+                <a:cs typeface="Times New Roman" panose="02020603050405020304" pitchFamily="18" charset="0"/>
+              </a:rPr>
+              <a:t>titles</a:t>
+            </a:r>
+            <a:r>
+              <a:rPr lang="et-EE" sz="2300" dirty="0">
+                <a:solidFill>
+                  <a:schemeClr val="accent5">
+                    <a:lumMod val="50000"/>
+                  </a:schemeClr>
+                </a:solidFill>
+                <a:latin typeface="Times New Roman" panose="02020603050405020304" pitchFamily="18" charset="0"/>
+                <a:cs typeface="Times New Roman" panose="02020603050405020304" pitchFamily="18" charset="0"/>
+              </a:rPr>
+              <a:t> </a:t>
+            </a:r>
+            <a:r>
+              <a:rPr lang="et-EE" sz="2300" dirty="0" err="1">
+                <a:solidFill>
+                  <a:schemeClr val="accent5">
+                    <a:lumMod val="50000"/>
+                  </a:schemeClr>
+                </a:solidFill>
+                <a:latin typeface="Times New Roman" panose="02020603050405020304" pitchFamily="18" charset="0"/>
+                <a:cs typeface="Times New Roman" panose="02020603050405020304" pitchFamily="18" charset="0"/>
+              </a:rPr>
+              <a:t>which</a:t>
+            </a:r>
+            <a:r>
+              <a:rPr lang="et-EE" sz="2300" dirty="0">
+                <a:solidFill>
+                  <a:schemeClr val="accent5">
+                    <a:lumMod val="50000"/>
+                  </a:schemeClr>
+                </a:solidFill>
+                <a:latin typeface="Times New Roman" panose="02020603050405020304" pitchFamily="18" charset="0"/>
+                <a:cs typeface="Times New Roman" panose="02020603050405020304" pitchFamily="18" charset="0"/>
+              </a:rPr>
+              <a:t> </a:t>
+            </a:r>
+            <a:r>
+              <a:rPr lang="et-EE" sz="2300" dirty="0" err="1">
+                <a:solidFill>
+                  <a:schemeClr val="accent5">
+                    <a:lumMod val="50000"/>
+                  </a:schemeClr>
+                </a:solidFill>
+                <a:latin typeface="Times New Roman" panose="02020603050405020304" pitchFamily="18" charset="0"/>
+                <a:cs typeface="Times New Roman" panose="02020603050405020304" pitchFamily="18" charset="0"/>
+              </a:rPr>
+              <a:t>gave</a:t>
+            </a:r>
+            <a:r>
+              <a:rPr lang="et-EE" sz="2300" dirty="0">
+                <a:solidFill>
+                  <a:schemeClr val="accent5">
+                    <a:lumMod val="50000"/>
+                  </a:schemeClr>
+                </a:solidFill>
+                <a:latin typeface="Times New Roman" panose="02020603050405020304" pitchFamily="18" charset="0"/>
+                <a:cs typeface="Times New Roman" panose="02020603050405020304" pitchFamily="18" charset="0"/>
+              </a:rPr>
+              <a:t> </a:t>
+            </a:r>
+            <a:r>
+              <a:rPr lang="et-EE" sz="2300" dirty="0" err="1">
+                <a:solidFill>
+                  <a:schemeClr val="accent5">
+                    <a:lumMod val="50000"/>
+                  </a:schemeClr>
+                </a:solidFill>
+                <a:latin typeface="Times New Roman" panose="02020603050405020304" pitchFamily="18" charset="0"/>
+                <a:cs typeface="Times New Roman" panose="02020603050405020304" pitchFamily="18" charset="0"/>
+              </a:rPr>
+              <a:t>an</a:t>
+            </a:r>
+            <a:r>
+              <a:rPr lang="et-EE" sz="2300" dirty="0">
+                <a:solidFill>
+                  <a:schemeClr val="accent5">
+                    <a:lumMod val="50000"/>
+                  </a:schemeClr>
+                </a:solidFill>
+                <a:latin typeface="Times New Roman" panose="02020603050405020304" pitchFamily="18" charset="0"/>
+                <a:cs typeface="Times New Roman" panose="02020603050405020304" pitchFamily="18" charset="0"/>
+              </a:rPr>
+              <a:t> </a:t>
+            </a:r>
+            <a:r>
+              <a:rPr lang="et-EE" sz="2300" dirty="0" err="1">
+                <a:solidFill>
+                  <a:schemeClr val="accent5">
+                    <a:lumMod val="50000"/>
+                  </a:schemeClr>
+                </a:solidFill>
+                <a:latin typeface="Times New Roman" panose="02020603050405020304" pitchFamily="18" charset="0"/>
+                <a:cs typeface="Times New Roman" panose="02020603050405020304" pitchFamily="18" charset="0"/>
+              </a:rPr>
+              <a:t>accuracy</a:t>
+            </a:r>
+            <a:r>
+              <a:rPr lang="et-EE" sz="2300" dirty="0">
+                <a:solidFill>
+                  <a:schemeClr val="accent5">
+                    <a:lumMod val="50000"/>
+                  </a:schemeClr>
+                </a:solidFill>
+                <a:latin typeface="Times New Roman" panose="02020603050405020304" pitchFamily="18" charset="0"/>
+                <a:cs typeface="Times New Roman" panose="02020603050405020304" pitchFamily="18" charset="0"/>
+              </a:rPr>
+              <a:t> of 70 % and a </a:t>
+            </a:r>
+            <a:r>
+              <a:rPr lang="et-EE" sz="2300" dirty="0" err="1">
+                <a:solidFill>
+                  <a:schemeClr val="accent5">
+                    <a:lumMod val="50000"/>
+                  </a:schemeClr>
+                </a:solidFill>
+                <a:latin typeface="Times New Roman" panose="02020603050405020304" pitchFamily="18" charset="0"/>
+                <a:cs typeface="Times New Roman" panose="02020603050405020304" pitchFamily="18" charset="0"/>
+              </a:rPr>
+              <a:t>fairly</a:t>
+            </a:r>
+            <a:r>
+              <a:rPr lang="et-EE" sz="2300" dirty="0">
+                <a:solidFill>
+                  <a:schemeClr val="accent5">
+                    <a:lumMod val="50000"/>
+                  </a:schemeClr>
+                </a:solidFill>
+                <a:latin typeface="Times New Roman" panose="02020603050405020304" pitchFamily="18" charset="0"/>
+                <a:cs typeface="Times New Roman" panose="02020603050405020304" pitchFamily="18" charset="0"/>
+              </a:rPr>
+              <a:t> </a:t>
+            </a:r>
+            <a:r>
+              <a:rPr lang="et-EE" sz="2300" dirty="0" err="1">
+                <a:solidFill>
+                  <a:schemeClr val="accent5">
+                    <a:lumMod val="50000"/>
+                  </a:schemeClr>
+                </a:solidFill>
+                <a:latin typeface="Times New Roman" panose="02020603050405020304" pitchFamily="18" charset="0"/>
+                <a:cs typeface="Times New Roman" panose="02020603050405020304" pitchFamily="18" charset="0"/>
+              </a:rPr>
+              <a:t>good</a:t>
+            </a:r>
+            <a:r>
+              <a:rPr lang="et-EE" sz="2300" dirty="0">
+                <a:solidFill>
+                  <a:schemeClr val="accent5">
+                    <a:lumMod val="50000"/>
+                  </a:schemeClr>
+                </a:solidFill>
+                <a:latin typeface="Times New Roman" panose="02020603050405020304" pitchFamily="18" charset="0"/>
+                <a:cs typeface="Times New Roman" panose="02020603050405020304" pitchFamily="18" charset="0"/>
+              </a:rPr>
+              <a:t> ROC </a:t>
+            </a:r>
+            <a:r>
+              <a:rPr lang="et-EE" sz="2300" dirty="0" err="1">
+                <a:solidFill>
+                  <a:schemeClr val="accent5">
+                    <a:lumMod val="50000"/>
+                  </a:schemeClr>
+                </a:solidFill>
+                <a:latin typeface="Times New Roman" panose="02020603050405020304" pitchFamily="18" charset="0"/>
+                <a:cs typeface="Times New Roman" panose="02020603050405020304" pitchFamily="18" charset="0"/>
+              </a:rPr>
+              <a:t>curve</a:t>
+            </a:r>
+            <a:r>
+              <a:rPr lang="et-EE" sz="2300" dirty="0">
+                <a:solidFill>
+                  <a:schemeClr val="accent5">
+                    <a:lumMod val="50000"/>
+                  </a:schemeClr>
+                </a:solidFill>
+                <a:latin typeface="Times New Roman" panose="02020603050405020304" pitchFamily="18" charset="0"/>
+                <a:cs typeface="Times New Roman" panose="02020603050405020304" pitchFamily="18" charset="0"/>
+              </a:rPr>
+              <a:t>.</a:t>
+            </a:r>
+          </a:p>
+        </p:txBody>
+      </p:sp>
+      <p:sp>
+        <p:nvSpPr>
+          <p:cNvPr id="34" name="Teksti kohatäide 3"/>
+          <p:cNvSpPr txBox="1">
+            <a:spLocks/>
+          </p:cNvSpPr>
+          <p:nvPr/>
+        </p:nvSpPr>
+        <p:spPr>
+          <a:xfrm>
+            <a:off x="461523" y="8241458"/>
+            <a:ext cx="10093751" cy="558738"/>
+          </a:xfrm>
+          <a:prstGeom prst="rect">
+            <a:avLst/>
+          </a:prstGeom>
+          <a:noFill/>
+        </p:spPr>
+        <p:txBody>
+          <a:bodyPr wrap="square" lIns="63307" tIns="63307" rIns="63307" bIns="63307" anchor="ctr" anchorCtr="0">
+            <a:spAutoFit/>
+          </a:bodyPr>
+          <a:lstStyle>
+            <a:lvl1pPr marL="0" indent="0" algn="ctr" defTabSz="3038715" rtl="0" eaLnBrk="1" latinLnBrk="0" hangingPunct="1">
+              <a:spcBef>
+                <a:spcPct val="20000"/>
+              </a:spcBef>
+              <a:buFont typeface="Arial" pitchFamily="34" charset="0"/>
+              <a:buNone/>
+              <a:defRPr sz="2800" b="1" u="sng" kern="1200" baseline="0">
+                <a:solidFill>
+                  <a:schemeClr val="accent5">
+                    <a:lumMod val="50000"/>
+                  </a:schemeClr>
+                </a:solidFill>
+                <a:latin typeface="+mn-lt"/>
+                <a:ea typeface="+mn-ea"/>
+                <a:cs typeface="+mn-cs"/>
+              </a:defRPr>
+            </a:lvl1pPr>
+            <a:lvl2pPr marL="2468955" indent="-949598" algn="l" defTabSz="3038715" rtl="0" eaLnBrk="1" latinLnBrk="0" hangingPunct="1">
+              <a:spcBef>
+                <a:spcPct val="20000"/>
+              </a:spcBef>
+              <a:buFont typeface="Arial" pitchFamily="34" charset="0"/>
+              <a:buChar char="–"/>
+              <a:defRPr sz="9400" kern="1200">
+                <a:solidFill>
+                  <a:schemeClr val="tx1"/>
+                </a:solidFill>
+                <a:latin typeface="+mn-lt"/>
+                <a:ea typeface="+mn-ea"/>
+                <a:cs typeface="+mn-cs"/>
+              </a:defRPr>
+            </a:lvl2pPr>
+            <a:lvl3pPr marL="3798394" indent="-759679" algn="l" defTabSz="3038715" rtl="0" eaLnBrk="1" latinLnBrk="0" hangingPunct="1">
+              <a:spcBef>
+                <a:spcPct val="20000"/>
+              </a:spcBef>
+              <a:buFont typeface="Arial" pitchFamily="34" charset="0"/>
+              <a:buChar char="•"/>
+              <a:defRPr sz="8000" kern="1200">
+                <a:solidFill>
+                  <a:schemeClr val="tx1"/>
+                </a:solidFill>
+                <a:latin typeface="+mn-lt"/>
+                <a:ea typeface="+mn-ea"/>
+                <a:cs typeface="+mn-cs"/>
+              </a:defRPr>
+            </a:lvl3pPr>
+            <a:lvl4pPr marL="5317751" indent="-759679" algn="l" defTabSz="3038715" rtl="0" eaLnBrk="1" latinLnBrk="0" hangingPunct="1">
+              <a:spcBef>
+                <a:spcPct val="20000"/>
+              </a:spcBef>
+              <a:buFont typeface="Arial" pitchFamily="34" charset="0"/>
+              <a:buChar char="–"/>
+              <a:defRPr sz="6700" kern="1200">
+                <a:solidFill>
+                  <a:schemeClr val="tx1"/>
+                </a:solidFill>
+                <a:latin typeface="+mn-lt"/>
+                <a:ea typeface="+mn-ea"/>
+                <a:cs typeface="+mn-cs"/>
+              </a:defRPr>
+            </a:lvl4pPr>
+            <a:lvl5pPr marL="6837107" indent="-759679" algn="l" defTabSz="3038715" rtl="0" eaLnBrk="1" latinLnBrk="0" hangingPunct="1">
+              <a:spcBef>
+                <a:spcPct val="20000"/>
+              </a:spcBef>
+              <a:buFont typeface="Arial" pitchFamily="34" charset="0"/>
+              <a:buChar char="»"/>
+              <a:defRPr sz="6700" kern="1200">
+                <a:solidFill>
+                  <a:schemeClr val="tx1"/>
+                </a:solidFill>
+                <a:latin typeface="+mn-lt"/>
+                <a:ea typeface="+mn-ea"/>
+                <a:cs typeface="+mn-cs"/>
+              </a:defRPr>
+            </a:lvl5pPr>
+            <a:lvl6pPr marL="8356465" indent="-759679" algn="l" defTabSz="3038715" rtl="0" eaLnBrk="1" latinLnBrk="0" hangingPunct="1">
+              <a:spcBef>
+                <a:spcPct val="20000"/>
+              </a:spcBef>
+              <a:buFont typeface="Arial" pitchFamily="34" charset="0"/>
+              <a:buChar char="•"/>
+              <a:defRPr sz="6700" kern="1200">
+                <a:solidFill>
+                  <a:schemeClr val="tx1"/>
+                </a:solidFill>
+                <a:latin typeface="+mn-lt"/>
+                <a:ea typeface="+mn-ea"/>
+                <a:cs typeface="+mn-cs"/>
+              </a:defRPr>
+            </a:lvl6pPr>
+            <a:lvl7pPr marL="9875821" indent="-759679" algn="l" defTabSz="3038715" rtl="0" eaLnBrk="1" latinLnBrk="0" hangingPunct="1">
+              <a:spcBef>
+                <a:spcPct val="20000"/>
+              </a:spcBef>
+              <a:buFont typeface="Arial" pitchFamily="34" charset="0"/>
+              <a:buChar char="•"/>
+              <a:defRPr sz="6700" kern="1200">
+                <a:solidFill>
+                  <a:schemeClr val="tx1"/>
+                </a:solidFill>
+                <a:latin typeface="+mn-lt"/>
+                <a:ea typeface="+mn-ea"/>
+                <a:cs typeface="+mn-cs"/>
+              </a:defRPr>
+            </a:lvl7pPr>
+            <a:lvl8pPr marL="11395179" indent="-759679" algn="l" defTabSz="3038715" rtl="0" eaLnBrk="1" latinLnBrk="0" hangingPunct="1">
+              <a:spcBef>
+                <a:spcPct val="20000"/>
+              </a:spcBef>
+              <a:buFont typeface="Arial" pitchFamily="34" charset="0"/>
+              <a:buChar char="•"/>
+              <a:defRPr sz="6700" kern="1200">
+                <a:solidFill>
+                  <a:schemeClr val="tx1"/>
+                </a:solidFill>
+                <a:latin typeface="+mn-lt"/>
+                <a:ea typeface="+mn-ea"/>
+                <a:cs typeface="+mn-cs"/>
+              </a:defRPr>
+            </a:lvl8pPr>
+            <a:lvl9pPr marL="12914537" indent="-759679" algn="l" defTabSz="3038715" rtl="0" eaLnBrk="1" latinLnBrk="0" hangingPunct="1">
+              <a:spcBef>
+                <a:spcPct val="20000"/>
+              </a:spcBef>
+              <a:buFont typeface="Arial" pitchFamily="34" charset="0"/>
+              <a:buChar char="•"/>
+              <a:defRPr sz="6700" kern="1200">
+                <a:solidFill>
+                  <a:schemeClr val="tx1"/>
+                </a:solidFill>
+                <a:latin typeface="+mn-lt"/>
+                <a:ea typeface="+mn-ea"/>
+                <a:cs typeface="+mn-cs"/>
+              </a:defRPr>
+            </a:lvl9pPr>
+          </a:lstStyle>
+          <a:p>
+            <a:r>
+              <a:rPr lang="et-EE" dirty="0" smtClean="0"/>
+              <a:t>OBJECTIVES</a:t>
+            </a:r>
+            <a:endParaRPr lang="et-EE" dirty="0" smtClean="0"/>
+          </a:p>
+        </p:txBody>
+      </p:sp>
+      <p:sp>
+        <p:nvSpPr>
+          <p:cNvPr id="35" name="Teksti kohatäide 3"/>
+          <p:cNvSpPr txBox="1">
+            <a:spLocks/>
+          </p:cNvSpPr>
+          <p:nvPr/>
+        </p:nvSpPr>
+        <p:spPr>
+          <a:xfrm>
+            <a:off x="461523" y="9042875"/>
+            <a:ext cx="10093751" cy="1174291"/>
+          </a:xfrm>
+          <a:prstGeom prst="rect">
+            <a:avLst/>
+          </a:prstGeom>
+          <a:noFill/>
+        </p:spPr>
+        <p:txBody>
+          <a:bodyPr wrap="square" lIns="63307" tIns="63307" rIns="63307" bIns="63307" anchor="ctr" anchorCtr="0">
+            <a:spAutoFit/>
+          </a:bodyPr>
+          <a:lstStyle>
+            <a:lvl1pPr marL="0" indent="0" algn="ctr" defTabSz="3038715" rtl="0" eaLnBrk="1" latinLnBrk="0" hangingPunct="1">
+              <a:spcBef>
+                <a:spcPct val="20000"/>
+              </a:spcBef>
+              <a:buFont typeface="Arial" pitchFamily="34" charset="0"/>
+              <a:buNone/>
+              <a:defRPr sz="2800" b="1" u="sng" kern="1200" baseline="0">
+                <a:solidFill>
+                  <a:schemeClr val="accent5">
+                    <a:lumMod val="50000"/>
+                  </a:schemeClr>
+                </a:solidFill>
+                <a:latin typeface="+mn-lt"/>
+                <a:ea typeface="+mn-ea"/>
+                <a:cs typeface="+mn-cs"/>
+              </a:defRPr>
+            </a:lvl1pPr>
+            <a:lvl2pPr marL="2468955" indent="-949598" algn="l" defTabSz="3038715" rtl="0" eaLnBrk="1" latinLnBrk="0" hangingPunct="1">
+              <a:spcBef>
+                <a:spcPct val="20000"/>
+              </a:spcBef>
+              <a:buFont typeface="Arial" pitchFamily="34" charset="0"/>
+              <a:buChar char="–"/>
+              <a:defRPr sz="9400" kern="1200">
+                <a:solidFill>
+                  <a:schemeClr val="tx1"/>
+                </a:solidFill>
+                <a:latin typeface="+mn-lt"/>
+                <a:ea typeface="+mn-ea"/>
+                <a:cs typeface="+mn-cs"/>
+              </a:defRPr>
+            </a:lvl2pPr>
+            <a:lvl3pPr marL="3798394" indent="-759679" algn="l" defTabSz="3038715" rtl="0" eaLnBrk="1" latinLnBrk="0" hangingPunct="1">
+              <a:spcBef>
+                <a:spcPct val="20000"/>
+              </a:spcBef>
+              <a:buFont typeface="Arial" pitchFamily="34" charset="0"/>
+              <a:buChar char="•"/>
+              <a:defRPr sz="8000" kern="1200">
+                <a:solidFill>
+                  <a:schemeClr val="tx1"/>
+                </a:solidFill>
+                <a:latin typeface="+mn-lt"/>
+                <a:ea typeface="+mn-ea"/>
+                <a:cs typeface="+mn-cs"/>
+              </a:defRPr>
+            </a:lvl3pPr>
+            <a:lvl4pPr marL="5317751" indent="-759679" algn="l" defTabSz="3038715" rtl="0" eaLnBrk="1" latinLnBrk="0" hangingPunct="1">
+              <a:spcBef>
+                <a:spcPct val="20000"/>
+              </a:spcBef>
+              <a:buFont typeface="Arial" pitchFamily="34" charset="0"/>
+              <a:buChar char="–"/>
+              <a:defRPr sz="6700" kern="1200">
+                <a:solidFill>
+                  <a:schemeClr val="tx1"/>
+                </a:solidFill>
+                <a:latin typeface="+mn-lt"/>
+                <a:ea typeface="+mn-ea"/>
+                <a:cs typeface="+mn-cs"/>
+              </a:defRPr>
+            </a:lvl4pPr>
+            <a:lvl5pPr marL="6837107" indent="-759679" algn="l" defTabSz="3038715" rtl="0" eaLnBrk="1" latinLnBrk="0" hangingPunct="1">
+              <a:spcBef>
+                <a:spcPct val="20000"/>
+              </a:spcBef>
+              <a:buFont typeface="Arial" pitchFamily="34" charset="0"/>
+              <a:buChar char="»"/>
+              <a:defRPr sz="6700" kern="1200">
+                <a:solidFill>
+                  <a:schemeClr val="tx1"/>
+                </a:solidFill>
+                <a:latin typeface="+mn-lt"/>
+                <a:ea typeface="+mn-ea"/>
+                <a:cs typeface="+mn-cs"/>
+              </a:defRPr>
+            </a:lvl5pPr>
+            <a:lvl6pPr marL="8356465" indent="-759679" algn="l" defTabSz="3038715" rtl="0" eaLnBrk="1" latinLnBrk="0" hangingPunct="1">
+              <a:spcBef>
+                <a:spcPct val="20000"/>
+              </a:spcBef>
+              <a:buFont typeface="Arial" pitchFamily="34" charset="0"/>
+              <a:buChar char="•"/>
+              <a:defRPr sz="6700" kern="1200">
+                <a:solidFill>
+                  <a:schemeClr val="tx1"/>
+                </a:solidFill>
+                <a:latin typeface="+mn-lt"/>
+                <a:ea typeface="+mn-ea"/>
+                <a:cs typeface="+mn-cs"/>
+              </a:defRPr>
+            </a:lvl6pPr>
+            <a:lvl7pPr marL="9875821" indent="-759679" algn="l" defTabSz="3038715" rtl="0" eaLnBrk="1" latinLnBrk="0" hangingPunct="1">
+              <a:spcBef>
+                <a:spcPct val="20000"/>
+              </a:spcBef>
+              <a:buFont typeface="Arial" pitchFamily="34" charset="0"/>
+              <a:buChar char="•"/>
+              <a:defRPr sz="6700" kern="1200">
+                <a:solidFill>
+                  <a:schemeClr val="tx1"/>
+                </a:solidFill>
+                <a:latin typeface="+mn-lt"/>
+                <a:ea typeface="+mn-ea"/>
+                <a:cs typeface="+mn-cs"/>
+              </a:defRPr>
+            </a:lvl7pPr>
+            <a:lvl8pPr marL="11395179" indent="-759679" algn="l" defTabSz="3038715" rtl="0" eaLnBrk="1" latinLnBrk="0" hangingPunct="1">
+              <a:spcBef>
+                <a:spcPct val="20000"/>
+              </a:spcBef>
+              <a:buFont typeface="Arial" pitchFamily="34" charset="0"/>
+              <a:buChar char="•"/>
+              <a:defRPr sz="6700" kern="1200">
+                <a:solidFill>
+                  <a:schemeClr val="tx1"/>
+                </a:solidFill>
+                <a:latin typeface="+mn-lt"/>
+                <a:ea typeface="+mn-ea"/>
+                <a:cs typeface="+mn-cs"/>
+              </a:defRPr>
+            </a:lvl8pPr>
+            <a:lvl9pPr marL="12914537" indent="-759679" algn="l" defTabSz="3038715" rtl="0" eaLnBrk="1" latinLnBrk="0" hangingPunct="1">
+              <a:spcBef>
+                <a:spcPct val="20000"/>
+              </a:spcBef>
+              <a:buFont typeface="Arial" pitchFamily="34" charset="0"/>
+              <a:buChar char="•"/>
+              <a:defRPr sz="6700" kern="1200">
+                <a:solidFill>
+                  <a:schemeClr val="tx1"/>
+                </a:solidFill>
+                <a:latin typeface="+mn-lt"/>
+                <a:ea typeface="+mn-ea"/>
+                <a:cs typeface="+mn-cs"/>
+              </a:defRPr>
+            </a:lvl9pPr>
+          </a:lstStyle>
+          <a:p>
+            <a:pPr marL="342900" indent="-342900" algn="l">
+              <a:buFont typeface="Arial" panose="020B0604020202020204" pitchFamily="34" charset="0"/>
+              <a:buChar char="•"/>
+            </a:pPr>
+            <a:r>
+              <a:rPr lang="et-EE" sz="2000" b="0" u="none" dirty="0" err="1">
+                <a:latin typeface="Times New Roman" panose="02020603050405020304" pitchFamily="18" charset="0"/>
+                <a:cs typeface="Times New Roman" panose="02020603050405020304" pitchFamily="18" charset="0"/>
+              </a:rPr>
+              <a:t>T</a:t>
+            </a:r>
+            <a:r>
+              <a:rPr lang="et-EE" sz="2000" b="0" u="none" dirty="0" err="1" smtClean="0">
+                <a:latin typeface="Times New Roman" panose="02020603050405020304" pitchFamily="18" charset="0"/>
+                <a:cs typeface="Times New Roman" panose="02020603050405020304" pitchFamily="18" charset="0"/>
+              </a:rPr>
+              <a:t>rain</a:t>
+            </a:r>
+            <a:r>
+              <a:rPr lang="et-EE" sz="2000" b="0" u="none" dirty="0" smtClean="0">
+                <a:latin typeface="Times New Roman" panose="02020603050405020304" pitchFamily="18" charset="0"/>
+                <a:cs typeface="Times New Roman" panose="02020603050405020304" pitchFamily="18" charset="0"/>
+              </a:rPr>
+              <a:t> a </a:t>
+            </a:r>
+            <a:r>
+              <a:rPr lang="et-EE" sz="2000" b="0" u="none" dirty="0" err="1" smtClean="0">
+                <a:latin typeface="Times New Roman" panose="02020603050405020304" pitchFamily="18" charset="0"/>
+                <a:cs typeface="Times New Roman" panose="02020603050405020304" pitchFamily="18" charset="0"/>
+              </a:rPr>
+              <a:t>classifier</a:t>
+            </a:r>
+            <a:r>
+              <a:rPr lang="et-EE" sz="2000" b="0" u="none" dirty="0" smtClean="0">
+                <a:latin typeface="Times New Roman" panose="02020603050405020304" pitchFamily="18" charset="0"/>
+                <a:cs typeface="Times New Roman" panose="02020603050405020304" pitchFamily="18" charset="0"/>
+              </a:rPr>
+              <a:t> so </a:t>
+            </a:r>
+            <a:r>
+              <a:rPr lang="et-EE" sz="2000" b="0" u="none" dirty="0" err="1" smtClean="0">
+                <a:latin typeface="Times New Roman" panose="02020603050405020304" pitchFamily="18" charset="0"/>
+                <a:cs typeface="Times New Roman" panose="02020603050405020304" pitchFamily="18" charset="0"/>
+              </a:rPr>
+              <a:t>that</a:t>
+            </a:r>
+            <a:r>
+              <a:rPr lang="et-EE" sz="2000" b="0" u="none" dirty="0" smtClean="0">
+                <a:latin typeface="Times New Roman" panose="02020603050405020304" pitchFamily="18" charset="0"/>
+                <a:cs typeface="Times New Roman" panose="02020603050405020304" pitchFamily="18" charset="0"/>
+              </a:rPr>
+              <a:t> </a:t>
+            </a:r>
+            <a:r>
+              <a:rPr lang="et-EE" sz="2000" b="0" u="none" dirty="0" err="1" smtClean="0">
+                <a:latin typeface="Times New Roman" panose="02020603050405020304" pitchFamily="18" charset="0"/>
+                <a:cs typeface="Times New Roman" panose="02020603050405020304" pitchFamily="18" charset="0"/>
+              </a:rPr>
+              <a:t>it</a:t>
+            </a:r>
+            <a:r>
+              <a:rPr lang="et-EE" sz="2000" b="0" u="none" dirty="0" smtClean="0">
+                <a:latin typeface="Times New Roman" panose="02020603050405020304" pitchFamily="18" charset="0"/>
+                <a:cs typeface="Times New Roman" panose="02020603050405020304" pitchFamily="18" charset="0"/>
+              </a:rPr>
+              <a:t> </a:t>
+            </a:r>
+            <a:r>
+              <a:rPr lang="et-EE" sz="2000" b="0" u="none" dirty="0" err="1" smtClean="0">
+                <a:latin typeface="Times New Roman" panose="02020603050405020304" pitchFamily="18" charset="0"/>
+                <a:cs typeface="Times New Roman" panose="02020603050405020304" pitchFamily="18" charset="0"/>
+              </a:rPr>
+              <a:t>will</a:t>
+            </a:r>
+            <a:r>
+              <a:rPr lang="et-EE" sz="2000" b="0" u="none" dirty="0" smtClean="0">
+                <a:latin typeface="Times New Roman" panose="02020603050405020304" pitchFamily="18" charset="0"/>
+                <a:cs typeface="Times New Roman" panose="02020603050405020304" pitchFamily="18" charset="0"/>
+              </a:rPr>
+              <a:t> </a:t>
+            </a:r>
+            <a:r>
+              <a:rPr lang="et-EE" sz="2000" b="0" u="none" dirty="0" err="1" smtClean="0">
+                <a:latin typeface="Times New Roman" panose="02020603050405020304" pitchFamily="18" charset="0"/>
+                <a:cs typeface="Times New Roman" panose="02020603050405020304" pitchFamily="18" charset="0"/>
+              </a:rPr>
+              <a:t>predict</a:t>
+            </a:r>
+            <a:r>
+              <a:rPr lang="et-EE" sz="2000" b="0" u="none" dirty="0" smtClean="0">
+                <a:latin typeface="Times New Roman" panose="02020603050405020304" pitchFamily="18" charset="0"/>
+                <a:cs typeface="Times New Roman" panose="02020603050405020304" pitchFamily="18" charset="0"/>
+              </a:rPr>
+              <a:t> </a:t>
+            </a:r>
+            <a:r>
+              <a:rPr lang="et-EE" sz="2000" b="0" u="none" dirty="0" err="1" smtClean="0">
+                <a:latin typeface="Times New Roman" panose="02020603050405020304" pitchFamily="18" charset="0"/>
+                <a:cs typeface="Times New Roman" panose="02020603050405020304" pitchFamily="18" charset="0"/>
+              </a:rPr>
+              <a:t>the</a:t>
+            </a:r>
+            <a:r>
+              <a:rPr lang="et-EE" sz="2000" b="0" u="none" dirty="0" smtClean="0">
+                <a:latin typeface="Times New Roman" panose="02020603050405020304" pitchFamily="18" charset="0"/>
+                <a:cs typeface="Times New Roman" panose="02020603050405020304" pitchFamily="18" charset="0"/>
+              </a:rPr>
+              <a:t> </a:t>
+            </a:r>
+            <a:r>
+              <a:rPr lang="et-EE" sz="2000" b="0" u="none" dirty="0" err="1" smtClean="0">
+                <a:latin typeface="Times New Roman" panose="02020603050405020304" pitchFamily="18" charset="0"/>
+                <a:cs typeface="Times New Roman" panose="02020603050405020304" pitchFamily="18" charset="0"/>
+              </a:rPr>
+              <a:t>outcome</a:t>
+            </a:r>
+            <a:r>
+              <a:rPr lang="et-EE" sz="2000" b="0" u="none" dirty="0" smtClean="0">
+                <a:latin typeface="Times New Roman" panose="02020603050405020304" pitchFamily="18" charset="0"/>
+                <a:cs typeface="Times New Roman" panose="02020603050405020304" pitchFamily="18" charset="0"/>
+              </a:rPr>
+              <a:t> of </a:t>
+            </a:r>
+            <a:r>
+              <a:rPr lang="et-EE" sz="2000" b="0" u="none" dirty="0" err="1" smtClean="0">
+                <a:latin typeface="Times New Roman" panose="02020603050405020304" pitchFamily="18" charset="0"/>
+                <a:cs typeface="Times New Roman" panose="02020603050405020304" pitchFamily="18" charset="0"/>
+              </a:rPr>
+              <a:t>the</a:t>
+            </a:r>
+            <a:r>
+              <a:rPr lang="et-EE" sz="2000" b="0" u="none" dirty="0" smtClean="0">
+                <a:latin typeface="Times New Roman" panose="02020603050405020304" pitchFamily="18" charset="0"/>
+                <a:cs typeface="Times New Roman" panose="02020603050405020304" pitchFamily="18" charset="0"/>
+              </a:rPr>
+              <a:t> Project </a:t>
+            </a:r>
+            <a:r>
+              <a:rPr lang="et-EE" sz="2000" b="0" u="none" dirty="0" err="1" smtClean="0">
+                <a:latin typeface="Times New Roman" panose="02020603050405020304" pitchFamily="18" charset="0"/>
+                <a:cs typeface="Times New Roman" panose="02020603050405020304" pitchFamily="18" charset="0"/>
+              </a:rPr>
+              <a:t>witn</a:t>
+            </a:r>
+            <a:r>
+              <a:rPr lang="et-EE" sz="2000" b="0" u="none" dirty="0" smtClean="0">
+                <a:latin typeface="Times New Roman" panose="02020603050405020304" pitchFamily="18" charset="0"/>
+                <a:cs typeface="Times New Roman" panose="02020603050405020304" pitchFamily="18" charset="0"/>
+              </a:rPr>
+              <a:t> a </a:t>
+            </a:r>
+            <a:r>
+              <a:rPr lang="et-EE" sz="2000" b="0" u="none" dirty="0" err="1" smtClean="0">
+                <a:latin typeface="Times New Roman" panose="02020603050405020304" pitchFamily="18" charset="0"/>
+                <a:cs typeface="Times New Roman" panose="02020603050405020304" pitchFamily="18" charset="0"/>
+              </a:rPr>
+              <a:t>good</a:t>
+            </a:r>
+            <a:r>
+              <a:rPr lang="et-EE" sz="2000" b="0" u="none" dirty="0" smtClean="0">
+                <a:latin typeface="Times New Roman" panose="02020603050405020304" pitchFamily="18" charset="0"/>
+                <a:cs typeface="Times New Roman" panose="02020603050405020304" pitchFamily="18" charset="0"/>
+              </a:rPr>
+              <a:t> </a:t>
+            </a:r>
+            <a:r>
+              <a:rPr lang="et-EE" sz="2000" b="0" u="none" dirty="0" err="1" smtClean="0">
+                <a:latin typeface="Times New Roman" panose="02020603050405020304" pitchFamily="18" charset="0"/>
+                <a:cs typeface="Times New Roman" panose="02020603050405020304" pitchFamily="18" charset="0"/>
+              </a:rPr>
+              <a:t>accuracy</a:t>
+            </a:r>
+            <a:r>
+              <a:rPr lang="et-EE" sz="2000" b="0" u="none" dirty="0" smtClean="0">
+                <a:latin typeface="Times New Roman" panose="02020603050405020304" pitchFamily="18" charset="0"/>
+                <a:cs typeface="Times New Roman" panose="02020603050405020304" pitchFamily="18" charset="0"/>
+              </a:rPr>
+              <a:t>.</a:t>
+            </a:r>
+          </a:p>
+          <a:p>
+            <a:pPr marL="342900" indent="-342900" algn="l">
+              <a:buFont typeface="Arial" panose="020B0604020202020204" pitchFamily="34" charset="0"/>
+              <a:buChar char="•"/>
+            </a:pPr>
+            <a:r>
+              <a:rPr lang="et-EE" sz="2000" b="0" u="none" dirty="0" err="1">
+                <a:latin typeface="Times New Roman" panose="02020603050405020304" pitchFamily="18" charset="0"/>
+                <a:cs typeface="Times New Roman" panose="02020603050405020304" pitchFamily="18" charset="0"/>
+              </a:rPr>
+              <a:t>F</a:t>
+            </a:r>
+            <a:r>
+              <a:rPr lang="et-EE" sz="2000" b="0" u="none" dirty="0" err="1" smtClean="0">
+                <a:latin typeface="Times New Roman" panose="02020603050405020304" pitchFamily="18" charset="0"/>
+                <a:cs typeface="Times New Roman" panose="02020603050405020304" pitchFamily="18" charset="0"/>
+              </a:rPr>
+              <a:t>ind</a:t>
+            </a:r>
+            <a:r>
+              <a:rPr lang="et-EE" sz="2000" b="0" u="none" dirty="0" smtClean="0">
+                <a:latin typeface="Times New Roman" panose="02020603050405020304" pitchFamily="18" charset="0"/>
+                <a:cs typeface="Times New Roman" panose="02020603050405020304" pitchFamily="18" charset="0"/>
+              </a:rPr>
+              <a:t> </a:t>
+            </a:r>
+            <a:r>
+              <a:rPr lang="et-EE" sz="2000" b="0" u="none" dirty="0" err="1" smtClean="0">
+                <a:latin typeface="Times New Roman" panose="02020603050405020304" pitchFamily="18" charset="0"/>
+                <a:cs typeface="Times New Roman" panose="02020603050405020304" pitchFamily="18" charset="0"/>
+              </a:rPr>
+              <a:t>out</a:t>
+            </a:r>
+            <a:r>
+              <a:rPr lang="et-EE" sz="2000" b="0" u="none" dirty="0" smtClean="0">
+                <a:latin typeface="Times New Roman" panose="02020603050405020304" pitchFamily="18" charset="0"/>
+                <a:cs typeface="Times New Roman" panose="02020603050405020304" pitchFamily="18" charset="0"/>
+              </a:rPr>
+              <a:t> </a:t>
+            </a:r>
+            <a:r>
+              <a:rPr lang="et-EE" sz="2000" b="0" u="none" dirty="0" err="1" smtClean="0">
+                <a:latin typeface="Times New Roman" panose="02020603050405020304" pitchFamily="18" charset="0"/>
+                <a:cs typeface="Times New Roman" panose="02020603050405020304" pitchFamily="18" charset="0"/>
+              </a:rPr>
+              <a:t>the</a:t>
+            </a:r>
+            <a:r>
+              <a:rPr lang="et-EE" sz="2000" b="0" u="none" dirty="0" smtClean="0">
+                <a:latin typeface="Times New Roman" panose="02020603050405020304" pitchFamily="18" charset="0"/>
+                <a:cs typeface="Times New Roman" panose="02020603050405020304" pitchFamily="18" charset="0"/>
+              </a:rPr>
+              <a:t> </a:t>
+            </a:r>
+            <a:r>
+              <a:rPr lang="et-EE" sz="2000" b="0" u="none" dirty="0" err="1" smtClean="0">
+                <a:latin typeface="Times New Roman" panose="02020603050405020304" pitchFamily="18" charset="0"/>
+                <a:cs typeface="Times New Roman" panose="02020603050405020304" pitchFamily="18" charset="0"/>
+              </a:rPr>
+              <a:t>key</a:t>
+            </a:r>
+            <a:r>
+              <a:rPr lang="et-EE" sz="2000" b="0" u="none" dirty="0" smtClean="0">
+                <a:latin typeface="Times New Roman" panose="02020603050405020304" pitchFamily="18" charset="0"/>
+                <a:cs typeface="Times New Roman" panose="02020603050405020304" pitchFamily="18" charset="0"/>
+              </a:rPr>
+              <a:t> </a:t>
+            </a:r>
+            <a:r>
+              <a:rPr lang="et-EE" sz="2000" b="0" u="none" dirty="0" err="1" smtClean="0">
+                <a:latin typeface="Times New Roman" panose="02020603050405020304" pitchFamily="18" charset="0"/>
+                <a:cs typeface="Times New Roman" panose="02020603050405020304" pitchFamily="18" charset="0"/>
+              </a:rPr>
+              <a:t>elements</a:t>
+            </a:r>
+            <a:r>
+              <a:rPr lang="et-EE" sz="2000" b="0" u="none" dirty="0" smtClean="0">
+                <a:latin typeface="Times New Roman" panose="02020603050405020304" pitchFamily="18" charset="0"/>
+                <a:cs typeface="Times New Roman" panose="02020603050405020304" pitchFamily="18" charset="0"/>
+              </a:rPr>
+              <a:t> of a </a:t>
+            </a:r>
+            <a:r>
+              <a:rPr lang="et-EE" sz="2000" b="0" u="none" dirty="0" err="1" smtClean="0">
+                <a:latin typeface="Times New Roman" panose="02020603050405020304" pitchFamily="18" charset="0"/>
+                <a:cs typeface="Times New Roman" panose="02020603050405020304" pitchFamily="18" charset="0"/>
+              </a:rPr>
+              <a:t>good</a:t>
+            </a:r>
+            <a:r>
+              <a:rPr lang="et-EE" sz="2000" b="0" u="none" dirty="0" smtClean="0">
+                <a:latin typeface="Times New Roman" panose="02020603050405020304" pitchFamily="18" charset="0"/>
+                <a:cs typeface="Times New Roman" panose="02020603050405020304" pitchFamily="18" charset="0"/>
+              </a:rPr>
+              <a:t> Project</a:t>
+            </a:r>
+          </a:p>
+          <a:p>
+            <a:pPr marL="342900" indent="-342900" algn="l">
+              <a:buFont typeface="Arial" panose="020B0604020202020204" pitchFamily="34" charset="0"/>
+              <a:buChar char="•"/>
+            </a:pPr>
+            <a:r>
+              <a:rPr lang="et-EE" sz="2000" b="0" u="none" dirty="0" err="1">
+                <a:latin typeface="Times New Roman" panose="02020603050405020304" pitchFamily="18" charset="0"/>
+                <a:cs typeface="Times New Roman" panose="02020603050405020304" pitchFamily="18" charset="0"/>
+              </a:rPr>
+              <a:t>F</a:t>
+            </a:r>
+            <a:r>
+              <a:rPr lang="et-EE" sz="2000" b="0" u="none" dirty="0" err="1" smtClean="0">
+                <a:latin typeface="Times New Roman" panose="02020603050405020304" pitchFamily="18" charset="0"/>
+                <a:cs typeface="Times New Roman" panose="02020603050405020304" pitchFamily="18" charset="0"/>
+              </a:rPr>
+              <a:t>ind</a:t>
+            </a:r>
+            <a:r>
+              <a:rPr lang="et-EE" sz="2000" b="0" u="none" dirty="0" smtClean="0">
+                <a:latin typeface="Times New Roman" panose="02020603050405020304" pitchFamily="18" charset="0"/>
+                <a:cs typeface="Times New Roman" panose="02020603050405020304" pitchFamily="18" charset="0"/>
+              </a:rPr>
+              <a:t> ohter </a:t>
+            </a:r>
+            <a:r>
+              <a:rPr lang="et-EE" sz="2000" b="0" u="none" dirty="0" err="1" smtClean="0">
+                <a:latin typeface="Times New Roman" panose="02020603050405020304" pitchFamily="18" charset="0"/>
+                <a:cs typeface="Times New Roman" panose="02020603050405020304" pitchFamily="18" charset="0"/>
+              </a:rPr>
+              <a:t>interesting</a:t>
+            </a:r>
+            <a:r>
+              <a:rPr lang="et-EE" sz="2000" b="0" u="none" dirty="0" smtClean="0">
+                <a:latin typeface="Times New Roman" panose="02020603050405020304" pitchFamily="18" charset="0"/>
+                <a:cs typeface="Times New Roman" panose="02020603050405020304" pitchFamily="18" charset="0"/>
+              </a:rPr>
+              <a:t> </a:t>
+            </a:r>
+            <a:r>
+              <a:rPr lang="et-EE" sz="2000" b="0" u="none" dirty="0" err="1" smtClean="0">
+                <a:latin typeface="Times New Roman" panose="02020603050405020304" pitchFamily="18" charset="0"/>
+                <a:cs typeface="Times New Roman" panose="02020603050405020304" pitchFamily="18" charset="0"/>
+              </a:rPr>
+              <a:t>facts</a:t>
+            </a:r>
+            <a:r>
+              <a:rPr lang="et-EE" sz="2000" b="0" u="none" dirty="0" smtClean="0">
+                <a:latin typeface="Times New Roman" panose="02020603050405020304" pitchFamily="18" charset="0"/>
+                <a:cs typeface="Times New Roman" panose="02020603050405020304" pitchFamily="18" charset="0"/>
+              </a:rPr>
+              <a:t> and </a:t>
+            </a:r>
+            <a:r>
+              <a:rPr lang="et-EE" sz="2000" b="0" u="none" dirty="0" err="1" smtClean="0">
+                <a:latin typeface="Times New Roman" panose="02020603050405020304" pitchFamily="18" charset="0"/>
+                <a:cs typeface="Times New Roman" panose="02020603050405020304" pitchFamily="18" charset="0"/>
+              </a:rPr>
+              <a:t>patterns</a:t>
+            </a:r>
+            <a:r>
+              <a:rPr lang="et-EE" sz="2000" b="0" u="none" dirty="0" smtClean="0">
+                <a:latin typeface="Times New Roman" panose="02020603050405020304" pitchFamily="18" charset="0"/>
+                <a:cs typeface="Times New Roman" panose="02020603050405020304" pitchFamily="18" charset="0"/>
+              </a:rPr>
+              <a:t> in </a:t>
+            </a:r>
+            <a:r>
+              <a:rPr lang="et-EE" sz="2000" b="0" u="none" dirty="0" err="1" smtClean="0">
+                <a:latin typeface="Times New Roman" panose="02020603050405020304" pitchFamily="18" charset="0"/>
+                <a:cs typeface="Times New Roman" panose="02020603050405020304" pitchFamily="18" charset="0"/>
+              </a:rPr>
+              <a:t>the</a:t>
+            </a:r>
+            <a:r>
+              <a:rPr lang="et-EE" sz="2000" b="0" u="none" dirty="0" smtClean="0">
+                <a:latin typeface="Times New Roman" panose="02020603050405020304" pitchFamily="18" charset="0"/>
+                <a:cs typeface="Times New Roman" panose="02020603050405020304" pitchFamily="18" charset="0"/>
+              </a:rPr>
+              <a:t> </a:t>
+            </a:r>
+            <a:r>
+              <a:rPr lang="et-EE" sz="2000" b="0" u="none" dirty="0" err="1" smtClean="0">
+                <a:latin typeface="Times New Roman" panose="02020603050405020304" pitchFamily="18" charset="0"/>
+                <a:cs typeface="Times New Roman" panose="02020603050405020304" pitchFamily="18" charset="0"/>
+              </a:rPr>
+              <a:t>dataset</a:t>
+            </a:r>
+            <a:r>
+              <a:rPr lang="et-EE" sz="2000" b="0" u="none" dirty="0" smtClean="0">
+                <a:latin typeface="Times New Roman" panose="02020603050405020304" pitchFamily="18" charset="0"/>
+                <a:cs typeface="Times New Roman" panose="02020603050405020304" pitchFamily="18" charset="0"/>
+              </a:rPr>
+              <a:t>.</a:t>
+            </a:r>
+            <a:endParaRPr lang="et-EE" sz="2000" b="0" u="none" dirty="0" smtClean="0">
+              <a:latin typeface="Times New Roman" panose="02020603050405020304" pitchFamily="18" charset="0"/>
+              <a:cs typeface="Times New Roman" panose="02020603050405020304" pitchFamily="18" charset="0"/>
+            </a:endParaRPr>
+          </a:p>
+        </p:txBody>
+      </p:sp>
     </p:spTree>
     <p:extLst>
       <p:ext uri="{BB962C8B-B14F-4D97-AF65-F5344CB8AC3E}">

--- a/Poster.pptx
+++ b/Poster.pptx
@@ -12462,12 +12462,20 @@
               <a:t>s to find the key elements about making the perfect </a:t>
             </a:r>
             <a:r>
-              <a:rPr lang="en-US" dirty="0" err="1"/>
-              <a:t>kickstarter</a:t>
+              <a:rPr lang="et-EE" dirty="0" err="1"/>
+              <a:t>K</a:t>
+            </a:r>
+            <a:r>
+              <a:rPr lang="en-US" dirty="0" err="1" smtClean="0"/>
+              <a:t>ickstarter</a:t>
+            </a:r>
+            <a:r>
+              <a:rPr lang="en-US" dirty="0" smtClean="0"/>
+              <a:t> </a:t>
             </a:r>
             <a:r>
               <a:rPr lang="en-US" dirty="0"/>
-              <a:t> project. Of</a:t>
+              <a:t>project. Of</a:t>
             </a:r>
             <a:r>
               <a:rPr lang="et-EE" dirty="0"/>
@@ -12486,15 +12494,27 @@
               <a:t>the most important thing is having a good project idea, but what if your </a:t>
             </a:r>
             <a:r>
-              <a:rPr lang="en-US" dirty="0" err="1"/>
-              <a:t>kickstarter</a:t>
-            </a:r>
-            <a:r>
-              <a:rPr lang="en-US" dirty="0"/>
-              <a:t> Project</a:t>
+              <a:rPr lang="et-EE" dirty="0" err="1"/>
+              <a:t>K</a:t>
+            </a:r>
+            <a:r>
+              <a:rPr lang="en-US" dirty="0" err="1" smtClean="0"/>
+              <a:t>ickstarter</a:t>
+            </a:r>
+            <a:r>
+              <a:rPr lang="en-US" dirty="0" smtClean="0"/>
+              <a:t> </a:t>
             </a:r>
             <a:r>
               <a:rPr lang="et-EE" dirty="0"/>
+              <a:t>p</a:t>
+            </a:r>
+            <a:r>
+              <a:rPr lang="en-US" dirty="0" err="1" smtClean="0"/>
+              <a:t>roject</a:t>
+            </a:r>
+            <a:r>
+              <a:rPr lang="et-EE" dirty="0" smtClean="0"/>
               <a:t> </a:t>
             </a:r>
             <a:r>
@@ -12624,7 +12644,6 @@
               <a:rPr lang="et-EE" dirty="0" smtClean="0"/>
               <a:t>INTRODUCTION</a:t>
             </a:r>
-            <a:endParaRPr lang="et-EE" dirty="0" smtClean="0"/>
           </a:p>
         </p:txBody>
       </p:sp>
@@ -12652,7 +12671,6 @@
               <a:rPr lang="et-EE" dirty="0" smtClean="0"/>
               <a:t>DATA</a:t>
             </a:r>
-            <a:endParaRPr lang="et-EE" dirty="0" smtClean="0"/>
           </a:p>
         </p:txBody>
       </p:sp>
@@ -13476,13 +13494,8 @@
           <a:p>
             <a:r>
               <a:rPr lang="et-EE" dirty="0" smtClean="0"/>
-              <a:t>MATERIALS &amp; </a:t>
-            </a:r>
-            <a:r>
-              <a:rPr lang="et-EE" dirty="0" smtClean="0"/>
-              <a:t>METHODS</a:t>
-            </a:r>
-            <a:endParaRPr lang="et-EE" dirty="0" smtClean="0"/>
+              <a:t>MATERIALS &amp; METHODS</a:t>
+            </a:r>
           </a:p>
         </p:txBody>
       </p:sp>
@@ -13652,7 +13665,6 @@
               <a:rPr lang="et-EE" dirty="0" smtClean="0"/>
               <a:t>PREPROCESSING</a:t>
             </a:r>
-            <a:endParaRPr lang="et-EE" dirty="0" smtClean="0"/>
           </a:p>
         </p:txBody>
       </p:sp>
@@ -14521,7 +14533,55 @@
                 <a:latin typeface="Times New Roman" panose="02020603050405020304" pitchFamily="18" charset="0"/>
                 <a:cs typeface="Times New Roman" panose="02020603050405020304" pitchFamily="18" charset="0"/>
               </a:rPr>
-              <a:t>One of the most important feature in all our classifiers was the goal amount. We found out that the mean goal amount for a successful project was on average about 3.5 times smaller than the amount for a failed one. 95% of the successful projects had a goal that was under 35 000 </a:t>
+              <a:t>One of the most important </a:t>
+            </a:r>
+            <a:r>
+              <a:rPr lang="en-US" sz="2000" dirty="0" smtClean="0">
+                <a:solidFill>
+                  <a:schemeClr val="accent5">
+                    <a:lumMod val="50000"/>
+                  </a:schemeClr>
+                </a:solidFill>
+                <a:latin typeface="Times New Roman" panose="02020603050405020304" pitchFamily="18" charset="0"/>
+                <a:cs typeface="Times New Roman" panose="02020603050405020304" pitchFamily="18" charset="0"/>
+              </a:rPr>
+              <a:t>feature</a:t>
+            </a:r>
+            <a:r>
+              <a:rPr lang="et-EE" sz="2000" dirty="0" smtClean="0">
+                <a:solidFill>
+                  <a:schemeClr val="accent5">
+                    <a:lumMod val="50000"/>
+                  </a:schemeClr>
+                </a:solidFill>
+                <a:latin typeface="Times New Roman" panose="02020603050405020304" pitchFamily="18" charset="0"/>
+                <a:cs typeface="Times New Roman" panose="02020603050405020304" pitchFamily="18" charset="0"/>
+              </a:rPr>
+              <a:t>s</a:t>
+            </a:r>
+            <a:r>
+              <a:rPr lang="en-US" sz="2000" dirty="0" smtClean="0">
+                <a:solidFill>
+                  <a:schemeClr val="accent5">
+                    <a:lumMod val="50000"/>
+                  </a:schemeClr>
+                </a:solidFill>
+                <a:latin typeface="Times New Roman" panose="02020603050405020304" pitchFamily="18" charset="0"/>
+                <a:cs typeface="Times New Roman" panose="02020603050405020304" pitchFamily="18" charset="0"/>
+              </a:rPr>
+              <a:t> </a:t>
+            </a:r>
+            <a:r>
+              <a:rPr lang="en-US" sz="2000" dirty="0">
+                <a:solidFill>
+                  <a:schemeClr val="accent5">
+                    <a:lumMod val="50000"/>
+                  </a:schemeClr>
+                </a:solidFill>
+                <a:latin typeface="Times New Roman" panose="02020603050405020304" pitchFamily="18" charset="0"/>
+                <a:cs typeface="Times New Roman" panose="02020603050405020304" pitchFamily="18" charset="0"/>
+              </a:rPr>
+              <a:t>in all our classifiers was the goal amount. We found out that the mean goal amount for a successful project was on average about 3.5 times smaller than the amount for a failed one. 95% of the successful projects had a goal that was under 35 000 </a:t>
             </a:r>
             <a:r>
               <a:rPr lang="en-US" sz="2000" dirty="0" smtClean="0">
@@ -14578,6 +14638,714 @@
               </a:spcBef>
             </a:pPr>
             <a:r>
+              <a:rPr lang="et-EE" sz="2000" dirty="0" err="1">
+                <a:solidFill>
+                  <a:schemeClr val="accent5">
+                    <a:lumMod val="50000"/>
+                  </a:schemeClr>
+                </a:solidFill>
+                <a:latin typeface="Times New Roman" panose="02020603050405020304" pitchFamily="18" charset="0"/>
+                <a:cs typeface="Times New Roman" panose="02020603050405020304" pitchFamily="18" charset="0"/>
+              </a:rPr>
+              <a:t>We</a:t>
+            </a:r>
+            <a:r>
+              <a:rPr lang="et-EE" sz="2000" dirty="0">
+                <a:solidFill>
+                  <a:schemeClr val="accent5">
+                    <a:lumMod val="50000"/>
+                  </a:schemeClr>
+                </a:solidFill>
+                <a:latin typeface="Times New Roman" panose="02020603050405020304" pitchFamily="18" charset="0"/>
+                <a:cs typeface="Times New Roman" panose="02020603050405020304" pitchFamily="18" charset="0"/>
+              </a:rPr>
+              <a:t> </a:t>
+            </a:r>
+            <a:r>
+              <a:rPr lang="et-EE" sz="2000" dirty="0" err="1">
+                <a:solidFill>
+                  <a:schemeClr val="accent5">
+                    <a:lumMod val="50000"/>
+                  </a:schemeClr>
+                </a:solidFill>
+                <a:latin typeface="Times New Roman" panose="02020603050405020304" pitchFamily="18" charset="0"/>
+                <a:cs typeface="Times New Roman" panose="02020603050405020304" pitchFamily="18" charset="0"/>
+              </a:rPr>
+              <a:t>did</a:t>
+            </a:r>
+            <a:r>
+              <a:rPr lang="et-EE" sz="2000" dirty="0">
+                <a:solidFill>
+                  <a:schemeClr val="accent5">
+                    <a:lumMod val="50000"/>
+                  </a:schemeClr>
+                </a:solidFill>
+                <a:latin typeface="Times New Roman" panose="02020603050405020304" pitchFamily="18" charset="0"/>
+                <a:cs typeface="Times New Roman" panose="02020603050405020304" pitchFamily="18" charset="0"/>
+              </a:rPr>
+              <a:t> </a:t>
+            </a:r>
+            <a:r>
+              <a:rPr lang="et-EE" sz="2000" dirty="0" err="1">
+                <a:solidFill>
+                  <a:schemeClr val="accent5">
+                    <a:lumMod val="50000"/>
+                  </a:schemeClr>
+                </a:solidFill>
+                <a:latin typeface="Times New Roman" panose="02020603050405020304" pitchFamily="18" charset="0"/>
+                <a:cs typeface="Times New Roman" panose="02020603050405020304" pitchFamily="18" charset="0"/>
+              </a:rPr>
+              <a:t>not</a:t>
+            </a:r>
+            <a:r>
+              <a:rPr lang="et-EE" sz="2000" dirty="0">
+                <a:solidFill>
+                  <a:schemeClr val="accent5">
+                    <a:lumMod val="50000"/>
+                  </a:schemeClr>
+                </a:solidFill>
+                <a:latin typeface="Times New Roman" panose="02020603050405020304" pitchFamily="18" charset="0"/>
+                <a:cs typeface="Times New Roman" panose="02020603050405020304" pitchFamily="18" charset="0"/>
+              </a:rPr>
+              <a:t> </a:t>
+            </a:r>
+            <a:r>
+              <a:rPr lang="et-EE" sz="2000" dirty="0" err="1">
+                <a:solidFill>
+                  <a:schemeClr val="accent5">
+                    <a:lumMod val="50000"/>
+                  </a:schemeClr>
+                </a:solidFill>
+                <a:latin typeface="Times New Roman" panose="02020603050405020304" pitchFamily="18" charset="0"/>
+                <a:cs typeface="Times New Roman" panose="02020603050405020304" pitchFamily="18" charset="0"/>
+              </a:rPr>
+              <a:t>reach</a:t>
+            </a:r>
+            <a:r>
+              <a:rPr lang="et-EE" sz="2000" dirty="0">
+                <a:solidFill>
+                  <a:schemeClr val="accent5">
+                    <a:lumMod val="50000"/>
+                  </a:schemeClr>
+                </a:solidFill>
+                <a:latin typeface="Times New Roman" panose="02020603050405020304" pitchFamily="18" charset="0"/>
+                <a:cs typeface="Times New Roman" panose="02020603050405020304" pitchFamily="18" charset="0"/>
+              </a:rPr>
+              <a:t> </a:t>
+            </a:r>
+            <a:r>
+              <a:rPr lang="et-EE" sz="2000" dirty="0" err="1">
+                <a:solidFill>
+                  <a:schemeClr val="accent5">
+                    <a:lumMod val="50000"/>
+                  </a:schemeClr>
+                </a:solidFill>
+                <a:latin typeface="Times New Roman" panose="02020603050405020304" pitchFamily="18" charset="0"/>
+                <a:cs typeface="Times New Roman" panose="02020603050405020304" pitchFamily="18" charset="0"/>
+              </a:rPr>
+              <a:t>our</a:t>
+            </a:r>
+            <a:r>
+              <a:rPr lang="et-EE" sz="2000" dirty="0">
+                <a:solidFill>
+                  <a:schemeClr val="accent5">
+                    <a:lumMod val="50000"/>
+                  </a:schemeClr>
+                </a:solidFill>
+                <a:latin typeface="Times New Roman" panose="02020603050405020304" pitchFamily="18" charset="0"/>
+                <a:cs typeface="Times New Roman" panose="02020603050405020304" pitchFamily="18" charset="0"/>
+              </a:rPr>
+              <a:t> </a:t>
+            </a:r>
+            <a:r>
+              <a:rPr lang="et-EE" sz="2000" dirty="0" err="1">
+                <a:solidFill>
+                  <a:schemeClr val="accent5">
+                    <a:lumMod val="50000"/>
+                  </a:schemeClr>
+                </a:solidFill>
+                <a:latin typeface="Times New Roman" panose="02020603050405020304" pitchFamily="18" charset="0"/>
+                <a:cs typeface="Times New Roman" panose="02020603050405020304" pitchFamily="18" charset="0"/>
+              </a:rPr>
+              <a:t>goal</a:t>
+            </a:r>
+            <a:r>
+              <a:rPr lang="et-EE" sz="2000" dirty="0">
+                <a:solidFill>
+                  <a:schemeClr val="accent5">
+                    <a:lumMod val="50000"/>
+                  </a:schemeClr>
+                </a:solidFill>
+                <a:latin typeface="Times New Roman" panose="02020603050405020304" pitchFamily="18" charset="0"/>
+                <a:cs typeface="Times New Roman" panose="02020603050405020304" pitchFamily="18" charset="0"/>
+              </a:rPr>
+              <a:t> of </a:t>
+            </a:r>
+            <a:r>
+              <a:rPr lang="et-EE" sz="2000" dirty="0" err="1">
+                <a:solidFill>
+                  <a:schemeClr val="accent5">
+                    <a:lumMod val="50000"/>
+                  </a:schemeClr>
+                </a:solidFill>
+                <a:latin typeface="Times New Roman" panose="02020603050405020304" pitchFamily="18" charset="0"/>
+                <a:cs typeface="Times New Roman" panose="02020603050405020304" pitchFamily="18" charset="0"/>
+              </a:rPr>
+              <a:t>being</a:t>
+            </a:r>
+            <a:r>
+              <a:rPr lang="et-EE" sz="2000" dirty="0">
+                <a:solidFill>
+                  <a:schemeClr val="accent5">
+                    <a:lumMod val="50000"/>
+                  </a:schemeClr>
+                </a:solidFill>
+                <a:latin typeface="Times New Roman" panose="02020603050405020304" pitchFamily="18" charset="0"/>
+                <a:cs typeface="Times New Roman" panose="02020603050405020304" pitchFamily="18" charset="0"/>
+              </a:rPr>
+              <a:t> </a:t>
+            </a:r>
+            <a:r>
+              <a:rPr lang="et-EE" sz="2000" dirty="0" err="1">
+                <a:solidFill>
+                  <a:schemeClr val="accent5">
+                    <a:lumMod val="50000"/>
+                  </a:schemeClr>
+                </a:solidFill>
+                <a:latin typeface="Times New Roman" panose="02020603050405020304" pitchFamily="18" charset="0"/>
+                <a:cs typeface="Times New Roman" panose="02020603050405020304" pitchFamily="18" charset="0"/>
+              </a:rPr>
+              <a:t>able</a:t>
+            </a:r>
+            <a:r>
+              <a:rPr lang="et-EE" sz="2000" dirty="0">
+                <a:solidFill>
+                  <a:schemeClr val="accent5">
+                    <a:lumMod val="50000"/>
+                  </a:schemeClr>
+                </a:solidFill>
+                <a:latin typeface="Times New Roman" panose="02020603050405020304" pitchFamily="18" charset="0"/>
+                <a:cs typeface="Times New Roman" panose="02020603050405020304" pitchFamily="18" charset="0"/>
+              </a:rPr>
+              <a:t> </a:t>
+            </a:r>
+            <a:r>
+              <a:rPr lang="et-EE" sz="2000" dirty="0" err="1">
+                <a:solidFill>
+                  <a:schemeClr val="accent5">
+                    <a:lumMod val="50000"/>
+                  </a:schemeClr>
+                </a:solidFill>
+                <a:latin typeface="Times New Roman" panose="02020603050405020304" pitchFamily="18" charset="0"/>
+                <a:cs typeface="Times New Roman" panose="02020603050405020304" pitchFamily="18" charset="0"/>
+              </a:rPr>
+              <a:t>to</a:t>
+            </a:r>
+            <a:r>
+              <a:rPr lang="et-EE" sz="2000" dirty="0">
+                <a:solidFill>
+                  <a:schemeClr val="accent5">
+                    <a:lumMod val="50000"/>
+                  </a:schemeClr>
+                </a:solidFill>
+                <a:latin typeface="Times New Roman" panose="02020603050405020304" pitchFamily="18" charset="0"/>
+                <a:cs typeface="Times New Roman" panose="02020603050405020304" pitchFamily="18" charset="0"/>
+              </a:rPr>
+              <a:t> </a:t>
+            </a:r>
+            <a:r>
+              <a:rPr lang="et-EE" sz="2000" dirty="0" err="1">
+                <a:solidFill>
+                  <a:schemeClr val="accent5">
+                    <a:lumMod val="50000"/>
+                  </a:schemeClr>
+                </a:solidFill>
+                <a:latin typeface="Times New Roman" panose="02020603050405020304" pitchFamily="18" charset="0"/>
+                <a:cs typeface="Times New Roman" panose="02020603050405020304" pitchFamily="18" charset="0"/>
+              </a:rPr>
+              <a:t>predict</a:t>
+            </a:r>
+            <a:r>
+              <a:rPr lang="et-EE" sz="2000" dirty="0">
+                <a:solidFill>
+                  <a:schemeClr val="accent5">
+                    <a:lumMod val="50000"/>
+                  </a:schemeClr>
+                </a:solidFill>
+                <a:latin typeface="Times New Roman" panose="02020603050405020304" pitchFamily="18" charset="0"/>
+                <a:cs typeface="Times New Roman" panose="02020603050405020304" pitchFamily="18" charset="0"/>
+              </a:rPr>
+              <a:t> </a:t>
+            </a:r>
+            <a:r>
+              <a:rPr lang="et-EE" sz="2000" dirty="0" err="1">
+                <a:solidFill>
+                  <a:schemeClr val="accent5">
+                    <a:lumMod val="50000"/>
+                  </a:schemeClr>
+                </a:solidFill>
+                <a:latin typeface="Times New Roman" panose="02020603050405020304" pitchFamily="18" charset="0"/>
+                <a:cs typeface="Times New Roman" panose="02020603050405020304" pitchFamily="18" charset="0"/>
+              </a:rPr>
+              <a:t>accurately</a:t>
+            </a:r>
+            <a:r>
+              <a:rPr lang="et-EE" sz="2000" dirty="0">
+                <a:solidFill>
+                  <a:schemeClr val="accent5">
+                    <a:lumMod val="50000"/>
+                  </a:schemeClr>
+                </a:solidFill>
+                <a:latin typeface="Times New Roman" panose="02020603050405020304" pitchFamily="18" charset="0"/>
+                <a:cs typeface="Times New Roman" panose="02020603050405020304" pitchFamily="18" charset="0"/>
+              </a:rPr>
+              <a:t> </a:t>
+            </a:r>
+            <a:r>
+              <a:rPr lang="en-GB" sz="2000" dirty="0">
+                <a:solidFill>
+                  <a:schemeClr val="accent5">
+                    <a:lumMod val="50000"/>
+                  </a:schemeClr>
+                </a:solidFill>
+                <a:latin typeface="Times New Roman" panose="02020603050405020304" pitchFamily="18" charset="0"/>
+                <a:cs typeface="Times New Roman" panose="02020603050405020304" pitchFamily="18" charset="0"/>
+              </a:rPr>
+              <a:t>whether</a:t>
+            </a:r>
+            <a:r>
+              <a:rPr lang="et-EE" sz="2000" dirty="0">
+                <a:solidFill>
+                  <a:schemeClr val="accent5">
+                    <a:lumMod val="50000"/>
+                  </a:schemeClr>
+                </a:solidFill>
+                <a:latin typeface="Times New Roman" panose="02020603050405020304" pitchFamily="18" charset="0"/>
+                <a:cs typeface="Times New Roman" panose="02020603050405020304" pitchFamily="18" charset="0"/>
+              </a:rPr>
+              <a:t> a </a:t>
+            </a:r>
+            <a:r>
+              <a:rPr lang="et-EE" sz="2000" dirty="0" err="1">
+                <a:solidFill>
+                  <a:schemeClr val="accent5">
+                    <a:lumMod val="50000"/>
+                  </a:schemeClr>
+                </a:solidFill>
+                <a:latin typeface="Times New Roman" panose="02020603050405020304" pitchFamily="18" charset="0"/>
+                <a:cs typeface="Times New Roman" panose="02020603050405020304" pitchFamily="18" charset="0"/>
+              </a:rPr>
+              <a:t>Kickstarter</a:t>
+            </a:r>
+            <a:r>
+              <a:rPr lang="et-EE" sz="2000" dirty="0">
+                <a:solidFill>
+                  <a:schemeClr val="accent5">
+                    <a:lumMod val="50000"/>
+                  </a:schemeClr>
+                </a:solidFill>
+                <a:latin typeface="Times New Roman" panose="02020603050405020304" pitchFamily="18" charset="0"/>
+                <a:cs typeface="Times New Roman" panose="02020603050405020304" pitchFamily="18" charset="0"/>
+              </a:rPr>
+              <a:t> </a:t>
+            </a:r>
+            <a:r>
+              <a:rPr lang="et-EE" sz="2000" dirty="0" err="1">
+                <a:solidFill>
+                  <a:schemeClr val="accent5">
+                    <a:lumMod val="50000"/>
+                  </a:schemeClr>
+                </a:solidFill>
+                <a:latin typeface="Times New Roman" panose="02020603050405020304" pitchFamily="18" charset="0"/>
+                <a:cs typeface="Times New Roman" panose="02020603050405020304" pitchFamily="18" charset="0"/>
+              </a:rPr>
+              <a:t>project</a:t>
+            </a:r>
+            <a:r>
+              <a:rPr lang="et-EE" sz="2000" dirty="0">
+                <a:solidFill>
+                  <a:schemeClr val="accent5">
+                    <a:lumMod val="50000"/>
+                  </a:schemeClr>
+                </a:solidFill>
+                <a:latin typeface="Times New Roman" panose="02020603050405020304" pitchFamily="18" charset="0"/>
+                <a:cs typeface="Times New Roman" panose="02020603050405020304" pitchFamily="18" charset="0"/>
+              </a:rPr>
+              <a:t> </a:t>
+            </a:r>
+            <a:r>
+              <a:rPr lang="et-EE" sz="2000" dirty="0" err="1">
+                <a:solidFill>
+                  <a:schemeClr val="accent5">
+                    <a:lumMod val="50000"/>
+                  </a:schemeClr>
+                </a:solidFill>
+                <a:latin typeface="Times New Roman" panose="02020603050405020304" pitchFamily="18" charset="0"/>
+                <a:cs typeface="Times New Roman" panose="02020603050405020304" pitchFamily="18" charset="0"/>
+              </a:rPr>
+              <a:t>will</a:t>
+            </a:r>
+            <a:r>
+              <a:rPr lang="et-EE" sz="2000" dirty="0">
+                <a:solidFill>
+                  <a:schemeClr val="accent5">
+                    <a:lumMod val="50000"/>
+                  </a:schemeClr>
+                </a:solidFill>
+                <a:latin typeface="Times New Roman" panose="02020603050405020304" pitchFamily="18" charset="0"/>
+                <a:cs typeface="Times New Roman" panose="02020603050405020304" pitchFamily="18" charset="0"/>
+              </a:rPr>
+              <a:t> </a:t>
+            </a:r>
+            <a:r>
+              <a:rPr lang="et-EE" sz="2000" dirty="0" err="1">
+                <a:solidFill>
+                  <a:schemeClr val="accent5">
+                    <a:lumMod val="50000"/>
+                  </a:schemeClr>
+                </a:solidFill>
+                <a:latin typeface="Times New Roman" panose="02020603050405020304" pitchFamily="18" charset="0"/>
+                <a:cs typeface="Times New Roman" panose="02020603050405020304" pitchFamily="18" charset="0"/>
+              </a:rPr>
+              <a:t>succeed</a:t>
+            </a:r>
+            <a:r>
+              <a:rPr lang="et-EE" sz="2000" dirty="0">
+                <a:solidFill>
+                  <a:schemeClr val="accent5">
+                    <a:lumMod val="50000"/>
+                  </a:schemeClr>
+                </a:solidFill>
+                <a:latin typeface="Times New Roman" panose="02020603050405020304" pitchFamily="18" charset="0"/>
+                <a:cs typeface="Times New Roman" panose="02020603050405020304" pitchFamily="18" charset="0"/>
+              </a:rPr>
+              <a:t> </a:t>
+            </a:r>
+            <a:r>
+              <a:rPr lang="et-EE" sz="2000" dirty="0" err="1">
+                <a:solidFill>
+                  <a:schemeClr val="accent5">
+                    <a:lumMod val="50000"/>
+                  </a:schemeClr>
+                </a:solidFill>
+                <a:latin typeface="Times New Roman" panose="02020603050405020304" pitchFamily="18" charset="0"/>
+                <a:cs typeface="Times New Roman" panose="02020603050405020304" pitchFamily="18" charset="0"/>
+              </a:rPr>
+              <a:t>or</a:t>
+            </a:r>
+            <a:r>
+              <a:rPr lang="et-EE" sz="2000" dirty="0">
+                <a:solidFill>
+                  <a:schemeClr val="accent5">
+                    <a:lumMod val="50000"/>
+                  </a:schemeClr>
+                </a:solidFill>
+                <a:latin typeface="Times New Roman" panose="02020603050405020304" pitchFamily="18" charset="0"/>
+                <a:cs typeface="Times New Roman" panose="02020603050405020304" pitchFamily="18" charset="0"/>
+              </a:rPr>
+              <a:t> fail, </a:t>
+            </a:r>
+            <a:r>
+              <a:rPr lang="et-EE" sz="2000" dirty="0" err="1">
+                <a:solidFill>
+                  <a:schemeClr val="accent5">
+                    <a:lumMod val="50000"/>
+                  </a:schemeClr>
+                </a:solidFill>
+                <a:latin typeface="Times New Roman" panose="02020603050405020304" pitchFamily="18" charset="0"/>
+                <a:cs typeface="Times New Roman" panose="02020603050405020304" pitchFamily="18" charset="0"/>
+              </a:rPr>
+              <a:t>but</a:t>
+            </a:r>
+            <a:r>
+              <a:rPr lang="et-EE" sz="2000" dirty="0">
+                <a:solidFill>
+                  <a:schemeClr val="accent5">
+                    <a:lumMod val="50000"/>
+                  </a:schemeClr>
+                </a:solidFill>
+                <a:latin typeface="Times New Roman" panose="02020603050405020304" pitchFamily="18" charset="0"/>
+                <a:cs typeface="Times New Roman" panose="02020603050405020304" pitchFamily="18" charset="0"/>
+              </a:rPr>
+              <a:t> </a:t>
+            </a:r>
+            <a:r>
+              <a:rPr lang="et-EE" sz="2000" dirty="0" err="1">
+                <a:solidFill>
+                  <a:schemeClr val="accent5">
+                    <a:lumMod val="50000"/>
+                  </a:schemeClr>
+                </a:solidFill>
+                <a:latin typeface="Times New Roman" panose="02020603050405020304" pitchFamily="18" charset="0"/>
+                <a:cs typeface="Times New Roman" panose="02020603050405020304" pitchFamily="18" charset="0"/>
+              </a:rPr>
+              <a:t>we</a:t>
+            </a:r>
+            <a:r>
+              <a:rPr lang="et-EE" sz="2000" dirty="0">
+                <a:solidFill>
+                  <a:schemeClr val="accent5">
+                    <a:lumMod val="50000"/>
+                  </a:schemeClr>
+                </a:solidFill>
+                <a:latin typeface="Times New Roman" panose="02020603050405020304" pitchFamily="18" charset="0"/>
+                <a:cs typeface="Times New Roman" panose="02020603050405020304" pitchFamily="18" charset="0"/>
+              </a:rPr>
+              <a:t> </a:t>
+            </a:r>
+            <a:r>
+              <a:rPr lang="et-EE" sz="2000" dirty="0" err="1">
+                <a:solidFill>
+                  <a:schemeClr val="accent5">
+                    <a:lumMod val="50000"/>
+                  </a:schemeClr>
+                </a:solidFill>
+                <a:latin typeface="Times New Roman" panose="02020603050405020304" pitchFamily="18" charset="0"/>
+                <a:cs typeface="Times New Roman" panose="02020603050405020304" pitchFamily="18" charset="0"/>
+              </a:rPr>
+              <a:t>managed</a:t>
+            </a:r>
+            <a:r>
+              <a:rPr lang="et-EE" sz="2000" dirty="0">
+                <a:solidFill>
+                  <a:schemeClr val="accent5">
+                    <a:lumMod val="50000"/>
+                  </a:schemeClr>
+                </a:solidFill>
+                <a:latin typeface="Times New Roman" panose="02020603050405020304" pitchFamily="18" charset="0"/>
+                <a:cs typeface="Times New Roman" panose="02020603050405020304" pitchFamily="18" charset="0"/>
+              </a:rPr>
+              <a:t> </a:t>
+            </a:r>
+            <a:r>
+              <a:rPr lang="et-EE" sz="2000" dirty="0" err="1">
+                <a:solidFill>
+                  <a:schemeClr val="accent5">
+                    <a:lumMod val="50000"/>
+                  </a:schemeClr>
+                </a:solidFill>
+                <a:latin typeface="Times New Roman" panose="02020603050405020304" pitchFamily="18" charset="0"/>
+                <a:cs typeface="Times New Roman" panose="02020603050405020304" pitchFamily="18" charset="0"/>
+              </a:rPr>
+              <a:t>to</a:t>
+            </a:r>
+            <a:r>
+              <a:rPr lang="et-EE" sz="2000" dirty="0">
+                <a:solidFill>
+                  <a:schemeClr val="accent5">
+                    <a:lumMod val="50000"/>
+                  </a:schemeClr>
+                </a:solidFill>
+                <a:latin typeface="Times New Roman" panose="02020603050405020304" pitchFamily="18" charset="0"/>
+                <a:cs typeface="Times New Roman" panose="02020603050405020304" pitchFamily="18" charset="0"/>
+              </a:rPr>
+              <a:t> </a:t>
+            </a:r>
+            <a:r>
+              <a:rPr lang="et-EE" sz="2000" dirty="0" err="1">
+                <a:solidFill>
+                  <a:schemeClr val="accent5">
+                    <a:lumMod val="50000"/>
+                  </a:schemeClr>
+                </a:solidFill>
+                <a:latin typeface="Times New Roman" panose="02020603050405020304" pitchFamily="18" charset="0"/>
+                <a:cs typeface="Times New Roman" panose="02020603050405020304" pitchFamily="18" charset="0"/>
+              </a:rPr>
+              <a:t>find</a:t>
+            </a:r>
+            <a:r>
+              <a:rPr lang="et-EE" sz="2000" dirty="0">
+                <a:solidFill>
+                  <a:schemeClr val="accent5">
+                    <a:lumMod val="50000"/>
+                  </a:schemeClr>
+                </a:solidFill>
+                <a:latin typeface="Times New Roman" panose="02020603050405020304" pitchFamily="18" charset="0"/>
+                <a:cs typeface="Times New Roman" panose="02020603050405020304" pitchFamily="18" charset="0"/>
+              </a:rPr>
+              <a:t> </a:t>
+            </a:r>
+            <a:r>
+              <a:rPr lang="et-EE" sz="2000" dirty="0" err="1">
+                <a:solidFill>
+                  <a:schemeClr val="accent5">
+                    <a:lumMod val="50000"/>
+                  </a:schemeClr>
+                </a:solidFill>
+                <a:latin typeface="Times New Roman" panose="02020603050405020304" pitchFamily="18" charset="0"/>
+                <a:cs typeface="Times New Roman" panose="02020603050405020304" pitchFamily="18" charset="0"/>
+              </a:rPr>
+              <a:t>out</a:t>
+            </a:r>
+            <a:r>
+              <a:rPr lang="et-EE" sz="2000" dirty="0">
+                <a:solidFill>
+                  <a:schemeClr val="accent5">
+                    <a:lumMod val="50000"/>
+                  </a:schemeClr>
+                </a:solidFill>
+                <a:latin typeface="Times New Roman" panose="02020603050405020304" pitchFamily="18" charset="0"/>
+                <a:cs typeface="Times New Roman" panose="02020603050405020304" pitchFamily="18" charset="0"/>
+              </a:rPr>
+              <a:t> </a:t>
+            </a:r>
+            <a:r>
+              <a:rPr lang="et-EE" sz="2000" dirty="0" err="1">
+                <a:solidFill>
+                  <a:schemeClr val="accent5">
+                    <a:lumMod val="50000"/>
+                  </a:schemeClr>
+                </a:solidFill>
+                <a:latin typeface="Times New Roman" panose="02020603050405020304" pitchFamily="18" charset="0"/>
+                <a:cs typeface="Times New Roman" panose="02020603050405020304" pitchFamily="18" charset="0"/>
+              </a:rPr>
+              <a:t>some</a:t>
+            </a:r>
+            <a:r>
+              <a:rPr lang="et-EE" sz="2000" dirty="0">
+                <a:solidFill>
+                  <a:schemeClr val="accent5">
+                    <a:lumMod val="50000"/>
+                  </a:schemeClr>
+                </a:solidFill>
+                <a:latin typeface="Times New Roman" panose="02020603050405020304" pitchFamily="18" charset="0"/>
+                <a:cs typeface="Times New Roman" panose="02020603050405020304" pitchFamily="18" charset="0"/>
+              </a:rPr>
+              <a:t> </a:t>
+            </a:r>
+            <a:r>
+              <a:rPr lang="et-EE" sz="2000" dirty="0" err="1">
+                <a:solidFill>
+                  <a:schemeClr val="accent5">
+                    <a:lumMod val="50000"/>
+                  </a:schemeClr>
+                </a:solidFill>
+                <a:latin typeface="Times New Roman" panose="02020603050405020304" pitchFamily="18" charset="0"/>
+                <a:cs typeface="Times New Roman" panose="02020603050405020304" pitchFamily="18" charset="0"/>
+              </a:rPr>
+              <a:t>key</a:t>
+            </a:r>
+            <a:r>
+              <a:rPr lang="et-EE" sz="2000" dirty="0">
+                <a:solidFill>
+                  <a:schemeClr val="accent5">
+                    <a:lumMod val="50000"/>
+                  </a:schemeClr>
+                </a:solidFill>
+                <a:latin typeface="Times New Roman" panose="02020603050405020304" pitchFamily="18" charset="0"/>
+                <a:cs typeface="Times New Roman" panose="02020603050405020304" pitchFamily="18" charset="0"/>
+              </a:rPr>
+              <a:t> </a:t>
+            </a:r>
+            <a:r>
+              <a:rPr lang="et-EE" sz="2000" dirty="0" err="1">
+                <a:solidFill>
+                  <a:schemeClr val="accent5">
+                    <a:lumMod val="50000"/>
+                  </a:schemeClr>
+                </a:solidFill>
+                <a:latin typeface="Times New Roman" panose="02020603050405020304" pitchFamily="18" charset="0"/>
+                <a:cs typeface="Times New Roman" panose="02020603050405020304" pitchFamily="18" charset="0"/>
+              </a:rPr>
+              <a:t>elements</a:t>
+            </a:r>
+            <a:r>
+              <a:rPr lang="et-EE" sz="2000" dirty="0">
+                <a:solidFill>
+                  <a:schemeClr val="accent5">
+                    <a:lumMod val="50000"/>
+                  </a:schemeClr>
+                </a:solidFill>
+                <a:latin typeface="Times New Roman" panose="02020603050405020304" pitchFamily="18" charset="0"/>
+                <a:cs typeface="Times New Roman" panose="02020603050405020304" pitchFamily="18" charset="0"/>
+              </a:rPr>
+              <a:t> of a </a:t>
+            </a:r>
+            <a:r>
+              <a:rPr lang="et-EE" sz="2000" dirty="0" err="1">
+                <a:solidFill>
+                  <a:schemeClr val="accent5">
+                    <a:lumMod val="50000"/>
+                  </a:schemeClr>
+                </a:solidFill>
+                <a:latin typeface="Times New Roman" panose="02020603050405020304" pitchFamily="18" charset="0"/>
+                <a:cs typeface="Times New Roman" panose="02020603050405020304" pitchFamily="18" charset="0"/>
+              </a:rPr>
+              <a:t>good</a:t>
+            </a:r>
+            <a:r>
+              <a:rPr lang="et-EE" sz="2000" dirty="0">
+                <a:solidFill>
+                  <a:schemeClr val="accent5">
+                    <a:lumMod val="50000"/>
+                  </a:schemeClr>
+                </a:solidFill>
+                <a:latin typeface="Times New Roman" panose="02020603050405020304" pitchFamily="18" charset="0"/>
+                <a:cs typeface="Times New Roman" panose="02020603050405020304" pitchFamily="18" charset="0"/>
+              </a:rPr>
+              <a:t> </a:t>
+            </a:r>
+            <a:r>
+              <a:rPr lang="et-EE" sz="2000" dirty="0" err="1">
+                <a:solidFill>
+                  <a:schemeClr val="accent5">
+                    <a:lumMod val="50000"/>
+                  </a:schemeClr>
+                </a:solidFill>
+                <a:latin typeface="Times New Roman" panose="02020603050405020304" pitchFamily="18" charset="0"/>
+                <a:cs typeface="Times New Roman" panose="02020603050405020304" pitchFamily="18" charset="0"/>
+              </a:rPr>
+              <a:t>project</a:t>
+            </a:r>
+            <a:r>
+              <a:rPr lang="et-EE" sz="2000" dirty="0">
+                <a:solidFill>
+                  <a:schemeClr val="accent5">
+                    <a:lumMod val="50000"/>
+                  </a:schemeClr>
+                </a:solidFill>
+                <a:latin typeface="Times New Roman" panose="02020603050405020304" pitchFamily="18" charset="0"/>
+                <a:cs typeface="Times New Roman" panose="02020603050405020304" pitchFamily="18" charset="0"/>
+              </a:rPr>
+              <a:t>. </a:t>
+            </a:r>
+            <a:r>
+              <a:rPr lang="en-US" sz="2000" dirty="0">
+                <a:solidFill>
+                  <a:schemeClr val="accent5">
+                    <a:lumMod val="50000"/>
+                  </a:schemeClr>
+                </a:solidFill>
+                <a:latin typeface="Times New Roman" panose="02020603050405020304" pitchFamily="18" charset="0"/>
+                <a:cs typeface="Times New Roman" panose="02020603050405020304" pitchFamily="18" charset="0"/>
+              </a:rPr>
+              <a:t>We got our predictions up to 70% accuracy with project category and title as the only semantic features</a:t>
+            </a:r>
+            <a:r>
+              <a:rPr lang="en-US" sz="2000" dirty="0" smtClean="0">
+                <a:solidFill>
+                  <a:schemeClr val="accent5">
+                    <a:lumMod val="50000"/>
+                  </a:schemeClr>
+                </a:solidFill>
+                <a:latin typeface="Times New Roman" panose="02020603050405020304" pitchFamily="18" charset="0"/>
+                <a:cs typeface="Times New Roman" panose="02020603050405020304" pitchFamily="18" charset="0"/>
+              </a:rPr>
+              <a:t>.</a:t>
+            </a:r>
+            <a:r>
+              <a:rPr lang="et-EE" sz="2000" dirty="0" smtClean="0">
+                <a:solidFill>
+                  <a:schemeClr val="accent5">
+                    <a:lumMod val="50000"/>
+                  </a:schemeClr>
+                </a:solidFill>
+                <a:latin typeface="Times New Roman" panose="02020603050405020304" pitchFamily="18" charset="0"/>
+                <a:cs typeface="Times New Roman" panose="02020603050405020304" pitchFamily="18" charset="0"/>
+              </a:rPr>
+              <a:t> </a:t>
+            </a:r>
+            <a:r>
               <a:rPr lang="et-EE" sz="2000" dirty="0" err="1" smtClean="0">
                 <a:solidFill>
                   <a:schemeClr val="accent5">
@@ -14602,19 +15370,19 @@
               <a:t> </a:t>
             </a:r>
             <a:r>
-              <a:rPr lang="et-EE" sz="2000" dirty="0" err="1" smtClean="0">
-                <a:solidFill>
-                  <a:schemeClr val="accent5">
-                    <a:lumMod val="50000"/>
-                  </a:schemeClr>
-                </a:solidFill>
-                <a:latin typeface="Times New Roman" panose="02020603050405020304" pitchFamily="18" charset="0"/>
-                <a:cs typeface="Times New Roman" panose="02020603050405020304" pitchFamily="18" charset="0"/>
-              </a:rPr>
-              <a:t>did</a:t>
-            </a:r>
-            <a:r>
-              <a:rPr lang="et-EE" sz="2000" dirty="0" smtClean="0">
+              <a:rPr lang="et-EE" sz="2000" dirty="0" err="1">
+                <a:solidFill>
+                  <a:schemeClr val="accent5">
+                    <a:lumMod val="50000"/>
+                  </a:schemeClr>
+                </a:solidFill>
+                <a:latin typeface="Times New Roman" panose="02020603050405020304" pitchFamily="18" charset="0"/>
+                <a:cs typeface="Times New Roman" panose="02020603050405020304" pitchFamily="18" charset="0"/>
+              </a:rPr>
+              <a:t>also</a:t>
+            </a:r>
+            <a:r>
+              <a:rPr lang="et-EE" sz="2000" dirty="0">
                 <a:solidFill>
                   <a:schemeClr val="accent5">
                     <a:lumMod val="50000"/>
@@ -14626,19 +15394,19 @@
               <a:t> </a:t>
             </a:r>
             <a:r>
-              <a:rPr lang="et-EE" sz="2000" dirty="0" err="1" smtClean="0">
-                <a:solidFill>
-                  <a:schemeClr val="accent5">
-                    <a:lumMod val="50000"/>
-                  </a:schemeClr>
-                </a:solidFill>
-                <a:latin typeface="Times New Roman" panose="02020603050405020304" pitchFamily="18" charset="0"/>
-                <a:cs typeface="Times New Roman" panose="02020603050405020304" pitchFamily="18" charset="0"/>
-              </a:rPr>
-              <a:t>not</a:t>
-            </a:r>
-            <a:r>
-              <a:rPr lang="et-EE" sz="2000" dirty="0" smtClean="0">
+              <a:rPr lang="et-EE" sz="2000" dirty="0" err="1">
+                <a:solidFill>
+                  <a:schemeClr val="accent5">
+                    <a:lumMod val="50000"/>
+                  </a:schemeClr>
+                </a:solidFill>
+                <a:latin typeface="Times New Roman" panose="02020603050405020304" pitchFamily="18" charset="0"/>
+                <a:cs typeface="Times New Roman" panose="02020603050405020304" pitchFamily="18" charset="0"/>
+              </a:rPr>
+              <a:t>found</a:t>
+            </a:r>
+            <a:r>
+              <a:rPr lang="et-EE" sz="2000" dirty="0">
                 <a:solidFill>
                   <a:schemeClr val="accent5">
                     <a:lumMod val="50000"/>
@@ -14650,19 +15418,43 @@
               <a:t> </a:t>
             </a:r>
             <a:r>
-              <a:rPr lang="et-EE" sz="2000" dirty="0" err="1" smtClean="0">
-                <a:solidFill>
-                  <a:schemeClr val="accent5">
-                    <a:lumMod val="50000"/>
-                  </a:schemeClr>
-                </a:solidFill>
-                <a:latin typeface="Times New Roman" panose="02020603050405020304" pitchFamily="18" charset="0"/>
-                <a:cs typeface="Times New Roman" panose="02020603050405020304" pitchFamily="18" charset="0"/>
-              </a:rPr>
-              <a:t>reach</a:t>
-            </a:r>
-            <a:r>
-              <a:rPr lang="et-EE" sz="2000" dirty="0" smtClean="0">
+              <a:rPr lang="et-EE" sz="2000" dirty="0" err="1">
+                <a:solidFill>
+                  <a:schemeClr val="accent5">
+                    <a:lumMod val="50000"/>
+                  </a:schemeClr>
+                </a:solidFill>
+                <a:latin typeface="Times New Roman" panose="02020603050405020304" pitchFamily="18" charset="0"/>
+                <a:cs typeface="Times New Roman" panose="02020603050405020304" pitchFamily="18" charset="0"/>
+              </a:rPr>
+              <a:t>that</a:t>
+            </a:r>
+            <a:r>
+              <a:rPr lang="et-EE" sz="2000" dirty="0">
+                <a:solidFill>
+                  <a:schemeClr val="accent5">
+                    <a:lumMod val="50000"/>
+                  </a:schemeClr>
+                </a:solidFill>
+                <a:latin typeface="Times New Roman" panose="02020603050405020304" pitchFamily="18" charset="0"/>
+                <a:cs typeface="Times New Roman" panose="02020603050405020304" pitchFamily="18" charset="0"/>
+              </a:rPr>
+              <a:t> on a </a:t>
+            </a:r>
+            <a:r>
+              <a:rPr lang="et-EE" sz="2000" dirty="0" err="1">
+                <a:solidFill>
+                  <a:schemeClr val="accent5">
+                    <a:lumMod val="50000"/>
+                  </a:schemeClr>
+                </a:solidFill>
+                <a:latin typeface="Times New Roman" panose="02020603050405020304" pitchFamily="18" charset="0"/>
+                <a:cs typeface="Times New Roman" panose="02020603050405020304" pitchFamily="18" charset="0"/>
+              </a:rPr>
+              <a:t>dataset</a:t>
+            </a:r>
+            <a:r>
+              <a:rPr lang="et-EE" sz="2000" dirty="0">
                 <a:solidFill>
                   <a:schemeClr val="accent5">
                     <a:lumMod val="50000"/>
@@ -14674,19 +15466,19 @@
               <a:t> </a:t>
             </a:r>
             <a:r>
-              <a:rPr lang="et-EE" sz="2000" dirty="0" err="1" smtClean="0">
-                <a:solidFill>
-                  <a:schemeClr val="accent5">
-                    <a:lumMod val="50000"/>
-                  </a:schemeClr>
-                </a:solidFill>
-                <a:latin typeface="Times New Roman" panose="02020603050405020304" pitchFamily="18" charset="0"/>
-                <a:cs typeface="Times New Roman" panose="02020603050405020304" pitchFamily="18" charset="0"/>
-              </a:rPr>
-              <a:t>our</a:t>
-            </a:r>
-            <a:r>
-              <a:rPr lang="et-EE" sz="2000" dirty="0" smtClean="0">
+              <a:rPr lang="et-EE" sz="2000" dirty="0" err="1">
+                <a:solidFill>
+                  <a:schemeClr val="accent5">
+                    <a:lumMod val="50000"/>
+                  </a:schemeClr>
+                </a:solidFill>
+                <a:latin typeface="Times New Roman" panose="02020603050405020304" pitchFamily="18" charset="0"/>
+                <a:cs typeface="Times New Roman" panose="02020603050405020304" pitchFamily="18" charset="0"/>
+              </a:rPr>
+              <a:t>this</a:t>
+            </a:r>
+            <a:r>
+              <a:rPr lang="et-EE" sz="2000" dirty="0">
                 <a:solidFill>
                   <a:schemeClr val="accent5">
                     <a:lumMod val="50000"/>
@@ -14698,43 +15490,19 @@
               <a:t> </a:t>
             </a:r>
             <a:r>
-              <a:rPr lang="et-EE" sz="2000" dirty="0" err="1" smtClean="0">
-                <a:solidFill>
-                  <a:schemeClr val="accent5">
-                    <a:lumMod val="50000"/>
-                  </a:schemeClr>
-                </a:solidFill>
-                <a:latin typeface="Times New Roman" panose="02020603050405020304" pitchFamily="18" charset="0"/>
-                <a:cs typeface="Times New Roman" panose="02020603050405020304" pitchFamily="18" charset="0"/>
-              </a:rPr>
-              <a:t>goal</a:t>
-            </a:r>
-            <a:r>
-              <a:rPr lang="et-EE" sz="2000" dirty="0" smtClean="0">
-                <a:solidFill>
-                  <a:schemeClr val="accent5">
-                    <a:lumMod val="50000"/>
-                  </a:schemeClr>
-                </a:solidFill>
-                <a:latin typeface="Times New Roman" panose="02020603050405020304" pitchFamily="18" charset="0"/>
-                <a:cs typeface="Times New Roman" panose="02020603050405020304" pitchFamily="18" charset="0"/>
-              </a:rPr>
-              <a:t> of </a:t>
-            </a:r>
-            <a:r>
-              <a:rPr lang="et-EE" sz="2000" dirty="0" err="1" smtClean="0">
-                <a:solidFill>
-                  <a:schemeClr val="accent5">
-                    <a:lumMod val="50000"/>
-                  </a:schemeClr>
-                </a:solidFill>
-                <a:latin typeface="Times New Roman" panose="02020603050405020304" pitchFamily="18" charset="0"/>
-                <a:cs typeface="Times New Roman" panose="02020603050405020304" pitchFamily="18" charset="0"/>
-              </a:rPr>
-              <a:t>being</a:t>
-            </a:r>
-            <a:r>
-              <a:rPr lang="et-EE" sz="2000" dirty="0" smtClean="0">
+              <a:rPr lang="et-EE" sz="2000" dirty="0" err="1">
+                <a:solidFill>
+                  <a:schemeClr val="accent5">
+                    <a:lumMod val="50000"/>
+                  </a:schemeClr>
+                </a:solidFill>
+                <a:latin typeface="Times New Roman" panose="02020603050405020304" pitchFamily="18" charset="0"/>
+                <a:cs typeface="Times New Roman" panose="02020603050405020304" pitchFamily="18" charset="0"/>
+              </a:rPr>
+              <a:t>big</a:t>
+            </a:r>
+            <a:r>
+              <a:rPr lang="et-EE" sz="2000" dirty="0">
                 <a:solidFill>
                   <a:schemeClr val="accent5">
                     <a:lumMod val="50000"/>
@@ -14746,19 +15514,19 @@
               <a:t> </a:t>
             </a:r>
             <a:r>
-              <a:rPr lang="et-EE" sz="2000" dirty="0" err="1" smtClean="0">
-                <a:solidFill>
-                  <a:schemeClr val="accent5">
-                    <a:lumMod val="50000"/>
-                  </a:schemeClr>
-                </a:solidFill>
-                <a:latin typeface="Times New Roman" panose="02020603050405020304" pitchFamily="18" charset="0"/>
-                <a:cs typeface="Times New Roman" panose="02020603050405020304" pitchFamily="18" charset="0"/>
-              </a:rPr>
-              <a:t>able</a:t>
-            </a:r>
-            <a:r>
-              <a:rPr lang="et-EE" sz="2000" dirty="0" smtClean="0">
+              <a:rPr lang="et-EE" sz="2000" dirty="0" err="1">
+                <a:solidFill>
+                  <a:schemeClr val="accent5">
+                    <a:lumMod val="50000"/>
+                  </a:schemeClr>
+                </a:solidFill>
+                <a:latin typeface="Times New Roman" panose="02020603050405020304" pitchFamily="18" charset="0"/>
+                <a:cs typeface="Times New Roman" panose="02020603050405020304" pitchFamily="18" charset="0"/>
+              </a:rPr>
+              <a:t>most</a:t>
+            </a:r>
+            <a:r>
+              <a:rPr lang="et-EE" sz="2000" dirty="0">
                 <a:solidFill>
                   <a:schemeClr val="accent5">
                     <a:lumMod val="50000"/>
@@ -14770,7 +15538,127 @@
               <a:t> </a:t>
             </a:r>
             <a:r>
-              <a:rPr lang="et-EE" sz="2000" dirty="0" err="1" smtClean="0">
+              <a:rPr lang="et-EE" sz="2000" dirty="0" err="1">
+                <a:solidFill>
+                  <a:schemeClr val="accent5">
+                    <a:lumMod val="50000"/>
+                  </a:schemeClr>
+                </a:solidFill>
+                <a:latin typeface="Times New Roman" panose="02020603050405020304" pitchFamily="18" charset="0"/>
+                <a:cs typeface="Times New Roman" panose="02020603050405020304" pitchFamily="18" charset="0"/>
+              </a:rPr>
+              <a:t>classic</a:t>
+            </a:r>
+            <a:r>
+              <a:rPr lang="et-EE" sz="2000" dirty="0">
+                <a:solidFill>
+                  <a:schemeClr val="accent5">
+                    <a:lumMod val="50000"/>
+                  </a:schemeClr>
+                </a:solidFill>
+                <a:latin typeface="Times New Roman" panose="02020603050405020304" pitchFamily="18" charset="0"/>
+                <a:cs typeface="Times New Roman" panose="02020603050405020304" pitchFamily="18" charset="0"/>
+              </a:rPr>
+              <a:t> </a:t>
+            </a:r>
+            <a:r>
+              <a:rPr lang="et-EE" sz="2000" dirty="0" err="1">
+                <a:solidFill>
+                  <a:schemeClr val="accent5">
+                    <a:lumMod val="50000"/>
+                  </a:schemeClr>
+                </a:solidFill>
+                <a:latin typeface="Times New Roman" panose="02020603050405020304" pitchFamily="18" charset="0"/>
+                <a:cs typeface="Times New Roman" panose="02020603050405020304" pitchFamily="18" charset="0"/>
+              </a:rPr>
+              <a:t>classifiers</a:t>
+            </a:r>
+            <a:r>
+              <a:rPr lang="et-EE" sz="2000" dirty="0">
+                <a:solidFill>
+                  <a:schemeClr val="accent5">
+                    <a:lumMod val="50000"/>
+                  </a:schemeClr>
+                </a:solidFill>
+                <a:latin typeface="Times New Roman" panose="02020603050405020304" pitchFamily="18" charset="0"/>
+                <a:cs typeface="Times New Roman" panose="02020603050405020304" pitchFamily="18" charset="0"/>
+              </a:rPr>
+              <a:t> are </a:t>
+            </a:r>
+            <a:r>
+              <a:rPr lang="et-EE" sz="2000" dirty="0" err="1">
+                <a:solidFill>
+                  <a:schemeClr val="accent5">
+                    <a:lumMod val="50000"/>
+                  </a:schemeClr>
+                </a:solidFill>
+                <a:latin typeface="Times New Roman" panose="02020603050405020304" pitchFamily="18" charset="0"/>
+                <a:cs typeface="Times New Roman" panose="02020603050405020304" pitchFamily="18" charset="0"/>
+              </a:rPr>
+              <a:t>extremely</a:t>
+            </a:r>
+            <a:r>
+              <a:rPr lang="et-EE" sz="2000" dirty="0">
+                <a:solidFill>
+                  <a:schemeClr val="accent5">
+                    <a:lumMod val="50000"/>
+                  </a:schemeClr>
+                </a:solidFill>
+                <a:latin typeface="Times New Roman" panose="02020603050405020304" pitchFamily="18" charset="0"/>
+                <a:cs typeface="Times New Roman" panose="02020603050405020304" pitchFamily="18" charset="0"/>
+              </a:rPr>
+              <a:t> </a:t>
+            </a:r>
+            <a:r>
+              <a:rPr lang="et-EE" sz="2000" dirty="0" err="1">
+                <a:solidFill>
+                  <a:schemeClr val="accent5">
+                    <a:lumMod val="50000"/>
+                  </a:schemeClr>
+                </a:solidFill>
+                <a:latin typeface="Times New Roman" panose="02020603050405020304" pitchFamily="18" charset="0"/>
+                <a:cs typeface="Times New Roman" panose="02020603050405020304" pitchFamily="18" charset="0"/>
+              </a:rPr>
+              <a:t>time</a:t>
+            </a:r>
+            <a:r>
+              <a:rPr lang="et-EE" sz="2000" dirty="0">
+                <a:solidFill>
+                  <a:schemeClr val="accent5">
+                    <a:lumMod val="50000"/>
+                  </a:schemeClr>
+                </a:solidFill>
+                <a:latin typeface="Times New Roman" panose="02020603050405020304" pitchFamily="18" charset="0"/>
+                <a:cs typeface="Times New Roman" panose="02020603050405020304" pitchFamily="18" charset="0"/>
+              </a:rPr>
+              <a:t> </a:t>
+            </a:r>
+            <a:r>
+              <a:rPr lang="et-EE" sz="2000" dirty="0" err="1">
+                <a:solidFill>
+                  <a:schemeClr val="accent5">
+                    <a:lumMod val="50000"/>
+                  </a:schemeClr>
+                </a:solidFill>
+                <a:latin typeface="Times New Roman" panose="02020603050405020304" pitchFamily="18" charset="0"/>
+                <a:cs typeface="Times New Roman" panose="02020603050405020304" pitchFamily="18" charset="0"/>
+              </a:rPr>
+              <a:t>consuming</a:t>
+            </a:r>
+            <a:r>
+              <a:rPr lang="et-EE" sz="2000" dirty="0">
+                <a:solidFill>
+                  <a:schemeClr val="accent5">
+                    <a:lumMod val="50000"/>
+                  </a:schemeClr>
+                </a:solidFill>
+                <a:latin typeface="Times New Roman" panose="02020603050405020304" pitchFamily="18" charset="0"/>
+                <a:cs typeface="Times New Roman" panose="02020603050405020304" pitchFamily="18" charset="0"/>
+              </a:rPr>
+              <a:t> </a:t>
+            </a:r>
+            <a:r>
+              <a:rPr lang="et-EE" sz="2000" dirty="0" err="1">
                 <a:solidFill>
                   <a:schemeClr val="accent5">
                     <a:lumMod val="50000"/>
@@ -14782,7 +15670,7 @@
               <a:t>to</a:t>
             </a:r>
             <a:r>
-              <a:rPr lang="et-EE" sz="2000" dirty="0" smtClean="0">
+              <a:rPr lang="et-EE" sz="2000" dirty="0">
                 <a:solidFill>
                   <a:schemeClr val="accent5">
                     <a:lumMod val="50000"/>
@@ -14794,451 +15682,19 @@
               <a:t> </a:t>
             </a:r>
             <a:r>
-              <a:rPr lang="et-EE" sz="2000" dirty="0" err="1" smtClean="0">
-                <a:solidFill>
-                  <a:schemeClr val="accent5">
-                    <a:lumMod val="50000"/>
-                  </a:schemeClr>
-                </a:solidFill>
-                <a:latin typeface="Times New Roman" panose="02020603050405020304" pitchFamily="18" charset="0"/>
-                <a:cs typeface="Times New Roman" panose="02020603050405020304" pitchFamily="18" charset="0"/>
-              </a:rPr>
-              <a:t>predict</a:t>
-            </a:r>
-            <a:r>
-              <a:rPr lang="et-EE" sz="2000" dirty="0" smtClean="0">
-                <a:solidFill>
-                  <a:schemeClr val="accent5">
-                    <a:lumMod val="50000"/>
-                  </a:schemeClr>
-                </a:solidFill>
-                <a:latin typeface="Times New Roman" panose="02020603050405020304" pitchFamily="18" charset="0"/>
-                <a:cs typeface="Times New Roman" panose="02020603050405020304" pitchFamily="18" charset="0"/>
-              </a:rPr>
-              <a:t> </a:t>
-            </a:r>
-            <a:r>
-              <a:rPr lang="et-EE" sz="2000" dirty="0" err="1" smtClean="0">
-                <a:solidFill>
-                  <a:schemeClr val="accent5">
-                    <a:lumMod val="50000"/>
-                  </a:schemeClr>
-                </a:solidFill>
-                <a:latin typeface="Times New Roman" panose="02020603050405020304" pitchFamily="18" charset="0"/>
-                <a:cs typeface="Times New Roman" panose="02020603050405020304" pitchFamily="18" charset="0"/>
-              </a:rPr>
-              <a:t>accurately</a:t>
-            </a:r>
-            <a:r>
-              <a:rPr lang="et-EE" sz="2000" dirty="0" smtClean="0">
-                <a:solidFill>
-                  <a:schemeClr val="accent5">
-                    <a:lumMod val="50000"/>
-                  </a:schemeClr>
-                </a:solidFill>
-                <a:latin typeface="Times New Roman" panose="02020603050405020304" pitchFamily="18" charset="0"/>
-                <a:cs typeface="Times New Roman" panose="02020603050405020304" pitchFamily="18" charset="0"/>
-              </a:rPr>
-              <a:t> </a:t>
-            </a:r>
-            <a:r>
-              <a:rPr lang="en-GB" sz="2000" dirty="0" smtClean="0">
-                <a:solidFill>
-                  <a:schemeClr val="accent5">
-                    <a:lumMod val="50000"/>
-                  </a:schemeClr>
-                </a:solidFill>
-                <a:latin typeface="Times New Roman" panose="02020603050405020304" pitchFamily="18" charset="0"/>
-                <a:cs typeface="Times New Roman" panose="02020603050405020304" pitchFamily="18" charset="0"/>
-              </a:rPr>
-              <a:t>whether</a:t>
-            </a:r>
-            <a:r>
-              <a:rPr lang="et-EE" sz="2000" dirty="0" smtClean="0">
-                <a:solidFill>
-                  <a:schemeClr val="accent5">
-                    <a:lumMod val="50000"/>
-                  </a:schemeClr>
-                </a:solidFill>
-                <a:latin typeface="Times New Roman" panose="02020603050405020304" pitchFamily="18" charset="0"/>
-                <a:cs typeface="Times New Roman" panose="02020603050405020304" pitchFamily="18" charset="0"/>
-              </a:rPr>
-              <a:t> a </a:t>
-            </a:r>
-            <a:r>
-              <a:rPr lang="et-EE" sz="2000" dirty="0" err="1" smtClean="0">
-                <a:solidFill>
-                  <a:schemeClr val="accent5">
-                    <a:lumMod val="50000"/>
-                  </a:schemeClr>
-                </a:solidFill>
-                <a:latin typeface="Times New Roman" panose="02020603050405020304" pitchFamily="18" charset="0"/>
-                <a:cs typeface="Times New Roman" panose="02020603050405020304" pitchFamily="18" charset="0"/>
-              </a:rPr>
-              <a:t>Kickstarter</a:t>
-            </a:r>
-            <a:r>
-              <a:rPr lang="et-EE" sz="2000" dirty="0" smtClean="0">
-                <a:solidFill>
-                  <a:schemeClr val="accent5">
-                    <a:lumMod val="50000"/>
-                  </a:schemeClr>
-                </a:solidFill>
-                <a:latin typeface="Times New Roman" panose="02020603050405020304" pitchFamily="18" charset="0"/>
-                <a:cs typeface="Times New Roman" panose="02020603050405020304" pitchFamily="18" charset="0"/>
-              </a:rPr>
-              <a:t> </a:t>
-            </a:r>
-            <a:r>
-              <a:rPr lang="et-EE" sz="2000" dirty="0" err="1" smtClean="0">
-                <a:solidFill>
-                  <a:schemeClr val="accent5">
-                    <a:lumMod val="50000"/>
-                  </a:schemeClr>
-                </a:solidFill>
-                <a:latin typeface="Times New Roman" panose="02020603050405020304" pitchFamily="18" charset="0"/>
-                <a:cs typeface="Times New Roman" panose="02020603050405020304" pitchFamily="18" charset="0"/>
-              </a:rPr>
-              <a:t>project</a:t>
-            </a:r>
-            <a:r>
-              <a:rPr lang="et-EE" sz="2000" dirty="0" smtClean="0">
-                <a:solidFill>
-                  <a:schemeClr val="accent5">
-                    <a:lumMod val="50000"/>
-                  </a:schemeClr>
-                </a:solidFill>
-                <a:latin typeface="Times New Roman" panose="02020603050405020304" pitchFamily="18" charset="0"/>
-                <a:cs typeface="Times New Roman" panose="02020603050405020304" pitchFamily="18" charset="0"/>
-              </a:rPr>
-              <a:t> </a:t>
-            </a:r>
-            <a:r>
-              <a:rPr lang="et-EE" sz="2000" dirty="0" err="1" smtClean="0">
-                <a:solidFill>
-                  <a:schemeClr val="accent5">
-                    <a:lumMod val="50000"/>
-                  </a:schemeClr>
-                </a:solidFill>
-                <a:latin typeface="Times New Roman" panose="02020603050405020304" pitchFamily="18" charset="0"/>
-                <a:cs typeface="Times New Roman" panose="02020603050405020304" pitchFamily="18" charset="0"/>
-              </a:rPr>
-              <a:t>will</a:t>
-            </a:r>
-            <a:r>
-              <a:rPr lang="et-EE" sz="2000" dirty="0" smtClean="0">
-                <a:solidFill>
-                  <a:schemeClr val="accent5">
-                    <a:lumMod val="50000"/>
-                  </a:schemeClr>
-                </a:solidFill>
-                <a:latin typeface="Times New Roman" panose="02020603050405020304" pitchFamily="18" charset="0"/>
-                <a:cs typeface="Times New Roman" panose="02020603050405020304" pitchFamily="18" charset="0"/>
-              </a:rPr>
-              <a:t> </a:t>
-            </a:r>
-            <a:r>
-              <a:rPr lang="et-EE" sz="2000" dirty="0" err="1" smtClean="0">
-                <a:solidFill>
-                  <a:schemeClr val="accent5">
-                    <a:lumMod val="50000"/>
-                  </a:schemeClr>
-                </a:solidFill>
-                <a:latin typeface="Times New Roman" panose="02020603050405020304" pitchFamily="18" charset="0"/>
-                <a:cs typeface="Times New Roman" panose="02020603050405020304" pitchFamily="18" charset="0"/>
-              </a:rPr>
-              <a:t>succeed</a:t>
-            </a:r>
-            <a:r>
-              <a:rPr lang="et-EE" sz="2000" dirty="0" smtClean="0">
-                <a:solidFill>
-                  <a:schemeClr val="accent5">
-                    <a:lumMod val="50000"/>
-                  </a:schemeClr>
-                </a:solidFill>
-                <a:latin typeface="Times New Roman" panose="02020603050405020304" pitchFamily="18" charset="0"/>
-                <a:cs typeface="Times New Roman" panose="02020603050405020304" pitchFamily="18" charset="0"/>
-              </a:rPr>
-              <a:t> </a:t>
-            </a:r>
-            <a:r>
-              <a:rPr lang="et-EE" sz="2000" dirty="0" err="1" smtClean="0">
-                <a:solidFill>
-                  <a:schemeClr val="accent5">
-                    <a:lumMod val="50000"/>
-                  </a:schemeClr>
-                </a:solidFill>
-                <a:latin typeface="Times New Roman" panose="02020603050405020304" pitchFamily="18" charset="0"/>
-                <a:cs typeface="Times New Roman" panose="02020603050405020304" pitchFamily="18" charset="0"/>
-              </a:rPr>
-              <a:t>or</a:t>
-            </a:r>
-            <a:r>
-              <a:rPr lang="et-EE" sz="2000" dirty="0" smtClean="0">
-                <a:solidFill>
-                  <a:schemeClr val="accent5">
-                    <a:lumMod val="50000"/>
-                  </a:schemeClr>
-                </a:solidFill>
-                <a:latin typeface="Times New Roman" panose="02020603050405020304" pitchFamily="18" charset="0"/>
-                <a:cs typeface="Times New Roman" panose="02020603050405020304" pitchFamily="18" charset="0"/>
-              </a:rPr>
-              <a:t> fail, </a:t>
-            </a:r>
-            <a:r>
-              <a:rPr lang="et-EE" sz="2000" dirty="0" err="1" smtClean="0">
-                <a:solidFill>
-                  <a:schemeClr val="accent5">
-                    <a:lumMod val="50000"/>
-                  </a:schemeClr>
-                </a:solidFill>
-                <a:latin typeface="Times New Roman" panose="02020603050405020304" pitchFamily="18" charset="0"/>
-                <a:cs typeface="Times New Roman" panose="02020603050405020304" pitchFamily="18" charset="0"/>
-              </a:rPr>
-              <a:t>but</a:t>
-            </a:r>
-            <a:r>
-              <a:rPr lang="et-EE" sz="2000" dirty="0" smtClean="0">
-                <a:solidFill>
-                  <a:schemeClr val="accent5">
-                    <a:lumMod val="50000"/>
-                  </a:schemeClr>
-                </a:solidFill>
-                <a:latin typeface="Times New Roman" panose="02020603050405020304" pitchFamily="18" charset="0"/>
-                <a:cs typeface="Times New Roman" panose="02020603050405020304" pitchFamily="18" charset="0"/>
-              </a:rPr>
-              <a:t> </a:t>
-            </a:r>
-            <a:r>
-              <a:rPr lang="et-EE" sz="2000" dirty="0" err="1" smtClean="0">
-                <a:solidFill>
-                  <a:schemeClr val="accent5">
-                    <a:lumMod val="50000"/>
-                  </a:schemeClr>
-                </a:solidFill>
-                <a:latin typeface="Times New Roman" panose="02020603050405020304" pitchFamily="18" charset="0"/>
-                <a:cs typeface="Times New Roman" panose="02020603050405020304" pitchFamily="18" charset="0"/>
-              </a:rPr>
-              <a:t>we</a:t>
-            </a:r>
-            <a:r>
-              <a:rPr lang="et-EE" sz="2000" dirty="0" smtClean="0">
-                <a:solidFill>
-                  <a:schemeClr val="accent5">
-                    <a:lumMod val="50000"/>
-                  </a:schemeClr>
-                </a:solidFill>
-                <a:latin typeface="Times New Roman" panose="02020603050405020304" pitchFamily="18" charset="0"/>
-                <a:cs typeface="Times New Roman" panose="02020603050405020304" pitchFamily="18" charset="0"/>
-              </a:rPr>
-              <a:t> </a:t>
-            </a:r>
-            <a:r>
-              <a:rPr lang="et-EE" sz="2000" dirty="0" err="1" smtClean="0">
-                <a:solidFill>
-                  <a:schemeClr val="accent5">
-                    <a:lumMod val="50000"/>
-                  </a:schemeClr>
-                </a:solidFill>
-                <a:latin typeface="Times New Roman" panose="02020603050405020304" pitchFamily="18" charset="0"/>
-                <a:cs typeface="Times New Roman" panose="02020603050405020304" pitchFamily="18" charset="0"/>
-              </a:rPr>
-              <a:t>managed</a:t>
-            </a:r>
-            <a:r>
-              <a:rPr lang="et-EE" sz="2000" dirty="0" smtClean="0">
-                <a:solidFill>
-                  <a:schemeClr val="accent5">
-                    <a:lumMod val="50000"/>
-                  </a:schemeClr>
-                </a:solidFill>
-                <a:latin typeface="Times New Roman" panose="02020603050405020304" pitchFamily="18" charset="0"/>
-                <a:cs typeface="Times New Roman" panose="02020603050405020304" pitchFamily="18" charset="0"/>
-              </a:rPr>
-              <a:t> </a:t>
-            </a:r>
-            <a:r>
-              <a:rPr lang="et-EE" sz="2000" dirty="0" err="1" smtClean="0">
-                <a:solidFill>
-                  <a:schemeClr val="accent5">
-                    <a:lumMod val="50000"/>
-                  </a:schemeClr>
-                </a:solidFill>
-                <a:latin typeface="Times New Roman" panose="02020603050405020304" pitchFamily="18" charset="0"/>
-                <a:cs typeface="Times New Roman" panose="02020603050405020304" pitchFamily="18" charset="0"/>
-              </a:rPr>
-              <a:t>to</a:t>
-            </a:r>
-            <a:r>
-              <a:rPr lang="et-EE" sz="2000" dirty="0" smtClean="0">
-                <a:solidFill>
-                  <a:schemeClr val="accent5">
-                    <a:lumMod val="50000"/>
-                  </a:schemeClr>
-                </a:solidFill>
-                <a:latin typeface="Times New Roman" panose="02020603050405020304" pitchFamily="18" charset="0"/>
-                <a:cs typeface="Times New Roman" panose="02020603050405020304" pitchFamily="18" charset="0"/>
-              </a:rPr>
-              <a:t> </a:t>
-            </a:r>
-            <a:r>
-              <a:rPr lang="et-EE" sz="2000" dirty="0" err="1" smtClean="0">
-                <a:solidFill>
-                  <a:schemeClr val="accent5">
-                    <a:lumMod val="50000"/>
-                  </a:schemeClr>
-                </a:solidFill>
-                <a:latin typeface="Times New Roman" panose="02020603050405020304" pitchFamily="18" charset="0"/>
-                <a:cs typeface="Times New Roman" panose="02020603050405020304" pitchFamily="18" charset="0"/>
-              </a:rPr>
-              <a:t>find</a:t>
-            </a:r>
-            <a:r>
-              <a:rPr lang="et-EE" sz="2000" dirty="0" smtClean="0">
-                <a:solidFill>
-                  <a:schemeClr val="accent5">
-                    <a:lumMod val="50000"/>
-                  </a:schemeClr>
-                </a:solidFill>
-                <a:latin typeface="Times New Roman" panose="02020603050405020304" pitchFamily="18" charset="0"/>
-                <a:cs typeface="Times New Roman" panose="02020603050405020304" pitchFamily="18" charset="0"/>
-              </a:rPr>
-              <a:t> </a:t>
-            </a:r>
-            <a:r>
-              <a:rPr lang="et-EE" sz="2000" dirty="0" err="1" smtClean="0">
-                <a:solidFill>
-                  <a:schemeClr val="accent5">
-                    <a:lumMod val="50000"/>
-                  </a:schemeClr>
-                </a:solidFill>
-                <a:latin typeface="Times New Roman" panose="02020603050405020304" pitchFamily="18" charset="0"/>
-                <a:cs typeface="Times New Roman" panose="02020603050405020304" pitchFamily="18" charset="0"/>
-              </a:rPr>
-              <a:t>out</a:t>
-            </a:r>
-            <a:r>
-              <a:rPr lang="et-EE" sz="2000" dirty="0" smtClean="0">
-                <a:solidFill>
-                  <a:schemeClr val="accent5">
-                    <a:lumMod val="50000"/>
-                  </a:schemeClr>
-                </a:solidFill>
-                <a:latin typeface="Times New Roman" panose="02020603050405020304" pitchFamily="18" charset="0"/>
-                <a:cs typeface="Times New Roman" panose="02020603050405020304" pitchFamily="18" charset="0"/>
-              </a:rPr>
-              <a:t> </a:t>
-            </a:r>
-            <a:r>
-              <a:rPr lang="et-EE" sz="2000" dirty="0" err="1" smtClean="0">
-                <a:solidFill>
-                  <a:schemeClr val="accent5">
-                    <a:lumMod val="50000"/>
-                  </a:schemeClr>
-                </a:solidFill>
-                <a:latin typeface="Times New Roman" panose="02020603050405020304" pitchFamily="18" charset="0"/>
-                <a:cs typeface="Times New Roman" panose="02020603050405020304" pitchFamily="18" charset="0"/>
-              </a:rPr>
-              <a:t>some</a:t>
-            </a:r>
-            <a:r>
-              <a:rPr lang="et-EE" sz="2000" dirty="0" smtClean="0">
-                <a:solidFill>
-                  <a:schemeClr val="accent5">
-                    <a:lumMod val="50000"/>
-                  </a:schemeClr>
-                </a:solidFill>
-                <a:latin typeface="Times New Roman" panose="02020603050405020304" pitchFamily="18" charset="0"/>
-                <a:cs typeface="Times New Roman" panose="02020603050405020304" pitchFamily="18" charset="0"/>
-              </a:rPr>
-              <a:t> </a:t>
-            </a:r>
-            <a:r>
-              <a:rPr lang="et-EE" sz="2000" dirty="0" err="1" smtClean="0">
-                <a:solidFill>
-                  <a:schemeClr val="accent5">
-                    <a:lumMod val="50000"/>
-                  </a:schemeClr>
-                </a:solidFill>
-                <a:latin typeface="Times New Roman" panose="02020603050405020304" pitchFamily="18" charset="0"/>
-                <a:cs typeface="Times New Roman" panose="02020603050405020304" pitchFamily="18" charset="0"/>
-              </a:rPr>
-              <a:t>key</a:t>
-            </a:r>
-            <a:r>
-              <a:rPr lang="et-EE" sz="2000" dirty="0" smtClean="0">
-                <a:solidFill>
-                  <a:schemeClr val="accent5">
-                    <a:lumMod val="50000"/>
-                  </a:schemeClr>
-                </a:solidFill>
-                <a:latin typeface="Times New Roman" panose="02020603050405020304" pitchFamily="18" charset="0"/>
-                <a:cs typeface="Times New Roman" panose="02020603050405020304" pitchFamily="18" charset="0"/>
-              </a:rPr>
-              <a:t> </a:t>
-            </a:r>
-            <a:r>
-              <a:rPr lang="et-EE" sz="2000" dirty="0" err="1" smtClean="0">
-                <a:solidFill>
-                  <a:schemeClr val="accent5">
-                    <a:lumMod val="50000"/>
-                  </a:schemeClr>
-                </a:solidFill>
-                <a:latin typeface="Times New Roman" panose="02020603050405020304" pitchFamily="18" charset="0"/>
-                <a:cs typeface="Times New Roman" panose="02020603050405020304" pitchFamily="18" charset="0"/>
-              </a:rPr>
-              <a:t>elements</a:t>
-            </a:r>
-            <a:r>
-              <a:rPr lang="et-EE" sz="2000" dirty="0" smtClean="0">
-                <a:solidFill>
-                  <a:schemeClr val="accent5">
-                    <a:lumMod val="50000"/>
-                  </a:schemeClr>
-                </a:solidFill>
-                <a:latin typeface="Times New Roman" panose="02020603050405020304" pitchFamily="18" charset="0"/>
-                <a:cs typeface="Times New Roman" panose="02020603050405020304" pitchFamily="18" charset="0"/>
-              </a:rPr>
-              <a:t> of a </a:t>
-            </a:r>
-            <a:r>
-              <a:rPr lang="et-EE" sz="2000" dirty="0" err="1" smtClean="0">
-                <a:solidFill>
-                  <a:schemeClr val="accent5">
-                    <a:lumMod val="50000"/>
-                  </a:schemeClr>
-                </a:solidFill>
-                <a:latin typeface="Times New Roman" panose="02020603050405020304" pitchFamily="18" charset="0"/>
-                <a:cs typeface="Times New Roman" panose="02020603050405020304" pitchFamily="18" charset="0"/>
-              </a:rPr>
-              <a:t>good</a:t>
-            </a:r>
-            <a:r>
-              <a:rPr lang="et-EE" sz="2000" dirty="0" smtClean="0">
-                <a:solidFill>
-                  <a:schemeClr val="accent5">
-                    <a:lumMod val="50000"/>
-                  </a:schemeClr>
-                </a:solidFill>
-                <a:latin typeface="Times New Roman" panose="02020603050405020304" pitchFamily="18" charset="0"/>
-                <a:cs typeface="Times New Roman" panose="02020603050405020304" pitchFamily="18" charset="0"/>
-              </a:rPr>
-              <a:t> </a:t>
-            </a:r>
-            <a:r>
-              <a:rPr lang="et-EE" sz="2000" dirty="0" err="1" smtClean="0">
-                <a:solidFill>
-                  <a:schemeClr val="accent5">
-                    <a:lumMod val="50000"/>
-                  </a:schemeClr>
-                </a:solidFill>
-                <a:latin typeface="Times New Roman" panose="02020603050405020304" pitchFamily="18" charset="0"/>
-                <a:cs typeface="Times New Roman" panose="02020603050405020304" pitchFamily="18" charset="0"/>
-              </a:rPr>
-              <a:t>project</a:t>
-            </a:r>
-            <a:r>
-              <a:rPr lang="et-EE" sz="2000" dirty="0" smtClean="0">
+              <a:rPr lang="et-EE" sz="2000" dirty="0" err="1">
+                <a:solidFill>
+                  <a:schemeClr val="accent5">
+                    <a:lumMod val="50000"/>
+                  </a:schemeClr>
+                </a:solidFill>
+                <a:latin typeface="Times New Roman" panose="02020603050405020304" pitchFamily="18" charset="0"/>
+                <a:cs typeface="Times New Roman" panose="02020603050405020304" pitchFamily="18" charset="0"/>
+              </a:rPr>
+              <a:t>run</a:t>
+            </a:r>
+            <a:r>
+              <a:rPr lang="et-EE" sz="2000" dirty="0">
                 <a:solidFill>
                   <a:schemeClr val="accent5">
                     <a:lumMod val="50000"/>
@@ -15249,711 +15705,6 @@
               </a:rPr>
               <a:t>. </a:t>
             </a:r>
-            <a:r>
-              <a:rPr lang="et-EE" sz="2000" dirty="0" err="1" smtClean="0">
-                <a:solidFill>
-                  <a:schemeClr val="accent5">
-                    <a:lumMod val="50000"/>
-                  </a:schemeClr>
-                </a:solidFill>
-                <a:latin typeface="Times New Roman" panose="02020603050405020304" pitchFamily="18" charset="0"/>
-                <a:cs typeface="Times New Roman" panose="02020603050405020304" pitchFamily="18" charset="0"/>
-              </a:rPr>
-              <a:t>We</a:t>
-            </a:r>
-            <a:r>
-              <a:rPr lang="et-EE" sz="2000" dirty="0" smtClean="0">
-                <a:solidFill>
-                  <a:schemeClr val="accent5">
-                    <a:lumMod val="50000"/>
-                  </a:schemeClr>
-                </a:solidFill>
-                <a:latin typeface="Times New Roman" panose="02020603050405020304" pitchFamily="18" charset="0"/>
-                <a:cs typeface="Times New Roman" panose="02020603050405020304" pitchFamily="18" charset="0"/>
-              </a:rPr>
-              <a:t> </a:t>
-            </a:r>
-            <a:r>
-              <a:rPr lang="et-EE" sz="2000" dirty="0" err="1" smtClean="0">
-                <a:solidFill>
-                  <a:schemeClr val="accent5">
-                    <a:lumMod val="50000"/>
-                  </a:schemeClr>
-                </a:solidFill>
-                <a:latin typeface="Times New Roman" panose="02020603050405020304" pitchFamily="18" charset="0"/>
-                <a:cs typeface="Times New Roman" panose="02020603050405020304" pitchFamily="18" charset="0"/>
-              </a:rPr>
-              <a:t>got</a:t>
-            </a:r>
-            <a:r>
-              <a:rPr lang="et-EE" sz="2000" dirty="0" smtClean="0">
-                <a:solidFill>
-                  <a:schemeClr val="accent5">
-                    <a:lumMod val="50000"/>
-                  </a:schemeClr>
-                </a:solidFill>
-                <a:latin typeface="Times New Roman" panose="02020603050405020304" pitchFamily="18" charset="0"/>
-                <a:cs typeface="Times New Roman" panose="02020603050405020304" pitchFamily="18" charset="0"/>
-              </a:rPr>
-              <a:t> </a:t>
-            </a:r>
-            <a:r>
-              <a:rPr lang="et-EE" sz="2000" dirty="0" err="1" smtClean="0">
-                <a:solidFill>
-                  <a:schemeClr val="accent5">
-                    <a:lumMod val="50000"/>
-                  </a:schemeClr>
-                </a:solidFill>
-                <a:latin typeface="Times New Roman" panose="02020603050405020304" pitchFamily="18" charset="0"/>
-                <a:cs typeface="Times New Roman" panose="02020603050405020304" pitchFamily="18" charset="0"/>
-              </a:rPr>
-              <a:t>our</a:t>
-            </a:r>
-            <a:r>
-              <a:rPr lang="et-EE" sz="2000" dirty="0" smtClean="0">
-                <a:solidFill>
-                  <a:schemeClr val="accent5">
-                    <a:lumMod val="50000"/>
-                  </a:schemeClr>
-                </a:solidFill>
-                <a:latin typeface="Times New Roman" panose="02020603050405020304" pitchFamily="18" charset="0"/>
-                <a:cs typeface="Times New Roman" panose="02020603050405020304" pitchFamily="18" charset="0"/>
-              </a:rPr>
-              <a:t> </a:t>
-            </a:r>
-            <a:r>
-              <a:rPr lang="et-EE" sz="2000" dirty="0" err="1" smtClean="0">
-                <a:solidFill>
-                  <a:schemeClr val="accent5">
-                    <a:lumMod val="50000"/>
-                  </a:schemeClr>
-                </a:solidFill>
-                <a:latin typeface="Times New Roman" panose="02020603050405020304" pitchFamily="18" charset="0"/>
-                <a:cs typeface="Times New Roman" panose="02020603050405020304" pitchFamily="18" charset="0"/>
-              </a:rPr>
-              <a:t>predictions</a:t>
-            </a:r>
-            <a:r>
-              <a:rPr lang="et-EE" sz="2000" dirty="0" smtClean="0">
-                <a:solidFill>
-                  <a:schemeClr val="accent5">
-                    <a:lumMod val="50000"/>
-                  </a:schemeClr>
-                </a:solidFill>
-                <a:latin typeface="Times New Roman" panose="02020603050405020304" pitchFamily="18" charset="0"/>
-                <a:cs typeface="Times New Roman" panose="02020603050405020304" pitchFamily="18" charset="0"/>
-              </a:rPr>
-              <a:t> </a:t>
-            </a:r>
-            <a:r>
-              <a:rPr lang="et-EE" sz="2000" dirty="0" err="1" smtClean="0">
-                <a:solidFill>
-                  <a:schemeClr val="accent5">
-                    <a:lumMod val="50000"/>
-                  </a:schemeClr>
-                </a:solidFill>
-                <a:latin typeface="Times New Roman" panose="02020603050405020304" pitchFamily="18" charset="0"/>
-                <a:cs typeface="Times New Roman" panose="02020603050405020304" pitchFamily="18" charset="0"/>
-              </a:rPr>
-              <a:t>up</a:t>
-            </a:r>
-            <a:r>
-              <a:rPr lang="et-EE" sz="2000" dirty="0" smtClean="0">
-                <a:solidFill>
-                  <a:schemeClr val="accent5">
-                    <a:lumMod val="50000"/>
-                  </a:schemeClr>
-                </a:solidFill>
-                <a:latin typeface="Times New Roman" panose="02020603050405020304" pitchFamily="18" charset="0"/>
-                <a:cs typeface="Times New Roman" panose="02020603050405020304" pitchFamily="18" charset="0"/>
-              </a:rPr>
-              <a:t> </a:t>
-            </a:r>
-            <a:r>
-              <a:rPr lang="et-EE" sz="2000" dirty="0" err="1" smtClean="0">
-                <a:solidFill>
-                  <a:schemeClr val="accent5">
-                    <a:lumMod val="50000"/>
-                  </a:schemeClr>
-                </a:solidFill>
-                <a:latin typeface="Times New Roman" panose="02020603050405020304" pitchFamily="18" charset="0"/>
-                <a:cs typeface="Times New Roman" panose="02020603050405020304" pitchFamily="18" charset="0"/>
-              </a:rPr>
-              <a:t>to</a:t>
-            </a:r>
-            <a:r>
-              <a:rPr lang="et-EE" sz="2000" dirty="0" smtClean="0">
-                <a:solidFill>
-                  <a:schemeClr val="accent5">
-                    <a:lumMod val="50000"/>
-                  </a:schemeClr>
-                </a:solidFill>
-                <a:latin typeface="Times New Roman" panose="02020603050405020304" pitchFamily="18" charset="0"/>
-                <a:cs typeface="Times New Roman" panose="02020603050405020304" pitchFamily="18" charset="0"/>
-              </a:rPr>
-              <a:t> 70 % </a:t>
-            </a:r>
-            <a:r>
-              <a:rPr lang="et-EE" sz="2000" dirty="0" err="1" smtClean="0">
-                <a:solidFill>
-                  <a:schemeClr val="accent5">
-                    <a:lumMod val="50000"/>
-                  </a:schemeClr>
-                </a:solidFill>
-                <a:latin typeface="Times New Roman" panose="02020603050405020304" pitchFamily="18" charset="0"/>
-                <a:cs typeface="Times New Roman" panose="02020603050405020304" pitchFamily="18" charset="0"/>
-              </a:rPr>
-              <a:t>accuracy</a:t>
-            </a:r>
-            <a:r>
-              <a:rPr lang="et-EE" sz="2000" dirty="0" smtClean="0">
-                <a:solidFill>
-                  <a:schemeClr val="accent5">
-                    <a:lumMod val="50000"/>
-                  </a:schemeClr>
-                </a:solidFill>
-                <a:latin typeface="Times New Roman" panose="02020603050405020304" pitchFamily="18" charset="0"/>
-                <a:cs typeface="Times New Roman" panose="02020603050405020304" pitchFamily="18" charset="0"/>
-              </a:rPr>
-              <a:t> </a:t>
-            </a:r>
-            <a:r>
-              <a:rPr lang="et-EE" sz="2000" dirty="0" err="1" smtClean="0">
-                <a:solidFill>
-                  <a:schemeClr val="accent5">
-                    <a:lumMod val="50000"/>
-                  </a:schemeClr>
-                </a:solidFill>
-                <a:latin typeface="Times New Roman" panose="02020603050405020304" pitchFamily="18" charset="0"/>
-                <a:cs typeface="Times New Roman" panose="02020603050405020304" pitchFamily="18" charset="0"/>
-              </a:rPr>
-              <a:t>with</a:t>
-            </a:r>
-            <a:r>
-              <a:rPr lang="et-EE" sz="2000" dirty="0" smtClean="0">
-                <a:solidFill>
-                  <a:schemeClr val="accent5">
-                    <a:lumMod val="50000"/>
-                  </a:schemeClr>
-                </a:solidFill>
-                <a:latin typeface="Times New Roman" panose="02020603050405020304" pitchFamily="18" charset="0"/>
-                <a:cs typeface="Times New Roman" panose="02020603050405020304" pitchFamily="18" charset="0"/>
-              </a:rPr>
-              <a:t> </a:t>
-            </a:r>
-            <a:r>
-              <a:rPr lang="et-EE" sz="2000" dirty="0" err="1" smtClean="0">
-                <a:solidFill>
-                  <a:schemeClr val="accent5">
-                    <a:lumMod val="50000"/>
-                  </a:schemeClr>
-                </a:solidFill>
-                <a:latin typeface="Times New Roman" panose="02020603050405020304" pitchFamily="18" charset="0"/>
-                <a:cs typeface="Times New Roman" panose="02020603050405020304" pitchFamily="18" charset="0"/>
-              </a:rPr>
-              <a:t>project</a:t>
-            </a:r>
-            <a:r>
-              <a:rPr lang="et-EE" sz="2000" dirty="0" smtClean="0">
-                <a:solidFill>
-                  <a:schemeClr val="accent5">
-                    <a:lumMod val="50000"/>
-                  </a:schemeClr>
-                </a:solidFill>
-                <a:latin typeface="Times New Roman" panose="02020603050405020304" pitchFamily="18" charset="0"/>
-                <a:cs typeface="Times New Roman" panose="02020603050405020304" pitchFamily="18" charset="0"/>
-              </a:rPr>
-              <a:t> </a:t>
-            </a:r>
-            <a:r>
-              <a:rPr lang="et-EE" sz="2000" dirty="0" err="1" smtClean="0">
-                <a:solidFill>
-                  <a:schemeClr val="accent5">
-                    <a:lumMod val="50000"/>
-                  </a:schemeClr>
-                </a:solidFill>
-                <a:latin typeface="Times New Roman" panose="02020603050405020304" pitchFamily="18" charset="0"/>
-                <a:cs typeface="Times New Roman" panose="02020603050405020304" pitchFamily="18" charset="0"/>
-              </a:rPr>
-              <a:t>category</a:t>
-            </a:r>
-            <a:r>
-              <a:rPr lang="et-EE" sz="2000" dirty="0" smtClean="0">
-                <a:solidFill>
-                  <a:schemeClr val="accent5">
-                    <a:lumMod val="50000"/>
-                  </a:schemeClr>
-                </a:solidFill>
-                <a:latin typeface="Times New Roman" panose="02020603050405020304" pitchFamily="18" charset="0"/>
-                <a:cs typeface="Times New Roman" panose="02020603050405020304" pitchFamily="18" charset="0"/>
-              </a:rPr>
-              <a:t> </a:t>
-            </a:r>
-            <a:r>
-              <a:rPr lang="et-EE" sz="2000" dirty="0" err="1" smtClean="0">
-                <a:solidFill>
-                  <a:schemeClr val="accent5">
-                    <a:lumMod val="50000"/>
-                  </a:schemeClr>
-                </a:solidFill>
-                <a:latin typeface="Times New Roman" panose="02020603050405020304" pitchFamily="18" charset="0"/>
-                <a:cs typeface="Times New Roman" panose="02020603050405020304" pitchFamily="18" charset="0"/>
-              </a:rPr>
-              <a:t>as</a:t>
-            </a:r>
-            <a:r>
-              <a:rPr lang="et-EE" sz="2000" dirty="0" smtClean="0">
-                <a:solidFill>
-                  <a:schemeClr val="accent5">
-                    <a:lumMod val="50000"/>
-                  </a:schemeClr>
-                </a:solidFill>
-                <a:latin typeface="Times New Roman" panose="02020603050405020304" pitchFamily="18" charset="0"/>
-                <a:cs typeface="Times New Roman" panose="02020603050405020304" pitchFamily="18" charset="0"/>
-              </a:rPr>
-              <a:t> </a:t>
-            </a:r>
-            <a:r>
-              <a:rPr lang="et-EE" sz="2000" dirty="0" err="1" smtClean="0">
-                <a:solidFill>
-                  <a:schemeClr val="accent5">
-                    <a:lumMod val="50000"/>
-                  </a:schemeClr>
-                </a:solidFill>
-                <a:latin typeface="Times New Roman" panose="02020603050405020304" pitchFamily="18" charset="0"/>
-                <a:cs typeface="Times New Roman" panose="02020603050405020304" pitchFamily="18" charset="0"/>
-              </a:rPr>
-              <a:t>the</a:t>
-            </a:r>
-            <a:r>
-              <a:rPr lang="et-EE" sz="2000" dirty="0" smtClean="0">
-                <a:solidFill>
-                  <a:schemeClr val="accent5">
-                    <a:lumMod val="50000"/>
-                  </a:schemeClr>
-                </a:solidFill>
-                <a:latin typeface="Times New Roman" panose="02020603050405020304" pitchFamily="18" charset="0"/>
-                <a:cs typeface="Times New Roman" panose="02020603050405020304" pitchFamily="18" charset="0"/>
-              </a:rPr>
-              <a:t> </a:t>
-            </a:r>
-            <a:r>
-              <a:rPr lang="et-EE" sz="2000" dirty="0" err="1" smtClean="0">
-                <a:solidFill>
-                  <a:schemeClr val="accent5">
-                    <a:lumMod val="50000"/>
-                  </a:schemeClr>
-                </a:solidFill>
-                <a:latin typeface="Times New Roman" panose="02020603050405020304" pitchFamily="18" charset="0"/>
-                <a:cs typeface="Times New Roman" panose="02020603050405020304" pitchFamily="18" charset="0"/>
-              </a:rPr>
-              <a:t>only</a:t>
-            </a:r>
-            <a:r>
-              <a:rPr lang="et-EE" sz="2000" dirty="0" smtClean="0">
-                <a:solidFill>
-                  <a:schemeClr val="accent5">
-                    <a:lumMod val="50000"/>
-                  </a:schemeClr>
-                </a:solidFill>
-                <a:latin typeface="Times New Roman" panose="02020603050405020304" pitchFamily="18" charset="0"/>
-                <a:cs typeface="Times New Roman" panose="02020603050405020304" pitchFamily="18" charset="0"/>
-              </a:rPr>
-              <a:t> </a:t>
-            </a:r>
-            <a:r>
-              <a:rPr lang="et-EE" sz="2000" dirty="0" err="1" smtClean="0">
-                <a:solidFill>
-                  <a:schemeClr val="accent5">
-                    <a:lumMod val="50000"/>
-                  </a:schemeClr>
-                </a:solidFill>
-                <a:latin typeface="Times New Roman" panose="02020603050405020304" pitchFamily="18" charset="0"/>
-                <a:cs typeface="Times New Roman" panose="02020603050405020304" pitchFamily="18" charset="0"/>
-              </a:rPr>
-              <a:t>feature</a:t>
-            </a:r>
-            <a:r>
-              <a:rPr lang="et-EE" sz="2000" dirty="0" smtClean="0">
-                <a:solidFill>
-                  <a:schemeClr val="accent5">
-                    <a:lumMod val="50000"/>
-                  </a:schemeClr>
-                </a:solidFill>
-                <a:latin typeface="Times New Roman" panose="02020603050405020304" pitchFamily="18" charset="0"/>
-                <a:cs typeface="Times New Roman" panose="02020603050405020304" pitchFamily="18" charset="0"/>
-              </a:rPr>
-              <a:t>. </a:t>
-            </a:r>
-            <a:r>
-              <a:rPr lang="et-EE" sz="2000" dirty="0" err="1" smtClean="0">
-                <a:solidFill>
-                  <a:schemeClr val="accent5">
-                    <a:lumMod val="50000"/>
-                  </a:schemeClr>
-                </a:solidFill>
-                <a:latin typeface="Times New Roman" panose="02020603050405020304" pitchFamily="18" charset="0"/>
-                <a:cs typeface="Times New Roman" panose="02020603050405020304" pitchFamily="18" charset="0"/>
-              </a:rPr>
-              <a:t>We</a:t>
-            </a:r>
-            <a:r>
-              <a:rPr lang="et-EE" sz="2000" dirty="0" smtClean="0">
-                <a:solidFill>
-                  <a:schemeClr val="accent5">
-                    <a:lumMod val="50000"/>
-                  </a:schemeClr>
-                </a:solidFill>
-                <a:latin typeface="Times New Roman" panose="02020603050405020304" pitchFamily="18" charset="0"/>
-                <a:cs typeface="Times New Roman" panose="02020603050405020304" pitchFamily="18" charset="0"/>
-              </a:rPr>
-              <a:t> </a:t>
-            </a:r>
-            <a:r>
-              <a:rPr lang="et-EE" sz="2000" dirty="0" err="1" smtClean="0">
-                <a:solidFill>
-                  <a:schemeClr val="accent5">
-                    <a:lumMod val="50000"/>
-                  </a:schemeClr>
-                </a:solidFill>
-                <a:latin typeface="Times New Roman" panose="02020603050405020304" pitchFamily="18" charset="0"/>
-                <a:cs typeface="Times New Roman" panose="02020603050405020304" pitchFamily="18" charset="0"/>
-              </a:rPr>
-              <a:t>also</a:t>
-            </a:r>
-            <a:r>
-              <a:rPr lang="et-EE" sz="2000" dirty="0" smtClean="0">
-                <a:solidFill>
-                  <a:schemeClr val="accent5">
-                    <a:lumMod val="50000"/>
-                  </a:schemeClr>
-                </a:solidFill>
-                <a:latin typeface="Times New Roman" panose="02020603050405020304" pitchFamily="18" charset="0"/>
-                <a:cs typeface="Times New Roman" panose="02020603050405020304" pitchFamily="18" charset="0"/>
-              </a:rPr>
-              <a:t> </a:t>
-            </a:r>
-            <a:r>
-              <a:rPr lang="et-EE" sz="2000" dirty="0" err="1" smtClean="0">
-                <a:solidFill>
-                  <a:schemeClr val="accent5">
-                    <a:lumMod val="50000"/>
-                  </a:schemeClr>
-                </a:solidFill>
-                <a:latin typeface="Times New Roman" panose="02020603050405020304" pitchFamily="18" charset="0"/>
-                <a:cs typeface="Times New Roman" panose="02020603050405020304" pitchFamily="18" charset="0"/>
-              </a:rPr>
-              <a:t>found</a:t>
-            </a:r>
-            <a:r>
-              <a:rPr lang="et-EE" sz="2000" dirty="0" smtClean="0">
-                <a:solidFill>
-                  <a:schemeClr val="accent5">
-                    <a:lumMod val="50000"/>
-                  </a:schemeClr>
-                </a:solidFill>
-                <a:latin typeface="Times New Roman" panose="02020603050405020304" pitchFamily="18" charset="0"/>
-                <a:cs typeface="Times New Roman" panose="02020603050405020304" pitchFamily="18" charset="0"/>
-              </a:rPr>
-              <a:t> </a:t>
-            </a:r>
-            <a:r>
-              <a:rPr lang="et-EE" sz="2000" dirty="0" err="1" smtClean="0">
-                <a:solidFill>
-                  <a:schemeClr val="accent5">
-                    <a:lumMod val="50000"/>
-                  </a:schemeClr>
-                </a:solidFill>
-                <a:latin typeface="Times New Roman" panose="02020603050405020304" pitchFamily="18" charset="0"/>
-                <a:cs typeface="Times New Roman" panose="02020603050405020304" pitchFamily="18" charset="0"/>
-              </a:rPr>
-              <a:t>that</a:t>
-            </a:r>
-            <a:r>
-              <a:rPr lang="et-EE" sz="2000" dirty="0" smtClean="0">
-                <a:solidFill>
-                  <a:schemeClr val="accent5">
-                    <a:lumMod val="50000"/>
-                  </a:schemeClr>
-                </a:solidFill>
-                <a:latin typeface="Times New Roman" panose="02020603050405020304" pitchFamily="18" charset="0"/>
-                <a:cs typeface="Times New Roman" panose="02020603050405020304" pitchFamily="18" charset="0"/>
-              </a:rPr>
-              <a:t> on a </a:t>
-            </a:r>
-            <a:r>
-              <a:rPr lang="et-EE" sz="2000" dirty="0" err="1" smtClean="0">
-                <a:solidFill>
-                  <a:schemeClr val="accent5">
-                    <a:lumMod val="50000"/>
-                  </a:schemeClr>
-                </a:solidFill>
-                <a:latin typeface="Times New Roman" panose="02020603050405020304" pitchFamily="18" charset="0"/>
-                <a:cs typeface="Times New Roman" panose="02020603050405020304" pitchFamily="18" charset="0"/>
-              </a:rPr>
-              <a:t>dataset</a:t>
-            </a:r>
-            <a:r>
-              <a:rPr lang="et-EE" sz="2000" dirty="0" smtClean="0">
-                <a:solidFill>
-                  <a:schemeClr val="accent5">
-                    <a:lumMod val="50000"/>
-                  </a:schemeClr>
-                </a:solidFill>
-                <a:latin typeface="Times New Roman" panose="02020603050405020304" pitchFamily="18" charset="0"/>
-                <a:cs typeface="Times New Roman" panose="02020603050405020304" pitchFamily="18" charset="0"/>
-              </a:rPr>
-              <a:t> </a:t>
-            </a:r>
-            <a:r>
-              <a:rPr lang="et-EE" sz="2000" dirty="0" err="1" smtClean="0">
-                <a:solidFill>
-                  <a:schemeClr val="accent5">
-                    <a:lumMod val="50000"/>
-                  </a:schemeClr>
-                </a:solidFill>
-                <a:latin typeface="Times New Roman" panose="02020603050405020304" pitchFamily="18" charset="0"/>
-                <a:cs typeface="Times New Roman" panose="02020603050405020304" pitchFamily="18" charset="0"/>
-              </a:rPr>
-              <a:t>this</a:t>
-            </a:r>
-            <a:r>
-              <a:rPr lang="et-EE" sz="2000" dirty="0" smtClean="0">
-                <a:solidFill>
-                  <a:schemeClr val="accent5">
-                    <a:lumMod val="50000"/>
-                  </a:schemeClr>
-                </a:solidFill>
-                <a:latin typeface="Times New Roman" panose="02020603050405020304" pitchFamily="18" charset="0"/>
-                <a:cs typeface="Times New Roman" panose="02020603050405020304" pitchFamily="18" charset="0"/>
-              </a:rPr>
-              <a:t> </a:t>
-            </a:r>
-            <a:r>
-              <a:rPr lang="et-EE" sz="2000" dirty="0" err="1" smtClean="0">
-                <a:solidFill>
-                  <a:schemeClr val="accent5">
-                    <a:lumMod val="50000"/>
-                  </a:schemeClr>
-                </a:solidFill>
-                <a:latin typeface="Times New Roman" panose="02020603050405020304" pitchFamily="18" charset="0"/>
-                <a:cs typeface="Times New Roman" panose="02020603050405020304" pitchFamily="18" charset="0"/>
-              </a:rPr>
-              <a:t>big</a:t>
-            </a:r>
-            <a:r>
-              <a:rPr lang="et-EE" sz="2000" dirty="0" smtClean="0">
-                <a:solidFill>
-                  <a:schemeClr val="accent5">
-                    <a:lumMod val="50000"/>
-                  </a:schemeClr>
-                </a:solidFill>
-                <a:latin typeface="Times New Roman" panose="02020603050405020304" pitchFamily="18" charset="0"/>
-                <a:cs typeface="Times New Roman" panose="02020603050405020304" pitchFamily="18" charset="0"/>
-              </a:rPr>
-              <a:t> </a:t>
-            </a:r>
-            <a:r>
-              <a:rPr lang="et-EE" sz="2000" dirty="0" err="1" smtClean="0">
-                <a:solidFill>
-                  <a:schemeClr val="accent5">
-                    <a:lumMod val="50000"/>
-                  </a:schemeClr>
-                </a:solidFill>
-                <a:latin typeface="Times New Roman" panose="02020603050405020304" pitchFamily="18" charset="0"/>
-                <a:cs typeface="Times New Roman" panose="02020603050405020304" pitchFamily="18" charset="0"/>
-              </a:rPr>
-              <a:t>most</a:t>
-            </a:r>
-            <a:r>
-              <a:rPr lang="et-EE" sz="2000" dirty="0" smtClean="0">
-                <a:solidFill>
-                  <a:schemeClr val="accent5">
-                    <a:lumMod val="50000"/>
-                  </a:schemeClr>
-                </a:solidFill>
-                <a:latin typeface="Times New Roman" panose="02020603050405020304" pitchFamily="18" charset="0"/>
-                <a:cs typeface="Times New Roman" panose="02020603050405020304" pitchFamily="18" charset="0"/>
-              </a:rPr>
-              <a:t> </a:t>
-            </a:r>
-            <a:r>
-              <a:rPr lang="et-EE" sz="2000" dirty="0" err="1" smtClean="0">
-                <a:solidFill>
-                  <a:schemeClr val="accent5">
-                    <a:lumMod val="50000"/>
-                  </a:schemeClr>
-                </a:solidFill>
-                <a:latin typeface="Times New Roman" panose="02020603050405020304" pitchFamily="18" charset="0"/>
-                <a:cs typeface="Times New Roman" panose="02020603050405020304" pitchFamily="18" charset="0"/>
-              </a:rPr>
-              <a:t>classic</a:t>
-            </a:r>
-            <a:r>
-              <a:rPr lang="et-EE" sz="2000" dirty="0" smtClean="0">
-                <a:solidFill>
-                  <a:schemeClr val="accent5">
-                    <a:lumMod val="50000"/>
-                  </a:schemeClr>
-                </a:solidFill>
-                <a:latin typeface="Times New Roman" panose="02020603050405020304" pitchFamily="18" charset="0"/>
-                <a:cs typeface="Times New Roman" panose="02020603050405020304" pitchFamily="18" charset="0"/>
-              </a:rPr>
-              <a:t> </a:t>
-            </a:r>
-            <a:r>
-              <a:rPr lang="et-EE" sz="2000" dirty="0" err="1" smtClean="0">
-                <a:solidFill>
-                  <a:schemeClr val="accent5">
-                    <a:lumMod val="50000"/>
-                  </a:schemeClr>
-                </a:solidFill>
-                <a:latin typeface="Times New Roman" panose="02020603050405020304" pitchFamily="18" charset="0"/>
-                <a:cs typeface="Times New Roman" panose="02020603050405020304" pitchFamily="18" charset="0"/>
-              </a:rPr>
-              <a:t>classifiers</a:t>
-            </a:r>
-            <a:r>
-              <a:rPr lang="et-EE" sz="2000" dirty="0" smtClean="0">
-                <a:solidFill>
-                  <a:schemeClr val="accent5">
-                    <a:lumMod val="50000"/>
-                  </a:schemeClr>
-                </a:solidFill>
-                <a:latin typeface="Times New Roman" panose="02020603050405020304" pitchFamily="18" charset="0"/>
-                <a:cs typeface="Times New Roman" panose="02020603050405020304" pitchFamily="18" charset="0"/>
-              </a:rPr>
-              <a:t> are </a:t>
-            </a:r>
-            <a:r>
-              <a:rPr lang="et-EE" sz="2000" dirty="0" err="1" smtClean="0">
-                <a:solidFill>
-                  <a:schemeClr val="accent5">
-                    <a:lumMod val="50000"/>
-                  </a:schemeClr>
-                </a:solidFill>
-                <a:latin typeface="Times New Roman" panose="02020603050405020304" pitchFamily="18" charset="0"/>
-                <a:cs typeface="Times New Roman" panose="02020603050405020304" pitchFamily="18" charset="0"/>
-              </a:rPr>
-              <a:t>extremely</a:t>
-            </a:r>
-            <a:r>
-              <a:rPr lang="et-EE" sz="2000" dirty="0" smtClean="0">
-                <a:solidFill>
-                  <a:schemeClr val="accent5">
-                    <a:lumMod val="50000"/>
-                  </a:schemeClr>
-                </a:solidFill>
-                <a:latin typeface="Times New Roman" panose="02020603050405020304" pitchFamily="18" charset="0"/>
-                <a:cs typeface="Times New Roman" panose="02020603050405020304" pitchFamily="18" charset="0"/>
-              </a:rPr>
-              <a:t> </a:t>
-            </a:r>
-            <a:r>
-              <a:rPr lang="et-EE" sz="2000" dirty="0" err="1" smtClean="0">
-                <a:solidFill>
-                  <a:schemeClr val="accent5">
-                    <a:lumMod val="50000"/>
-                  </a:schemeClr>
-                </a:solidFill>
-                <a:latin typeface="Times New Roman" panose="02020603050405020304" pitchFamily="18" charset="0"/>
-                <a:cs typeface="Times New Roman" panose="02020603050405020304" pitchFamily="18" charset="0"/>
-              </a:rPr>
-              <a:t>time</a:t>
-            </a:r>
-            <a:r>
-              <a:rPr lang="et-EE" sz="2000" dirty="0" smtClean="0">
-                <a:solidFill>
-                  <a:schemeClr val="accent5">
-                    <a:lumMod val="50000"/>
-                  </a:schemeClr>
-                </a:solidFill>
-                <a:latin typeface="Times New Roman" panose="02020603050405020304" pitchFamily="18" charset="0"/>
-                <a:cs typeface="Times New Roman" panose="02020603050405020304" pitchFamily="18" charset="0"/>
-              </a:rPr>
-              <a:t> </a:t>
-            </a:r>
-            <a:r>
-              <a:rPr lang="et-EE" sz="2000" dirty="0" err="1" smtClean="0">
-                <a:solidFill>
-                  <a:schemeClr val="accent5">
-                    <a:lumMod val="50000"/>
-                  </a:schemeClr>
-                </a:solidFill>
-                <a:latin typeface="Times New Roman" panose="02020603050405020304" pitchFamily="18" charset="0"/>
-                <a:cs typeface="Times New Roman" panose="02020603050405020304" pitchFamily="18" charset="0"/>
-              </a:rPr>
-              <a:t>consuming</a:t>
-            </a:r>
-            <a:r>
-              <a:rPr lang="et-EE" sz="2000" dirty="0" smtClean="0">
-                <a:solidFill>
-                  <a:schemeClr val="accent5">
-                    <a:lumMod val="50000"/>
-                  </a:schemeClr>
-                </a:solidFill>
-                <a:latin typeface="Times New Roman" panose="02020603050405020304" pitchFamily="18" charset="0"/>
-                <a:cs typeface="Times New Roman" panose="02020603050405020304" pitchFamily="18" charset="0"/>
-              </a:rPr>
-              <a:t> </a:t>
-            </a:r>
-            <a:r>
-              <a:rPr lang="et-EE" sz="2000" dirty="0" err="1" smtClean="0">
-                <a:solidFill>
-                  <a:schemeClr val="accent5">
-                    <a:lumMod val="50000"/>
-                  </a:schemeClr>
-                </a:solidFill>
-                <a:latin typeface="Times New Roman" panose="02020603050405020304" pitchFamily="18" charset="0"/>
-                <a:cs typeface="Times New Roman" panose="02020603050405020304" pitchFamily="18" charset="0"/>
-              </a:rPr>
-              <a:t>to</a:t>
-            </a:r>
-            <a:r>
-              <a:rPr lang="et-EE" sz="2000" dirty="0" smtClean="0">
-                <a:solidFill>
-                  <a:schemeClr val="accent5">
-                    <a:lumMod val="50000"/>
-                  </a:schemeClr>
-                </a:solidFill>
-                <a:latin typeface="Times New Roman" panose="02020603050405020304" pitchFamily="18" charset="0"/>
-                <a:cs typeface="Times New Roman" panose="02020603050405020304" pitchFamily="18" charset="0"/>
-              </a:rPr>
-              <a:t> </a:t>
-            </a:r>
-            <a:r>
-              <a:rPr lang="et-EE" sz="2000" dirty="0" err="1" smtClean="0">
-                <a:solidFill>
-                  <a:schemeClr val="accent5">
-                    <a:lumMod val="50000"/>
-                  </a:schemeClr>
-                </a:solidFill>
-                <a:latin typeface="Times New Roman" panose="02020603050405020304" pitchFamily="18" charset="0"/>
-                <a:cs typeface="Times New Roman" panose="02020603050405020304" pitchFamily="18" charset="0"/>
-              </a:rPr>
-              <a:t>run</a:t>
-            </a:r>
-            <a:r>
-              <a:rPr lang="et-EE" sz="2000" dirty="0" smtClean="0">
-                <a:solidFill>
-                  <a:schemeClr val="accent5">
-                    <a:lumMod val="50000"/>
-                  </a:schemeClr>
-                </a:solidFill>
-                <a:latin typeface="Times New Roman" panose="02020603050405020304" pitchFamily="18" charset="0"/>
-                <a:cs typeface="Times New Roman" panose="02020603050405020304" pitchFamily="18" charset="0"/>
-              </a:rPr>
-              <a:t>. </a:t>
-            </a:r>
-            <a:endParaRPr lang="et-EE" sz="2000" dirty="0">
-              <a:solidFill>
-                <a:schemeClr val="accent5">
-                  <a:lumMod val="50000"/>
-                </a:schemeClr>
-              </a:solidFill>
-              <a:latin typeface="Times New Roman" panose="02020603050405020304" pitchFamily="18" charset="0"/>
-              <a:cs typeface="Times New Roman" panose="02020603050405020304" pitchFamily="18" charset="0"/>
-            </a:endParaRPr>
           </a:p>
         </p:txBody>
       </p:sp>
@@ -16209,13 +15960,8 @@
           <a:p>
             <a:r>
               <a:rPr lang="et-EE" dirty="0" smtClean="0"/>
-              <a:t>MACHINE </a:t>
-            </a:r>
-            <a:r>
-              <a:rPr lang="et-EE" dirty="0" smtClean="0"/>
-              <a:t>LEARNING</a:t>
-            </a:r>
-            <a:endParaRPr lang="et-EE" dirty="0" smtClean="0"/>
+              <a:t>MACHINE LEARNING</a:t>
+            </a:r>
           </a:p>
         </p:txBody>
       </p:sp>
@@ -16346,7 +16092,103 @@
                 <a:latin typeface="Times New Roman" panose="02020603050405020304" pitchFamily="18" charset="0"/>
                 <a:cs typeface="Times New Roman" panose="02020603050405020304" pitchFamily="18" charset="0"/>
               </a:rPr>
-              <a:t>Month the project is launched also played an important role in the outcome. Project that is launched in March has higher chance at succeeding. July was almost the only month that reduced the projects likelihood of being successful.</a:t>
+              <a:t>Month the project is launched also played an important role in the outcome. </a:t>
+            </a:r>
+            <a:r>
+              <a:rPr lang="et-EE" sz="2000" dirty="0" smtClean="0">
+                <a:solidFill>
+                  <a:schemeClr val="accent5">
+                    <a:lumMod val="50000"/>
+                  </a:schemeClr>
+                </a:solidFill>
+                <a:latin typeface="Times New Roman" panose="02020603050405020304" pitchFamily="18" charset="0"/>
+                <a:cs typeface="Times New Roman" panose="02020603050405020304" pitchFamily="18" charset="0"/>
+              </a:rPr>
+              <a:t>A p</a:t>
+            </a:r>
+            <a:r>
+              <a:rPr lang="en-US" sz="2000" dirty="0" err="1" smtClean="0">
+                <a:solidFill>
+                  <a:schemeClr val="accent5">
+                    <a:lumMod val="50000"/>
+                  </a:schemeClr>
+                </a:solidFill>
+                <a:latin typeface="Times New Roman" panose="02020603050405020304" pitchFamily="18" charset="0"/>
+                <a:cs typeface="Times New Roman" panose="02020603050405020304" pitchFamily="18" charset="0"/>
+              </a:rPr>
+              <a:t>roject</a:t>
+            </a:r>
+            <a:r>
+              <a:rPr lang="en-US" sz="2000" dirty="0" smtClean="0">
+                <a:solidFill>
+                  <a:schemeClr val="accent5">
+                    <a:lumMod val="50000"/>
+                  </a:schemeClr>
+                </a:solidFill>
+                <a:latin typeface="Times New Roman" panose="02020603050405020304" pitchFamily="18" charset="0"/>
+                <a:cs typeface="Times New Roman" panose="02020603050405020304" pitchFamily="18" charset="0"/>
+              </a:rPr>
+              <a:t> </a:t>
+            </a:r>
+            <a:r>
+              <a:rPr lang="en-US" sz="2000" dirty="0">
+                <a:solidFill>
+                  <a:schemeClr val="accent5">
+                    <a:lumMod val="50000"/>
+                  </a:schemeClr>
+                </a:solidFill>
+                <a:latin typeface="Times New Roman" panose="02020603050405020304" pitchFamily="18" charset="0"/>
+                <a:cs typeface="Times New Roman" panose="02020603050405020304" pitchFamily="18" charset="0"/>
+              </a:rPr>
+              <a:t>that is launched in March </a:t>
+            </a:r>
+            <a:r>
+              <a:rPr lang="en-US" sz="2000" dirty="0" smtClean="0">
+                <a:solidFill>
+                  <a:schemeClr val="accent5">
+                    <a:lumMod val="50000"/>
+                  </a:schemeClr>
+                </a:solidFill>
+                <a:latin typeface="Times New Roman" panose="02020603050405020304" pitchFamily="18" charset="0"/>
+                <a:cs typeface="Times New Roman" panose="02020603050405020304" pitchFamily="18" charset="0"/>
+              </a:rPr>
+              <a:t>has</a:t>
+            </a:r>
+            <a:r>
+              <a:rPr lang="et-EE" sz="2000" dirty="0" smtClean="0">
+                <a:solidFill>
+                  <a:schemeClr val="accent5">
+                    <a:lumMod val="50000"/>
+                  </a:schemeClr>
+                </a:solidFill>
+                <a:latin typeface="Times New Roman" panose="02020603050405020304" pitchFamily="18" charset="0"/>
+                <a:cs typeface="Times New Roman" panose="02020603050405020304" pitchFamily="18" charset="0"/>
+              </a:rPr>
+              <a:t> a </a:t>
+            </a:r>
+            <a:r>
+              <a:rPr lang="en-US" sz="2000" dirty="0" smtClean="0">
+                <a:solidFill>
+                  <a:schemeClr val="accent5">
+                    <a:lumMod val="50000"/>
+                  </a:schemeClr>
+                </a:solidFill>
+                <a:latin typeface="Times New Roman" panose="02020603050405020304" pitchFamily="18" charset="0"/>
+                <a:cs typeface="Times New Roman" panose="02020603050405020304" pitchFamily="18" charset="0"/>
+              </a:rPr>
+              <a:t>higher </a:t>
+            </a:r>
+            <a:r>
+              <a:rPr lang="en-US" sz="2000" dirty="0">
+                <a:solidFill>
+                  <a:schemeClr val="accent5">
+                    <a:lumMod val="50000"/>
+                  </a:schemeClr>
+                </a:solidFill>
+                <a:latin typeface="Times New Roman" panose="02020603050405020304" pitchFamily="18" charset="0"/>
+                <a:cs typeface="Times New Roman" panose="02020603050405020304" pitchFamily="18" charset="0"/>
+              </a:rPr>
+              <a:t>chance at succeeding. July was almost the only month that reduced the projects likelihood of being successful.</a:t>
             </a:r>
             <a:endParaRPr lang="et-EE" sz="2000" dirty="0">
               <a:solidFill>
@@ -16432,7 +16274,7 @@
         <p:spPr>
           <a:xfrm>
             <a:off x="435417" y="21385460"/>
-            <a:ext cx="4897885" cy="5047536"/>
+            <a:ext cx="4897885" cy="3785652"/>
           </a:xfrm>
           <a:prstGeom prst="rect">
             <a:avLst/>
@@ -16451,7 +16293,7 @@
               </a:spcBef>
             </a:pPr>
             <a:r>
-              <a:rPr lang="et-EE" sz="2300" dirty="0" err="1">
+              <a:rPr lang="et-EE" sz="2000" dirty="0" err="1">
                 <a:solidFill>
                   <a:schemeClr val="accent5">
                     <a:lumMod val="50000"/>
@@ -16463,7 +16305,7 @@
               <a:t>We</a:t>
             </a:r>
             <a:r>
-              <a:rPr lang="et-EE" sz="2300" dirty="0">
+              <a:rPr lang="et-EE" sz="2000" dirty="0">
                 <a:solidFill>
                   <a:schemeClr val="accent5">
                     <a:lumMod val="50000"/>
@@ -16475,7 +16317,7 @@
               <a:t> </a:t>
             </a:r>
             <a:r>
-              <a:rPr lang="et-EE" sz="2300" dirty="0" err="1">
+              <a:rPr lang="et-EE" sz="2000" dirty="0" err="1">
                 <a:solidFill>
                   <a:schemeClr val="accent5">
                     <a:lumMod val="50000"/>
@@ -16487,7 +16329,7 @@
               <a:t>tried</a:t>
             </a:r>
             <a:r>
-              <a:rPr lang="et-EE" sz="2300" dirty="0">
+              <a:rPr lang="et-EE" sz="2000" dirty="0">
                 <a:solidFill>
                   <a:schemeClr val="accent5">
                     <a:lumMod val="50000"/>
@@ -16499,7 +16341,7 @@
               <a:t> </a:t>
             </a:r>
             <a:r>
-              <a:rPr lang="et-EE" sz="2300" dirty="0" err="1">
+              <a:rPr lang="et-EE" sz="2000" dirty="0" err="1">
                 <a:solidFill>
                   <a:schemeClr val="accent5">
                     <a:lumMod val="50000"/>
@@ -16511,7 +16353,7 @@
               <a:t>three</a:t>
             </a:r>
             <a:r>
-              <a:rPr lang="et-EE" sz="2300" dirty="0">
+              <a:rPr lang="et-EE" sz="2000" dirty="0">
                 <a:solidFill>
                   <a:schemeClr val="accent5">
                     <a:lumMod val="50000"/>
@@ -16523,7 +16365,7 @@
               <a:t> </a:t>
             </a:r>
             <a:r>
-              <a:rPr lang="et-EE" sz="2300" dirty="0" err="1">
+              <a:rPr lang="et-EE" sz="2000" dirty="0" err="1">
                 <a:solidFill>
                   <a:schemeClr val="accent5">
                     <a:lumMod val="50000"/>
@@ -16535,7 +16377,7 @@
               <a:t>different</a:t>
             </a:r>
             <a:r>
-              <a:rPr lang="et-EE" sz="2300" dirty="0">
+              <a:rPr lang="et-EE" sz="2000" dirty="0">
                 <a:solidFill>
                   <a:schemeClr val="accent5">
                     <a:lumMod val="50000"/>
@@ -16547,7 +16389,7 @@
               <a:t> </a:t>
             </a:r>
             <a:r>
-              <a:rPr lang="et-EE" sz="2300" dirty="0" err="1">
+              <a:rPr lang="et-EE" sz="2000" dirty="0" err="1">
                 <a:solidFill>
                   <a:schemeClr val="accent5">
                     <a:lumMod val="50000"/>
@@ -16559,7 +16401,7 @@
               <a:t>approaches</a:t>
             </a:r>
             <a:r>
-              <a:rPr lang="et-EE" sz="2300" dirty="0">
+              <a:rPr lang="et-EE" sz="2000" dirty="0">
                 <a:solidFill>
                   <a:schemeClr val="accent5">
                     <a:lumMod val="50000"/>
@@ -16571,7 +16413,7 @@
               <a:t>. </a:t>
             </a:r>
             <a:r>
-              <a:rPr lang="et-EE" sz="2300" dirty="0" err="1">
+              <a:rPr lang="et-EE" sz="2000" dirty="0" err="1">
                 <a:solidFill>
                   <a:schemeClr val="accent5">
                     <a:lumMod val="50000"/>
@@ -16583,7 +16425,7 @@
               <a:t>Firstly</a:t>
             </a:r>
             <a:r>
-              <a:rPr lang="et-EE" sz="2300" dirty="0">
+              <a:rPr lang="et-EE" sz="2000" dirty="0">
                 <a:solidFill>
                   <a:schemeClr val="accent5">
                     <a:lumMod val="50000"/>
@@ -16595,7 +16437,7 @@
               <a:t> </a:t>
             </a:r>
             <a:r>
-              <a:rPr lang="et-EE" sz="2300" dirty="0" err="1">
+              <a:rPr lang="et-EE" sz="2000" dirty="0" err="1">
                 <a:solidFill>
                   <a:schemeClr val="accent5">
                     <a:lumMod val="50000"/>
@@ -16607,7 +16449,7 @@
               <a:t>we</a:t>
             </a:r>
             <a:r>
-              <a:rPr lang="et-EE" sz="2300" dirty="0">
+              <a:rPr lang="et-EE" sz="2000" dirty="0">
                 <a:solidFill>
                   <a:schemeClr val="accent5">
                     <a:lumMod val="50000"/>
@@ -16619,7 +16461,7 @@
               <a:t> </a:t>
             </a:r>
             <a:r>
-              <a:rPr lang="et-EE" sz="2300" dirty="0" err="1">
+              <a:rPr lang="et-EE" sz="2000" dirty="0" err="1">
                 <a:solidFill>
                   <a:schemeClr val="accent5">
                     <a:lumMod val="50000"/>
@@ -16631,7 +16473,7 @@
               <a:t>tried</a:t>
             </a:r>
             <a:r>
-              <a:rPr lang="et-EE" sz="2300" dirty="0">
+              <a:rPr lang="et-EE" sz="2000" dirty="0">
                 <a:solidFill>
                   <a:schemeClr val="accent5">
                     <a:lumMod val="50000"/>
@@ -16643,7 +16485,7 @@
               <a:t> a </a:t>
             </a:r>
             <a:r>
-              <a:rPr lang="et-EE" sz="2300" dirty="0" err="1">
+              <a:rPr lang="et-EE" sz="2000" dirty="0" err="1">
                 <a:solidFill>
                   <a:schemeClr val="accent5">
                     <a:lumMod val="50000"/>
@@ -16655,7 +16497,7 @@
               <a:t>usual</a:t>
             </a:r>
             <a:r>
-              <a:rPr lang="et-EE" sz="2300" dirty="0">
+              <a:rPr lang="et-EE" sz="2000" dirty="0">
                 <a:solidFill>
                   <a:schemeClr val="accent5">
                     <a:lumMod val="50000"/>
@@ -16667,7 +16509,7 @@
               <a:t> </a:t>
             </a:r>
             <a:r>
-              <a:rPr lang="et-EE" sz="2300" dirty="0" err="1">
+              <a:rPr lang="et-EE" sz="2000" dirty="0" err="1">
                 <a:solidFill>
                   <a:schemeClr val="accent5">
                     <a:lumMod val="50000"/>
@@ -16679,7 +16521,7 @@
               <a:t>r</a:t>
             </a:r>
             <a:r>
-              <a:rPr lang="et-EE" sz="2300" dirty="0" err="1" smtClean="0">
+              <a:rPr lang="et-EE" sz="2000" dirty="0" err="1" smtClean="0">
                 <a:solidFill>
                   <a:schemeClr val="accent5">
                     <a:lumMod val="50000"/>
@@ -16691,7 +16533,7 @@
               <a:t>andom</a:t>
             </a:r>
             <a:r>
-              <a:rPr lang="et-EE" sz="2300" dirty="0" smtClean="0">
+              <a:rPr lang="et-EE" sz="2000" dirty="0" smtClean="0">
                 <a:solidFill>
                   <a:schemeClr val="accent5">
                     <a:lumMod val="50000"/>
@@ -16703,7 +16545,7 @@
               <a:t> </a:t>
             </a:r>
             <a:r>
-              <a:rPr lang="et-EE" sz="2300" dirty="0" err="1">
+              <a:rPr lang="et-EE" sz="2000" dirty="0" err="1">
                 <a:solidFill>
                   <a:schemeClr val="accent5">
                     <a:lumMod val="50000"/>
@@ -16715,7 +16557,7 @@
               <a:t>f</a:t>
             </a:r>
             <a:r>
-              <a:rPr lang="et-EE" sz="2300" dirty="0" err="1" smtClean="0">
+              <a:rPr lang="et-EE" sz="2000" dirty="0" err="1" smtClean="0">
                 <a:solidFill>
                   <a:schemeClr val="accent5">
                     <a:lumMod val="50000"/>
@@ -16727,7 +16569,7 @@
               <a:t>orest</a:t>
             </a:r>
             <a:r>
-              <a:rPr lang="et-EE" sz="2300" dirty="0" smtClean="0">
+              <a:rPr lang="et-EE" sz="2000" dirty="0" smtClean="0">
                 <a:solidFill>
                   <a:schemeClr val="accent5">
                     <a:lumMod val="50000"/>
@@ -16739,7 +16581,7 @@
               <a:t> </a:t>
             </a:r>
             <a:r>
-              <a:rPr lang="et-EE" sz="2300" dirty="0" err="1">
+              <a:rPr lang="et-EE" sz="2000" dirty="0" err="1">
                 <a:solidFill>
                   <a:schemeClr val="accent5">
                     <a:lumMod val="50000"/>
@@ -16751,7 +16593,7 @@
               <a:t>c</a:t>
             </a:r>
             <a:r>
-              <a:rPr lang="et-EE" sz="2300" dirty="0" err="1" smtClean="0">
+              <a:rPr lang="et-EE" sz="2000" dirty="0" err="1" smtClean="0">
                 <a:solidFill>
                   <a:schemeClr val="accent5">
                     <a:lumMod val="50000"/>
@@ -16763,7 +16605,7 @@
               <a:t>lassifier</a:t>
             </a:r>
             <a:r>
-              <a:rPr lang="et-EE" sz="2300" dirty="0" smtClean="0">
+              <a:rPr lang="et-EE" sz="2000" dirty="0" smtClean="0">
                 <a:solidFill>
                   <a:schemeClr val="accent5">
                     <a:lumMod val="50000"/>
@@ -16775,7 +16617,7 @@
               <a:t> </a:t>
             </a:r>
             <a:r>
-              <a:rPr lang="et-EE" sz="2300" dirty="0">
+              <a:rPr lang="et-EE" sz="2000" dirty="0">
                 <a:solidFill>
                   <a:schemeClr val="accent5">
                     <a:lumMod val="50000"/>
@@ -16787,7 +16629,7 @@
               <a:t>on </a:t>
             </a:r>
             <a:r>
-              <a:rPr lang="et-EE" sz="2300" dirty="0" err="1">
+              <a:rPr lang="et-EE" sz="2000" dirty="0" err="1">
                 <a:solidFill>
                   <a:schemeClr val="accent5">
                     <a:lumMod val="50000"/>
@@ -16799,7 +16641,7 @@
               <a:t>features</a:t>
             </a:r>
             <a:r>
-              <a:rPr lang="et-EE" sz="2300" dirty="0">
+              <a:rPr lang="et-EE" sz="2000" dirty="0">
                 <a:solidFill>
                   <a:schemeClr val="accent5">
                     <a:lumMod val="50000"/>
@@ -16811,7 +16653,7 @@
               <a:t> </a:t>
             </a:r>
             <a:r>
-              <a:rPr lang="et-EE" sz="2300" dirty="0" err="1">
+              <a:rPr lang="et-EE" sz="2000" dirty="0" err="1">
                 <a:solidFill>
                   <a:schemeClr val="accent5">
                     <a:lumMod val="50000"/>
@@ -16823,7 +16665,7 @@
               <a:t>category</a:t>
             </a:r>
             <a:r>
-              <a:rPr lang="et-EE" sz="2300" dirty="0">
+              <a:rPr lang="et-EE" sz="2000" dirty="0">
                 <a:solidFill>
                   <a:schemeClr val="accent5">
                     <a:lumMod val="50000"/>
@@ -16835,7 +16677,7 @@
               <a:t>, </a:t>
             </a:r>
             <a:r>
-              <a:rPr lang="et-EE" sz="2300" dirty="0" err="1">
+              <a:rPr lang="et-EE" sz="2000" dirty="0" err="1">
                 <a:solidFill>
                   <a:schemeClr val="accent5">
                     <a:lumMod val="50000"/>
@@ -16847,7 +16689,7 @@
               <a:t>main_category</a:t>
             </a:r>
             <a:r>
-              <a:rPr lang="et-EE" sz="2300" dirty="0">
+              <a:rPr lang="et-EE" sz="2000" dirty="0">
                 <a:solidFill>
                   <a:schemeClr val="accent5">
                     <a:lumMod val="50000"/>
@@ -16859,7 +16701,7 @@
               <a:t>, </a:t>
             </a:r>
             <a:r>
-              <a:rPr lang="et-EE" sz="2300" dirty="0" err="1">
+              <a:rPr lang="et-EE" sz="2000" dirty="0" err="1">
                 <a:solidFill>
                   <a:schemeClr val="accent5">
                     <a:lumMod val="50000"/>
@@ -16871,7 +16713,7 @@
               <a:t>currency</a:t>
             </a:r>
             <a:r>
-              <a:rPr lang="et-EE" sz="2300" dirty="0">
+              <a:rPr lang="et-EE" sz="2000" dirty="0">
                 <a:solidFill>
                   <a:schemeClr val="accent5">
                     <a:lumMod val="50000"/>
@@ -16883,7 +16725,7 @@
               <a:t>, </a:t>
             </a:r>
             <a:r>
-              <a:rPr lang="et-EE" sz="2300" dirty="0" err="1">
+              <a:rPr lang="et-EE" sz="2000" dirty="0" err="1">
                 <a:solidFill>
                   <a:schemeClr val="accent5">
                     <a:lumMod val="50000"/>
@@ -16895,7 +16737,7 @@
               <a:t>country</a:t>
             </a:r>
             <a:r>
-              <a:rPr lang="et-EE" sz="2300" dirty="0">
+              <a:rPr lang="et-EE" sz="2000" dirty="0">
                 <a:solidFill>
                   <a:schemeClr val="accent5">
                     <a:lumMod val="50000"/>
@@ -16907,7 +16749,7 @@
               <a:t> and </a:t>
             </a:r>
             <a:r>
-              <a:rPr lang="et-EE" sz="2300" dirty="0" err="1">
+              <a:rPr lang="et-EE" sz="2000" dirty="0" err="1">
                 <a:solidFill>
                   <a:schemeClr val="accent5">
                     <a:lumMod val="50000"/>
@@ -16919,7 +16761,7 @@
               <a:t>usd_goal_real</a:t>
             </a:r>
             <a:r>
-              <a:rPr lang="et-EE" sz="2300" dirty="0">
+              <a:rPr lang="et-EE" sz="2000" dirty="0">
                 <a:solidFill>
                   <a:schemeClr val="accent5">
                     <a:lumMod val="50000"/>
@@ -16931,7 +16773,7 @@
               <a:t>. </a:t>
             </a:r>
             <a:r>
-              <a:rPr lang="et-EE" sz="2300" dirty="0" err="1">
+              <a:rPr lang="et-EE" sz="2000" dirty="0" err="1">
                 <a:solidFill>
                   <a:schemeClr val="accent5">
                     <a:lumMod val="50000"/>
@@ -16943,7 +16785,7 @@
               <a:t>That</a:t>
             </a:r>
             <a:r>
-              <a:rPr lang="et-EE" sz="2300" dirty="0">
+              <a:rPr lang="et-EE" sz="2000" dirty="0">
                 <a:solidFill>
                   <a:schemeClr val="accent5">
                     <a:lumMod val="50000"/>
@@ -16955,7 +16797,7 @@
               <a:t> </a:t>
             </a:r>
             <a:r>
-              <a:rPr lang="et-EE" sz="2300" dirty="0" err="1">
+              <a:rPr lang="et-EE" sz="2000" dirty="0" err="1">
                 <a:solidFill>
                   <a:schemeClr val="accent5">
                     <a:lumMod val="50000"/>
@@ -16967,7 +16809,7 @@
               <a:t>approach</a:t>
             </a:r>
             <a:r>
-              <a:rPr lang="et-EE" sz="2300" dirty="0">
+              <a:rPr lang="et-EE" sz="2000" dirty="0">
                 <a:solidFill>
                   <a:schemeClr val="accent5">
                     <a:lumMod val="50000"/>
@@ -16979,7 +16821,7 @@
               <a:t> </a:t>
             </a:r>
             <a:r>
-              <a:rPr lang="et-EE" sz="2300" dirty="0" err="1">
+              <a:rPr lang="et-EE" sz="2000" dirty="0" err="1">
                 <a:solidFill>
                   <a:schemeClr val="accent5">
                     <a:lumMod val="50000"/>
@@ -16991,7 +16833,7 @@
               <a:t>gave</a:t>
             </a:r>
             <a:r>
-              <a:rPr lang="et-EE" sz="2300" dirty="0">
+              <a:rPr lang="et-EE" sz="2000" dirty="0">
                 <a:solidFill>
                   <a:schemeClr val="accent5">
                     <a:lumMod val="50000"/>
@@ -17003,7 +16845,7 @@
               <a:t> </a:t>
             </a:r>
             <a:r>
-              <a:rPr lang="et-EE" sz="2300" dirty="0" err="1">
+              <a:rPr lang="et-EE" sz="2000" dirty="0" err="1">
                 <a:solidFill>
                   <a:schemeClr val="accent5">
                     <a:lumMod val="50000"/>
@@ -17015,7 +16857,7 @@
               <a:t>an</a:t>
             </a:r>
             <a:r>
-              <a:rPr lang="et-EE" sz="2300" dirty="0">
+              <a:rPr lang="et-EE" sz="2000" dirty="0">
                 <a:solidFill>
                   <a:schemeClr val="accent5">
                     <a:lumMod val="50000"/>
@@ -17027,7 +16869,7 @@
               <a:t> </a:t>
             </a:r>
             <a:r>
-              <a:rPr lang="et-EE" sz="2300" dirty="0" err="1">
+              <a:rPr lang="et-EE" sz="2000" dirty="0" err="1">
                 <a:solidFill>
                   <a:schemeClr val="accent5">
                     <a:lumMod val="50000"/>
@@ -17039,7 +16881,7 @@
               <a:t>accuracy</a:t>
             </a:r>
             <a:r>
-              <a:rPr lang="et-EE" sz="2300" dirty="0">
+              <a:rPr lang="et-EE" sz="2000" dirty="0">
                 <a:solidFill>
                   <a:schemeClr val="accent5">
                     <a:lumMod val="50000"/>
@@ -17051,7 +16893,7 @@
               <a:t> of 66.5 %. </a:t>
             </a:r>
             <a:r>
-              <a:rPr lang="et-EE" sz="2300" dirty="0" err="1">
+              <a:rPr lang="et-EE" sz="2000" dirty="0" err="1">
                 <a:solidFill>
                   <a:schemeClr val="accent5">
                     <a:lumMod val="50000"/>
@@ -17063,7 +16905,7 @@
               <a:t>Next</a:t>
             </a:r>
             <a:r>
-              <a:rPr lang="et-EE" sz="2300" dirty="0">
+              <a:rPr lang="et-EE" sz="2000" dirty="0">
                 <a:solidFill>
                   <a:schemeClr val="accent5">
                     <a:lumMod val="50000"/>
@@ -17075,7 +16917,7 @@
               <a:t> </a:t>
             </a:r>
             <a:r>
-              <a:rPr lang="et-EE" sz="2300" dirty="0" err="1">
+              <a:rPr lang="et-EE" sz="2000" dirty="0" err="1">
                 <a:solidFill>
                   <a:schemeClr val="accent5">
                     <a:lumMod val="50000"/>
@@ -17087,7 +16929,7 @@
               <a:t>we</a:t>
             </a:r>
             <a:r>
-              <a:rPr lang="et-EE" sz="2300" dirty="0">
+              <a:rPr lang="et-EE" sz="2000" dirty="0">
                 <a:solidFill>
                   <a:schemeClr val="accent5">
                     <a:lumMod val="50000"/>
@@ -17099,7 +16941,7 @@
               <a:t> </a:t>
             </a:r>
             <a:r>
-              <a:rPr lang="et-EE" sz="2300" dirty="0" err="1">
+              <a:rPr lang="et-EE" sz="2000" dirty="0" err="1">
                 <a:solidFill>
                   <a:schemeClr val="accent5">
                     <a:lumMod val="50000"/>
@@ -17111,7 +16953,7 @@
               <a:t>tried</a:t>
             </a:r>
             <a:r>
-              <a:rPr lang="et-EE" sz="2300" dirty="0">
+              <a:rPr lang="et-EE" sz="2000" dirty="0">
                 <a:solidFill>
                   <a:schemeClr val="accent5">
                     <a:lumMod val="50000"/>
@@ -17123,7 +16965,7 @@
               <a:t> </a:t>
             </a:r>
             <a:r>
-              <a:rPr lang="et-EE" sz="2300" dirty="0" err="1">
+              <a:rPr lang="et-EE" sz="2000" dirty="0" err="1">
                 <a:solidFill>
                   <a:schemeClr val="accent5">
                     <a:lumMod val="50000"/>
@@ -17135,7 +16977,7 @@
               <a:t>making</a:t>
             </a:r>
             <a:r>
-              <a:rPr lang="et-EE" sz="2300" dirty="0">
+              <a:rPr lang="et-EE" sz="2000" dirty="0">
                 <a:solidFill>
                   <a:schemeClr val="accent5">
                     <a:lumMod val="50000"/>
@@ -17147,7 +16989,7 @@
               <a:t> </a:t>
             </a:r>
             <a:r>
-              <a:rPr lang="et-EE" sz="2300" dirty="0" err="1">
+              <a:rPr lang="et-EE" sz="2000" dirty="0" err="1">
                 <a:solidFill>
                   <a:schemeClr val="accent5">
                     <a:lumMod val="50000"/>
@@ -17159,7 +17001,7 @@
               <a:t>features</a:t>
             </a:r>
             <a:r>
-              <a:rPr lang="et-EE" sz="2300" dirty="0">
+              <a:rPr lang="et-EE" sz="2000" dirty="0">
                 <a:solidFill>
                   <a:schemeClr val="accent5">
                     <a:lumMod val="50000"/>
@@ -17171,7 +17013,7 @@
               <a:t> of </a:t>
             </a:r>
             <a:r>
-              <a:rPr lang="et-EE" sz="2300" dirty="0" err="1">
+              <a:rPr lang="et-EE" sz="2000" dirty="0" err="1">
                 <a:solidFill>
                   <a:schemeClr val="accent5">
                     <a:lumMod val="50000"/>
@@ -17183,7 +17025,7 @@
               <a:t>the</a:t>
             </a:r>
             <a:r>
-              <a:rPr lang="et-EE" sz="2300" dirty="0">
+              <a:rPr lang="et-EE" sz="2000" dirty="0">
                 <a:solidFill>
                   <a:schemeClr val="accent5">
                     <a:lumMod val="50000"/>
@@ -17195,7 +17037,7 @@
               <a:t> </a:t>
             </a:r>
             <a:r>
-              <a:rPr lang="et-EE" sz="2300" dirty="0" err="1">
+              <a:rPr lang="et-EE" sz="2000" dirty="0" err="1">
                 <a:solidFill>
                   <a:schemeClr val="accent5">
                     <a:lumMod val="50000"/>
@@ -17207,7 +17049,7 @@
               <a:t>most</a:t>
             </a:r>
             <a:r>
-              <a:rPr lang="et-EE" sz="2300" dirty="0">
+              <a:rPr lang="et-EE" sz="2000" dirty="0">
                 <a:solidFill>
                   <a:schemeClr val="accent5">
                     <a:lumMod val="50000"/>
@@ -17219,7 +17061,7 @@
               <a:t> </a:t>
             </a:r>
             <a:r>
-              <a:rPr lang="et-EE" sz="2300" dirty="0" err="1">
+              <a:rPr lang="et-EE" sz="2000" dirty="0" err="1">
                 <a:solidFill>
                   <a:schemeClr val="accent5">
                     <a:lumMod val="50000"/>
@@ -17231,7 +17073,7 @@
               <a:t>frequent</a:t>
             </a:r>
             <a:r>
-              <a:rPr lang="et-EE" sz="2300" dirty="0">
+              <a:rPr lang="et-EE" sz="2000" dirty="0">
                 <a:solidFill>
                   <a:schemeClr val="accent5">
                     <a:lumMod val="50000"/>
@@ -17243,7 +17085,7 @@
               <a:t> </a:t>
             </a:r>
             <a:r>
-              <a:rPr lang="et-EE" sz="2300" dirty="0" err="1">
+              <a:rPr lang="et-EE" sz="2000" dirty="0" err="1">
                 <a:solidFill>
                   <a:schemeClr val="accent5">
                     <a:lumMod val="50000"/>
@@ -17255,7 +17097,7 @@
               <a:t>words</a:t>
             </a:r>
             <a:r>
-              <a:rPr lang="et-EE" sz="2300" dirty="0">
+              <a:rPr lang="et-EE" sz="2000" dirty="0">
                 <a:solidFill>
                   <a:schemeClr val="accent5">
                     <a:lumMod val="50000"/>
@@ -17267,7 +17109,7 @@
               <a:t> in </a:t>
             </a:r>
             <a:r>
-              <a:rPr lang="et-EE" sz="2300" dirty="0" err="1">
+              <a:rPr lang="et-EE" sz="2000" dirty="0" err="1">
                 <a:solidFill>
                   <a:schemeClr val="accent5">
                     <a:lumMod val="50000"/>
@@ -17279,7 +17121,7 @@
               <a:t>project</a:t>
             </a:r>
             <a:r>
-              <a:rPr lang="et-EE" sz="2300" dirty="0">
+              <a:rPr lang="et-EE" sz="2000" dirty="0">
                 <a:solidFill>
                   <a:schemeClr val="accent5">
                     <a:lumMod val="50000"/>
@@ -17291,7 +17133,7 @@
               <a:t> </a:t>
             </a:r>
             <a:r>
-              <a:rPr lang="et-EE" sz="2300" dirty="0" err="1">
+              <a:rPr lang="et-EE" sz="2000" dirty="0" err="1">
                 <a:solidFill>
                   <a:schemeClr val="accent5">
                     <a:lumMod val="50000"/>
@@ -17303,7 +17145,7 @@
               <a:t>titles</a:t>
             </a:r>
             <a:r>
-              <a:rPr lang="et-EE" sz="2300" dirty="0">
+              <a:rPr lang="et-EE" sz="2000" dirty="0">
                 <a:solidFill>
                   <a:schemeClr val="accent5">
                     <a:lumMod val="50000"/>
@@ -17315,7 +17157,7 @@
               <a:t> and </a:t>
             </a:r>
             <a:r>
-              <a:rPr lang="et-EE" sz="2300" dirty="0" err="1">
+              <a:rPr lang="et-EE" sz="2000" dirty="0" err="1">
                 <a:solidFill>
                   <a:schemeClr val="accent5">
                     <a:lumMod val="50000"/>
@@ -17327,7 +17169,7 @@
               <a:t>train</a:t>
             </a:r>
             <a:r>
-              <a:rPr lang="et-EE" sz="2300" dirty="0">
+              <a:rPr lang="et-EE" sz="2000" dirty="0">
                 <a:solidFill>
                   <a:schemeClr val="accent5">
                     <a:lumMod val="50000"/>
@@ -17339,7 +17181,7 @@
               <a:t> a </a:t>
             </a:r>
             <a:r>
-              <a:rPr lang="et-EE" sz="2300" dirty="0" err="1">
+              <a:rPr lang="et-EE" sz="2000" dirty="0" err="1">
                 <a:solidFill>
                   <a:schemeClr val="accent5">
                     <a:lumMod val="50000"/>
@@ -17351,7 +17193,7 @@
               <a:t>r</a:t>
             </a:r>
             <a:r>
-              <a:rPr lang="et-EE" sz="2300" dirty="0" err="1" smtClean="0">
+              <a:rPr lang="et-EE" sz="2000" dirty="0" err="1" smtClean="0">
                 <a:solidFill>
                   <a:schemeClr val="accent5">
                     <a:lumMod val="50000"/>
@@ -17363,7 +17205,7 @@
               <a:t>andom</a:t>
             </a:r>
             <a:r>
-              <a:rPr lang="et-EE" sz="2300" dirty="0" smtClean="0">
+              <a:rPr lang="et-EE" sz="2000" dirty="0" smtClean="0">
                 <a:solidFill>
                   <a:schemeClr val="accent5">
                     <a:lumMod val="50000"/>
@@ -17375,7 +17217,7 @@
               <a:t> </a:t>
             </a:r>
             <a:r>
-              <a:rPr lang="et-EE" sz="2300" dirty="0" err="1">
+              <a:rPr lang="et-EE" sz="2000" dirty="0" err="1">
                 <a:solidFill>
                   <a:schemeClr val="accent5">
                     <a:lumMod val="50000"/>
@@ -17387,7 +17229,7 @@
               <a:t>f</a:t>
             </a:r>
             <a:r>
-              <a:rPr lang="et-EE" sz="2300" dirty="0" err="1" smtClean="0">
+              <a:rPr lang="et-EE" sz="2000" dirty="0" err="1" smtClean="0">
                 <a:solidFill>
                   <a:schemeClr val="accent5">
                     <a:lumMod val="50000"/>
@@ -17399,7 +17241,7 @@
               <a:t>orest</a:t>
             </a:r>
             <a:r>
-              <a:rPr lang="et-EE" sz="2300" dirty="0" smtClean="0">
+              <a:rPr lang="et-EE" sz="2000" dirty="0" smtClean="0">
                 <a:solidFill>
                   <a:schemeClr val="accent5">
                     <a:lumMod val="50000"/>
@@ -17411,7 +17253,7 @@
               <a:t> </a:t>
             </a:r>
             <a:r>
-              <a:rPr lang="et-EE" sz="2300" dirty="0" err="1">
+              <a:rPr lang="et-EE" sz="2000" dirty="0" err="1">
                 <a:solidFill>
                   <a:schemeClr val="accent5">
                     <a:lumMod val="50000"/>
@@ -17423,7 +17265,7 @@
               <a:t>c</a:t>
             </a:r>
             <a:r>
-              <a:rPr lang="et-EE" sz="2300" dirty="0" err="1" smtClean="0">
+              <a:rPr lang="et-EE" sz="2000" dirty="0" err="1" smtClean="0">
                 <a:solidFill>
                   <a:schemeClr val="accent5">
                     <a:lumMod val="50000"/>
@@ -17435,7 +17277,7 @@
               <a:t>lassifier</a:t>
             </a:r>
             <a:r>
-              <a:rPr lang="et-EE" sz="2300" dirty="0" smtClean="0">
+              <a:rPr lang="et-EE" sz="2000" dirty="0" smtClean="0">
                 <a:solidFill>
                   <a:schemeClr val="accent5">
                     <a:lumMod val="50000"/>
@@ -17447,7 +17289,7 @@
               <a:t> </a:t>
             </a:r>
             <a:r>
-              <a:rPr lang="et-EE" sz="2300" dirty="0" err="1">
+              <a:rPr lang="et-EE" sz="2000" dirty="0" err="1">
                 <a:solidFill>
                   <a:schemeClr val="accent5">
                     <a:lumMod val="50000"/>
@@ -17459,7 +17301,7 @@
               <a:t>with</a:t>
             </a:r>
             <a:r>
-              <a:rPr lang="et-EE" sz="2300" dirty="0">
+              <a:rPr lang="et-EE" sz="2000" dirty="0">
                 <a:solidFill>
                   <a:schemeClr val="accent5">
                     <a:lumMod val="50000"/>
@@ -17471,7 +17313,7 @@
               <a:t> </a:t>
             </a:r>
             <a:r>
-              <a:rPr lang="et-EE" sz="2300" dirty="0" err="1">
+              <a:rPr lang="et-EE" sz="2000" dirty="0" err="1">
                 <a:solidFill>
                   <a:schemeClr val="accent5">
                     <a:lumMod val="50000"/>
@@ -17483,7 +17325,7 @@
               <a:t>these</a:t>
             </a:r>
             <a:r>
-              <a:rPr lang="et-EE" sz="2300" dirty="0">
+              <a:rPr lang="et-EE" sz="2000" dirty="0">
                 <a:solidFill>
                   <a:schemeClr val="accent5">
                     <a:lumMod val="50000"/>
@@ -17495,7 +17337,7 @@
               <a:t> </a:t>
             </a:r>
             <a:r>
-              <a:rPr lang="et-EE" sz="2300" dirty="0" err="1">
+              <a:rPr lang="et-EE" sz="2000" dirty="0" err="1">
                 <a:solidFill>
                   <a:schemeClr val="accent5">
                     <a:lumMod val="50000"/>
@@ -17507,7 +17349,7 @@
               <a:t>features</a:t>
             </a:r>
             <a:r>
-              <a:rPr lang="et-EE" sz="2300" dirty="0">
+              <a:rPr lang="et-EE" sz="2000" dirty="0">
                 <a:solidFill>
                   <a:schemeClr val="accent5">
                     <a:lumMod val="50000"/>
@@ -17519,7 +17361,7 @@
               <a:t>. </a:t>
             </a:r>
             <a:r>
-              <a:rPr lang="et-EE" sz="2300" dirty="0" err="1">
+              <a:rPr lang="et-EE" sz="2000" dirty="0" err="1">
                 <a:solidFill>
                   <a:schemeClr val="accent5">
                     <a:lumMod val="50000"/>
@@ -17531,7 +17373,7 @@
               <a:t>This</a:t>
             </a:r>
             <a:r>
-              <a:rPr lang="et-EE" sz="2300" dirty="0">
+              <a:rPr lang="et-EE" sz="2000" dirty="0">
                 <a:solidFill>
                   <a:schemeClr val="accent5">
                     <a:lumMod val="50000"/>
@@ -17543,7 +17385,7 @@
               <a:t> </a:t>
             </a:r>
             <a:r>
-              <a:rPr lang="et-EE" sz="2300" dirty="0" err="1">
+              <a:rPr lang="et-EE" sz="2000" dirty="0" err="1">
                 <a:solidFill>
                   <a:schemeClr val="accent5">
                     <a:lumMod val="50000"/>
@@ -17555,7 +17397,7 @@
               <a:t>approach</a:t>
             </a:r>
             <a:r>
-              <a:rPr lang="et-EE" sz="2300" dirty="0">
+              <a:rPr lang="et-EE" sz="2000" dirty="0">
                 <a:solidFill>
                   <a:schemeClr val="accent5">
                     <a:lumMod val="50000"/>
@@ -17567,7 +17409,7 @@
               <a:t> </a:t>
             </a:r>
             <a:r>
-              <a:rPr lang="et-EE" sz="2300" dirty="0" err="1">
+              <a:rPr lang="et-EE" sz="2000" dirty="0" err="1">
                 <a:solidFill>
                   <a:schemeClr val="accent5">
                     <a:lumMod val="50000"/>
@@ -17579,7 +17421,7 @@
               <a:t>gave</a:t>
             </a:r>
             <a:r>
-              <a:rPr lang="et-EE" sz="2300" dirty="0">
+              <a:rPr lang="et-EE" sz="2000" dirty="0">
                 <a:solidFill>
                   <a:schemeClr val="accent5">
                     <a:lumMod val="50000"/>
@@ -17591,7 +17433,7 @@
               <a:t> </a:t>
             </a:r>
             <a:r>
-              <a:rPr lang="et-EE" sz="2300" dirty="0" err="1">
+              <a:rPr lang="et-EE" sz="2000" dirty="0" err="1">
                 <a:solidFill>
                   <a:schemeClr val="accent5">
                     <a:lumMod val="50000"/>
@@ -17603,7 +17445,7 @@
               <a:t>an</a:t>
             </a:r>
             <a:r>
-              <a:rPr lang="et-EE" sz="2300" dirty="0">
+              <a:rPr lang="et-EE" sz="2000" dirty="0">
                 <a:solidFill>
                   <a:schemeClr val="accent5">
                     <a:lumMod val="50000"/>
@@ -17615,7 +17457,7 @@
               <a:t> </a:t>
             </a:r>
             <a:r>
-              <a:rPr lang="et-EE" sz="2300" dirty="0" err="1">
+              <a:rPr lang="et-EE" sz="2000" dirty="0" err="1">
                 <a:solidFill>
                   <a:schemeClr val="accent5">
                     <a:lumMod val="50000"/>
@@ -17627,7 +17469,7 @@
               <a:t>accuracy</a:t>
             </a:r>
             <a:r>
-              <a:rPr lang="et-EE" sz="2300" dirty="0">
+              <a:rPr lang="et-EE" sz="2000" dirty="0">
                 <a:solidFill>
                   <a:schemeClr val="accent5">
                     <a:lumMod val="50000"/>
@@ -17639,7 +17481,7 @@
               <a:t> of 68.7 %. </a:t>
             </a:r>
             <a:r>
-              <a:rPr lang="et-EE" sz="2300" dirty="0" err="1">
+              <a:rPr lang="et-EE" sz="2000" dirty="0" err="1">
                 <a:solidFill>
                   <a:schemeClr val="accent5">
                     <a:lumMod val="50000"/>
@@ -17651,7 +17493,7 @@
               <a:t>Lastly</a:t>
             </a:r>
             <a:r>
-              <a:rPr lang="et-EE" sz="2300" dirty="0">
+              <a:rPr lang="et-EE" sz="2000" dirty="0">
                 <a:solidFill>
                   <a:schemeClr val="accent5">
                     <a:lumMod val="50000"/>
@@ -17663,7 +17505,7 @@
               <a:t> </a:t>
             </a:r>
             <a:r>
-              <a:rPr lang="et-EE" sz="2300" dirty="0" err="1">
+              <a:rPr lang="et-EE" sz="2000" dirty="0" err="1">
                 <a:solidFill>
                   <a:schemeClr val="accent5">
                     <a:lumMod val="50000"/>
@@ -17675,7 +17517,7 @@
               <a:t>we</a:t>
             </a:r>
             <a:r>
-              <a:rPr lang="et-EE" sz="2300" dirty="0">
+              <a:rPr lang="et-EE" sz="2000" dirty="0">
                 <a:solidFill>
                   <a:schemeClr val="accent5">
                     <a:lumMod val="50000"/>
@@ -17687,7 +17529,7 @@
               <a:t> </a:t>
             </a:r>
             <a:r>
-              <a:rPr lang="et-EE" sz="2300" dirty="0" err="1">
+              <a:rPr lang="et-EE" sz="2000" dirty="0" err="1">
                 <a:solidFill>
                   <a:schemeClr val="accent5">
                     <a:lumMod val="50000"/>
@@ -17699,7 +17541,7 @@
               <a:t>tried</a:t>
             </a:r>
             <a:r>
-              <a:rPr lang="et-EE" sz="2300" dirty="0">
+              <a:rPr lang="et-EE" sz="2000" dirty="0">
                 <a:solidFill>
                   <a:schemeClr val="accent5">
                     <a:lumMod val="50000"/>
@@ -17711,7 +17553,7 @@
               <a:t> a </a:t>
             </a:r>
             <a:r>
-              <a:rPr lang="et-EE" sz="2300" dirty="0" err="1">
+              <a:rPr lang="et-EE" sz="2000" dirty="0" err="1">
                 <a:solidFill>
                   <a:schemeClr val="accent5">
                     <a:lumMod val="50000"/>
@@ -17723,7 +17565,7 @@
               <a:t>LightLGB</a:t>
             </a:r>
             <a:r>
-              <a:rPr lang="et-EE" sz="2300" dirty="0">
+              <a:rPr lang="et-EE" sz="2000" dirty="0">
                 <a:solidFill>
                   <a:schemeClr val="accent5">
                     <a:lumMod val="50000"/>
@@ -17735,7 +17577,7 @@
               <a:t> </a:t>
             </a:r>
             <a:r>
-              <a:rPr lang="et-EE" sz="2300" dirty="0" err="1">
+              <a:rPr lang="et-EE" sz="2000" dirty="0" err="1">
                 <a:solidFill>
                   <a:schemeClr val="accent5">
                     <a:lumMod val="50000"/>
@@ -17747,19 +17589,43 @@
               <a:t>classifier</a:t>
             </a:r>
             <a:r>
-              <a:rPr lang="et-EE" sz="2300" dirty="0">
-                <a:solidFill>
-                  <a:schemeClr val="accent5">
-                    <a:lumMod val="50000"/>
-                  </a:schemeClr>
-                </a:solidFill>
-                <a:latin typeface="Times New Roman" panose="02020603050405020304" pitchFamily="18" charset="0"/>
-                <a:cs typeface="Times New Roman" panose="02020603050405020304" pitchFamily="18" charset="0"/>
-              </a:rPr>
-              <a:t> on Project </a:t>
-            </a:r>
-            <a:r>
-              <a:rPr lang="et-EE" sz="2300" dirty="0" err="1">
+              <a:rPr lang="et-EE" sz="2000" dirty="0">
+                <a:solidFill>
+                  <a:schemeClr val="accent5">
+                    <a:lumMod val="50000"/>
+                  </a:schemeClr>
+                </a:solidFill>
+                <a:latin typeface="Times New Roman" panose="02020603050405020304" pitchFamily="18" charset="0"/>
+                <a:cs typeface="Times New Roman" panose="02020603050405020304" pitchFamily="18" charset="0"/>
+              </a:rPr>
+              <a:t> on </a:t>
+            </a:r>
+            <a:r>
+              <a:rPr lang="et-EE" sz="2000" dirty="0" err="1" smtClean="0">
+                <a:solidFill>
+                  <a:schemeClr val="accent5">
+                    <a:lumMod val="50000"/>
+                  </a:schemeClr>
+                </a:solidFill>
+                <a:latin typeface="Times New Roman" panose="02020603050405020304" pitchFamily="18" charset="0"/>
+                <a:cs typeface="Times New Roman" panose="02020603050405020304" pitchFamily="18" charset="0"/>
+              </a:rPr>
+              <a:t>project</a:t>
+            </a:r>
+            <a:r>
+              <a:rPr lang="et-EE" sz="2000" dirty="0" smtClean="0">
+                <a:solidFill>
+                  <a:schemeClr val="accent5">
+                    <a:lumMod val="50000"/>
+                  </a:schemeClr>
+                </a:solidFill>
+                <a:latin typeface="Times New Roman" panose="02020603050405020304" pitchFamily="18" charset="0"/>
+                <a:cs typeface="Times New Roman" panose="02020603050405020304" pitchFamily="18" charset="0"/>
+              </a:rPr>
+              <a:t> </a:t>
+            </a:r>
+            <a:r>
+              <a:rPr lang="et-EE" sz="2000" dirty="0" err="1">
                 <a:solidFill>
                   <a:schemeClr val="accent5">
                     <a:lumMod val="50000"/>
@@ -17771,7 +17637,7 @@
               <a:t>titles</a:t>
             </a:r>
             <a:r>
-              <a:rPr lang="et-EE" sz="2300" dirty="0">
+              <a:rPr lang="et-EE" sz="2000" dirty="0">
                 <a:solidFill>
                   <a:schemeClr val="accent5">
                     <a:lumMod val="50000"/>
@@ -17783,7 +17649,7 @@
               <a:t> </a:t>
             </a:r>
             <a:r>
-              <a:rPr lang="et-EE" sz="2300" dirty="0" err="1">
+              <a:rPr lang="et-EE" sz="2000" dirty="0" err="1">
                 <a:solidFill>
                   <a:schemeClr val="accent5">
                     <a:lumMod val="50000"/>
@@ -17795,7 +17661,7 @@
               <a:t>which</a:t>
             </a:r>
             <a:r>
-              <a:rPr lang="et-EE" sz="2300" dirty="0">
+              <a:rPr lang="et-EE" sz="2000" dirty="0">
                 <a:solidFill>
                   <a:schemeClr val="accent5">
                     <a:lumMod val="50000"/>
@@ -17807,7 +17673,7 @@
               <a:t> </a:t>
             </a:r>
             <a:r>
-              <a:rPr lang="et-EE" sz="2300" dirty="0" err="1">
+              <a:rPr lang="et-EE" sz="2000" dirty="0" err="1">
                 <a:solidFill>
                   <a:schemeClr val="accent5">
                     <a:lumMod val="50000"/>
@@ -17819,7 +17685,7 @@
               <a:t>gave</a:t>
             </a:r>
             <a:r>
-              <a:rPr lang="et-EE" sz="2300" dirty="0">
+              <a:rPr lang="et-EE" sz="2000" dirty="0">
                 <a:solidFill>
                   <a:schemeClr val="accent5">
                     <a:lumMod val="50000"/>
@@ -17831,7 +17697,7 @@
               <a:t> </a:t>
             </a:r>
             <a:r>
-              <a:rPr lang="et-EE" sz="2300" dirty="0" err="1">
+              <a:rPr lang="et-EE" sz="2000" dirty="0" err="1">
                 <a:solidFill>
                   <a:schemeClr val="accent5">
                     <a:lumMod val="50000"/>
@@ -17843,7 +17709,7 @@
               <a:t>an</a:t>
             </a:r>
             <a:r>
-              <a:rPr lang="et-EE" sz="2300" dirty="0">
+              <a:rPr lang="et-EE" sz="2000" dirty="0">
                 <a:solidFill>
                   <a:schemeClr val="accent5">
                     <a:lumMod val="50000"/>
@@ -17855,7 +17721,7 @@
               <a:t> </a:t>
             </a:r>
             <a:r>
-              <a:rPr lang="et-EE" sz="2300" dirty="0" err="1">
+              <a:rPr lang="et-EE" sz="2000" dirty="0" err="1">
                 <a:solidFill>
                   <a:schemeClr val="accent5">
                     <a:lumMod val="50000"/>
@@ -17867,7 +17733,7 @@
               <a:t>accuracy</a:t>
             </a:r>
             <a:r>
-              <a:rPr lang="et-EE" sz="2300" dirty="0">
+              <a:rPr lang="et-EE" sz="2000" dirty="0">
                 <a:solidFill>
                   <a:schemeClr val="accent5">
                     <a:lumMod val="50000"/>
@@ -17879,7 +17745,7 @@
               <a:t> of 70 % and a </a:t>
             </a:r>
             <a:r>
-              <a:rPr lang="et-EE" sz="2300" dirty="0" err="1">
+              <a:rPr lang="et-EE" sz="2000" dirty="0" err="1">
                 <a:solidFill>
                   <a:schemeClr val="accent5">
                     <a:lumMod val="50000"/>
@@ -17891,7 +17757,7 @@
               <a:t>fairly</a:t>
             </a:r>
             <a:r>
-              <a:rPr lang="et-EE" sz="2300" dirty="0">
+              <a:rPr lang="et-EE" sz="2000" dirty="0">
                 <a:solidFill>
                   <a:schemeClr val="accent5">
                     <a:lumMod val="50000"/>
@@ -17903,7 +17769,7 @@
               <a:t> </a:t>
             </a:r>
             <a:r>
-              <a:rPr lang="et-EE" sz="2300" dirty="0" err="1">
+              <a:rPr lang="et-EE" sz="2000" dirty="0" err="1">
                 <a:solidFill>
                   <a:schemeClr val="accent5">
                     <a:lumMod val="50000"/>
@@ -17915,7 +17781,7 @@
               <a:t>good</a:t>
             </a:r>
             <a:r>
-              <a:rPr lang="et-EE" sz="2300" dirty="0">
+              <a:rPr lang="et-EE" sz="2000" dirty="0">
                 <a:solidFill>
                   <a:schemeClr val="accent5">
                     <a:lumMod val="50000"/>
@@ -17927,7 +17793,7 @@
               <a:t> ROC </a:t>
             </a:r>
             <a:r>
-              <a:rPr lang="et-EE" sz="2300" dirty="0" err="1">
+              <a:rPr lang="et-EE" sz="2000" dirty="0" err="1">
                 <a:solidFill>
                   <a:schemeClr val="accent5">
                     <a:lumMod val="50000"/>
@@ -17939,7 +17805,7 @@
               <a:t>curve</a:t>
             </a:r>
             <a:r>
-              <a:rPr lang="et-EE" sz="2300" dirty="0">
+              <a:rPr lang="et-EE" sz="2000" dirty="0">
                 <a:solidFill>
                   <a:schemeClr val="accent5">
                     <a:lumMod val="50000"/>
@@ -18119,7 +17985,6 @@
               <a:rPr lang="et-EE" dirty="0" smtClean="0"/>
               <a:t>OBJECTIVES</a:t>
             </a:r>
-            <a:endParaRPr lang="et-EE" dirty="0" smtClean="0"/>
           </a:p>
         </p:txBody>
       </p:sp>
@@ -18420,14 +18285,28 @@
                 <a:latin typeface="Times New Roman" panose="02020603050405020304" pitchFamily="18" charset="0"/>
                 <a:cs typeface="Times New Roman" panose="02020603050405020304" pitchFamily="18" charset="0"/>
               </a:rPr>
-              <a:t> Project </a:t>
+              <a:t> </a:t>
             </a:r>
             <a:r>
               <a:rPr lang="et-EE" sz="2000" b="0" u="none" dirty="0" err="1" smtClean="0">
                 <a:latin typeface="Times New Roman" panose="02020603050405020304" pitchFamily="18" charset="0"/>
                 <a:cs typeface="Times New Roman" panose="02020603050405020304" pitchFamily="18" charset="0"/>
               </a:rPr>
-              <a:t>witn</a:t>
+              <a:t>project</a:t>
+            </a:r>
+            <a:r>
+              <a:rPr lang="et-EE" sz="2000" b="0" u="none" dirty="0" smtClean="0">
+                <a:latin typeface="Times New Roman" panose="02020603050405020304" pitchFamily="18" charset="0"/>
+                <a:cs typeface="Times New Roman" panose="02020603050405020304" pitchFamily="18" charset="0"/>
+              </a:rPr>
+              <a:t> </a:t>
+            </a:r>
+            <a:r>
+              <a:rPr lang="et-EE" sz="2000" b="0" u="none" dirty="0" err="1" smtClean="0">
+                <a:latin typeface="Times New Roman" panose="02020603050405020304" pitchFamily="18" charset="0"/>
+                <a:cs typeface="Times New Roman" panose="02020603050405020304" pitchFamily="18" charset="0"/>
+              </a:rPr>
+              <a:t>with</a:t>
             </a:r>
             <a:r>
               <a:rPr lang="et-EE" sz="2000" b="0" u="none" dirty="0" smtClean="0">
@@ -18559,8 +18438,19 @@
                 <a:latin typeface="Times New Roman" panose="02020603050405020304" pitchFamily="18" charset="0"/>
                 <a:cs typeface="Times New Roman" panose="02020603050405020304" pitchFamily="18" charset="0"/>
               </a:rPr>
-              <a:t> Project</a:t>
-            </a:r>
+              <a:t> </a:t>
+            </a:r>
+            <a:r>
+              <a:rPr lang="et-EE" sz="2000" b="0" u="none" dirty="0" err="1" smtClean="0">
+                <a:latin typeface="Times New Roman" panose="02020603050405020304" pitchFamily="18" charset="0"/>
+                <a:cs typeface="Times New Roman" panose="02020603050405020304" pitchFamily="18" charset="0"/>
+              </a:rPr>
+              <a:t>project</a:t>
+            </a:r>
+            <a:endParaRPr lang="et-EE" sz="2000" b="0" u="none" dirty="0" smtClean="0">
+              <a:latin typeface="Times New Roman" panose="02020603050405020304" pitchFamily="18" charset="0"/>
+              <a:cs typeface="Times New Roman" panose="02020603050405020304" pitchFamily="18" charset="0"/>
+            </a:endParaRPr>
           </a:p>
           <a:p>
             <a:pPr marL="342900" indent="-342900" algn="l">
@@ -18658,10 +18548,6 @@
               </a:rPr>
               <a:t>.</a:t>
             </a:r>
-            <a:endParaRPr lang="et-EE" sz="2000" b="0" u="none" dirty="0" smtClean="0">
-              <a:latin typeface="Times New Roman" panose="02020603050405020304" pitchFamily="18" charset="0"/>
-              <a:cs typeface="Times New Roman" panose="02020603050405020304" pitchFamily="18" charset="0"/>
-            </a:endParaRPr>
           </a:p>
         </p:txBody>
       </p:sp>
